--- a/BPMN.pptx
+++ b/BPMN.pptx
@@ -2,23 +2,28 @@
 <file path=ppt/presentation.xml><?xml version="1.0" encoding="utf-8"?>
 <p:presentation xmlns:a="http://schemas.openxmlformats.org/drawingml/2006/main" xmlns:r="http://schemas.openxmlformats.org/officeDocument/2006/relationships" xmlns:p="http://schemas.openxmlformats.org/presentationml/2006/main" saveSubsetFonts="1">
   <p:sldMasterIdLst>
-    <p:sldMasterId id="2147483648" r:id="rId1"/>
+    <p:sldMasterId id="2147483660" r:id="rId1"/>
   </p:sldMasterIdLst>
   <p:sldIdLst>
     <p:sldId id="256" r:id="rId2"/>
     <p:sldId id="258" r:id="rId3"/>
     <p:sldId id="259" r:id="rId4"/>
-    <p:sldId id="260" r:id="rId5"/>
-    <p:sldId id="261" r:id="rId6"/>
-    <p:sldId id="257" r:id="rId7"/>
+    <p:sldId id="266" r:id="rId5"/>
+    <p:sldId id="260" r:id="rId6"/>
+    <p:sldId id="261" r:id="rId7"/>
+    <p:sldId id="262" r:id="rId8"/>
+    <p:sldId id="263" r:id="rId9"/>
+    <p:sldId id="264" r:id="rId10"/>
+    <p:sldId id="265" r:id="rId11"/>
+    <p:sldId id="257" r:id="rId12"/>
   </p:sldIdLst>
   <p:sldSz cx="12192000" cy="6858000"/>
   <p:notesSz cx="6858000" cy="9144000"/>
   <p:defaultTextStyle>
     <a:defPPr>
-      <a:defRPr lang="de-DE"/>
+      <a:defRPr lang="en-US"/>
     </a:defPPr>
-    <a:lvl1pPr marL="0" algn="l" defTabSz="914400" rtl="0" eaLnBrk="1" latinLnBrk="0" hangingPunct="1">
+    <a:lvl1pPr marL="0" algn="l" defTabSz="457200" rtl="0" eaLnBrk="1" latinLnBrk="0" hangingPunct="1">
       <a:defRPr sz="1800" kern="1200">
         <a:solidFill>
           <a:schemeClr val="tx1"/>
@@ -28,7 +33,7 @@
         <a:cs typeface="+mn-cs"/>
       </a:defRPr>
     </a:lvl1pPr>
-    <a:lvl2pPr marL="457200" algn="l" defTabSz="914400" rtl="0" eaLnBrk="1" latinLnBrk="0" hangingPunct="1">
+    <a:lvl2pPr marL="457200" algn="l" defTabSz="457200" rtl="0" eaLnBrk="1" latinLnBrk="0" hangingPunct="1">
       <a:defRPr sz="1800" kern="1200">
         <a:solidFill>
           <a:schemeClr val="tx1"/>
@@ -38,7 +43,7 @@
         <a:cs typeface="+mn-cs"/>
       </a:defRPr>
     </a:lvl2pPr>
-    <a:lvl3pPr marL="914400" algn="l" defTabSz="914400" rtl="0" eaLnBrk="1" latinLnBrk="0" hangingPunct="1">
+    <a:lvl3pPr marL="914400" algn="l" defTabSz="457200" rtl="0" eaLnBrk="1" latinLnBrk="0" hangingPunct="1">
       <a:defRPr sz="1800" kern="1200">
         <a:solidFill>
           <a:schemeClr val="tx1"/>
@@ -48,7 +53,7 @@
         <a:cs typeface="+mn-cs"/>
       </a:defRPr>
     </a:lvl3pPr>
-    <a:lvl4pPr marL="1371600" algn="l" defTabSz="914400" rtl="0" eaLnBrk="1" latinLnBrk="0" hangingPunct="1">
+    <a:lvl4pPr marL="1371600" algn="l" defTabSz="457200" rtl="0" eaLnBrk="1" latinLnBrk="0" hangingPunct="1">
       <a:defRPr sz="1800" kern="1200">
         <a:solidFill>
           <a:schemeClr val="tx1"/>
@@ -58,7 +63,7 @@
         <a:cs typeface="+mn-cs"/>
       </a:defRPr>
     </a:lvl4pPr>
-    <a:lvl5pPr marL="1828800" algn="l" defTabSz="914400" rtl="0" eaLnBrk="1" latinLnBrk="0" hangingPunct="1">
+    <a:lvl5pPr marL="1828800" algn="l" defTabSz="457200" rtl="0" eaLnBrk="1" latinLnBrk="0" hangingPunct="1">
       <a:defRPr sz="1800" kern="1200">
         <a:solidFill>
           <a:schemeClr val="tx1"/>
@@ -68,7 +73,7 @@
         <a:cs typeface="+mn-cs"/>
       </a:defRPr>
     </a:lvl5pPr>
-    <a:lvl6pPr marL="2286000" algn="l" defTabSz="914400" rtl="0" eaLnBrk="1" latinLnBrk="0" hangingPunct="1">
+    <a:lvl6pPr marL="2286000" algn="l" defTabSz="457200" rtl="0" eaLnBrk="1" latinLnBrk="0" hangingPunct="1">
       <a:defRPr sz="1800" kern="1200">
         <a:solidFill>
           <a:schemeClr val="tx1"/>
@@ -78,7 +83,7 @@
         <a:cs typeface="+mn-cs"/>
       </a:defRPr>
     </a:lvl6pPr>
-    <a:lvl7pPr marL="2743200" algn="l" defTabSz="914400" rtl="0" eaLnBrk="1" latinLnBrk="0" hangingPunct="1">
+    <a:lvl7pPr marL="2743200" algn="l" defTabSz="457200" rtl="0" eaLnBrk="1" latinLnBrk="0" hangingPunct="1">
       <a:defRPr sz="1800" kern="1200">
         <a:solidFill>
           <a:schemeClr val="tx1"/>
@@ -88,7 +93,7 @@
         <a:cs typeface="+mn-cs"/>
       </a:defRPr>
     </a:lvl7pPr>
-    <a:lvl8pPr marL="3200400" algn="l" defTabSz="914400" rtl="0" eaLnBrk="1" latinLnBrk="0" hangingPunct="1">
+    <a:lvl8pPr marL="3200400" algn="l" defTabSz="457200" rtl="0" eaLnBrk="1" latinLnBrk="0" hangingPunct="1">
       <a:defRPr sz="1800" kern="1200">
         <a:solidFill>
           <a:schemeClr val="tx1"/>
@@ -98,7 +103,7 @@
         <a:cs typeface="+mn-cs"/>
       </a:defRPr>
     </a:lvl8pPr>
-    <a:lvl9pPr marL="3657600" algn="l" defTabSz="914400" rtl="0" eaLnBrk="1" latinLnBrk="0" hangingPunct="1">
+    <a:lvl9pPr marL="3657600" algn="l" defTabSz="457200" rtl="0" eaLnBrk="1" latinLnBrk="0" hangingPunct="1">
       <a:defRPr sz="1800" kern="1200">
         <a:solidFill>
           <a:schemeClr val="tx1"/>
@@ -118,7 +123,7 @@
 </file>
 
 <file path=ppt/slideLayouts/slideLayout1.xml><?xml version="1.0" encoding="utf-8"?>
-<p:sldLayout xmlns:a="http://schemas.openxmlformats.org/drawingml/2006/main" xmlns:r="http://schemas.openxmlformats.org/officeDocument/2006/relationships" xmlns:p="http://schemas.openxmlformats.org/presentationml/2006/main" type="title" preserve="1">
+<p:sldLayout xmlns:a="http://schemas.openxmlformats.org/drawingml/2006/main" xmlns:r="http://schemas.openxmlformats.org/officeDocument/2006/relationships" xmlns:p="http://schemas.openxmlformats.org/presentationml/2006/main" showMasterSp="0" type="title" preserve="1">
   <p:cSld name="Titelfolie">
     <p:spTree>
       <p:nvGrpSpPr>
@@ -134,15 +139,539 @@
           <a:chExt cx="0" cy="0"/>
         </a:xfrm>
       </p:grpSpPr>
-      <p:sp>
-        <p:nvSpPr>
-          <p:cNvPr id="2" name="Titel 1">
-            <a:extLst>
-              <a:ext uri="{FF2B5EF4-FFF2-40B4-BE49-F238E27FC236}">
-                <a16:creationId xmlns:a16="http://schemas.microsoft.com/office/drawing/2014/main" id="{9AC935BD-C25E-4CC5-84A0-2113123BC06A}"/>
-              </a:ext>
-            </a:extLst>
-          </p:cNvPr>
+      <p:grpSp>
+        <p:nvGrpSpPr>
+          <p:cNvPr id="7" name="Group 6"/>
+          <p:cNvGrpSpPr/>
+          <p:nvPr/>
+        </p:nvGrpSpPr>
+        <p:grpSpPr>
+          <a:xfrm>
+            <a:off x="0" y="-8467"/>
+            <a:ext cx="12192000" cy="6866467"/>
+            <a:chOff x="0" y="-8467"/>
+            <a:chExt cx="12192000" cy="6866467"/>
+          </a:xfrm>
+        </p:grpSpPr>
+        <p:cxnSp>
+          <p:nvCxnSpPr>
+            <p:cNvPr id="32" name="Straight Connector 31"/>
+            <p:cNvCxnSpPr/>
+            <p:nvPr/>
+          </p:nvCxnSpPr>
+          <p:spPr>
+            <a:xfrm>
+              <a:off x="9371012" y="0"/>
+              <a:ext cx="1219200" cy="6858000"/>
+            </a:xfrm>
+            <a:prstGeom prst="line">
+              <a:avLst/>
+            </a:prstGeom>
+            <a:ln w="9525">
+              <a:solidFill>
+                <a:schemeClr val="bg1">
+                  <a:lumMod val="75000"/>
+                </a:schemeClr>
+              </a:solidFill>
+            </a:ln>
+          </p:spPr>
+          <p:style>
+            <a:lnRef idx="2">
+              <a:schemeClr val="accent1"/>
+            </a:lnRef>
+            <a:fillRef idx="0">
+              <a:schemeClr val="accent1"/>
+            </a:fillRef>
+            <a:effectRef idx="1">
+              <a:schemeClr val="accent1"/>
+            </a:effectRef>
+            <a:fontRef idx="minor">
+              <a:schemeClr val="tx1"/>
+            </a:fontRef>
+          </p:style>
+        </p:cxnSp>
+        <p:cxnSp>
+          <p:nvCxnSpPr>
+            <p:cNvPr id="21" name="Straight Connector 20"/>
+            <p:cNvCxnSpPr/>
+            <p:nvPr/>
+          </p:nvCxnSpPr>
+          <p:spPr>
+            <a:xfrm flipH="1">
+              <a:off x="7425267" y="3681413"/>
+              <a:ext cx="4763558" cy="3176587"/>
+            </a:xfrm>
+            <a:prstGeom prst="line">
+              <a:avLst/>
+            </a:prstGeom>
+            <a:ln w="9525">
+              <a:solidFill>
+                <a:schemeClr val="bg1">
+                  <a:lumMod val="85000"/>
+                </a:schemeClr>
+              </a:solidFill>
+            </a:ln>
+          </p:spPr>
+          <p:style>
+            <a:lnRef idx="2">
+              <a:schemeClr val="accent1"/>
+            </a:lnRef>
+            <a:fillRef idx="0">
+              <a:schemeClr val="accent1"/>
+            </a:fillRef>
+            <a:effectRef idx="1">
+              <a:schemeClr val="accent1"/>
+            </a:effectRef>
+            <a:fontRef idx="minor">
+              <a:schemeClr val="tx1"/>
+            </a:fontRef>
+          </p:style>
+        </p:cxnSp>
+        <p:sp>
+          <p:nvSpPr>
+            <p:cNvPr id="24" name="Rectangle 23"/>
+            <p:cNvSpPr/>
+            <p:nvPr/>
+          </p:nvSpPr>
+          <p:spPr>
+            <a:xfrm>
+              <a:off x="9181476" y="-8467"/>
+              <a:ext cx="3007349" cy="6866467"/>
+            </a:xfrm>
+            <a:custGeom>
+              <a:avLst/>
+              <a:gdLst/>
+              <a:ahLst/>
+              <a:cxnLst/>
+              <a:rect l="l" t="t" r="r" b="b"/>
+              <a:pathLst>
+                <a:path w="3007349" h="6866467">
+                  <a:moveTo>
+                    <a:pt x="2045532" y="0"/>
+                  </a:moveTo>
+                  <a:lnTo>
+                    <a:pt x="3007349" y="0"/>
+                  </a:lnTo>
+                  <a:lnTo>
+                    <a:pt x="3007349" y="6866467"/>
+                  </a:lnTo>
+                  <a:lnTo>
+                    <a:pt x="0" y="6866467"/>
+                  </a:lnTo>
+                  <a:lnTo>
+                    <a:pt x="2045532" y="0"/>
+                  </a:lnTo>
+                  <a:close/>
+                </a:path>
+              </a:pathLst>
+            </a:custGeom>
+            <a:solidFill>
+              <a:schemeClr val="accent1">
+                <a:alpha val="30000"/>
+              </a:schemeClr>
+            </a:solidFill>
+            <a:ln>
+              <a:noFill/>
+            </a:ln>
+            <a:effectLst/>
+          </p:spPr>
+          <p:style>
+            <a:lnRef idx="1">
+              <a:schemeClr val="accent1"/>
+            </a:lnRef>
+            <a:fillRef idx="3">
+              <a:schemeClr val="accent1"/>
+            </a:fillRef>
+            <a:effectRef idx="2">
+              <a:schemeClr val="accent1"/>
+            </a:effectRef>
+            <a:fontRef idx="minor">
+              <a:schemeClr val="lt1"/>
+            </a:fontRef>
+          </p:style>
+        </p:sp>
+        <p:sp>
+          <p:nvSpPr>
+            <p:cNvPr id="26" name="Rectangle 25"/>
+            <p:cNvSpPr/>
+            <p:nvPr/>
+          </p:nvSpPr>
+          <p:spPr>
+            <a:xfrm>
+              <a:off x="9603442" y="-8467"/>
+              <a:ext cx="2588558" cy="6866467"/>
+            </a:xfrm>
+            <a:custGeom>
+              <a:avLst/>
+              <a:gdLst/>
+              <a:ahLst/>
+              <a:cxnLst/>
+              <a:rect l="l" t="t" r="r" b="b"/>
+              <a:pathLst>
+                <a:path w="2573311" h="6866467">
+                  <a:moveTo>
+                    <a:pt x="0" y="0"/>
+                  </a:moveTo>
+                  <a:lnTo>
+                    <a:pt x="2573311" y="0"/>
+                  </a:lnTo>
+                  <a:lnTo>
+                    <a:pt x="2573311" y="6866467"/>
+                  </a:lnTo>
+                  <a:lnTo>
+                    <a:pt x="1202336" y="6866467"/>
+                  </a:lnTo>
+                  <a:lnTo>
+                    <a:pt x="0" y="0"/>
+                  </a:lnTo>
+                  <a:close/>
+                </a:path>
+              </a:pathLst>
+            </a:custGeom>
+            <a:solidFill>
+              <a:schemeClr val="accent1">
+                <a:alpha val="20000"/>
+              </a:schemeClr>
+            </a:solidFill>
+            <a:ln>
+              <a:noFill/>
+            </a:ln>
+            <a:effectLst/>
+          </p:spPr>
+          <p:style>
+            <a:lnRef idx="1">
+              <a:schemeClr val="accent1"/>
+            </a:lnRef>
+            <a:fillRef idx="3">
+              <a:schemeClr val="accent1"/>
+            </a:fillRef>
+            <a:effectRef idx="2">
+              <a:schemeClr val="accent1"/>
+            </a:effectRef>
+            <a:fontRef idx="minor">
+              <a:schemeClr val="lt1"/>
+            </a:fontRef>
+          </p:style>
+        </p:sp>
+        <p:sp>
+          <p:nvSpPr>
+            <p:cNvPr id="27" name="Isosceles Triangle 26"/>
+            <p:cNvSpPr/>
+            <p:nvPr/>
+          </p:nvSpPr>
+          <p:spPr>
+            <a:xfrm>
+              <a:off x="8932333" y="3048000"/>
+              <a:ext cx="3259667" cy="3810000"/>
+            </a:xfrm>
+            <a:prstGeom prst="triangle">
+              <a:avLst>
+                <a:gd name="adj" fmla="val 100000"/>
+              </a:avLst>
+            </a:prstGeom>
+            <a:solidFill>
+              <a:schemeClr val="accent2">
+                <a:alpha val="72000"/>
+              </a:schemeClr>
+            </a:solidFill>
+            <a:ln>
+              <a:noFill/>
+            </a:ln>
+            <a:effectLst/>
+          </p:spPr>
+          <p:style>
+            <a:lnRef idx="1">
+              <a:schemeClr val="accent1"/>
+            </a:lnRef>
+            <a:fillRef idx="3">
+              <a:schemeClr val="accent1"/>
+            </a:fillRef>
+            <a:effectRef idx="2">
+              <a:schemeClr val="accent1"/>
+            </a:effectRef>
+            <a:fontRef idx="minor">
+              <a:schemeClr val="lt1"/>
+            </a:fontRef>
+          </p:style>
+        </p:sp>
+        <p:sp>
+          <p:nvSpPr>
+            <p:cNvPr id="28" name="Rectangle 27"/>
+            <p:cNvSpPr/>
+            <p:nvPr/>
+          </p:nvSpPr>
+          <p:spPr>
+            <a:xfrm>
+              <a:off x="9334500" y="-8467"/>
+              <a:ext cx="2854326" cy="6866467"/>
+            </a:xfrm>
+            <a:custGeom>
+              <a:avLst/>
+              <a:gdLst/>
+              <a:ahLst/>
+              <a:cxnLst/>
+              <a:rect l="l" t="t" r="r" b="b"/>
+              <a:pathLst>
+                <a:path w="2858013" h="6866467">
+                  <a:moveTo>
+                    <a:pt x="0" y="0"/>
+                  </a:moveTo>
+                  <a:lnTo>
+                    <a:pt x="2858013" y="0"/>
+                  </a:lnTo>
+                  <a:lnTo>
+                    <a:pt x="2858013" y="6866467"/>
+                  </a:lnTo>
+                  <a:lnTo>
+                    <a:pt x="2473942" y="6866467"/>
+                  </a:lnTo>
+                  <a:lnTo>
+                    <a:pt x="0" y="0"/>
+                  </a:lnTo>
+                  <a:close/>
+                </a:path>
+              </a:pathLst>
+            </a:custGeom>
+            <a:solidFill>
+              <a:schemeClr val="accent2">
+                <a:lumMod val="75000"/>
+                <a:alpha val="70000"/>
+              </a:schemeClr>
+            </a:solidFill>
+            <a:ln>
+              <a:noFill/>
+            </a:ln>
+            <a:effectLst/>
+          </p:spPr>
+          <p:style>
+            <a:lnRef idx="1">
+              <a:schemeClr val="accent1"/>
+            </a:lnRef>
+            <a:fillRef idx="3">
+              <a:schemeClr val="accent1"/>
+            </a:fillRef>
+            <a:effectRef idx="2">
+              <a:schemeClr val="accent1"/>
+            </a:effectRef>
+            <a:fontRef idx="minor">
+              <a:schemeClr val="lt1"/>
+            </a:fontRef>
+          </p:style>
+        </p:sp>
+        <p:sp>
+          <p:nvSpPr>
+            <p:cNvPr id="29" name="Rectangle 28"/>
+            <p:cNvSpPr/>
+            <p:nvPr/>
+          </p:nvSpPr>
+          <p:spPr>
+            <a:xfrm>
+              <a:off x="10898730" y="-8467"/>
+              <a:ext cx="1290094" cy="6866467"/>
+            </a:xfrm>
+            <a:custGeom>
+              <a:avLst/>
+              <a:gdLst/>
+              <a:ahLst/>
+              <a:cxnLst/>
+              <a:rect l="l" t="t" r="r" b="b"/>
+              <a:pathLst>
+                <a:path w="1290094" h="6858000">
+                  <a:moveTo>
+                    <a:pt x="1019735" y="0"/>
+                  </a:moveTo>
+                  <a:lnTo>
+                    <a:pt x="1290094" y="0"/>
+                  </a:lnTo>
+                  <a:lnTo>
+                    <a:pt x="1290094" y="6858000"/>
+                  </a:lnTo>
+                  <a:lnTo>
+                    <a:pt x="0" y="6858000"/>
+                  </a:lnTo>
+                  <a:lnTo>
+                    <a:pt x="1019735" y="0"/>
+                  </a:lnTo>
+                  <a:close/>
+                </a:path>
+              </a:pathLst>
+            </a:custGeom>
+            <a:solidFill>
+              <a:schemeClr val="accent1">
+                <a:lumMod val="60000"/>
+                <a:lumOff val="40000"/>
+                <a:alpha val="70000"/>
+              </a:schemeClr>
+            </a:solidFill>
+            <a:ln>
+              <a:noFill/>
+            </a:ln>
+            <a:effectLst/>
+          </p:spPr>
+          <p:style>
+            <a:lnRef idx="1">
+              <a:schemeClr val="accent1"/>
+            </a:lnRef>
+            <a:fillRef idx="3">
+              <a:schemeClr val="accent1"/>
+            </a:fillRef>
+            <a:effectRef idx="2">
+              <a:schemeClr val="accent1"/>
+            </a:effectRef>
+            <a:fontRef idx="minor">
+              <a:schemeClr val="lt1"/>
+            </a:fontRef>
+          </p:style>
+        </p:sp>
+        <p:sp>
+          <p:nvSpPr>
+            <p:cNvPr id="30" name="Rectangle 29"/>
+            <p:cNvSpPr/>
+            <p:nvPr/>
+          </p:nvSpPr>
+          <p:spPr>
+            <a:xfrm>
+              <a:off x="10938999" y="-8467"/>
+              <a:ext cx="1249825" cy="6866467"/>
+            </a:xfrm>
+            <a:custGeom>
+              <a:avLst/>
+              <a:gdLst/>
+              <a:ahLst/>
+              <a:cxnLst/>
+              <a:rect l="l" t="t" r="r" b="b"/>
+              <a:pathLst>
+                <a:path w="1249825" h="6858000">
+                  <a:moveTo>
+                    <a:pt x="0" y="0"/>
+                  </a:moveTo>
+                  <a:lnTo>
+                    <a:pt x="1249825" y="0"/>
+                  </a:lnTo>
+                  <a:lnTo>
+                    <a:pt x="1249825" y="6858000"/>
+                  </a:lnTo>
+                  <a:lnTo>
+                    <a:pt x="1109382" y="6858000"/>
+                  </a:lnTo>
+                  <a:lnTo>
+                    <a:pt x="0" y="0"/>
+                  </a:lnTo>
+                  <a:close/>
+                </a:path>
+              </a:pathLst>
+            </a:custGeom>
+            <a:solidFill>
+              <a:schemeClr val="accent1">
+                <a:alpha val="65000"/>
+              </a:schemeClr>
+            </a:solidFill>
+            <a:ln>
+              <a:noFill/>
+            </a:ln>
+            <a:effectLst/>
+          </p:spPr>
+          <p:style>
+            <a:lnRef idx="1">
+              <a:schemeClr val="accent1"/>
+            </a:lnRef>
+            <a:fillRef idx="3">
+              <a:schemeClr val="accent1"/>
+            </a:fillRef>
+            <a:effectRef idx="2">
+              <a:schemeClr val="accent1"/>
+            </a:effectRef>
+            <a:fontRef idx="minor">
+              <a:schemeClr val="lt1"/>
+            </a:fontRef>
+          </p:style>
+        </p:sp>
+        <p:sp>
+          <p:nvSpPr>
+            <p:cNvPr id="31" name="Isosceles Triangle 30"/>
+            <p:cNvSpPr/>
+            <p:nvPr/>
+          </p:nvSpPr>
+          <p:spPr>
+            <a:xfrm>
+              <a:off x="10371666" y="3589867"/>
+              <a:ext cx="1817159" cy="3268133"/>
+            </a:xfrm>
+            <a:prstGeom prst="triangle">
+              <a:avLst>
+                <a:gd name="adj" fmla="val 100000"/>
+              </a:avLst>
+            </a:prstGeom>
+            <a:solidFill>
+              <a:schemeClr val="accent1">
+                <a:alpha val="80000"/>
+              </a:schemeClr>
+            </a:solidFill>
+            <a:ln>
+              <a:noFill/>
+            </a:ln>
+            <a:effectLst/>
+          </p:spPr>
+          <p:style>
+            <a:lnRef idx="1">
+              <a:schemeClr val="accent1"/>
+            </a:lnRef>
+            <a:fillRef idx="3">
+              <a:schemeClr val="accent1"/>
+            </a:fillRef>
+            <a:effectRef idx="2">
+              <a:schemeClr val="accent1"/>
+            </a:effectRef>
+            <a:fontRef idx="minor">
+              <a:schemeClr val="lt1"/>
+            </a:fontRef>
+          </p:style>
+        </p:sp>
+        <p:sp>
+          <p:nvSpPr>
+            <p:cNvPr id="19" name="Isosceles Triangle 18"/>
+            <p:cNvSpPr/>
+            <p:nvPr/>
+          </p:nvSpPr>
+          <p:spPr>
+            <a:xfrm rot="10800000">
+              <a:off x="0" y="0"/>
+              <a:ext cx="842596" cy="5666154"/>
+            </a:xfrm>
+            <a:prstGeom prst="triangle">
+              <a:avLst>
+                <a:gd name="adj" fmla="val 100000"/>
+              </a:avLst>
+            </a:prstGeom>
+            <a:solidFill>
+              <a:schemeClr val="accent1">
+                <a:alpha val="85000"/>
+              </a:schemeClr>
+            </a:solidFill>
+            <a:ln>
+              <a:noFill/>
+            </a:ln>
+            <a:effectLst/>
+          </p:spPr>
+          <p:style>
+            <a:lnRef idx="1">
+              <a:schemeClr val="accent1"/>
+            </a:lnRef>
+            <a:fillRef idx="3">
+              <a:schemeClr val="accent1"/>
+            </a:fillRef>
+            <a:effectRef idx="2">
+              <a:schemeClr val="accent1"/>
+            </a:effectRef>
+            <a:fontRef idx="minor">
+              <a:schemeClr val="lt1"/>
+            </a:fontRef>
+          </p:style>
+        </p:sp>
+      </p:grpSp>
+      <p:sp>
+        <p:nvSpPr>
+          <p:cNvPr id="2" name="Title 1"/>
           <p:cNvSpPr>
             <a:spLocks noGrp="1"/>
           </p:cNvSpPr>
@@ -152,15 +681,21 @@
         </p:nvSpPr>
         <p:spPr>
           <a:xfrm>
-            <a:off x="1524000" y="1122363"/>
-            <a:ext cx="9144000" cy="2387600"/>
+            <a:off x="1507067" y="2404534"/>
+            <a:ext cx="7766936" cy="1646302"/>
           </a:xfrm>
         </p:spPr>
         <p:txBody>
-          <a:bodyPr anchor="b"/>
+          <a:bodyPr anchor="b">
+            <a:noAutofit/>
+          </a:bodyPr>
           <a:lstStyle>
-            <a:lvl1pPr algn="ctr">
-              <a:defRPr sz="6000"/>
+            <a:lvl1pPr algn="r">
+              <a:defRPr sz="5400">
+                <a:solidFill>
+                  <a:schemeClr val="accent1"/>
+                </a:solidFill>
+              </a:defRPr>
             </a:lvl1pPr>
           </a:lstStyle>
           <a:p>
@@ -168,19 +703,13 @@
               <a:rPr lang="de-DE"/>
               <a:t>Mastertitelformat bearbeiten</a:t>
             </a:r>
-            <a:endParaRPr lang="de-AT"/>
-          </a:p>
-        </p:txBody>
-      </p:sp>
-      <p:sp>
-        <p:nvSpPr>
-          <p:cNvPr id="3" name="Untertitel 2">
-            <a:extLst>
-              <a:ext uri="{FF2B5EF4-FFF2-40B4-BE49-F238E27FC236}">
-                <a16:creationId xmlns:a16="http://schemas.microsoft.com/office/drawing/2014/main" id="{96600F1E-BC9F-47F8-B3ED-2B88AB480E1E}"/>
-              </a:ext>
-            </a:extLst>
-          </p:cNvPr>
+            <a:endParaRPr lang="en-US" dirty="0"/>
+          </a:p>
+        </p:txBody>
+      </p:sp>
+      <p:sp>
+        <p:nvSpPr>
+          <p:cNvPr id="3" name="Subtitle 2"/>
           <p:cNvSpPr>
             <a:spLocks noGrp="1"/>
           </p:cNvSpPr>
@@ -190,48 +719,103 @@
         </p:nvSpPr>
         <p:spPr>
           <a:xfrm>
-            <a:off x="1524000" y="3602038"/>
-            <a:ext cx="9144000" cy="1655762"/>
+            <a:off x="1507067" y="4050833"/>
+            <a:ext cx="7766936" cy="1096899"/>
           </a:xfrm>
         </p:spPr>
         <p:txBody>
-          <a:bodyPr/>
+          <a:bodyPr anchor="t"/>
           <a:lstStyle>
-            <a:lvl1pPr marL="0" indent="0" algn="ctr">
-              <a:buNone/>
-              <a:defRPr sz="2400"/>
+            <a:lvl1pPr marL="0" indent="0" algn="r">
+              <a:buNone/>
+              <a:defRPr>
+                <a:solidFill>
+                  <a:schemeClr val="tx1">
+                    <a:lumMod val="50000"/>
+                    <a:lumOff val="50000"/>
+                  </a:schemeClr>
+                </a:solidFill>
+              </a:defRPr>
             </a:lvl1pPr>
             <a:lvl2pPr marL="457200" indent="0" algn="ctr">
               <a:buNone/>
-              <a:defRPr sz="2000"/>
+              <a:defRPr>
+                <a:solidFill>
+                  <a:schemeClr val="tx1">
+                    <a:tint val="75000"/>
+                  </a:schemeClr>
+                </a:solidFill>
+              </a:defRPr>
             </a:lvl2pPr>
             <a:lvl3pPr marL="914400" indent="0" algn="ctr">
               <a:buNone/>
-              <a:defRPr sz="1800"/>
+              <a:defRPr>
+                <a:solidFill>
+                  <a:schemeClr val="tx1">
+                    <a:tint val="75000"/>
+                  </a:schemeClr>
+                </a:solidFill>
+              </a:defRPr>
             </a:lvl3pPr>
             <a:lvl4pPr marL="1371600" indent="0" algn="ctr">
               <a:buNone/>
-              <a:defRPr sz="1600"/>
+              <a:defRPr>
+                <a:solidFill>
+                  <a:schemeClr val="tx1">
+                    <a:tint val="75000"/>
+                  </a:schemeClr>
+                </a:solidFill>
+              </a:defRPr>
             </a:lvl4pPr>
             <a:lvl5pPr marL="1828800" indent="0" algn="ctr">
               <a:buNone/>
-              <a:defRPr sz="1600"/>
+              <a:defRPr>
+                <a:solidFill>
+                  <a:schemeClr val="tx1">
+                    <a:tint val="75000"/>
+                  </a:schemeClr>
+                </a:solidFill>
+              </a:defRPr>
             </a:lvl5pPr>
             <a:lvl6pPr marL="2286000" indent="0" algn="ctr">
               <a:buNone/>
-              <a:defRPr sz="1600"/>
+              <a:defRPr>
+                <a:solidFill>
+                  <a:schemeClr val="tx1">
+                    <a:tint val="75000"/>
+                  </a:schemeClr>
+                </a:solidFill>
+              </a:defRPr>
             </a:lvl6pPr>
             <a:lvl7pPr marL="2743200" indent="0" algn="ctr">
               <a:buNone/>
-              <a:defRPr sz="1600"/>
+              <a:defRPr>
+                <a:solidFill>
+                  <a:schemeClr val="tx1">
+                    <a:tint val="75000"/>
+                  </a:schemeClr>
+                </a:solidFill>
+              </a:defRPr>
             </a:lvl7pPr>
             <a:lvl8pPr marL="3200400" indent="0" algn="ctr">
               <a:buNone/>
-              <a:defRPr sz="1600"/>
+              <a:defRPr>
+                <a:solidFill>
+                  <a:schemeClr val="tx1">
+                    <a:tint val="75000"/>
+                  </a:schemeClr>
+                </a:solidFill>
+              </a:defRPr>
             </a:lvl8pPr>
             <a:lvl9pPr marL="3657600" indent="0" algn="ctr">
               <a:buNone/>
-              <a:defRPr sz="1600"/>
+              <a:defRPr>
+                <a:solidFill>
+                  <a:schemeClr val="tx1">
+                    <a:tint val="75000"/>
+                  </a:schemeClr>
+                </a:solidFill>
+              </a:defRPr>
             </a:lvl9pPr>
           </a:lstStyle>
           <a:p>
@@ -239,19 +823,13 @@
               <a:rPr lang="de-DE"/>
               <a:t>Master-Untertitelformat bearbeiten</a:t>
             </a:r>
-            <a:endParaRPr lang="de-AT"/>
-          </a:p>
-        </p:txBody>
-      </p:sp>
-      <p:sp>
-        <p:nvSpPr>
-          <p:cNvPr id="4" name="Datumsplatzhalter 3">
-            <a:extLst>
-              <a:ext uri="{FF2B5EF4-FFF2-40B4-BE49-F238E27FC236}">
-                <a16:creationId xmlns:a16="http://schemas.microsoft.com/office/drawing/2014/main" id="{E17BC691-2ECC-431D-A102-A0B3685A2234}"/>
-              </a:ext>
-            </a:extLst>
-          </p:cNvPr>
+            <a:endParaRPr lang="en-US" dirty="0"/>
+          </a:p>
+        </p:txBody>
+      </p:sp>
+      <p:sp>
+        <p:nvSpPr>
+          <p:cNvPr id="4" name="Date Placeholder 3"/>
           <p:cNvSpPr>
             <a:spLocks noGrp="1"/>
           </p:cNvSpPr>
@@ -266,7 +844,7 @@
           <a:p>
             <a:fld id="{DCAEF972-E3B3-4410-99AA-A26762AFA263}" type="datetimeFigureOut">
               <a:rPr lang="de-AT" smtClean="0"/>
-              <a:t>14.02.2022</a:t>
+              <a:t>28.02.2022</a:t>
             </a:fld>
             <a:endParaRPr lang="de-AT"/>
           </a:p>
@@ -274,13 +852,7 @@
       </p:sp>
       <p:sp>
         <p:nvSpPr>
-          <p:cNvPr id="5" name="Fußzeilenplatzhalter 4">
-            <a:extLst>
-              <a:ext uri="{FF2B5EF4-FFF2-40B4-BE49-F238E27FC236}">
-                <a16:creationId xmlns:a16="http://schemas.microsoft.com/office/drawing/2014/main" id="{A13BC587-DB3B-44C8-8D83-234EAB0A51B3}"/>
-              </a:ext>
-            </a:extLst>
-          </p:cNvPr>
+          <p:cNvPr id="5" name="Footer Placeholder 4"/>
           <p:cNvSpPr>
             <a:spLocks noGrp="1"/>
           </p:cNvSpPr>
@@ -299,13 +871,7 @@
       </p:sp>
       <p:sp>
         <p:nvSpPr>
-          <p:cNvPr id="6" name="Foliennummernplatzhalter 5">
-            <a:extLst>
-              <a:ext uri="{FF2B5EF4-FFF2-40B4-BE49-F238E27FC236}">
-                <a16:creationId xmlns:a16="http://schemas.microsoft.com/office/drawing/2014/main" id="{DAB6D55C-37CB-42D8-B99A-1945049CBA4B}"/>
-              </a:ext>
-            </a:extLst>
-          </p:cNvPr>
+          <p:cNvPr id="6" name="Slide Number Placeholder 5"/>
           <p:cNvSpPr>
             <a:spLocks noGrp="1"/>
           </p:cNvSpPr>
@@ -329,7 +895,7 @@
     </p:spTree>
     <p:extLst>
       <p:ext uri="{BB962C8B-B14F-4D97-AF65-F5344CB8AC3E}">
-        <p14:creationId xmlns:p14="http://schemas.microsoft.com/office/powerpoint/2010/main" val="4275128259"/>
+        <p14:creationId xmlns:p14="http://schemas.microsoft.com/office/powerpoint/2010/main" val="3828551564"/>
       </p:ext>
     </p:extLst>
   </p:cSld>
@@ -340,6 +906,1619 @@
 </file>
 
 <file path=ppt/slideLayouts/slideLayout10.xml><?xml version="1.0" encoding="utf-8"?>
+<p:sldLayout xmlns:a="http://schemas.openxmlformats.org/drawingml/2006/main" xmlns:r="http://schemas.openxmlformats.org/officeDocument/2006/relationships" xmlns:p="http://schemas.openxmlformats.org/presentationml/2006/main" preserve="1">
+  <p:cSld name="Titel und Beschriftung">
+    <p:spTree>
+      <p:nvGrpSpPr>
+        <p:cNvPr id="1" name=""/>
+        <p:cNvGrpSpPr/>
+        <p:nvPr/>
+      </p:nvGrpSpPr>
+      <p:grpSpPr>
+        <a:xfrm>
+          <a:off x="0" y="0"/>
+          <a:ext cx="0" cy="0"/>
+          <a:chOff x="0" y="0"/>
+          <a:chExt cx="0" cy="0"/>
+        </a:xfrm>
+      </p:grpSpPr>
+      <p:sp>
+        <p:nvSpPr>
+          <p:cNvPr id="2" name="Title 1"/>
+          <p:cNvSpPr>
+            <a:spLocks noGrp="1"/>
+          </p:cNvSpPr>
+          <p:nvPr>
+            <p:ph type="title"/>
+          </p:nvPr>
+        </p:nvSpPr>
+        <p:spPr>
+          <a:xfrm>
+            <a:off x="677335" y="609600"/>
+            <a:ext cx="8596668" cy="3403600"/>
+          </a:xfrm>
+        </p:spPr>
+        <p:txBody>
+          <a:bodyPr anchor="ctr">
+            <a:normAutofit/>
+          </a:bodyPr>
+          <a:lstStyle>
+            <a:lvl1pPr algn="l">
+              <a:defRPr sz="4400" b="0" cap="none"/>
+            </a:lvl1pPr>
+          </a:lstStyle>
+          <a:p>
+            <a:r>
+              <a:rPr lang="de-DE"/>
+              <a:t>Mastertitelformat bearbeiten</a:t>
+            </a:r>
+            <a:endParaRPr lang="en-US" dirty="0"/>
+          </a:p>
+        </p:txBody>
+      </p:sp>
+      <p:sp>
+        <p:nvSpPr>
+          <p:cNvPr id="3" name="Text Placeholder 2"/>
+          <p:cNvSpPr>
+            <a:spLocks noGrp="1"/>
+          </p:cNvSpPr>
+          <p:nvPr>
+            <p:ph type="body" idx="1"/>
+          </p:nvPr>
+        </p:nvSpPr>
+        <p:spPr>
+          <a:xfrm>
+            <a:off x="677335" y="4470400"/>
+            <a:ext cx="8596668" cy="1570962"/>
+          </a:xfrm>
+        </p:spPr>
+        <p:txBody>
+          <a:bodyPr anchor="ctr">
+            <a:normAutofit/>
+          </a:bodyPr>
+          <a:lstStyle>
+            <a:lvl1pPr marL="0" indent="0" algn="l">
+              <a:buNone/>
+              <a:defRPr sz="1800">
+                <a:solidFill>
+                  <a:schemeClr val="tx1">
+                    <a:lumMod val="75000"/>
+                    <a:lumOff val="25000"/>
+                  </a:schemeClr>
+                </a:solidFill>
+              </a:defRPr>
+            </a:lvl1pPr>
+            <a:lvl2pPr marL="457200" indent="0">
+              <a:buNone/>
+              <a:defRPr sz="1800">
+                <a:solidFill>
+                  <a:schemeClr val="tx1">
+                    <a:tint val="75000"/>
+                  </a:schemeClr>
+                </a:solidFill>
+              </a:defRPr>
+            </a:lvl2pPr>
+            <a:lvl3pPr marL="914400" indent="0">
+              <a:buNone/>
+              <a:defRPr sz="1600">
+                <a:solidFill>
+                  <a:schemeClr val="tx1">
+                    <a:tint val="75000"/>
+                  </a:schemeClr>
+                </a:solidFill>
+              </a:defRPr>
+            </a:lvl3pPr>
+            <a:lvl4pPr marL="1371600" indent="0">
+              <a:buNone/>
+              <a:defRPr sz="1400">
+                <a:solidFill>
+                  <a:schemeClr val="tx1">
+                    <a:tint val="75000"/>
+                  </a:schemeClr>
+                </a:solidFill>
+              </a:defRPr>
+            </a:lvl4pPr>
+            <a:lvl5pPr marL="1828800" indent="0">
+              <a:buNone/>
+              <a:defRPr sz="1400">
+                <a:solidFill>
+                  <a:schemeClr val="tx1">
+                    <a:tint val="75000"/>
+                  </a:schemeClr>
+                </a:solidFill>
+              </a:defRPr>
+            </a:lvl5pPr>
+            <a:lvl6pPr marL="2286000" indent="0">
+              <a:buNone/>
+              <a:defRPr sz="1400">
+                <a:solidFill>
+                  <a:schemeClr val="tx1">
+                    <a:tint val="75000"/>
+                  </a:schemeClr>
+                </a:solidFill>
+              </a:defRPr>
+            </a:lvl6pPr>
+            <a:lvl7pPr marL="2743200" indent="0">
+              <a:buNone/>
+              <a:defRPr sz="1400">
+                <a:solidFill>
+                  <a:schemeClr val="tx1">
+                    <a:tint val="75000"/>
+                  </a:schemeClr>
+                </a:solidFill>
+              </a:defRPr>
+            </a:lvl7pPr>
+            <a:lvl8pPr marL="3200400" indent="0">
+              <a:buNone/>
+              <a:defRPr sz="1400">
+                <a:solidFill>
+                  <a:schemeClr val="tx1">
+                    <a:tint val="75000"/>
+                  </a:schemeClr>
+                </a:solidFill>
+              </a:defRPr>
+            </a:lvl8pPr>
+            <a:lvl9pPr marL="3657600" indent="0">
+              <a:buNone/>
+              <a:defRPr sz="1400">
+                <a:solidFill>
+                  <a:schemeClr val="tx1">
+                    <a:tint val="75000"/>
+                  </a:schemeClr>
+                </a:solidFill>
+              </a:defRPr>
+            </a:lvl9pPr>
+          </a:lstStyle>
+          <a:p>
+            <a:pPr lvl="0"/>
+            <a:r>
+              <a:rPr lang="de-DE"/>
+              <a:t>Mastertextformat bearbeiten</a:t>
+            </a:r>
+          </a:p>
+        </p:txBody>
+      </p:sp>
+      <p:sp>
+        <p:nvSpPr>
+          <p:cNvPr id="4" name="Date Placeholder 3"/>
+          <p:cNvSpPr>
+            <a:spLocks noGrp="1"/>
+          </p:cNvSpPr>
+          <p:nvPr>
+            <p:ph type="dt" sz="half" idx="10"/>
+          </p:nvPr>
+        </p:nvSpPr>
+        <p:spPr/>
+        <p:txBody>
+          <a:bodyPr/>
+          <a:lstStyle/>
+          <a:p>
+            <a:fld id="{DCAEF972-E3B3-4410-99AA-A26762AFA263}" type="datetimeFigureOut">
+              <a:rPr lang="de-AT" smtClean="0"/>
+              <a:t>28.02.2022</a:t>
+            </a:fld>
+            <a:endParaRPr lang="de-AT"/>
+          </a:p>
+        </p:txBody>
+      </p:sp>
+      <p:sp>
+        <p:nvSpPr>
+          <p:cNvPr id="5" name="Footer Placeholder 4"/>
+          <p:cNvSpPr>
+            <a:spLocks noGrp="1"/>
+          </p:cNvSpPr>
+          <p:nvPr>
+            <p:ph type="ftr" sz="quarter" idx="11"/>
+          </p:nvPr>
+        </p:nvSpPr>
+        <p:spPr/>
+        <p:txBody>
+          <a:bodyPr/>
+          <a:lstStyle/>
+          <a:p>
+            <a:endParaRPr lang="de-AT"/>
+          </a:p>
+        </p:txBody>
+      </p:sp>
+      <p:sp>
+        <p:nvSpPr>
+          <p:cNvPr id="6" name="Slide Number Placeholder 5"/>
+          <p:cNvSpPr>
+            <a:spLocks noGrp="1"/>
+          </p:cNvSpPr>
+          <p:nvPr>
+            <p:ph type="sldNum" sz="quarter" idx="12"/>
+          </p:nvPr>
+        </p:nvSpPr>
+        <p:spPr/>
+        <p:txBody>
+          <a:bodyPr/>
+          <a:lstStyle/>
+          <a:p>
+            <a:fld id="{5C5EC5AC-BF52-49BE-B87F-9FCA68FF9B1B}" type="slidenum">
+              <a:rPr lang="de-AT" smtClean="0"/>
+              <a:t>‹Nr.›</a:t>
+            </a:fld>
+            <a:endParaRPr lang="de-AT"/>
+          </a:p>
+        </p:txBody>
+      </p:sp>
+    </p:spTree>
+    <p:extLst>
+      <p:ext uri="{BB962C8B-B14F-4D97-AF65-F5344CB8AC3E}">
+        <p14:creationId xmlns:p14="http://schemas.microsoft.com/office/powerpoint/2010/main" val="2230592336"/>
+      </p:ext>
+    </p:extLst>
+  </p:cSld>
+  <p:clrMapOvr>
+    <a:masterClrMapping/>
+  </p:clrMapOvr>
+</p:sldLayout>
+</file>
+
+<file path=ppt/slideLayouts/slideLayout11.xml><?xml version="1.0" encoding="utf-8"?>
+<p:sldLayout xmlns:a="http://schemas.openxmlformats.org/drawingml/2006/main" xmlns:r="http://schemas.openxmlformats.org/officeDocument/2006/relationships" xmlns:p="http://schemas.openxmlformats.org/presentationml/2006/main" preserve="1">
+  <p:cSld name="Zitat mit Beschriftung">
+    <p:spTree>
+      <p:nvGrpSpPr>
+        <p:cNvPr id="1" name=""/>
+        <p:cNvGrpSpPr/>
+        <p:nvPr/>
+      </p:nvGrpSpPr>
+      <p:grpSpPr>
+        <a:xfrm>
+          <a:off x="0" y="0"/>
+          <a:ext cx="0" cy="0"/>
+          <a:chOff x="0" y="0"/>
+          <a:chExt cx="0" cy="0"/>
+        </a:xfrm>
+      </p:grpSpPr>
+      <p:sp>
+        <p:nvSpPr>
+          <p:cNvPr id="2" name="Title 1"/>
+          <p:cNvSpPr>
+            <a:spLocks noGrp="1"/>
+          </p:cNvSpPr>
+          <p:nvPr>
+            <p:ph type="title"/>
+          </p:nvPr>
+        </p:nvSpPr>
+        <p:spPr>
+          <a:xfrm>
+            <a:off x="931334" y="609600"/>
+            <a:ext cx="8094134" cy="3022600"/>
+          </a:xfrm>
+        </p:spPr>
+        <p:txBody>
+          <a:bodyPr anchor="ctr">
+            <a:normAutofit/>
+          </a:bodyPr>
+          <a:lstStyle>
+            <a:lvl1pPr algn="l">
+              <a:defRPr sz="4400" b="0" cap="none"/>
+            </a:lvl1pPr>
+          </a:lstStyle>
+          <a:p>
+            <a:r>
+              <a:rPr lang="de-DE"/>
+              <a:t>Mastertitelformat bearbeiten</a:t>
+            </a:r>
+            <a:endParaRPr lang="en-US" dirty="0"/>
+          </a:p>
+        </p:txBody>
+      </p:sp>
+      <p:sp>
+        <p:nvSpPr>
+          <p:cNvPr id="23" name="Text Placeholder 9"/>
+          <p:cNvSpPr>
+            <a:spLocks noGrp="1"/>
+          </p:cNvSpPr>
+          <p:nvPr>
+            <p:ph type="body" sz="quarter" idx="13"/>
+          </p:nvPr>
+        </p:nvSpPr>
+        <p:spPr>
+          <a:xfrm>
+            <a:off x="1366139" y="3632200"/>
+            <a:ext cx="7224524" cy="381000"/>
+          </a:xfrm>
+        </p:spPr>
+        <p:txBody>
+          <a:bodyPr anchor="ctr">
+            <a:noAutofit/>
+          </a:bodyPr>
+          <a:lstStyle>
+            <a:lvl1pPr marL="0" indent="0">
+              <a:buFontTx/>
+              <a:buNone/>
+              <a:defRPr sz="1600">
+                <a:solidFill>
+                  <a:schemeClr val="tx1">
+                    <a:lumMod val="50000"/>
+                    <a:lumOff val="50000"/>
+                  </a:schemeClr>
+                </a:solidFill>
+              </a:defRPr>
+            </a:lvl1pPr>
+            <a:lvl2pPr marL="457200" indent="0">
+              <a:buFontTx/>
+              <a:buNone/>
+              <a:defRPr/>
+            </a:lvl2pPr>
+            <a:lvl3pPr marL="914400" indent="0">
+              <a:buFontTx/>
+              <a:buNone/>
+              <a:defRPr/>
+            </a:lvl3pPr>
+            <a:lvl4pPr marL="1371600" indent="0">
+              <a:buFontTx/>
+              <a:buNone/>
+              <a:defRPr/>
+            </a:lvl4pPr>
+            <a:lvl5pPr marL="1828800" indent="0">
+              <a:buFontTx/>
+              <a:buNone/>
+              <a:defRPr/>
+            </a:lvl5pPr>
+          </a:lstStyle>
+          <a:p>
+            <a:pPr lvl="0"/>
+            <a:r>
+              <a:rPr lang="de-DE"/>
+              <a:t>Mastertextformat bearbeiten</a:t>
+            </a:r>
+          </a:p>
+        </p:txBody>
+      </p:sp>
+      <p:sp>
+        <p:nvSpPr>
+          <p:cNvPr id="3" name="Text Placeholder 2"/>
+          <p:cNvSpPr>
+            <a:spLocks noGrp="1"/>
+          </p:cNvSpPr>
+          <p:nvPr>
+            <p:ph type="body" idx="1"/>
+          </p:nvPr>
+        </p:nvSpPr>
+        <p:spPr>
+          <a:xfrm>
+            <a:off x="677335" y="4470400"/>
+            <a:ext cx="8596668" cy="1570962"/>
+          </a:xfrm>
+        </p:spPr>
+        <p:txBody>
+          <a:bodyPr anchor="ctr">
+            <a:normAutofit/>
+          </a:bodyPr>
+          <a:lstStyle>
+            <a:lvl1pPr marL="0" indent="0" algn="l">
+              <a:buNone/>
+              <a:defRPr sz="1800">
+                <a:solidFill>
+                  <a:schemeClr val="tx1">
+                    <a:lumMod val="75000"/>
+                    <a:lumOff val="25000"/>
+                  </a:schemeClr>
+                </a:solidFill>
+              </a:defRPr>
+            </a:lvl1pPr>
+            <a:lvl2pPr marL="457200" indent="0">
+              <a:buNone/>
+              <a:defRPr sz="1800">
+                <a:solidFill>
+                  <a:schemeClr val="tx1">
+                    <a:tint val="75000"/>
+                  </a:schemeClr>
+                </a:solidFill>
+              </a:defRPr>
+            </a:lvl2pPr>
+            <a:lvl3pPr marL="914400" indent="0">
+              <a:buNone/>
+              <a:defRPr sz="1600">
+                <a:solidFill>
+                  <a:schemeClr val="tx1">
+                    <a:tint val="75000"/>
+                  </a:schemeClr>
+                </a:solidFill>
+              </a:defRPr>
+            </a:lvl3pPr>
+            <a:lvl4pPr marL="1371600" indent="0">
+              <a:buNone/>
+              <a:defRPr sz="1400">
+                <a:solidFill>
+                  <a:schemeClr val="tx1">
+                    <a:tint val="75000"/>
+                  </a:schemeClr>
+                </a:solidFill>
+              </a:defRPr>
+            </a:lvl4pPr>
+            <a:lvl5pPr marL="1828800" indent="0">
+              <a:buNone/>
+              <a:defRPr sz="1400">
+                <a:solidFill>
+                  <a:schemeClr val="tx1">
+                    <a:tint val="75000"/>
+                  </a:schemeClr>
+                </a:solidFill>
+              </a:defRPr>
+            </a:lvl5pPr>
+            <a:lvl6pPr marL="2286000" indent="0">
+              <a:buNone/>
+              <a:defRPr sz="1400">
+                <a:solidFill>
+                  <a:schemeClr val="tx1">
+                    <a:tint val="75000"/>
+                  </a:schemeClr>
+                </a:solidFill>
+              </a:defRPr>
+            </a:lvl6pPr>
+            <a:lvl7pPr marL="2743200" indent="0">
+              <a:buNone/>
+              <a:defRPr sz="1400">
+                <a:solidFill>
+                  <a:schemeClr val="tx1">
+                    <a:tint val="75000"/>
+                  </a:schemeClr>
+                </a:solidFill>
+              </a:defRPr>
+            </a:lvl7pPr>
+            <a:lvl8pPr marL="3200400" indent="0">
+              <a:buNone/>
+              <a:defRPr sz="1400">
+                <a:solidFill>
+                  <a:schemeClr val="tx1">
+                    <a:tint val="75000"/>
+                  </a:schemeClr>
+                </a:solidFill>
+              </a:defRPr>
+            </a:lvl8pPr>
+            <a:lvl9pPr marL="3657600" indent="0">
+              <a:buNone/>
+              <a:defRPr sz="1400">
+                <a:solidFill>
+                  <a:schemeClr val="tx1">
+                    <a:tint val="75000"/>
+                  </a:schemeClr>
+                </a:solidFill>
+              </a:defRPr>
+            </a:lvl9pPr>
+          </a:lstStyle>
+          <a:p>
+            <a:pPr lvl="0"/>
+            <a:r>
+              <a:rPr lang="de-DE"/>
+              <a:t>Mastertextformat bearbeiten</a:t>
+            </a:r>
+          </a:p>
+        </p:txBody>
+      </p:sp>
+      <p:sp>
+        <p:nvSpPr>
+          <p:cNvPr id="4" name="Date Placeholder 3"/>
+          <p:cNvSpPr>
+            <a:spLocks noGrp="1"/>
+          </p:cNvSpPr>
+          <p:nvPr>
+            <p:ph type="dt" sz="half" idx="10"/>
+          </p:nvPr>
+        </p:nvSpPr>
+        <p:spPr/>
+        <p:txBody>
+          <a:bodyPr/>
+          <a:lstStyle/>
+          <a:p>
+            <a:fld id="{DCAEF972-E3B3-4410-99AA-A26762AFA263}" type="datetimeFigureOut">
+              <a:rPr lang="de-AT" smtClean="0"/>
+              <a:t>28.02.2022</a:t>
+            </a:fld>
+            <a:endParaRPr lang="de-AT"/>
+          </a:p>
+        </p:txBody>
+      </p:sp>
+      <p:sp>
+        <p:nvSpPr>
+          <p:cNvPr id="5" name="Footer Placeholder 4"/>
+          <p:cNvSpPr>
+            <a:spLocks noGrp="1"/>
+          </p:cNvSpPr>
+          <p:nvPr>
+            <p:ph type="ftr" sz="quarter" idx="11"/>
+          </p:nvPr>
+        </p:nvSpPr>
+        <p:spPr/>
+        <p:txBody>
+          <a:bodyPr/>
+          <a:lstStyle/>
+          <a:p>
+            <a:endParaRPr lang="de-AT"/>
+          </a:p>
+        </p:txBody>
+      </p:sp>
+      <p:sp>
+        <p:nvSpPr>
+          <p:cNvPr id="6" name="Slide Number Placeholder 5"/>
+          <p:cNvSpPr>
+            <a:spLocks noGrp="1"/>
+          </p:cNvSpPr>
+          <p:nvPr>
+            <p:ph type="sldNum" sz="quarter" idx="12"/>
+          </p:nvPr>
+        </p:nvSpPr>
+        <p:spPr/>
+        <p:txBody>
+          <a:bodyPr/>
+          <a:lstStyle/>
+          <a:p>
+            <a:fld id="{5C5EC5AC-BF52-49BE-B87F-9FCA68FF9B1B}" type="slidenum">
+              <a:rPr lang="de-AT" smtClean="0"/>
+              <a:t>‹Nr.›</a:t>
+            </a:fld>
+            <a:endParaRPr lang="de-AT"/>
+          </a:p>
+        </p:txBody>
+      </p:sp>
+      <p:sp>
+        <p:nvSpPr>
+          <p:cNvPr id="20" name="TextBox 19"/>
+          <p:cNvSpPr txBox="1"/>
+          <p:nvPr/>
+        </p:nvSpPr>
+        <p:spPr>
+          <a:xfrm>
+            <a:off x="541870" y="790378"/>
+            <a:ext cx="609600" cy="584776"/>
+          </a:xfrm>
+          <a:prstGeom prst="rect">
+            <a:avLst/>
+          </a:prstGeom>
+        </p:spPr>
+        <p:txBody>
+          <a:bodyPr vert="horz" lIns="91440" tIns="45720" rIns="91440" bIns="45720" rtlCol="0" anchor="ctr">
+            <a:noAutofit/>
+          </a:bodyPr>
+          <a:lstStyle/>
+          <a:p>
+            <a:pPr lvl="0"/>
+            <a:r>
+              <a:rPr lang="en-US" sz="8000" baseline="0" dirty="0">
+                <a:ln w="3175" cmpd="sng">
+                  <a:noFill/>
+                </a:ln>
+                <a:solidFill>
+                  <a:schemeClr val="accent1">
+                    <a:lumMod val="60000"/>
+                    <a:lumOff val="40000"/>
+                  </a:schemeClr>
+                </a:solidFill>
+                <a:effectLst/>
+                <a:latin typeface="Arial"/>
+              </a:rPr>
+              <a:t>“</a:t>
+            </a:r>
+          </a:p>
+        </p:txBody>
+      </p:sp>
+      <p:sp>
+        <p:nvSpPr>
+          <p:cNvPr id="22" name="TextBox 21"/>
+          <p:cNvSpPr txBox="1"/>
+          <p:nvPr/>
+        </p:nvSpPr>
+        <p:spPr>
+          <a:xfrm>
+            <a:off x="8893011" y="2886556"/>
+            <a:ext cx="609600" cy="584776"/>
+          </a:xfrm>
+          <a:prstGeom prst="rect">
+            <a:avLst/>
+          </a:prstGeom>
+        </p:spPr>
+        <p:txBody>
+          <a:bodyPr vert="horz" lIns="91440" tIns="45720" rIns="91440" bIns="45720" rtlCol="0" anchor="ctr">
+            <a:noAutofit/>
+          </a:bodyPr>
+          <a:lstStyle/>
+          <a:p>
+            <a:pPr lvl="0"/>
+            <a:r>
+              <a:rPr lang="en-US" sz="8000" baseline="0" dirty="0">
+                <a:ln w="3175" cmpd="sng">
+                  <a:noFill/>
+                </a:ln>
+                <a:solidFill>
+                  <a:schemeClr val="accent1">
+                    <a:lumMod val="60000"/>
+                    <a:lumOff val="40000"/>
+                  </a:schemeClr>
+                </a:solidFill>
+                <a:latin typeface="Arial"/>
+              </a:rPr>
+              <a:t>”</a:t>
+            </a:r>
+            <a:endParaRPr lang="en-US" dirty="0">
+              <a:solidFill>
+                <a:schemeClr val="accent1">
+                  <a:lumMod val="60000"/>
+                  <a:lumOff val="40000"/>
+                </a:schemeClr>
+              </a:solidFill>
+              <a:latin typeface="Arial"/>
+            </a:endParaRPr>
+          </a:p>
+        </p:txBody>
+      </p:sp>
+    </p:spTree>
+    <p:extLst>
+      <p:ext uri="{BB962C8B-B14F-4D97-AF65-F5344CB8AC3E}">
+        <p14:creationId xmlns:p14="http://schemas.microsoft.com/office/powerpoint/2010/main" val="3368101571"/>
+      </p:ext>
+    </p:extLst>
+  </p:cSld>
+  <p:clrMapOvr>
+    <a:masterClrMapping/>
+  </p:clrMapOvr>
+</p:sldLayout>
+</file>
+
+<file path=ppt/slideLayouts/slideLayout12.xml><?xml version="1.0" encoding="utf-8"?>
+<p:sldLayout xmlns:a="http://schemas.openxmlformats.org/drawingml/2006/main" xmlns:r="http://schemas.openxmlformats.org/officeDocument/2006/relationships" xmlns:p="http://schemas.openxmlformats.org/presentationml/2006/main" preserve="1">
+  <p:cSld name="Namenskarte">
+    <p:spTree>
+      <p:nvGrpSpPr>
+        <p:cNvPr id="1" name=""/>
+        <p:cNvGrpSpPr/>
+        <p:nvPr/>
+      </p:nvGrpSpPr>
+      <p:grpSpPr>
+        <a:xfrm>
+          <a:off x="0" y="0"/>
+          <a:ext cx="0" cy="0"/>
+          <a:chOff x="0" y="0"/>
+          <a:chExt cx="0" cy="0"/>
+        </a:xfrm>
+      </p:grpSpPr>
+      <p:sp>
+        <p:nvSpPr>
+          <p:cNvPr id="2" name="Title 1"/>
+          <p:cNvSpPr>
+            <a:spLocks noGrp="1"/>
+          </p:cNvSpPr>
+          <p:nvPr>
+            <p:ph type="title"/>
+          </p:nvPr>
+        </p:nvSpPr>
+        <p:spPr>
+          <a:xfrm>
+            <a:off x="677335" y="1931988"/>
+            <a:ext cx="8596668" cy="2595460"/>
+          </a:xfrm>
+        </p:spPr>
+        <p:txBody>
+          <a:bodyPr anchor="b">
+            <a:normAutofit/>
+          </a:bodyPr>
+          <a:lstStyle>
+            <a:lvl1pPr algn="l">
+              <a:defRPr sz="4400" b="0" cap="none"/>
+            </a:lvl1pPr>
+          </a:lstStyle>
+          <a:p>
+            <a:r>
+              <a:rPr lang="de-DE"/>
+              <a:t>Mastertitelformat bearbeiten</a:t>
+            </a:r>
+            <a:endParaRPr lang="en-US" dirty="0"/>
+          </a:p>
+        </p:txBody>
+      </p:sp>
+      <p:sp>
+        <p:nvSpPr>
+          <p:cNvPr id="3" name="Text Placeholder 2"/>
+          <p:cNvSpPr>
+            <a:spLocks noGrp="1"/>
+          </p:cNvSpPr>
+          <p:nvPr>
+            <p:ph type="body" idx="1"/>
+          </p:nvPr>
+        </p:nvSpPr>
+        <p:spPr>
+          <a:xfrm>
+            <a:off x="677335" y="4527448"/>
+            <a:ext cx="8596668" cy="1513914"/>
+          </a:xfrm>
+        </p:spPr>
+        <p:txBody>
+          <a:bodyPr anchor="t">
+            <a:normAutofit/>
+          </a:bodyPr>
+          <a:lstStyle>
+            <a:lvl1pPr marL="0" indent="0" algn="l">
+              <a:buNone/>
+              <a:defRPr sz="1800">
+                <a:solidFill>
+                  <a:schemeClr val="tx1">
+                    <a:lumMod val="75000"/>
+                    <a:lumOff val="25000"/>
+                  </a:schemeClr>
+                </a:solidFill>
+              </a:defRPr>
+            </a:lvl1pPr>
+            <a:lvl2pPr marL="457200" indent="0">
+              <a:buNone/>
+              <a:defRPr sz="1800">
+                <a:solidFill>
+                  <a:schemeClr val="tx1">
+                    <a:tint val="75000"/>
+                  </a:schemeClr>
+                </a:solidFill>
+              </a:defRPr>
+            </a:lvl2pPr>
+            <a:lvl3pPr marL="914400" indent="0">
+              <a:buNone/>
+              <a:defRPr sz="1600">
+                <a:solidFill>
+                  <a:schemeClr val="tx1">
+                    <a:tint val="75000"/>
+                  </a:schemeClr>
+                </a:solidFill>
+              </a:defRPr>
+            </a:lvl3pPr>
+            <a:lvl4pPr marL="1371600" indent="0">
+              <a:buNone/>
+              <a:defRPr sz="1400">
+                <a:solidFill>
+                  <a:schemeClr val="tx1">
+                    <a:tint val="75000"/>
+                  </a:schemeClr>
+                </a:solidFill>
+              </a:defRPr>
+            </a:lvl4pPr>
+            <a:lvl5pPr marL="1828800" indent="0">
+              <a:buNone/>
+              <a:defRPr sz="1400">
+                <a:solidFill>
+                  <a:schemeClr val="tx1">
+                    <a:tint val="75000"/>
+                  </a:schemeClr>
+                </a:solidFill>
+              </a:defRPr>
+            </a:lvl5pPr>
+            <a:lvl6pPr marL="2286000" indent="0">
+              <a:buNone/>
+              <a:defRPr sz="1400">
+                <a:solidFill>
+                  <a:schemeClr val="tx1">
+                    <a:tint val="75000"/>
+                  </a:schemeClr>
+                </a:solidFill>
+              </a:defRPr>
+            </a:lvl6pPr>
+            <a:lvl7pPr marL="2743200" indent="0">
+              <a:buNone/>
+              <a:defRPr sz="1400">
+                <a:solidFill>
+                  <a:schemeClr val="tx1">
+                    <a:tint val="75000"/>
+                  </a:schemeClr>
+                </a:solidFill>
+              </a:defRPr>
+            </a:lvl7pPr>
+            <a:lvl8pPr marL="3200400" indent="0">
+              <a:buNone/>
+              <a:defRPr sz="1400">
+                <a:solidFill>
+                  <a:schemeClr val="tx1">
+                    <a:tint val="75000"/>
+                  </a:schemeClr>
+                </a:solidFill>
+              </a:defRPr>
+            </a:lvl8pPr>
+            <a:lvl9pPr marL="3657600" indent="0">
+              <a:buNone/>
+              <a:defRPr sz="1400">
+                <a:solidFill>
+                  <a:schemeClr val="tx1">
+                    <a:tint val="75000"/>
+                  </a:schemeClr>
+                </a:solidFill>
+              </a:defRPr>
+            </a:lvl9pPr>
+          </a:lstStyle>
+          <a:p>
+            <a:pPr lvl="0"/>
+            <a:r>
+              <a:rPr lang="de-DE"/>
+              <a:t>Mastertextformat bearbeiten</a:t>
+            </a:r>
+          </a:p>
+        </p:txBody>
+      </p:sp>
+      <p:sp>
+        <p:nvSpPr>
+          <p:cNvPr id="4" name="Date Placeholder 3"/>
+          <p:cNvSpPr>
+            <a:spLocks noGrp="1"/>
+          </p:cNvSpPr>
+          <p:nvPr>
+            <p:ph type="dt" sz="half" idx="10"/>
+          </p:nvPr>
+        </p:nvSpPr>
+        <p:spPr/>
+        <p:txBody>
+          <a:bodyPr/>
+          <a:lstStyle/>
+          <a:p>
+            <a:fld id="{DCAEF972-E3B3-4410-99AA-A26762AFA263}" type="datetimeFigureOut">
+              <a:rPr lang="de-AT" smtClean="0"/>
+              <a:t>28.02.2022</a:t>
+            </a:fld>
+            <a:endParaRPr lang="de-AT"/>
+          </a:p>
+        </p:txBody>
+      </p:sp>
+      <p:sp>
+        <p:nvSpPr>
+          <p:cNvPr id="5" name="Footer Placeholder 4"/>
+          <p:cNvSpPr>
+            <a:spLocks noGrp="1"/>
+          </p:cNvSpPr>
+          <p:nvPr>
+            <p:ph type="ftr" sz="quarter" idx="11"/>
+          </p:nvPr>
+        </p:nvSpPr>
+        <p:spPr/>
+        <p:txBody>
+          <a:bodyPr/>
+          <a:lstStyle/>
+          <a:p>
+            <a:endParaRPr lang="de-AT"/>
+          </a:p>
+        </p:txBody>
+      </p:sp>
+      <p:sp>
+        <p:nvSpPr>
+          <p:cNvPr id="6" name="Slide Number Placeholder 5"/>
+          <p:cNvSpPr>
+            <a:spLocks noGrp="1"/>
+          </p:cNvSpPr>
+          <p:nvPr>
+            <p:ph type="sldNum" sz="quarter" idx="12"/>
+          </p:nvPr>
+        </p:nvSpPr>
+        <p:spPr/>
+        <p:txBody>
+          <a:bodyPr/>
+          <a:lstStyle/>
+          <a:p>
+            <a:fld id="{5C5EC5AC-BF52-49BE-B87F-9FCA68FF9B1B}" type="slidenum">
+              <a:rPr lang="de-AT" smtClean="0"/>
+              <a:t>‹Nr.›</a:t>
+            </a:fld>
+            <a:endParaRPr lang="de-AT"/>
+          </a:p>
+        </p:txBody>
+      </p:sp>
+    </p:spTree>
+    <p:extLst>
+      <p:ext uri="{BB962C8B-B14F-4D97-AF65-F5344CB8AC3E}">
+        <p14:creationId xmlns:p14="http://schemas.microsoft.com/office/powerpoint/2010/main" val="1270781415"/>
+      </p:ext>
+    </p:extLst>
+  </p:cSld>
+  <p:clrMapOvr>
+    <a:masterClrMapping/>
+  </p:clrMapOvr>
+</p:sldLayout>
+</file>
+
+<file path=ppt/slideLayouts/slideLayout13.xml><?xml version="1.0" encoding="utf-8"?>
+<p:sldLayout xmlns:a="http://schemas.openxmlformats.org/drawingml/2006/main" xmlns:r="http://schemas.openxmlformats.org/officeDocument/2006/relationships" xmlns:p="http://schemas.openxmlformats.org/presentationml/2006/main" preserve="1">
+  <p:cSld name="Namenskarte für Zitat">
+    <p:spTree>
+      <p:nvGrpSpPr>
+        <p:cNvPr id="1" name=""/>
+        <p:cNvGrpSpPr/>
+        <p:nvPr/>
+      </p:nvGrpSpPr>
+      <p:grpSpPr>
+        <a:xfrm>
+          <a:off x="0" y="0"/>
+          <a:ext cx="0" cy="0"/>
+          <a:chOff x="0" y="0"/>
+          <a:chExt cx="0" cy="0"/>
+        </a:xfrm>
+      </p:grpSpPr>
+      <p:sp>
+        <p:nvSpPr>
+          <p:cNvPr id="2" name="Title 1"/>
+          <p:cNvSpPr>
+            <a:spLocks noGrp="1"/>
+          </p:cNvSpPr>
+          <p:nvPr>
+            <p:ph type="title"/>
+          </p:nvPr>
+        </p:nvSpPr>
+        <p:spPr>
+          <a:xfrm>
+            <a:off x="931334" y="609600"/>
+            <a:ext cx="8094134" cy="3022600"/>
+          </a:xfrm>
+        </p:spPr>
+        <p:txBody>
+          <a:bodyPr anchor="ctr">
+            <a:normAutofit/>
+          </a:bodyPr>
+          <a:lstStyle>
+            <a:lvl1pPr algn="l">
+              <a:defRPr sz="4400" b="0" cap="none"/>
+            </a:lvl1pPr>
+          </a:lstStyle>
+          <a:p>
+            <a:r>
+              <a:rPr lang="de-DE"/>
+              <a:t>Mastertitelformat bearbeiten</a:t>
+            </a:r>
+            <a:endParaRPr lang="en-US" dirty="0"/>
+          </a:p>
+        </p:txBody>
+      </p:sp>
+      <p:sp>
+        <p:nvSpPr>
+          <p:cNvPr id="23" name="Text Placeholder 9"/>
+          <p:cNvSpPr>
+            <a:spLocks noGrp="1"/>
+          </p:cNvSpPr>
+          <p:nvPr>
+            <p:ph type="body" sz="quarter" idx="13"/>
+          </p:nvPr>
+        </p:nvSpPr>
+        <p:spPr>
+          <a:xfrm>
+            <a:off x="677332" y="4013200"/>
+            <a:ext cx="8596669" cy="514248"/>
+          </a:xfrm>
+        </p:spPr>
+        <p:txBody>
+          <a:bodyPr anchor="b">
+            <a:noAutofit/>
+          </a:bodyPr>
+          <a:lstStyle>
+            <a:lvl1pPr marL="0" indent="0">
+              <a:buFontTx/>
+              <a:buNone/>
+              <a:defRPr sz="2400">
+                <a:solidFill>
+                  <a:schemeClr val="tx1">
+                    <a:lumMod val="75000"/>
+                    <a:lumOff val="25000"/>
+                  </a:schemeClr>
+                </a:solidFill>
+              </a:defRPr>
+            </a:lvl1pPr>
+            <a:lvl2pPr marL="457200" indent="0">
+              <a:buFontTx/>
+              <a:buNone/>
+              <a:defRPr/>
+            </a:lvl2pPr>
+            <a:lvl3pPr marL="914400" indent="0">
+              <a:buFontTx/>
+              <a:buNone/>
+              <a:defRPr/>
+            </a:lvl3pPr>
+            <a:lvl4pPr marL="1371600" indent="0">
+              <a:buFontTx/>
+              <a:buNone/>
+              <a:defRPr/>
+            </a:lvl4pPr>
+            <a:lvl5pPr marL="1828800" indent="0">
+              <a:buFontTx/>
+              <a:buNone/>
+              <a:defRPr/>
+            </a:lvl5pPr>
+          </a:lstStyle>
+          <a:p>
+            <a:pPr lvl="0"/>
+            <a:r>
+              <a:rPr lang="de-DE"/>
+              <a:t>Mastertextformat bearbeiten</a:t>
+            </a:r>
+          </a:p>
+        </p:txBody>
+      </p:sp>
+      <p:sp>
+        <p:nvSpPr>
+          <p:cNvPr id="3" name="Text Placeholder 2"/>
+          <p:cNvSpPr>
+            <a:spLocks noGrp="1"/>
+          </p:cNvSpPr>
+          <p:nvPr>
+            <p:ph type="body" idx="1"/>
+          </p:nvPr>
+        </p:nvSpPr>
+        <p:spPr>
+          <a:xfrm>
+            <a:off x="677335" y="4527448"/>
+            <a:ext cx="8596668" cy="1513914"/>
+          </a:xfrm>
+        </p:spPr>
+        <p:txBody>
+          <a:bodyPr anchor="t">
+            <a:normAutofit/>
+          </a:bodyPr>
+          <a:lstStyle>
+            <a:lvl1pPr marL="0" indent="0" algn="l">
+              <a:buNone/>
+              <a:defRPr sz="1800">
+                <a:solidFill>
+                  <a:schemeClr val="tx1">
+                    <a:lumMod val="50000"/>
+                    <a:lumOff val="50000"/>
+                  </a:schemeClr>
+                </a:solidFill>
+              </a:defRPr>
+            </a:lvl1pPr>
+            <a:lvl2pPr marL="457200" indent="0">
+              <a:buNone/>
+              <a:defRPr sz="1800">
+                <a:solidFill>
+                  <a:schemeClr val="tx1">
+                    <a:tint val="75000"/>
+                  </a:schemeClr>
+                </a:solidFill>
+              </a:defRPr>
+            </a:lvl2pPr>
+            <a:lvl3pPr marL="914400" indent="0">
+              <a:buNone/>
+              <a:defRPr sz="1600">
+                <a:solidFill>
+                  <a:schemeClr val="tx1">
+                    <a:tint val="75000"/>
+                  </a:schemeClr>
+                </a:solidFill>
+              </a:defRPr>
+            </a:lvl3pPr>
+            <a:lvl4pPr marL="1371600" indent="0">
+              <a:buNone/>
+              <a:defRPr sz="1400">
+                <a:solidFill>
+                  <a:schemeClr val="tx1">
+                    <a:tint val="75000"/>
+                  </a:schemeClr>
+                </a:solidFill>
+              </a:defRPr>
+            </a:lvl4pPr>
+            <a:lvl5pPr marL="1828800" indent="0">
+              <a:buNone/>
+              <a:defRPr sz="1400">
+                <a:solidFill>
+                  <a:schemeClr val="tx1">
+                    <a:tint val="75000"/>
+                  </a:schemeClr>
+                </a:solidFill>
+              </a:defRPr>
+            </a:lvl5pPr>
+            <a:lvl6pPr marL="2286000" indent="0">
+              <a:buNone/>
+              <a:defRPr sz="1400">
+                <a:solidFill>
+                  <a:schemeClr val="tx1">
+                    <a:tint val="75000"/>
+                  </a:schemeClr>
+                </a:solidFill>
+              </a:defRPr>
+            </a:lvl6pPr>
+            <a:lvl7pPr marL="2743200" indent="0">
+              <a:buNone/>
+              <a:defRPr sz="1400">
+                <a:solidFill>
+                  <a:schemeClr val="tx1">
+                    <a:tint val="75000"/>
+                  </a:schemeClr>
+                </a:solidFill>
+              </a:defRPr>
+            </a:lvl7pPr>
+            <a:lvl8pPr marL="3200400" indent="0">
+              <a:buNone/>
+              <a:defRPr sz="1400">
+                <a:solidFill>
+                  <a:schemeClr val="tx1">
+                    <a:tint val="75000"/>
+                  </a:schemeClr>
+                </a:solidFill>
+              </a:defRPr>
+            </a:lvl8pPr>
+            <a:lvl9pPr marL="3657600" indent="0">
+              <a:buNone/>
+              <a:defRPr sz="1400">
+                <a:solidFill>
+                  <a:schemeClr val="tx1">
+                    <a:tint val="75000"/>
+                  </a:schemeClr>
+                </a:solidFill>
+              </a:defRPr>
+            </a:lvl9pPr>
+          </a:lstStyle>
+          <a:p>
+            <a:pPr lvl="0"/>
+            <a:r>
+              <a:rPr lang="de-DE"/>
+              <a:t>Mastertextformat bearbeiten</a:t>
+            </a:r>
+          </a:p>
+        </p:txBody>
+      </p:sp>
+      <p:sp>
+        <p:nvSpPr>
+          <p:cNvPr id="4" name="Date Placeholder 3"/>
+          <p:cNvSpPr>
+            <a:spLocks noGrp="1"/>
+          </p:cNvSpPr>
+          <p:nvPr>
+            <p:ph type="dt" sz="half" idx="10"/>
+          </p:nvPr>
+        </p:nvSpPr>
+        <p:spPr/>
+        <p:txBody>
+          <a:bodyPr/>
+          <a:lstStyle/>
+          <a:p>
+            <a:fld id="{DCAEF972-E3B3-4410-99AA-A26762AFA263}" type="datetimeFigureOut">
+              <a:rPr lang="de-AT" smtClean="0"/>
+              <a:t>28.02.2022</a:t>
+            </a:fld>
+            <a:endParaRPr lang="de-AT"/>
+          </a:p>
+        </p:txBody>
+      </p:sp>
+      <p:sp>
+        <p:nvSpPr>
+          <p:cNvPr id="5" name="Footer Placeholder 4"/>
+          <p:cNvSpPr>
+            <a:spLocks noGrp="1"/>
+          </p:cNvSpPr>
+          <p:nvPr>
+            <p:ph type="ftr" sz="quarter" idx="11"/>
+          </p:nvPr>
+        </p:nvSpPr>
+        <p:spPr/>
+        <p:txBody>
+          <a:bodyPr/>
+          <a:lstStyle/>
+          <a:p>
+            <a:endParaRPr lang="de-AT"/>
+          </a:p>
+        </p:txBody>
+      </p:sp>
+      <p:sp>
+        <p:nvSpPr>
+          <p:cNvPr id="6" name="Slide Number Placeholder 5"/>
+          <p:cNvSpPr>
+            <a:spLocks noGrp="1"/>
+          </p:cNvSpPr>
+          <p:nvPr>
+            <p:ph type="sldNum" sz="quarter" idx="12"/>
+          </p:nvPr>
+        </p:nvSpPr>
+        <p:spPr/>
+        <p:txBody>
+          <a:bodyPr/>
+          <a:lstStyle/>
+          <a:p>
+            <a:fld id="{5C5EC5AC-BF52-49BE-B87F-9FCA68FF9B1B}" type="slidenum">
+              <a:rPr lang="de-AT" smtClean="0"/>
+              <a:t>‹Nr.›</a:t>
+            </a:fld>
+            <a:endParaRPr lang="de-AT"/>
+          </a:p>
+        </p:txBody>
+      </p:sp>
+      <p:sp>
+        <p:nvSpPr>
+          <p:cNvPr id="24" name="TextBox 23"/>
+          <p:cNvSpPr txBox="1"/>
+          <p:nvPr/>
+        </p:nvSpPr>
+        <p:spPr>
+          <a:xfrm>
+            <a:off x="541870" y="790378"/>
+            <a:ext cx="609600" cy="584776"/>
+          </a:xfrm>
+          <a:prstGeom prst="rect">
+            <a:avLst/>
+          </a:prstGeom>
+        </p:spPr>
+        <p:txBody>
+          <a:bodyPr vert="horz" lIns="91440" tIns="45720" rIns="91440" bIns="45720" rtlCol="0" anchor="ctr">
+            <a:noAutofit/>
+          </a:bodyPr>
+          <a:lstStyle/>
+          <a:p>
+            <a:pPr lvl="0"/>
+            <a:r>
+              <a:rPr lang="en-US" sz="8000" baseline="0" dirty="0">
+                <a:ln w="3175" cmpd="sng">
+                  <a:noFill/>
+                </a:ln>
+                <a:solidFill>
+                  <a:schemeClr val="accent1">
+                    <a:lumMod val="60000"/>
+                    <a:lumOff val="40000"/>
+                  </a:schemeClr>
+                </a:solidFill>
+                <a:effectLst/>
+                <a:latin typeface="Arial"/>
+              </a:rPr>
+              <a:t>“</a:t>
+            </a:r>
+          </a:p>
+        </p:txBody>
+      </p:sp>
+      <p:sp>
+        <p:nvSpPr>
+          <p:cNvPr id="25" name="TextBox 24"/>
+          <p:cNvSpPr txBox="1"/>
+          <p:nvPr/>
+        </p:nvSpPr>
+        <p:spPr>
+          <a:xfrm>
+            <a:off x="8893011" y="2886556"/>
+            <a:ext cx="609600" cy="584776"/>
+          </a:xfrm>
+          <a:prstGeom prst="rect">
+            <a:avLst/>
+          </a:prstGeom>
+        </p:spPr>
+        <p:txBody>
+          <a:bodyPr vert="horz" lIns="91440" tIns="45720" rIns="91440" bIns="45720" rtlCol="0" anchor="ctr">
+            <a:noAutofit/>
+          </a:bodyPr>
+          <a:lstStyle/>
+          <a:p>
+            <a:pPr lvl="0"/>
+            <a:r>
+              <a:rPr lang="en-US" sz="8000" baseline="0" dirty="0">
+                <a:ln w="3175" cmpd="sng">
+                  <a:noFill/>
+                </a:ln>
+                <a:solidFill>
+                  <a:schemeClr val="accent1">
+                    <a:lumMod val="60000"/>
+                    <a:lumOff val="40000"/>
+                  </a:schemeClr>
+                </a:solidFill>
+                <a:effectLst/>
+                <a:latin typeface="Arial"/>
+              </a:rPr>
+              <a:t>”</a:t>
+            </a:r>
+          </a:p>
+        </p:txBody>
+      </p:sp>
+    </p:spTree>
+    <p:extLst>
+      <p:ext uri="{BB962C8B-B14F-4D97-AF65-F5344CB8AC3E}">
+        <p14:creationId xmlns:p14="http://schemas.microsoft.com/office/powerpoint/2010/main" val="990721917"/>
+      </p:ext>
+    </p:extLst>
+  </p:cSld>
+  <p:clrMapOvr>
+    <a:masterClrMapping/>
+  </p:clrMapOvr>
+</p:sldLayout>
+</file>
+
+<file path=ppt/slideLayouts/slideLayout14.xml><?xml version="1.0" encoding="utf-8"?>
+<p:sldLayout xmlns:a="http://schemas.openxmlformats.org/drawingml/2006/main" xmlns:r="http://schemas.openxmlformats.org/officeDocument/2006/relationships" xmlns:p="http://schemas.openxmlformats.org/presentationml/2006/main" preserve="1">
+  <p:cSld name="Wahr oder Falsch">
+    <p:spTree>
+      <p:nvGrpSpPr>
+        <p:cNvPr id="1" name=""/>
+        <p:cNvGrpSpPr/>
+        <p:nvPr/>
+      </p:nvGrpSpPr>
+      <p:grpSpPr>
+        <a:xfrm>
+          <a:off x="0" y="0"/>
+          <a:ext cx="0" cy="0"/>
+          <a:chOff x="0" y="0"/>
+          <a:chExt cx="0" cy="0"/>
+        </a:xfrm>
+      </p:grpSpPr>
+      <p:sp>
+        <p:nvSpPr>
+          <p:cNvPr id="2" name="Title 1"/>
+          <p:cNvSpPr>
+            <a:spLocks noGrp="1"/>
+          </p:cNvSpPr>
+          <p:nvPr>
+            <p:ph type="title"/>
+          </p:nvPr>
+        </p:nvSpPr>
+        <p:spPr>
+          <a:xfrm>
+            <a:off x="685799" y="609600"/>
+            <a:ext cx="8588203" cy="3022600"/>
+          </a:xfrm>
+        </p:spPr>
+        <p:txBody>
+          <a:bodyPr anchor="ctr">
+            <a:normAutofit/>
+          </a:bodyPr>
+          <a:lstStyle>
+            <a:lvl1pPr algn="l">
+              <a:defRPr sz="4400" b="0" cap="none"/>
+            </a:lvl1pPr>
+          </a:lstStyle>
+          <a:p>
+            <a:r>
+              <a:rPr lang="de-DE"/>
+              <a:t>Mastertitelformat bearbeiten</a:t>
+            </a:r>
+            <a:endParaRPr lang="en-US" dirty="0"/>
+          </a:p>
+        </p:txBody>
+      </p:sp>
+      <p:sp>
+        <p:nvSpPr>
+          <p:cNvPr id="23" name="Text Placeholder 9"/>
+          <p:cNvSpPr>
+            <a:spLocks noGrp="1"/>
+          </p:cNvSpPr>
+          <p:nvPr>
+            <p:ph type="body" sz="quarter" idx="13"/>
+          </p:nvPr>
+        </p:nvSpPr>
+        <p:spPr>
+          <a:xfrm>
+            <a:off x="677332" y="4013200"/>
+            <a:ext cx="8596669" cy="514248"/>
+          </a:xfrm>
+        </p:spPr>
+        <p:txBody>
+          <a:bodyPr anchor="b">
+            <a:noAutofit/>
+          </a:bodyPr>
+          <a:lstStyle>
+            <a:lvl1pPr marL="0" indent="0">
+              <a:buFontTx/>
+              <a:buNone/>
+              <a:defRPr sz="2400">
+                <a:solidFill>
+                  <a:schemeClr val="accent1"/>
+                </a:solidFill>
+              </a:defRPr>
+            </a:lvl1pPr>
+            <a:lvl2pPr marL="457200" indent="0">
+              <a:buFontTx/>
+              <a:buNone/>
+              <a:defRPr/>
+            </a:lvl2pPr>
+            <a:lvl3pPr marL="914400" indent="0">
+              <a:buFontTx/>
+              <a:buNone/>
+              <a:defRPr/>
+            </a:lvl3pPr>
+            <a:lvl4pPr marL="1371600" indent="0">
+              <a:buFontTx/>
+              <a:buNone/>
+              <a:defRPr/>
+            </a:lvl4pPr>
+            <a:lvl5pPr marL="1828800" indent="0">
+              <a:buFontTx/>
+              <a:buNone/>
+              <a:defRPr/>
+            </a:lvl5pPr>
+          </a:lstStyle>
+          <a:p>
+            <a:pPr lvl="0"/>
+            <a:r>
+              <a:rPr lang="de-DE"/>
+              <a:t>Mastertextformat bearbeiten</a:t>
+            </a:r>
+          </a:p>
+        </p:txBody>
+      </p:sp>
+      <p:sp>
+        <p:nvSpPr>
+          <p:cNvPr id="3" name="Text Placeholder 2"/>
+          <p:cNvSpPr>
+            <a:spLocks noGrp="1"/>
+          </p:cNvSpPr>
+          <p:nvPr>
+            <p:ph type="body" idx="1"/>
+          </p:nvPr>
+        </p:nvSpPr>
+        <p:spPr>
+          <a:xfrm>
+            <a:off x="677335" y="4527448"/>
+            <a:ext cx="8596668" cy="1513914"/>
+          </a:xfrm>
+        </p:spPr>
+        <p:txBody>
+          <a:bodyPr anchor="t">
+            <a:normAutofit/>
+          </a:bodyPr>
+          <a:lstStyle>
+            <a:lvl1pPr marL="0" indent="0" algn="l">
+              <a:buNone/>
+              <a:defRPr sz="1800">
+                <a:solidFill>
+                  <a:schemeClr val="tx1">
+                    <a:lumMod val="50000"/>
+                    <a:lumOff val="50000"/>
+                  </a:schemeClr>
+                </a:solidFill>
+              </a:defRPr>
+            </a:lvl1pPr>
+            <a:lvl2pPr marL="457200" indent="0">
+              <a:buNone/>
+              <a:defRPr sz="1800">
+                <a:solidFill>
+                  <a:schemeClr val="tx1">
+                    <a:tint val="75000"/>
+                  </a:schemeClr>
+                </a:solidFill>
+              </a:defRPr>
+            </a:lvl2pPr>
+            <a:lvl3pPr marL="914400" indent="0">
+              <a:buNone/>
+              <a:defRPr sz="1600">
+                <a:solidFill>
+                  <a:schemeClr val="tx1">
+                    <a:tint val="75000"/>
+                  </a:schemeClr>
+                </a:solidFill>
+              </a:defRPr>
+            </a:lvl3pPr>
+            <a:lvl4pPr marL="1371600" indent="0">
+              <a:buNone/>
+              <a:defRPr sz="1400">
+                <a:solidFill>
+                  <a:schemeClr val="tx1">
+                    <a:tint val="75000"/>
+                  </a:schemeClr>
+                </a:solidFill>
+              </a:defRPr>
+            </a:lvl4pPr>
+            <a:lvl5pPr marL="1828800" indent="0">
+              <a:buNone/>
+              <a:defRPr sz="1400">
+                <a:solidFill>
+                  <a:schemeClr val="tx1">
+                    <a:tint val="75000"/>
+                  </a:schemeClr>
+                </a:solidFill>
+              </a:defRPr>
+            </a:lvl5pPr>
+            <a:lvl6pPr marL="2286000" indent="0">
+              <a:buNone/>
+              <a:defRPr sz="1400">
+                <a:solidFill>
+                  <a:schemeClr val="tx1">
+                    <a:tint val="75000"/>
+                  </a:schemeClr>
+                </a:solidFill>
+              </a:defRPr>
+            </a:lvl6pPr>
+            <a:lvl7pPr marL="2743200" indent="0">
+              <a:buNone/>
+              <a:defRPr sz="1400">
+                <a:solidFill>
+                  <a:schemeClr val="tx1">
+                    <a:tint val="75000"/>
+                  </a:schemeClr>
+                </a:solidFill>
+              </a:defRPr>
+            </a:lvl7pPr>
+            <a:lvl8pPr marL="3200400" indent="0">
+              <a:buNone/>
+              <a:defRPr sz="1400">
+                <a:solidFill>
+                  <a:schemeClr val="tx1">
+                    <a:tint val="75000"/>
+                  </a:schemeClr>
+                </a:solidFill>
+              </a:defRPr>
+            </a:lvl8pPr>
+            <a:lvl9pPr marL="3657600" indent="0">
+              <a:buNone/>
+              <a:defRPr sz="1400">
+                <a:solidFill>
+                  <a:schemeClr val="tx1">
+                    <a:tint val="75000"/>
+                  </a:schemeClr>
+                </a:solidFill>
+              </a:defRPr>
+            </a:lvl9pPr>
+          </a:lstStyle>
+          <a:p>
+            <a:pPr lvl="0"/>
+            <a:r>
+              <a:rPr lang="de-DE"/>
+              <a:t>Mastertextformat bearbeiten</a:t>
+            </a:r>
+          </a:p>
+        </p:txBody>
+      </p:sp>
+      <p:sp>
+        <p:nvSpPr>
+          <p:cNvPr id="4" name="Date Placeholder 3"/>
+          <p:cNvSpPr>
+            <a:spLocks noGrp="1"/>
+          </p:cNvSpPr>
+          <p:nvPr>
+            <p:ph type="dt" sz="half" idx="10"/>
+          </p:nvPr>
+        </p:nvSpPr>
+        <p:spPr/>
+        <p:txBody>
+          <a:bodyPr/>
+          <a:lstStyle/>
+          <a:p>
+            <a:fld id="{DCAEF972-E3B3-4410-99AA-A26762AFA263}" type="datetimeFigureOut">
+              <a:rPr lang="de-AT" smtClean="0"/>
+              <a:t>28.02.2022</a:t>
+            </a:fld>
+            <a:endParaRPr lang="de-AT"/>
+          </a:p>
+        </p:txBody>
+      </p:sp>
+      <p:sp>
+        <p:nvSpPr>
+          <p:cNvPr id="5" name="Footer Placeholder 4"/>
+          <p:cNvSpPr>
+            <a:spLocks noGrp="1"/>
+          </p:cNvSpPr>
+          <p:nvPr>
+            <p:ph type="ftr" sz="quarter" idx="11"/>
+          </p:nvPr>
+        </p:nvSpPr>
+        <p:spPr/>
+        <p:txBody>
+          <a:bodyPr/>
+          <a:lstStyle/>
+          <a:p>
+            <a:endParaRPr lang="de-AT"/>
+          </a:p>
+        </p:txBody>
+      </p:sp>
+      <p:sp>
+        <p:nvSpPr>
+          <p:cNvPr id="6" name="Slide Number Placeholder 5"/>
+          <p:cNvSpPr>
+            <a:spLocks noGrp="1"/>
+          </p:cNvSpPr>
+          <p:nvPr>
+            <p:ph type="sldNum" sz="quarter" idx="12"/>
+          </p:nvPr>
+        </p:nvSpPr>
+        <p:spPr/>
+        <p:txBody>
+          <a:bodyPr/>
+          <a:lstStyle/>
+          <a:p>
+            <a:fld id="{5C5EC5AC-BF52-49BE-B87F-9FCA68FF9B1B}" type="slidenum">
+              <a:rPr lang="de-AT" smtClean="0"/>
+              <a:t>‹Nr.›</a:t>
+            </a:fld>
+            <a:endParaRPr lang="de-AT"/>
+          </a:p>
+        </p:txBody>
+      </p:sp>
+    </p:spTree>
+    <p:extLst>
+      <p:ext uri="{BB962C8B-B14F-4D97-AF65-F5344CB8AC3E}">
+        <p14:creationId xmlns:p14="http://schemas.microsoft.com/office/powerpoint/2010/main" val="607563021"/>
+      </p:ext>
+    </p:extLst>
+  </p:cSld>
+  <p:clrMapOvr>
+    <a:masterClrMapping/>
+  </p:clrMapOvr>
+</p:sldLayout>
+</file>
+
+<file path=ppt/slideLayouts/slideLayout15.xml><?xml version="1.0" encoding="utf-8"?>
 <p:sldLayout xmlns:a="http://schemas.openxmlformats.org/drawingml/2006/main" xmlns:r="http://schemas.openxmlformats.org/officeDocument/2006/relationships" xmlns:p="http://schemas.openxmlformats.org/presentationml/2006/main" type="vertTx" preserve="1">
   <p:cSld name="Titel und vertikaler Text">
     <p:spTree>
@@ -358,13 +2537,7 @@
       </p:grpSpPr>
       <p:sp>
         <p:nvSpPr>
-          <p:cNvPr id="2" name="Titel 1">
-            <a:extLst>
-              <a:ext uri="{FF2B5EF4-FFF2-40B4-BE49-F238E27FC236}">
-                <a16:creationId xmlns:a16="http://schemas.microsoft.com/office/drawing/2014/main" id="{CD177921-1742-45D9-BD5F-4D687EAAF0EC}"/>
-              </a:ext>
-            </a:extLst>
-          </p:cNvPr>
+          <p:cNvPr id="2" name="Title 1"/>
           <p:cNvSpPr>
             <a:spLocks noGrp="1"/>
           </p:cNvSpPr>
@@ -381,19 +2554,13 @@
               <a:rPr lang="de-DE"/>
               <a:t>Mastertitelformat bearbeiten</a:t>
             </a:r>
-            <a:endParaRPr lang="de-AT"/>
-          </a:p>
-        </p:txBody>
-      </p:sp>
-      <p:sp>
-        <p:nvSpPr>
-          <p:cNvPr id="3" name="Vertikaler Textplatzhalter 2">
-            <a:extLst>
-              <a:ext uri="{FF2B5EF4-FFF2-40B4-BE49-F238E27FC236}">
-                <a16:creationId xmlns:a16="http://schemas.microsoft.com/office/drawing/2014/main" id="{9F426874-AAB6-4566-84D3-8884EF1CF91E}"/>
-              </a:ext>
-            </a:extLst>
-          </p:cNvPr>
+            <a:endParaRPr lang="en-US" dirty="0"/>
+          </a:p>
+        </p:txBody>
+      </p:sp>
+      <p:sp>
+        <p:nvSpPr>
+          <p:cNvPr id="3" name="Vertical Text Placeholder 2"/>
           <p:cNvSpPr>
             <a:spLocks noGrp="1"/>
           </p:cNvSpPr>
@@ -439,19 +2606,13 @@
               <a:rPr lang="de-DE"/>
               <a:t>Fünfte Ebene</a:t>
             </a:r>
-            <a:endParaRPr lang="de-AT"/>
-          </a:p>
-        </p:txBody>
-      </p:sp>
-      <p:sp>
-        <p:nvSpPr>
-          <p:cNvPr id="4" name="Datumsplatzhalter 3">
-            <a:extLst>
-              <a:ext uri="{FF2B5EF4-FFF2-40B4-BE49-F238E27FC236}">
-                <a16:creationId xmlns:a16="http://schemas.microsoft.com/office/drawing/2014/main" id="{9339F915-9938-4BC8-BD96-965F86FCE03D}"/>
-              </a:ext>
-            </a:extLst>
-          </p:cNvPr>
+            <a:endParaRPr lang="en-US" dirty="0"/>
+          </a:p>
+        </p:txBody>
+      </p:sp>
+      <p:sp>
+        <p:nvSpPr>
+          <p:cNvPr id="4" name="Date Placeholder 3"/>
           <p:cNvSpPr>
             <a:spLocks noGrp="1"/>
           </p:cNvSpPr>
@@ -466,7 +2627,7 @@
           <a:p>
             <a:fld id="{DCAEF972-E3B3-4410-99AA-A26762AFA263}" type="datetimeFigureOut">
               <a:rPr lang="de-AT" smtClean="0"/>
-              <a:t>14.02.2022</a:t>
+              <a:t>28.02.2022</a:t>
             </a:fld>
             <a:endParaRPr lang="de-AT"/>
           </a:p>
@@ -474,13 +2635,7 @@
       </p:sp>
       <p:sp>
         <p:nvSpPr>
-          <p:cNvPr id="5" name="Fußzeilenplatzhalter 4">
-            <a:extLst>
-              <a:ext uri="{FF2B5EF4-FFF2-40B4-BE49-F238E27FC236}">
-                <a16:creationId xmlns:a16="http://schemas.microsoft.com/office/drawing/2014/main" id="{E7C0BE5E-2437-442B-A81D-2985FF0BA63B}"/>
-              </a:ext>
-            </a:extLst>
-          </p:cNvPr>
+          <p:cNvPr id="5" name="Footer Placeholder 4"/>
           <p:cNvSpPr>
             <a:spLocks noGrp="1"/>
           </p:cNvSpPr>
@@ -499,13 +2654,7 @@
       </p:sp>
       <p:sp>
         <p:nvSpPr>
-          <p:cNvPr id="6" name="Foliennummernplatzhalter 5">
-            <a:extLst>
-              <a:ext uri="{FF2B5EF4-FFF2-40B4-BE49-F238E27FC236}">
-                <a16:creationId xmlns:a16="http://schemas.microsoft.com/office/drawing/2014/main" id="{AC29B84C-E28D-4638-8239-49B1A6489C5D}"/>
-              </a:ext>
-            </a:extLst>
-          </p:cNvPr>
+          <p:cNvPr id="6" name="Slide Number Placeholder 5"/>
           <p:cNvSpPr>
             <a:spLocks noGrp="1"/>
           </p:cNvSpPr>
@@ -529,7 +2678,7 @@
     </p:spTree>
     <p:extLst>
       <p:ext uri="{BB962C8B-B14F-4D97-AF65-F5344CB8AC3E}">
-        <p14:creationId xmlns:p14="http://schemas.microsoft.com/office/powerpoint/2010/main" val="2352158579"/>
+        <p14:creationId xmlns:p14="http://schemas.microsoft.com/office/powerpoint/2010/main" val="1546139016"/>
       </p:ext>
     </p:extLst>
   </p:cSld>
@@ -539,7 +2688,7 @@
 </p:sldLayout>
 </file>
 
-<file path=ppt/slideLayouts/slideLayout11.xml><?xml version="1.0" encoding="utf-8"?>
+<file path=ppt/slideLayouts/slideLayout16.xml><?xml version="1.0" encoding="utf-8"?>
 <p:sldLayout xmlns:a="http://schemas.openxmlformats.org/drawingml/2006/main" xmlns:r="http://schemas.openxmlformats.org/officeDocument/2006/relationships" xmlns:p="http://schemas.openxmlformats.org/presentationml/2006/main" type="vertTitleAndTx" preserve="1">
   <p:cSld name="Vertikaler Titel und Text">
     <p:spTree>
@@ -558,13 +2707,7 @@
       </p:grpSpPr>
       <p:sp>
         <p:nvSpPr>
-          <p:cNvPr id="2" name="Vertikaler Titel 1">
-            <a:extLst>
-              <a:ext uri="{FF2B5EF4-FFF2-40B4-BE49-F238E27FC236}">
-                <a16:creationId xmlns:a16="http://schemas.microsoft.com/office/drawing/2014/main" id="{2CA11BB4-8BD9-4A8A-88B8-6C93BFFA12A2}"/>
-              </a:ext>
-            </a:extLst>
-          </p:cNvPr>
+          <p:cNvPr id="2" name="Vertical Title 1"/>
           <p:cNvSpPr>
             <a:spLocks noGrp="1"/>
           </p:cNvSpPr>
@@ -574,31 +2717,25 @@
         </p:nvSpPr>
         <p:spPr>
           <a:xfrm>
-            <a:off x="8724900" y="365125"/>
-            <a:ext cx="2628900" cy="5811838"/>
+            <a:off x="7967673" y="609599"/>
+            <a:ext cx="1304743" cy="5251451"/>
           </a:xfrm>
         </p:spPr>
         <p:txBody>
-          <a:bodyPr vert="eaVert"/>
+          <a:bodyPr vert="eaVert" anchor="ctr"/>
           <a:lstStyle/>
           <a:p>
             <a:r>
               <a:rPr lang="de-DE"/>
               <a:t>Mastertitelformat bearbeiten</a:t>
             </a:r>
-            <a:endParaRPr lang="de-AT"/>
-          </a:p>
-        </p:txBody>
-      </p:sp>
-      <p:sp>
-        <p:nvSpPr>
-          <p:cNvPr id="3" name="Vertikaler Textplatzhalter 2">
-            <a:extLst>
-              <a:ext uri="{FF2B5EF4-FFF2-40B4-BE49-F238E27FC236}">
-                <a16:creationId xmlns:a16="http://schemas.microsoft.com/office/drawing/2014/main" id="{0A4149DD-A401-4A3A-8909-E9E3C3C287D6}"/>
-              </a:ext>
-            </a:extLst>
-          </p:cNvPr>
+            <a:endParaRPr lang="en-US" dirty="0"/>
+          </a:p>
+        </p:txBody>
+      </p:sp>
+      <p:sp>
+        <p:nvSpPr>
+          <p:cNvPr id="3" name="Vertical Text Placeholder 2"/>
           <p:cNvSpPr>
             <a:spLocks noGrp="1"/>
           </p:cNvSpPr>
@@ -608,8 +2745,8 @@
         </p:nvSpPr>
         <p:spPr>
           <a:xfrm>
-            <a:off x="838200" y="365125"/>
-            <a:ext cx="7734300" cy="5811838"/>
+            <a:off x="677335" y="609600"/>
+            <a:ext cx="7060150" cy="5251450"/>
           </a:xfrm>
         </p:spPr>
         <p:txBody>
@@ -649,19 +2786,13 @@
               <a:rPr lang="de-DE"/>
               <a:t>Fünfte Ebene</a:t>
             </a:r>
-            <a:endParaRPr lang="de-AT"/>
-          </a:p>
-        </p:txBody>
-      </p:sp>
-      <p:sp>
-        <p:nvSpPr>
-          <p:cNvPr id="4" name="Datumsplatzhalter 3">
-            <a:extLst>
-              <a:ext uri="{FF2B5EF4-FFF2-40B4-BE49-F238E27FC236}">
-                <a16:creationId xmlns:a16="http://schemas.microsoft.com/office/drawing/2014/main" id="{80625EAE-6317-42EE-A14A-B4D8EF48AF7C}"/>
-              </a:ext>
-            </a:extLst>
-          </p:cNvPr>
+            <a:endParaRPr lang="en-US" dirty="0"/>
+          </a:p>
+        </p:txBody>
+      </p:sp>
+      <p:sp>
+        <p:nvSpPr>
+          <p:cNvPr id="4" name="Date Placeholder 3"/>
           <p:cNvSpPr>
             <a:spLocks noGrp="1"/>
           </p:cNvSpPr>
@@ -676,7 +2807,7 @@
           <a:p>
             <a:fld id="{DCAEF972-E3B3-4410-99AA-A26762AFA263}" type="datetimeFigureOut">
               <a:rPr lang="de-AT" smtClean="0"/>
-              <a:t>14.02.2022</a:t>
+              <a:t>28.02.2022</a:t>
             </a:fld>
             <a:endParaRPr lang="de-AT"/>
           </a:p>
@@ -684,13 +2815,7 @@
       </p:sp>
       <p:sp>
         <p:nvSpPr>
-          <p:cNvPr id="5" name="Fußzeilenplatzhalter 4">
-            <a:extLst>
-              <a:ext uri="{FF2B5EF4-FFF2-40B4-BE49-F238E27FC236}">
-                <a16:creationId xmlns:a16="http://schemas.microsoft.com/office/drawing/2014/main" id="{9C1BAF25-D863-439F-84F5-A38AFE966B8B}"/>
-              </a:ext>
-            </a:extLst>
-          </p:cNvPr>
+          <p:cNvPr id="5" name="Footer Placeholder 4"/>
           <p:cNvSpPr>
             <a:spLocks noGrp="1"/>
           </p:cNvSpPr>
@@ -709,13 +2834,7 @@
       </p:sp>
       <p:sp>
         <p:nvSpPr>
-          <p:cNvPr id="6" name="Foliennummernplatzhalter 5">
-            <a:extLst>
-              <a:ext uri="{FF2B5EF4-FFF2-40B4-BE49-F238E27FC236}">
-                <a16:creationId xmlns:a16="http://schemas.microsoft.com/office/drawing/2014/main" id="{61DEC54C-C5C0-4A16-B734-7FAC6E2689EA}"/>
-              </a:ext>
-            </a:extLst>
-          </p:cNvPr>
+          <p:cNvPr id="6" name="Slide Number Placeholder 5"/>
           <p:cNvSpPr>
             <a:spLocks noGrp="1"/>
           </p:cNvSpPr>
@@ -739,7 +2858,7 @@
     </p:spTree>
     <p:extLst>
       <p:ext uri="{BB962C8B-B14F-4D97-AF65-F5344CB8AC3E}">
-        <p14:creationId xmlns:p14="http://schemas.microsoft.com/office/powerpoint/2010/main" val="2668606961"/>
+        <p14:creationId xmlns:p14="http://schemas.microsoft.com/office/powerpoint/2010/main" val="3522934046"/>
       </p:ext>
     </p:extLst>
   </p:cSld>
@@ -768,13 +2887,7 @@
       </p:grpSpPr>
       <p:sp>
         <p:nvSpPr>
-          <p:cNvPr id="2" name="Titel 1">
-            <a:extLst>
-              <a:ext uri="{FF2B5EF4-FFF2-40B4-BE49-F238E27FC236}">
-                <a16:creationId xmlns:a16="http://schemas.microsoft.com/office/drawing/2014/main" id="{FB7F226B-D2EF-46ED-BAB0-C8AA8CDC7075}"/>
-              </a:ext>
-            </a:extLst>
-          </p:cNvPr>
+          <p:cNvPr id="2" name="Title 1"/>
           <p:cNvSpPr>
             <a:spLocks noGrp="1"/>
           </p:cNvSpPr>
@@ -784,26 +2897,26 @@
         </p:nvSpPr>
         <p:spPr/>
         <p:txBody>
-          <a:bodyPr/>
-          <a:lstStyle/>
+          <a:bodyPr>
+            <a:normAutofit/>
+          </a:bodyPr>
+          <a:lstStyle>
+            <a:lvl1pPr>
+              <a:defRPr sz="3600"/>
+            </a:lvl1pPr>
+          </a:lstStyle>
           <a:p>
             <a:r>
               <a:rPr lang="de-DE"/>
               <a:t>Mastertitelformat bearbeiten</a:t>
             </a:r>
-            <a:endParaRPr lang="de-AT"/>
-          </a:p>
-        </p:txBody>
-      </p:sp>
-      <p:sp>
-        <p:nvSpPr>
-          <p:cNvPr id="3" name="Inhaltsplatzhalter 2">
-            <a:extLst>
-              <a:ext uri="{FF2B5EF4-FFF2-40B4-BE49-F238E27FC236}">
-                <a16:creationId xmlns:a16="http://schemas.microsoft.com/office/drawing/2014/main" id="{E1A092B0-0E63-4463-8765-FC391E8683A9}"/>
-              </a:ext>
-            </a:extLst>
-          </p:cNvPr>
+            <a:endParaRPr lang="en-US" dirty="0"/>
+          </a:p>
+        </p:txBody>
+      </p:sp>
+      <p:sp>
+        <p:nvSpPr>
+          <p:cNvPr id="3" name="Content Placeholder 2"/>
           <p:cNvSpPr>
             <a:spLocks noGrp="1"/>
           </p:cNvSpPr>
@@ -849,19 +2962,13 @@
               <a:rPr lang="de-DE"/>
               <a:t>Fünfte Ebene</a:t>
             </a:r>
-            <a:endParaRPr lang="de-AT"/>
-          </a:p>
-        </p:txBody>
-      </p:sp>
-      <p:sp>
-        <p:nvSpPr>
-          <p:cNvPr id="4" name="Datumsplatzhalter 3">
-            <a:extLst>
-              <a:ext uri="{FF2B5EF4-FFF2-40B4-BE49-F238E27FC236}">
-                <a16:creationId xmlns:a16="http://schemas.microsoft.com/office/drawing/2014/main" id="{A126F69D-2B85-4734-A823-14E770632B44}"/>
-              </a:ext>
-            </a:extLst>
-          </p:cNvPr>
+            <a:endParaRPr lang="en-US" dirty="0"/>
+          </a:p>
+        </p:txBody>
+      </p:sp>
+      <p:sp>
+        <p:nvSpPr>
+          <p:cNvPr id="4" name="Date Placeholder 3"/>
           <p:cNvSpPr>
             <a:spLocks noGrp="1"/>
           </p:cNvSpPr>
@@ -876,7 +2983,7 @@
           <a:p>
             <a:fld id="{DCAEF972-E3B3-4410-99AA-A26762AFA263}" type="datetimeFigureOut">
               <a:rPr lang="de-AT" smtClean="0"/>
-              <a:t>14.02.2022</a:t>
+              <a:t>28.02.2022</a:t>
             </a:fld>
             <a:endParaRPr lang="de-AT"/>
           </a:p>
@@ -884,13 +2991,7 @@
       </p:sp>
       <p:sp>
         <p:nvSpPr>
-          <p:cNvPr id="5" name="Fußzeilenplatzhalter 4">
-            <a:extLst>
-              <a:ext uri="{FF2B5EF4-FFF2-40B4-BE49-F238E27FC236}">
-                <a16:creationId xmlns:a16="http://schemas.microsoft.com/office/drawing/2014/main" id="{6DF75C0D-50C3-4554-9936-07993933421C}"/>
-              </a:ext>
-            </a:extLst>
-          </p:cNvPr>
+          <p:cNvPr id="5" name="Footer Placeholder 4"/>
           <p:cNvSpPr>
             <a:spLocks noGrp="1"/>
           </p:cNvSpPr>
@@ -909,13 +3010,7 @@
       </p:sp>
       <p:sp>
         <p:nvSpPr>
-          <p:cNvPr id="6" name="Foliennummernplatzhalter 5">
-            <a:extLst>
-              <a:ext uri="{FF2B5EF4-FFF2-40B4-BE49-F238E27FC236}">
-                <a16:creationId xmlns:a16="http://schemas.microsoft.com/office/drawing/2014/main" id="{CA3D4C61-2C42-4DB2-A482-79D4A199103D}"/>
-              </a:ext>
-            </a:extLst>
-          </p:cNvPr>
+          <p:cNvPr id="6" name="Slide Number Placeholder 5"/>
           <p:cNvSpPr>
             <a:spLocks noGrp="1"/>
           </p:cNvSpPr>
@@ -939,7 +3034,7 @@
     </p:spTree>
     <p:extLst>
       <p:ext uri="{BB962C8B-B14F-4D97-AF65-F5344CB8AC3E}">
-        <p14:creationId xmlns:p14="http://schemas.microsoft.com/office/powerpoint/2010/main" val="2086899025"/>
+        <p14:creationId xmlns:p14="http://schemas.microsoft.com/office/powerpoint/2010/main" val="2782193225"/>
       </p:ext>
     </p:extLst>
   </p:cSld>
@@ -968,13 +3063,7 @@
       </p:grpSpPr>
       <p:sp>
         <p:nvSpPr>
-          <p:cNvPr id="2" name="Titel 1">
-            <a:extLst>
-              <a:ext uri="{FF2B5EF4-FFF2-40B4-BE49-F238E27FC236}">
-                <a16:creationId xmlns:a16="http://schemas.microsoft.com/office/drawing/2014/main" id="{71ABA16C-55D9-40ED-88E2-A35FC880C23D}"/>
-              </a:ext>
-            </a:extLst>
-          </p:cNvPr>
+          <p:cNvPr id="2" name="Title 1"/>
           <p:cNvSpPr>
             <a:spLocks noGrp="1"/>
           </p:cNvSpPr>
@@ -984,15 +3073,15 @@
         </p:nvSpPr>
         <p:spPr>
           <a:xfrm>
-            <a:off x="831850" y="1709738"/>
-            <a:ext cx="10515600" cy="2852737"/>
+            <a:off x="677335" y="2700867"/>
+            <a:ext cx="8596668" cy="1826581"/>
           </a:xfrm>
         </p:spPr>
         <p:txBody>
           <a:bodyPr anchor="b"/>
           <a:lstStyle>
-            <a:lvl1pPr>
-              <a:defRPr sz="6000"/>
+            <a:lvl1pPr algn="l">
+              <a:defRPr sz="4000" b="0" cap="none"/>
             </a:lvl1pPr>
           </a:lstStyle>
           <a:p>
@@ -1000,19 +3089,13 @@
               <a:rPr lang="de-DE"/>
               <a:t>Mastertitelformat bearbeiten</a:t>
             </a:r>
-            <a:endParaRPr lang="de-AT"/>
-          </a:p>
-        </p:txBody>
-      </p:sp>
-      <p:sp>
-        <p:nvSpPr>
-          <p:cNvPr id="3" name="Textplatzhalter 2">
-            <a:extLst>
-              <a:ext uri="{FF2B5EF4-FFF2-40B4-BE49-F238E27FC236}">
-                <a16:creationId xmlns:a16="http://schemas.microsoft.com/office/drawing/2014/main" id="{C6BE57B2-A406-471A-89BB-B5C834AC8C4D}"/>
-              </a:ext>
-            </a:extLst>
-          </p:cNvPr>
+            <a:endParaRPr lang="en-US" dirty="0"/>
+          </a:p>
+        </p:txBody>
+      </p:sp>
+      <p:sp>
+        <p:nvSpPr>
+          <p:cNvPr id="3" name="Text Placeholder 2"/>
           <p:cNvSpPr>
             <a:spLocks noGrp="1"/>
           </p:cNvSpPr>
@@ -1022,102 +3105,103 @@
         </p:nvSpPr>
         <p:spPr>
           <a:xfrm>
-            <a:off x="831850" y="4589463"/>
-            <a:ext cx="10515600" cy="1500187"/>
+            <a:off x="677335" y="4527448"/>
+            <a:ext cx="8596668" cy="860400"/>
           </a:xfrm>
         </p:spPr>
         <p:txBody>
-          <a:bodyPr/>
+          <a:bodyPr anchor="t"/>
           <a:lstStyle>
-            <a:lvl1pPr marL="0" indent="0">
-              <a:buNone/>
-              <a:defRPr sz="2400">
+            <a:lvl1pPr marL="0" indent="0" algn="l">
+              <a:buNone/>
+              <a:defRPr sz="2000">
+                <a:solidFill>
+                  <a:schemeClr val="tx1">
+                    <a:lumMod val="50000"/>
+                    <a:lumOff val="50000"/>
+                  </a:schemeClr>
+                </a:solidFill>
+              </a:defRPr>
+            </a:lvl1pPr>
+            <a:lvl2pPr marL="457200" indent="0">
+              <a:buNone/>
+              <a:defRPr sz="1800">
                 <a:solidFill>
                   <a:schemeClr val="tx1">
                     <a:tint val="75000"/>
                   </a:schemeClr>
                 </a:solidFill>
               </a:defRPr>
-            </a:lvl1pPr>
-            <a:lvl2pPr marL="457200" indent="0">
-              <a:buNone/>
-              <a:defRPr sz="2000">
+            </a:lvl2pPr>
+            <a:lvl3pPr marL="914400" indent="0">
+              <a:buNone/>
+              <a:defRPr sz="1600">
                 <a:solidFill>
                   <a:schemeClr val="tx1">
                     <a:tint val="75000"/>
                   </a:schemeClr>
                 </a:solidFill>
               </a:defRPr>
-            </a:lvl2pPr>
-            <a:lvl3pPr marL="914400" indent="0">
-              <a:buNone/>
-              <a:defRPr sz="1800">
+            </a:lvl3pPr>
+            <a:lvl4pPr marL="1371600" indent="0">
+              <a:buNone/>
+              <a:defRPr sz="1400">
                 <a:solidFill>
                   <a:schemeClr val="tx1">
                     <a:tint val="75000"/>
                   </a:schemeClr>
                 </a:solidFill>
               </a:defRPr>
-            </a:lvl3pPr>
-            <a:lvl4pPr marL="1371600" indent="0">
-              <a:buNone/>
-              <a:defRPr sz="1600">
+            </a:lvl4pPr>
+            <a:lvl5pPr marL="1828800" indent="0">
+              <a:buNone/>
+              <a:defRPr sz="1400">
                 <a:solidFill>
                   <a:schemeClr val="tx1">
                     <a:tint val="75000"/>
                   </a:schemeClr>
                 </a:solidFill>
               </a:defRPr>
-            </a:lvl4pPr>
-            <a:lvl5pPr marL="1828800" indent="0">
-              <a:buNone/>
-              <a:defRPr sz="1600">
+            </a:lvl5pPr>
+            <a:lvl6pPr marL="2286000" indent="0">
+              <a:buNone/>
+              <a:defRPr sz="1400">
                 <a:solidFill>
                   <a:schemeClr val="tx1">
                     <a:tint val="75000"/>
                   </a:schemeClr>
                 </a:solidFill>
               </a:defRPr>
-            </a:lvl5pPr>
-            <a:lvl6pPr marL="2286000" indent="0">
-              <a:buNone/>
-              <a:defRPr sz="1600">
+            </a:lvl6pPr>
+            <a:lvl7pPr marL="2743200" indent="0">
+              <a:buNone/>
+              <a:defRPr sz="1400">
                 <a:solidFill>
                   <a:schemeClr val="tx1">
                     <a:tint val="75000"/>
                   </a:schemeClr>
                 </a:solidFill>
               </a:defRPr>
-            </a:lvl6pPr>
-            <a:lvl7pPr marL="2743200" indent="0">
-              <a:buNone/>
-              <a:defRPr sz="1600">
+            </a:lvl7pPr>
+            <a:lvl8pPr marL="3200400" indent="0">
+              <a:buNone/>
+              <a:defRPr sz="1400">
                 <a:solidFill>
                   <a:schemeClr val="tx1">
                     <a:tint val="75000"/>
                   </a:schemeClr>
                 </a:solidFill>
               </a:defRPr>
-            </a:lvl7pPr>
-            <a:lvl8pPr marL="3200400" indent="0">
-              <a:buNone/>
-              <a:defRPr sz="1600">
+            </a:lvl8pPr>
+            <a:lvl9pPr marL="3657600" indent="0">
+              <a:buNone/>
+              <a:defRPr sz="1400">
                 <a:solidFill>
                   <a:schemeClr val="tx1">
                     <a:tint val="75000"/>
                   </a:schemeClr>
                 </a:solidFill>
               </a:defRPr>
-            </a:lvl8pPr>
-            <a:lvl9pPr marL="3657600" indent="0">
-              <a:buNone/>
-              <a:defRPr sz="1600">
-                <a:solidFill>
-                  <a:schemeClr val="tx1">
-                    <a:tint val="75000"/>
-                  </a:schemeClr>
-                </a:solidFill>
-              </a:defRPr>
             </a:lvl9pPr>
           </a:lstStyle>
           <a:p>
@@ -1131,13 +3215,7 @@
       </p:sp>
       <p:sp>
         <p:nvSpPr>
-          <p:cNvPr id="4" name="Datumsplatzhalter 3">
-            <a:extLst>
-              <a:ext uri="{FF2B5EF4-FFF2-40B4-BE49-F238E27FC236}">
-                <a16:creationId xmlns:a16="http://schemas.microsoft.com/office/drawing/2014/main" id="{4FCAE8F7-E35C-4049-9612-16C910219192}"/>
-              </a:ext>
-            </a:extLst>
-          </p:cNvPr>
+          <p:cNvPr id="4" name="Date Placeholder 3"/>
           <p:cNvSpPr>
             <a:spLocks noGrp="1"/>
           </p:cNvSpPr>
@@ -1152,7 +3230,7 @@
           <a:p>
             <a:fld id="{DCAEF972-E3B3-4410-99AA-A26762AFA263}" type="datetimeFigureOut">
               <a:rPr lang="de-AT" smtClean="0"/>
-              <a:t>14.02.2022</a:t>
+              <a:t>28.02.2022</a:t>
             </a:fld>
             <a:endParaRPr lang="de-AT"/>
           </a:p>
@@ -1160,13 +3238,7 @@
       </p:sp>
       <p:sp>
         <p:nvSpPr>
-          <p:cNvPr id="5" name="Fußzeilenplatzhalter 4">
-            <a:extLst>
-              <a:ext uri="{FF2B5EF4-FFF2-40B4-BE49-F238E27FC236}">
-                <a16:creationId xmlns:a16="http://schemas.microsoft.com/office/drawing/2014/main" id="{A42ADEAF-3C81-40DA-9A7A-30FB681F394C}"/>
-              </a:ext>
-            </a:extLst>
-          </p:cNvPr>
+          <p:cNvPr id="5" name="Footer Placeholder 4"/>
           <p:cNvSpPr>
             <a:spLocks noGrp="1"/>
           </p:cNvSpPr>
@@ -1185,13 +3257,7 @@
       </p:sp>
       <p:sp>
         <p:nvSpPr>
-          <p:cNvPr id="6" name="Foliennummernplatzhalter 5">
-            <a:extLst>
-              <a:ext uri="{FF2B5EF4-FFF2-40B4-BE49-F238E27FC236}">
-                <a16:creationId xmlns:a16="http://schemas.microsoft.com/office/drawing/2014/main" id="{BEEF7799-684A-40A4-B60A-370DB24E74D5}"/>
-              </a:ext>
-            </a:extLst>
-          </p:cNvPr>
+          <p:cNvPr id="6" name="Slide Number Placeholder 5"/>
           <p:cNvSpPr>
             <a:spLocks noGrp="1"/>
           </p:cNvSpPr>
@@ -1215,7 +3281,7 @@
     </p:spTree>
     <p:extLst>
       <p:ext uri="{BB962C8B-B14F-4D97-AF65-F5344CB8AC3E}">
-        <p14:creationId xmlns:p14="http://schemas.microsoft.com/office/powerpoint/2010/main" val="790329783"/>
+        <p14:creationId xmlns:p14="http://schemas.microsoft.com/office/powerpoint/2010/main" val="274373937"/>
       </p:ext>
     </p:extLst>
   </p:cSld>
@@ -1244,13 +3310,7 @@
       </p:grpSpPr>
       <p:sp>
         <p:nvSpPr>
-          <p:cNvPr id="2" name="Titel 1">
-            <a:extLst>
-              <a:ext uri="{FF2B5EF4-FFF2-40B4-BE49-F238E27FC236}">
-                <a16:creationId xmlns:a16="http://schemas.microsoft.com/office/drawing/2014/main" id="{738EBE9A-8D14-4ECC-B762-BE1A3AF908FC}"/>
-              </a:ext>
-            </a:extLst>
-          </p:cNvPr>
+          <p:cNvPr id="2" name="Title 1"/>
           <p:cNvSpPr>
             <a:spLocks noGrp="1"/>
           </p:cNvSpPr>
@@ -1267,19 +3327,13 @@
               <a:rPr lang="de-DE"/>
               <a:t>Mastertitelformat bearbeiten</a:t>
             </a:r>
-            <a:endParaRPr lang="de-AT"/>
-          </a:p>
-        </p:txBody>
-      </p:sp>
-      <p:sp>
-        <p:nvSpPr>
-          <p:cNvPr id="3" name="Inhaltsplatzhalter 2">
-            <a:extLst>
-              <a:ext uri="{FF2B5EF4-FFF2-40B4-BE49-F238E27FC236}">
-                <a16:creationId xmlns:a16="http://schemas.microsoft.com/office/drawing/2014/main" id="{59027184-6137-4243-84EA-E55745433F62}"/>
-              </a:ext>
-            </a:extLst>
-          </p:cNvPr>
+            <a:endParaRPr lang="en-US" dirty="0"/>
+          </a:p>
+        </p:txBody>
+      </p:sp>
+      <p:sp>
+        <p:nvSpPr>
+          <p:cNvPr id="3" name="Content Placeholder 2"/>
           <p:cNvSpPr>
             <a:spLocks noGrp="1"/>
           </p:cNvSpPr>
@@ -1289,8 +3343,8 @@
         </p:nvSpPr>
         <p:spPr>
           <a:xfrm>
-            <a:off x="838200" y="1825625"/>
-            <a:ext cx="5181600" cy="4351338"/>
+            <a:off x="677334" y="2160589"/>
+            <a:ext cx="4184035" cy="3880772"/>
           </a:xfrm>
         </p:spPr>
         <p:txBody>
@@ -1330,19 +3384,13 @@
               <a:rPr lang="de-DE"/>
               <a:t>Fünfte Ebene</a:t>
             </a:r>
-            <a:endParaRPr lang="de-AT"/>
-          </a:p>
-        </p:txBody>
-      </p:sp>
-      <p:sp>
-        <p:nvSpPr>
-          <p:cNvPr id="4" name="Inhaltsplatzhalter 3">
-            <a:extLst>
-              <a:ext uri="{FF2B5EF4-FFF2-40B4-BE49-F238E27FC236}">
-                <a16:creationId xmlns:a16="http://schemas.microsoft.com/office/drawing/2014/main" id="{850EE293-AE49-4BE1-B5F8-50254C5476B1}"/>
-              </a:ext>
-            </a:extLst>
-          </p:cNvPr>
+            <a:endParaRPr lang="en-US" dirty="0"/>
+          </a:p>
+        </p:txBody>
+      </p:sp>
+      <p:sp>
+        <p:nvSpPr>
+          <p:cNvPr id="4" name="Content Placeholder 3"/>
           <p:cNvSpPr>
             <a:spLocks noGrp="1"/>
           </p:cNvSpPr>
@@ -1352,8 +3400,8 @@
         </p:nvSpPr>
         <p:spPr>
           <a:xfrm>
-            <a:off x="6172200" y="1825625"/>
-            <a:ext cx="5181600" cy="4351338"/>
+            <a:off x="5089970" y="2160589"/>
+            <a:ext cx="4184034" cy="3880773"/>
           </a:xfrm>
         </p:spPr>
         <p:txBody>
@@ -1393,19 +3441,13 @@
               <a:rPr lang="de-DE"/>
               <a:t>Fünfte Ebene</a:t>
             </a:r>
-            <a:endParaRPr lang="de-AT"/>
-          </a:p>
-        </p:txBody>
-      </p:sp>
-      <p:sp>
-        <p:nvSpPr>
-          <p:cNvPr id="5" name="Datumsplatzhalter 4">
-            <a:extLst>
-              <a:ext uri="{FF2B5EF4-FFF2-40B4-BE49-F238E27FC236}">
-                <a16:creationId xmlns:a16="http://schemas.microsoft.com/office/drawing/2014/main" id="{07835118-831C-4781-8FFF-38599154D206}"/>
-              </a:ext>
-            </a:extLst>
-          </p:cNvPr>
+            <a:endParaRPr lang="en-US" dirty="0"/>
+          </a:p>
+        </p:txBody>
+      </p:sp>
+      <p:sp>
+        <p:nvSpPr>
+          <p:cNvPr id="5" name="Date Placeholder 4"/>
           <p:cNvSpPr>
             <a:spLocks noGrp="1"/>
           </p:cNvSpPr>
@@ -1420,7 +3462,7 @@
           <a:p>
             <a:fld id="{DCAEF972-E3B3-4410-99AA-A26762AFA263}" type="datetimeFigureOut">
               <a:rPr lang="de-AT" smtClean="0"/>
-              <a:t>14.02.2022</a:t>
+              <a:t>28.02.2022</a:t>
             </a:fld>
             <a:endParaRPr lang="de-AT"/>
           </a:p>
@@ -1428,13 +3470,7 @@
       </p:sp>
       <p:sp>
         <p:nvSpPr>
-          <p:cNvPr id="6" name="Fußzeilenplatzhalter 5">
-            <a:extLst>
-              <a:ext uri="{FF2B5EF4-FFF2-40B4-BE49-F238E27FC236}">
-                <a16:creationId xmlns:a16="http://schemas.microsoft.com/office/drawing/2014/main" id="{6FF21CCE-775B-4838-84D1-89DEF3D6B99C}"/>
-              </a:ext>
-            </a:extLst>
-          </p:cNvPr>
+          <p:cNvPr id="6" name="Footer Placeholder 5"/>
           <p:cNvSpPr>
             <a:spLocks noGrp="1"/>
           </p:cNvSpPr>
@@ -1453,13 +3489,7 @@
       </p:sp>
       <p:sp>
         <p:nvSpPr>
-          <p:cNvPr id="7" name="Foliennummernplatzhalter 6">
-            <a:extLst>
-              <a:ext uri="{FF2B5EF4-FFF2-40B4-BE49-F238E27FC236}">
-                <a16:creationId xmlns:a16="http://schemas.microsoft.com/office/drawing/2014/main" id="{C1C87125-A904-48B5-98C4-9B12B9B31E5B}"/>
-              </a:ext>
-            </a:extLst>
-          </p:cNvPr>
+          <p:cNvPr id="7" name="Slide Number Placeholder 6"/>
           <p:cNvSpPr>
             <a:spLocks noGrp="1"/>
           </p:cNvSpPr>
@@ -1483,7 +3513,7 @@
     </p:spTree>
     <p:extLst>
       <p:ext uri="{BB962C8B-B14F-4D97-AF65-F5344CB8AC3E}">
-        <p14:creationId xmlns:p14="http://schemas.microsoft.com/office/powerpoint/2010/main" val="2444991837"/>
+        <p14:creationId xmlns:p14="http://schemas.microsoft.com/office/powerpoint/2010/main" val="1191526247"/>
       </p:ext>
     </p:extLst>
   </p:cSld>
@@ -1512,66 +3542,55 @@
       </p:grpSpPr>
       <p:sp>
         <p:nvSpPr>
-          <p:cNvPr id="2" name="Titel 1">
-            <a:extLst>
-              <a:ext uri="{FF2B5EF4-FFF2-40B4-BE49-F238E27FC236}">
-                <a16:creationId xmlns:a16="http://schemas.microsoft.com/office/drawing/2014/main" id="{AD5AC6E5-C742-44C2-8D06-897032EC39F1}"/>
-              </a:ext>
-            </a:extLst>
-          </p:cNvPr>
+          <p:cNvPr id="2" name="Title 1"/>
           <p:cNvSpPr>
             <a:spLocks noGrp="1"/>
           </p:cNvSpPr>
           <p:nvPr>
             <p:ph type="title"/>
+          </p:nvPr>
+        </p:nvSpPr>
+        <p:spPr/>
+        <p:txBody>
+          <a:bodyPr/>
+          <a:lstStyle>
+            <a:lvl1pPr>
+              <a:defRPr/>
+            </a:lvl1pPr>
+          </a:lstStyle>
+          <a:p>
+            <a:r>
+              <a:rPr lang="de-DE"/>
+              <a:t>Mastertitelformat bearbeiten</a:t>
+            </a:r>
+            <a:endParaRPr lang="en-US" dirty="0"/>
+          </a:p>
+        </p:txBody>
+      </p:sp>
+      <p:sp>
+        <p:nvSpPr>
+          <p:cNvPr id="3" name="Text Placeholder 2"/>
+          <p:cNvSpPr>
+            <a:spLocks noGrp="1"/>
+          </p:cNvSpPr>
+          <p:nvPr>
+            <p:ph type="body" idx="1"/>
           </p:nvPr>
         </p:nvSpPr>
         <p:spPr>
           <a:xfrm>
-            <a:off x="839788" y="365125"/>
-            <a:ext cx="10515600" cy="1325563"/>
+            <a:off x="675745" y="2160983"/>
+            <a:ext cx="4185623" cy="576262"/>
           </a:xfrm>
         </p:spPr>
         <p:txBody>
-          <a:bodyPr/>
-          <a:lstStyle/>
-          <a:p>
-            <a:r>
-              <a:rPr lang="de-DE"/>
-              <a:t>Mastertitelformat bearbeiten</a:t>
-            </a:r>
-            <a:endParaRPr lang="de-AT"/>
-          </a:p>
-        </p:txBody>
-      </p:sp>
-      <p:sp>
-        <p:nvSpPr>
-          <p:cNvPr id="3" name="Textplatzhalter 2">
-            <a:extLst>
-              <a:ext uri="{FF2B5EF4-FFF2-40B4-BE49-F238E27FC236}">
-                <a16:creationId xmlns:a16="http://schemas.microsoft.com/office/drawing/2014/main" id="{42710679-89BF-4C7A-BB3A-C70D76E38408}"/>
-              </a:ext>
-            </a:extLst>
-          </p:cNvPr>
-          <p:cNvSpPr>
-            <a:spLocks noGrp="1"/>
-          </p:cNvSpPr>
-          <p:nvPr>
-            <p:ph type="body" idx="1"/>
-          </p:nvPr>
-        </p:nvSpPr>
-        <p:spPr>
-          <a:xfrm>
-            <a:off x="839788" y="1681163"/>
-            <a:ext cx="5157787" cy="823912"/>
-          </a:xfrm>
-        </p:spPr>
-        <p:txBody>
-          <a:bodyPr anchor="b"/>
+          <a:bodyPr anchor="b">
+            <a:noAutofit/>
+          </a:bodyPr>
           <a:lstStyle>
             <a:lvl1pPr marL="0" indent="0">
               <a:buNone/>
-              <a:defRPr sz="2400" b="1"/>
+              <a:defRPr sz="2400" b="0"/>
             </a:lvl1pPr>
             <a:lvl2pPr marL="457200" indent="0">
               <a:buNone/>
@@ -1617,13 +3636,7 @@
       </p:sp>
       <p:sp>
         <p:nvSpPr>
-          <p:cNvPr id="4" name="Inhaltsplatzhalter 3">
-            <a:extLst>
-              <a:ext uri="{FF2B5EF4-FFF2-40B4-BE49-F238E27FC236}">
-                <a16:creationId xmlns:a16="http://schemas.microsoft.com/office/drawing/2014/main" id="{7E4A27E3-E5BF-4C18-AB54-6E51C85C2902}"/>
-              </a:ext>
-            </a:extLst>
-          </p:cNvPr>
+          <p:cNvPr id="4" name="Content Placeholder 3"/>
           <p:cNvSpPr>
             <a:spLocks noGrp="1"/>
           </p:cNvSpPr>
@@ -1633,12 +3646,14 @@
         </p:nvSpPr>
         <p:spPr>
           <a:xfrm>
-            <a:off x="839788" y="2505075"/>
-            <a:ext cx="5157787" cy="3684588"/>
+            <a:off x="675745" y="2737245"/>
+            <a:ext cx="4185623" cy="3304117"/>
           </a:xfrm>
         </p:spPr>
         <p:txBody>
-          <a:bodyPr/>
+          <a:bodyPr>
+            <a:normAutofit/>
+          </a:bodyPr>
           <a:lstStyle/>
           <a:p>
             <a:pPr lvl="0"/>
@@ -1674,19 +3689,13 @@
               <a:rPr lang="de-DE"/>
               <a:t>Fünfte Ebene</a:t>
             </a:r>
-            <a:endParaRPr lang="de-AT"/>
-          </a:p>
-        </p:txBody>
-      </p:sp>
-      <p:sp>
-        <p:nvSpPr>
-          <p:cNvPr id="5" name="Textplatzhalter 4">
-            <a:extLst>
-              <a:ext uri="{FF2B5EF4-FFF2-40B4-BE49-F238E27FC236}">
-                <a16:creationId xmlns:a16="http://schemas.microsoft.com/office/drawing/2014/main" id="{05429E73-1AAB-427E-9FBA-A2482B40B4E9}"/>
-              </a:ext>
-            </a:extLst>
-          </p:cNvPr>
+            <a:endParaRPr lang="en-US" dirty="0"/>
+          </a:p>
+        </p:txBody>
+      </p:sp>
+      <p:sp>
+        <p:nvSpPr>
+          <p:cNvPr id="5" name="Text Placeholder 4"/>
           <p:cNvSpPr>
             <a:spLocks noGrp="1"/>
           </p:cNvSpPr>
@@ -1696,16 +3705,18 @@
         </p:nvSpPr>
         <p:spPr>
           <a:xfrm>
-            <a:off x="6172200" y="1681163"/>
-            <a:ext cx="5183188" cy="823912"/>
+            <a:off x="5088383" y="2160983"/>
+            <a:ext cx="4185618" cy="576262"/>
           </a:xfrm>
         </p:spPr>
         <p:txBody>
-          <a:bodyPr anchor="b"/>
+          <a:bodyPr anchor="b">
+            <a:noAutofit/>
+          </a:bodyPr>
           <a:lstStyle>
             <a:lvl1pPr marL="0" indent="0">
               <a:buNone/>
-              <a:defRPr sz="2400" b="1"/>
+              <a:defRPr sz="2400" b="0"/>
             </a:lvl1pPr>
             <a:lvl2pPr marL="457200" indent="0">
               <a:buNone/>
@@ -1751,13 +3762,7 @@
       </p:sp>
       <p:sp>
         <p:nvSpPr>
-          <p:cNvPr id="6" name="Inhaltsplatzhalter 5">
-            <a:extLst>
-              <a:ext uri="{FF2B5EF4-FFF2-40B4-BE49-F238E27FC236}">
-                <a16:creationId xmlns:a16="http://schemas.microsoft.com/office/drawing/2014/main" id="{853D3E58-7BBD-4D46-B907-19065CB2129E}"/>
-              </a:ext>
-            </a:extLst>
-          </p:cNvPr>
+          <p:cNvPr id="6" name="Content Placeholder 5"/>
           <p:cNvSpPr>
             <a:spLocks noGrp="1"/>
           </p:cNvSpPr>
@@ -1767,12 +3772,14 @@
         </p:nvSpPr>
         <p:spPr>
           <a:xfrm>
-            <a:off x="6172200" y="2505075"/>
-            <a:ext cx="5183188" cy="3684588"/>
+            <a:off x="5088384" y="2737245"/>
+            <a:ext cx="4185617" cy="3304117"/>
           </a:xfrm>
         </p:spPr>
         <p:txBody>
-          <a:bodyPr/>
+          <a:bodyPr>
+            <a:normAutofit/>
+          </a:bodyPr>
           <a:lstStyle/>
           <a:p>
             <a:pPr lvl="0"/>
@@ -1808,19 +3815,13 @@
               <a:rPr lang="de-DE"/>
               <a:t>Fünfte Ebene</a:t>
             </a:r>
-            <a:endParaRPr lang="de-AT"/>
-          </a:p>
-        </p:txBody>
-      </p:sp>
-      <p:sp>
-        <p:nvSpPr>
-          <p:cNvPr id="7" name="Datumsplatzhalter 6">
-            <a:extLst>
-              <a:ext uri="{FF2B5EF4-FFF2-40B4-BE49-F238E27FC236}">
-                <a16:creationId xmlns:a16="http://schemas.microsoft.com/office/drawing/2014/main" id="{D3DAB7D6-CE38-436F-BCF9-75C0B0839F3E}"/>
-              </a:ext>
-            </a:extLst>
-          </p:cNvPr>
+            <a:endParaRPr lang="en-US" dirty="0"/>
+          </a:p>
+        </p:txBody>
+      </p:sp>
+      <p:sp>
+        <p:nvSpPr>
+          <p:cNvPr id="7" name="Date Placeholder 6"/>
           <p:cNvSpPr>
             <a:spLocks noGrp="1"/>
           </p:cNvSpPr>
@@ -1835,7 +3836,7 @@
           <a:p>
             <a:fld id="{DCAEF972-E3B3-4410-99AA-A26762AFA263}" type="datetimeFigureOut">
               <a:rPr lang="de-AT" smtClean="0"/>
-              <a:t>14.02.2022</a:t>
+              <a:t>28.02.2022</a:t>
             </a:fld>
             <a:endParaRPr lang="de-AT"/>
           </a:p>
@@ -1843,13 +3844,7 @@
       </p:sp>
       <p:sp>
         <p:nvSpPr>
-          <p:cNvPr id="8" name="Fußzeilenplatzhalter 7">
-            <a:extLst>
-              <a:ext uri="{FF2B5EF4-FFF2-40B4-BE49-F238E27FC236}">
-                <a16:creationId xmlns:a16="http://schemas.microsoft.com/office/drawing/2014/main" id="{424EFF22-C598-45EB-940D-329E805B226F}"/>
-              </a:ext>
-            </a:extLst>
-          </p:cNvPr>
+          <p:cNvPr id="8" name="Footer Placeholder 7"/>
           <p:cNvSpPr>
             <a:spLocks noGrp="1"/>
           </p:cNvSpPr>
@@ -1868,13 +3863,7 @@
       </p:sp>
       <p:sp>
         <p:nvSpPr>
-          <p:cNvPr id="9" name="Foliennummernplatzhalter 8">
-            <a:extLst>
-              <a:ext uri="{FF2B5EF4-FFF2-40B4-BE49-F238E27FC236}">
-                <a16:creationId xmlns:a16="http://schemas.microsoft.com/office/drawing/2014/main" id="{3DA42664-0613-42BC-A3AC-4BE55ADA234F}"/>
-              </a:ext>
-            </a:extLst>
-          </p:cNvPr>
+          <p:cNvPr id="9" name="Slide Number Placeholder 8"/>
           <p:cNvSpPr>
             <a:spLocks noGrp="1"/>
           </p:cNvSpPr>
@@ -1898,7 +3887,7 @@
     </p:spTree>
     <p:extLst>
       <p:ext uri="{BB962C8B-B14F-4D97-AF65-F5344CB8AC3E}">
-        <p14:creationId xmlns:p14="http://schemas.microsoft.com/office/powerpoint/2010/main" val="1016699868"/>
+        <p14:creationId xmlns:p14="http://schemas.microsoft.com/office/powerpoint/2010/main" val="343492939"/>
       </p:ext>
     </p:extLst>
   </p:cSld>
@@ -1927,13 +3916,7 @@
       </p:grpSpPr>
       <p:sp>
         <p:nvSpPr>
-          <p:cNvPr id="2" name="Titel 1">
-            <a:extLst>
-              <a:ext uri="{FF2B5EF4-FFF2-40B4-BE49-F238E27FC236}">
-                <a16:creationId xmlns:a16="http://schemas.microsoft.com/office/drawing/2014/main" id="{A24EB025-79ED-45A1-BF02-7E808890120D}"/>
-              </a:ext>
-            </a:extLst>
-          </p:cNvPr>
+          <p:cNvPr id="2" name="Title 1"/>
           <p:cNvSpPr>
             <a:spLocks noGrp="1"/>
           </p:cNvSpPr>
@@ -1941,7 +3924,12 @@
             <p:ph type="title"/>
           </p:nvPr>
         </p:nvSpPr>
-        <p:spPr/>
+        <p:spPr>
+          <a:xfrm>
+            <a:off x="677334" y="609600"/>
+            <a:ext cx="8596668" cy="1320800"/>
+          </a:xfrm>
+        </p:spPr>
         <p:txBody>
           <a:bodyPr/>
           <a:lstStyle/>
@@ -1950,19 +3938,13 @@
               <a:rPr lang="de-DE"/>
               <a:t>Mastertitelformat bearbeiten</a:t>
             </a:r>
-            <a:endParaRPr lang="de-AT"/>
-          </a:p>
-        </p:txBody>
-      </p:sp>
-      <p:sp>
-        <p:nvSpPr>
-          <p:cNvPr id="3" name="Datumsplatzhalter 2">
-            <a:extLst>
-              <a:ext uri="{FF2B5EF4-FFF2-40B4-BE49-F238E27FC236}">
-                <a16:creationId xmlns:a16="http://schemas.microsoft.com/office/drawing/2014/main" id="{4EEFC39D-91B7-4498-900D-7F3FBF9ACA3F}"/>
-              </a:ext>
-            </a:extLst>
-          </p:cNvPr>
+            <a:endParaRPr lang="en-US" dirty="0"/>
+          </a:p>
+        </p:txBody>
+      </p:sp>
+      <p:sp>
+        <p:nvSpPr>
+          <p:cNvPr id="3" name="Date Placeholder 2"/>
           <p:cNvSpPr>
             <a:spLocks noGrp="1"/>
           </p:cNvSpPr>
@@ -1977,7 +3959,7 @@
           <a:p>
             <a:fld id="{DCAEF972-E3B3-4410-99AA-A26762AFA263}" type="datetimeFigureOut">
               <a:rPr lang="de-AT" smtClean="0"/>
-              <a:t>14.02.2022</a:t>
+              <a:t>28.02.2022</a:t>
             </a:fld>
             <a:endParaRPr lang="de-AT"/>
           </a:p>
@@ -1985,13 +3967,7 @@
       </p:sp>
       <p:sp>
         <p:nvSpPr>
-          <p:cNvPr id="4" name="Fußzeilenplatzhalter 3">
-            <a:extLst>
-              <a:ext uri="{FF2B5EF4-FFF2-40B4-BE49-F238E27FC236}">
-                <a16:creationId xmlns:a16="http://schemas.microsoft.com/office/drawing/2014/main" id="{CCF679EF-162C-40BA-A76C-CFE42A954FE6}"/>
-              </a:ext>
-            </a:extLst>
-          </p:cNvPr>
+          <p:cNvPr id="4" name="Footer Placeholder 3"/>
           <p:cNvSpPr>
             <a:spLocks noGrp="1"/>
           </p:cNvSpPr>
@@ -2010,13 +3986,7 @@
       </p:sp>
       <p:sp>
         <p:nvSpPr>
-          <p:cNvPr id="5" name="Foliennummernplatzhalter 4">
-            <a:extLst>
-              <a:ext uri="{FF2B5EF4-FFF2-40B4-BE49-F238E27FC236}">
-                <a16:creationId xmlns:a16="http://schemas.microsoft.com/office/drawing/2014/main" id="{BF942018-C10E-4981-9529-A0E561F746EA}"/>
-              </a:ext>
-            </a:extLst>
-          </p:cNvPr>
+          <p:cNvPr id="5" name="Slide Number Placeholder 4"/>
           <p:cNvSpPr>
             <a:spLocks noGrp="1"/>
           </p:cNvSpPr>
@@ -2040,7 +4010,7 @@
     </p:spTree>
     <p:extLst>
       <p:ext uri="{BB962C8B-B14F-4D97-AF65-F5344CB8AC3E}">
-        <p14:creationId xmlns:p14="http://schemas.microsoft.com/office/powerpoint/2010/main" val="3854190842"/>
+        <p14:creationId xmlns:p14="http://schemas.microsoft.com/office/powerpoint/2010/main" val="3989073909"/>
       </p:ext>
     </p:extLst>
   </p:cSld>
@@ -2069,13 +4039,7 @@
       </p:grpSpPr>
       <p:sp>
         <p:nvSpPr>
-          <p:cNvPr id="2" name="Datumsplatzhalter 1">
-            <a:extLst>
-              <a:ext uri="{FF2B5EF4-FFF2-40B4-BE49-F238E27FC236}">
-                <a16:creationId xmlns:a16="http://schemas.microsoft.com/office/drawing/2014/main" id="{5B393649-64DD-4006-B32C-465D565B1059}"/>
-              </a:ext>
-            </a:extLst>
-          </p:cNvPr>
+          <p:cNvPr id="2" name="Date Placeholder 1"/>
           <p:cNvSpPr>
             <a:spLocks noGrp="1"/>
           </p:cNvSpPr>
@@ -2090,7 +4054,7 @@
           <a:p>
             <a:fld id="{DCAEF972-E3B3-4410-99AA-A26762AFA263}" type="datetimeFigureOut">
               <a:rPr lang="de-AT" smtClean="0"/>
-              <a:t>14.02.2022</a:t>
+              <a:t>28.02.2022</a:t>
             </a:fld>
             <a:endParaRPr lang="de-AT"/>
           </a:p>
@@ -2098,13 +4062,7 @@
       </p:sp>
       <p:sp>
         <p:nvSpPr>
-          <p:cNvPr id="3" name="Fußzeilenplatzhalter 2">
-            <a:extLst>
-              <a:ext uri="{FF2B5EF4-FFF2-40B4-BE49-F238E27FC236}">
-                <a16:creationId xmlns:a16="http://schemas.microsoft.com/office/drawing/2014/main" id="{18F3A320-D3A5-4A16-A391-FB85C407FB20}"/>
-              </a:ext>
-            </a:extLst>
-          </p:cNvPr>
+          <p:cNvPr id="3" name="Footer Placeholder 2"/>
           <p:cNvSpPr>
             <a:spLocks noGrp="1"/>
           </p:cNvSpPr>
@@ -2123,13 +4081,7 @@
       </p:sp>
       <p:sp>
         <p:nvSpPr>
-          <p:cNvPr id="4" name="Foliennummernplatzhalter 3">
-            <a:extLst>
-              <a:ext uri="{FF2B5EF4-FFF2-40B4-BE49-F238E27FC236}">
-                <a16:creationId xmlns:a16="http://schemas.microsoft.com/office/drawing/2014/main" id="{365EFE53-5B64-4D05-9599-C6AB79020227}"/>
-              </a:ext>
-            </a:extLst>
-          </p:cNvPr>
+          <p:cNvPr id="4" name="Slide Number Placeholder 3"/>
           <p:cNvSpPr>
             <a:spLocks noGrp="1"/>
           </p:cNvSpPr>
@@ -2153,7 +4105,7 @@
     </p:spTree>
     <p:extLst>
       <p:ext uri="{BB962C8B-B14F-4D97-AF65-F5344CB8AC3E}">
-        <p14:creationId xmlns:p14="http://schemas.microsoft.com/office/powerpoint/2010/main" val="997756032"/>
+        <p14:creationId xmlns:p14="http://schemas.microsoft.com/office/powerpoint/2010/main" val="3737179267"/>
       </p:ext>
     </p:extLst>
   </p:cSld>
@@ -2182,13 +4134,7 @@
       </p:grpSpPr>
       <p:sp>
         <p:nvSpPr>
-          <p:cNvPr id="2" name="Titel 1">
-            <a:extLst>
-              <a:ext uri="{FF2B5EF4-FFF2-40B4-BE49-F238E27FC236}">
-                <a16:creationId xmlns:a16="http://schemas.microsoft.com/office/drawing/2014/main" id="{F0CD7384-309A-4AB4-9244-4780275C287D}"/>
-              </a:ext>
-            </a:extLst>
-          </p:cNvPr>
+          <p:cNvPr id="2" name="Title 1"/>
           <p:cNvSpPr>
             <a:spLocks noGrp="1"/>
           </p:cNvSpPr>
@@ -2198,15 +4144,17 @@
         </p:nvSpPr>
         <p:spPr>
           <a:xfrm>
-            <a:off x="839788" y="457200"/>
-            <a:ext cx="3932237" cy="1600200"/>
+            <a:off x="677334" y="1498604"/>
+            <a:ext cx="3854528" cy="1278466"/>
           </a:xfrm>
         </p:spPr>
         <p:txBody>
-          <a:bodyPr anchor="b"/>
+          <a:bodyPr anchor="b">
+            <a:normAutofit/>
+          </a:bodyPr>
           <a:lstStyle>
             <a:lvl1pPr>
-              <a:defRPr sz="3200"/>
+              <a:defRPr sz="2000"/>
             </a:lvl1pPr>
           </a:lstStyle>
           <a:p>
@@ -2214,19 +4162,13 @@
               <a:rPr lang="de-DE"/>
               <a:t>Mastertitelformat bearbeiten</a:t>
             </a:r>
-            <a:endParaRPr lang="de-AT"/>
-          </a:p>
-        </p:txBody>
-      </p:sp>
-      <p:sp>
-        <p:nvSpPr>
-          <p:cNvPr id="3" name="Inhaltsplatzhalter 2">
-            <a:extLst>
-              <a:ext uri="{FF2B5EF4-FFF2-40B4-BE49-F238E27FC236}">
-                <a16:creationId xmlns:a16="http://schemas.microsoft.com/office/drawing/2014/main" id="{81E69CAC-2C6F-4735-8F67-35E77C1B26F7}"/>
-              </a:ext>
-            </a:extLst>
-          </p:cNvPr>
+            <a:endParaRPr lang="en-US" dirty="0"/>
+          </a:p>
+        </p:txBody>
+      </p:sp>
+      <p:sp>
+        <p:nvSpPr>
+          <p:cNvPr id="3" name="Content Placeholder 2"/>
           <p:cNvSpPr>
             <a:spLocks noGrp="1"/>
           </p:cNvSpPr>
@@ -2236,41 +4178,15 @@
         </p:nvSpPr>
         <p:spPr>
           <a:xfrm>
-            <a:off x="5183188" y="987425"/>
-            <a:ext cx="6172200" cy="4873625"/>
+            <a:off x="4760461" y="514924"/>
+            <a:ext cx="4513541" cy="5526437"/>
           </a:xfrm>
         </p:spPr>
         <p:txBody>
-          <a:bodyPr/>
-          <a:lstStyle>
-            <a:lvl1pPr>
-              <a:defRPr sz="3200"/>
-            </a:lvl1pPr>
-            <a:lvl2pPr>
-              <a:defRPr sz="2800"/>
-            </a:lvl2pPr>
-            <a:lvl3pPr>
-              <a:defRPr sz="2400"/>
-            </a:lvl3pPr>
-            <a:lvl4pPr>
-              <a:defRPr sz="2000"/>
-            </a:lvl4pPr>
-            <a:lvl5pPr>
-              <a:defRPr sz="2000"/>
-            </a:lvl5pPr>
-            <a:lvl6pPr>
-              <a:defRPr sz="2000"/>
-            </a:lvl6pPr>
-            <a:lvl7pPr>
-              <a:defRPr sz="2000"/>
-            </a:lvl7pPr>
-            <a:lvl8pPr>
-              <a:defRPr sz="2000"/>
-            </a:lvl8pPr>
-            <a:lvl9pPr>
-              <a:defRPr sz="2000"/>
-            </a:lvl9pPr>
-          </a:lstStyle>
+          <a:bodyPr>
+            <a:normAutofit/>
+          </a:bodyPr>
+          <a:lstStyle/>
           <a:p>
             <a:pPr lvl="0"/>
             <a:r>
@@ -2305,19 +4221,13 @@
               <a:rPr lang="de-DE"/>
               <a:t>Fünfte Ebene</a:t>
             </a:r>
-            <a:endParaRPr lang="de-AT"/>
-          </a:p>
-        </p:txBody>
-      </p:sp>
-      <p:sp>
-        <p:nvSpPr>
-          <p:cNvPr id="4" name="Textplatzhalter 3">
-            <a:extLst>
-              <a:ext uri="{FF2B5EF4-FFF2-40B4-BE49-F238E27FC236}">
-                <a16:creationId xmlns:a16="http://schemas.microsoft.com/office/drawing/2014/main" id="{2974861C-5A9B-468A-A925-4389A647928F}"/>
-              </a:ext>
-            </a:extLst>
-          </p:cNvPr>
+            <a:endParaRPr lang="en-US" dirty="0"/>
+          </a:p>
+        </p:txBody>
+      </p:sp>
+      <p:sp>
+        <p:nvSpPr>
+          <p:cNvPr id="4" name="Text Placeholder 3"/>
           <p:cNvSpPr>
             <a:spLocks noGrp="1"/>
           </p:cNvSpPr>
@@ -2327,46 +4237,48 @@
         </p:nvSpPr>
         <p:spPr>
           <a:xfrm>
-            <a:off x="839788" y="2057400"/>
-            <a:ext cx="3932237" cy="3811588"/>
+            <a:off x="677334" y="2777069"/>
+            <a:ext cx="3854528" cy="2584449"/>
           </a:xfrm>
         </p:spPr>
         <p:txBody>
-          <a:bodyPr/>
+          <a:bodyPr>
+            <a:normAutofit/>
+          </a:bodyPr>
           <a:lstStyle>
             <a:lvl1pPr marL="0" indent="0">
               <a:buNone/>
-              <a:defRPr sz="1600"/>
+              <a:defRPr sz="1400"/>
             </a:lvl1pPr>
-            <a:lvl2pPr marL="457200" indent="0">
+            <a:lvl2pPr marL="457063" indent="0">
               <a:buNone/>
               <a:defRPr sz="1400"/>
             </a:lvl2pPr>
-            <a:lvl3pPr marL="914400" indent="0">
+            <a:lvl3pPr marL="914126" indent="0">
               <a:buNone/>
               <a:defRPr sz="1200"/>
             </a:lvl3pPr>
-            <a:lvl4pPr marL="1371600" indent="0">
+            <a:lvl4pPr marL="1371189" indent="0">
               <a:buNone/>
               <a:defRPr sz="1000"/>
             </a:lvl4pPr>
-            <a:lvl5pPr marL="1828800" indent="0">
+            <a:lvl5pPr marL="1828251" indent="0">
               <a:buNone/>
               <a:defRPr sz="1000"/>
             </a:lvl5pPr>
-            <a:lvl6pPr marL="2286000" indent="0">
+            <a:lvl6pPr marL="2285314" indent="0">
               <a:buNone/>
               <a:defRPr sz="1000"/>
             </a:lvl6pPr>
-            <a:lvl7pPr marL="2743200" indent="0">
+            <a:lvl7pPr marL="2742377" indent="0">
               <a:buNone/>
               <a:defRPr sz="1000"/>
             </a:lvl7pPr>
-            <a:lvl8pPr marL="3200400" indent="0">
+            <a:lvl8pPr marL="3199440" indent="0">
               <a:buNone/>
               <a:defRPr sz="1000"/>
             </a:lvl8pPr>
-            <a:lvl9pPr marL="3657600" indent="0">
+            <a:lvl9pPr marL="3656503" indent="0">
               <a:buNone/>
               <a:defRPr sz="1000"/>
             </a:lvl9pPr>
@@ -2382,13 +4294,7 @@
       </p:sp>
       <p:sp>
         <p:nvSpPr>
-          <p:cNvPr id="5" name="Datumsplatzhalter 4">
-            <a:extLst>
-              <a:ext uri="{FF2B5EF4-FFF2-40B4-BE49-F238E27FC236}">
-                <a16:creationId xmlns:a16="http://schemas.microsoft.com/office/drawing/2014/main" id="{673E86B0-8B28-4E9F-B22F-98F7ABF7A8B4}"/>
-              </a:ext>
-            </a:extLst>
-          </p:cNvPr>
+          <p:cNvPr id="5" name="Date Placeholder 4"/>
           <p:cNvSpPr>
             <a:spLocks noGrp="1"/>
           </p:cNvSpPr>
@@ -2403,7 +4309,7 @@
           <a:p>
             <a:fld id="{DCAEF972-E3B3-4410-99AA-A26762AFA263}" type="datetimeFigureOut">
               <a:rPr lang="de-AT" smtClean="0"/>
-              <a:t>14.02.2022</a:t>
+              <a:t>28.02.2022</a:t>
             </a:fld>
             <a:endParaRPr lang="de-AT"/>
           </a:p>
@@ -2411,13 +4317,7 @@
       </p:sp>
       <p:sp>
         <p:nvSpPr>
-          <p:cNvPr id="6" name="Fußzeilenplatzhalter 5">
-            <a:extLst>
-              <a:ext uri="{FF2B5EF4-FFF2-40B4-BE49-F238E27FC236}">
-                <a16:creationId xmlns:a16="http://schemas.microsoft.com/office/drawing/2014/main" id="{29F641E3-5623-498E-BDB7-B18EDE4CC468}"/>
-              </a:ext>
-            </a:extLst>
-          </p:cNvPr>
+          <p:cNvPr id="6" name="Footer Placeholder 5"/>
           <p:cNvSpPr>
             <a:spLocks noGrp="1"/>
           </p:cNvSpPr>
@@ -2436,13 +4336,7 @@
       </p:sp>
       <p:sp>
         <p:nvSpPr>
-          <p:cNvPr id="7" name="Foliennummernplatzhalter 6">
-            <a:extLst>
-              <a:ext uri="{FF2B5EF4-FFF2-40B4-BE49-F238E27FC236}">
-                <a16:creationId xmlns:a16="http://schemas.microsoft.com/office/drawing/2014/main" id="{6AEDB4DF-3A93-40D6-A4EA-3D666D7C3087}"/>
-              </a:ext>
-            </a:extLst>
-          </p:cNvPr>
+          <p:cNvPr id="7" name="Slide Number Placeholder 6"/>
           <p:cNvSpPr>
             <a:spLocks noGrp="1"/>
           </p:cNvSpPr>
@@ -2466,7 +4360,7 @@
     </p:spTree>
     <p:extLst>
       <p:ext uri="{BB962C8B-B14F-4D97-AF65-F5344CB8AC3E}">
-        <p14:creationId xmlns:p14="http://schemas.microsoft.com/office/powerpoint/2010/main" val="4097681308"/>
+        <p14:creationId xmlns:p14="http://schemas.microsoft.com/office/powerpoint/2010/main" val="3268587631"/>
       </p:ext>
     </p:extLst>
   </p:cSld>
@@ -2495,13 +4389,7 @@
       </p:grpSpPr>
       <p:sp>
         <p:nvSpPr>
-          <p:cNvPr id="2" name="Titel 1">
-            <a:extLst>
-              <a:ext uri="{FF2B5EF4-FFF2-40B4-BE49-F238E27FC236}">
-                <a16:creationId xmlns:a16="http://schemas.microsoft.com/office/drawing/2014/main" id="{D71516A5-B8F6-45FC-B61D-183CF35B4B08}"/>
-              </a:ext>
-            </a:extLst>
-          </p:cNvPr>
+          <p:cNvPr id="2" name="Title 1"/>
           <p:cNvSpPr>
             <a:spLocks noGrp="1"/>
           </p:cNvSpPr>
@@ -2511,15 +4399,17 @@
         </p:nvSpPr>
         <p:spPr>
           <a:xfrm>
-            <a:off x="839788" y="457200"/>
-            <a:ext cx="3932237" cy="1600200"/>
+            <a:off x="677334" y="4800600"/>
+            <a:ext cx="8596667" cy="566738"/>
           </a:xfrm>
         </p:spPr>
         <p:txBody>
-          <a:bodyPr anchor="b"/>
+          <a:bodyPr anchor="b">
+            <a:normAutofit/>
+          </a:bodyPr>
           <a:lstStyle>
-            <a:lvl1pPr>
-              <a:defRPr sz="3200"/>
+            <a:lvl1pPr algn="l">
+              <a:defRPr sz="2400" b="0"/>
             </a:lvl1pPr>
           </a:lstStyle>
           <a:p>
@@ -2527,21 +4417,15 @@
               <a:rPr lang="de-DE"/>
               <a:t>Mastertitelformat bearbeiten</a:t>
             </a:r>
-            <a:endParaRPr lang="de-AT"/>
-          </a:p>
-        </p:txBody>
-      </p:sp>
-      <p:sp>
-        <p:nvSpPr>
-          <p:cNvPr id="3" name="Bildplatzhalter 2">
-            <a:extLst>
-              <a:ext uri="{FF2B5EF4-FFF2-40B4-BE49-F238E27FC236}">
-                <a16:creationId xmlns:a16="http://schemas.microsoft.com/office/drawing/2014/main" id="{06BF3203-725F-4263-B6C9-5A513355F948}"/>
-              </a:ext>
-            </a:extLst>
-          </p:cNvPr>
-          <p:cNvSpPr>
-            <a:spLocks noGrp="1"/>
+            <a:endParaRPr lang="en-US" dirty="0"/>
+          </a:p>
+        </p:txBody>
+      </p:sp>
+      <p:sp>
+        <p:nvSpPr>
+          <p:cNvPr id="3" name="Picture Placeholder 2"/>
+          <p:cNvSpPr>
+            <a:spLocks noGrp="1" noChangeAspect="1"/>
           </p:cNvSpPr>
           <p:nvPr>
             <p:ph type="pic" idx="1"/>
@@ -2549,118 +4433,120 @@
         </p:nvSpPr>
         <p:spPr>
           <a:xfrm>
-            <a:off x="5183188" y="987425"/>
-            <a:ext cx="6172200" cy="4873625"/>
+            <a:off x="677334" y="609600"/>
+            <a:ext cx="8596668" cy="3845718"/>
           </a:xfrm>
         </p:spPr>
         <p:txBody>
-          <a:bodyPr/>
+          <a:bodyPr anchor="t">
+            <a:normAutofit/>
+          </a:bodyPr>
           <a:lstStyle>
-            <a:lvl1pPr marL="0" indent="0">
-              <a:buNone/>
-              <a:defRPr sz="3200"/>
-            </a:lvl1pPr>
-            <a:lvl2pPr marL="457200" indent="0">
-              <a:buNone/>
-              <a:defRPr sz="2800"/>
-            </a:lvl2pPr>
-            <a:lvl3pPr marL="914400" indent="0">
-              <a:buNone/>
-              <a:defRPr sz="2400"/>
-            </a:lvl3pPr>
-            <a:lvl4pPr marL="1371600" indent="0">
-              <a:buNone/>
-              <a:defRPr sz="2000"/>
-            </a:lvl4pPr>
-            <a:lvl5pPr marL="1828800" indent="0">
-              <a:buNone/>
-              <a:defRPr sz="2000"/>
-            </a:lvl5pPr>
-            <a:lvl6pPr marL="2286000" indent="0">
-              <a:buNone/>
-              <a:defRPr sz="2000"/>
-            </a:lvl6pPr>
-            <a:lvl7pPr marL="2743200" indent="0">
-              <a:buNone/>
-              <a:defRPr sz="2000"/>
-            </a:lvl7pPr>
-            <a:lvl8pPr marL="3200400" indent="0">
-              <a:buNone/>
-              <a:defRPr sz="2000"/>
-            </a:lvl8pPr>
-            <a:lvl9pPr marL="3657600" indent="0">
-              <a:buNone/>
-              <a:defRPr sz="2000"/>
-            </a:lvl9pPr>
-          </a:lstStyle>
-          <a:p>
-            <a:endParaRPr lang="de-AT"/>
-          </a:p>
-        </p:txBody>
-      </p:sp>
-      <p:sp>
-        <p:nvSpPr>
-          <p:cNvPr id="4" name="Textplatzhalter 3">
-            <a:extLst>
-              <a:ext uri="{FF2B5EF4-FFF2-40B4-BE49-F238E27FC236}">
-                <a16:creationId xmlns:a16="http://schemas.microsoft.com/office/drawing/2014/main" id="{B8B09855-69A4-4471-ABCC-0FB771575262}"/>
-              </a:ext>
-            </a:extLst>
-          </p:cNvPr>
-          <p:cNvSpPr>
-            <a:spLocks noGrp="1"/>
-          </p:cNvSpPr>
-          <p:nvPr>
-            <p:ph type="body" sz="half" idx="2"/>
-          </p:nvPr>
-        </p:nvSpPr>
-        <p:spPr>
-          <a:xfrm>
-            <a:off x="839788" y="2057400"/>
-            <a:ext cx="3932237" cy="3811588"/>
-          </a:xfrm>
-        </p:spPr>
-        <p:txBody>
-          <a:bodyPr/>
-          <a:lstStyle>
-            <a:lvl1pPr marL="0" indent="0">
+            <a:lvl1pPr marL="0" indent="0" algn="ctr">
               <a:buNone/>
               <a:defRPr sz="1600"/>
             </a:lvl1pPr>
             <a:lvl2pPr marL="457200" indent="0">
               <a:buNone/>
-              <a:defRPr sz="1400"/>
+              <a:defRPr sz="1600"/>
             </a:lvl2pPr>
             <a:lvl3pPr marL="914400" indent="0">
               <a:buNone/>
-              <a:defRPr sz="1200"/>
+              <a:defRPr sz="1600"/>
             </a:lvl3pPr>
             <a:lvl4pPr marL="1371600" indent="0">
               <a:buNone/>
-              <a:defRPr sz="1000"/>
+              <a:defRPr sz="1600"/>
             </a:lvl4pPr>
             <a:lvl5pPr marL="1828800" indent="0">
               <a:buNone/>
-              <a:defRPr sz="1000"/>
+              <a:defRPr sz="1600"/>
             </a:lvl5pPr>
             <a:lvl6pPr marL="2286000" indent="0">
               <a:buNone/>
-              <a:defRPr sz="1000"/>
+              <a:defRPr sz="1600"/>
             </a:lvl6pPr>
             <a:lvl7pPr marL="2743200" indent="0">
               <a:buNone/>
-              <a:defRPr sz="1000"/>
+              <a:defRPr sz="1600"/>
             </a:lvl7pPr>
             <a:lvl8pPr marL="3200400" indent="0">
               <a:buNone/>
-              <a:defRPr sz="1000"/>
+              <a:defRPr sz="1600"/>
             </a:lvl8pPr>
             <a:lvl9pPr marL="3657600" indent="0">
               <a:buNone/>
-              <a:defRPr sz="1000"/>
+              <a:defRPr sz="1600"/>
             </a:lvl9pPr>
           </a:lstStyle>
           <a:p>
+            <a:r>
+              <a:rPr lang="de-DE"/>
+              <a:t>Bild durch Klicken auf Symbol hinzufügen</a:t>
+            </a:r>
+            <a:endParaRPr lang="en-US" dirty="0"/>
+          </a:p>
+        </p:txBody>
+      </p:sp>
+      <p:sp>
+        <p:nvSpPr>
+          <p:cNvPr id="4" name="Text Placeholder 3"/>
+          <p:cNvSpPr>
+            <a:spLocks noGrp="1"/>
+          </p:cNvSpPr>
+          <p:nvPr>
+            <p:ph type="body" sz="half" idx="2"/>
+          </p:nvPr>
+        </p:nvSpPr>
+        <p:spPr>
+          <a:xfrm>
+            <a:off x="677334" y="5367338"/>
+            <a:ext cx="8596667" cy="674024"/>
+          </a:xfrm>
+        </p:spPr>
+        <p:txBody>
+          <a:bodyPr>
+            <a:normAutofit/>
+          </a:bodyPr>
+          <a:lstStyle>
+            <a:lvl1pPr marL="0" indent="0">
+              <a:buNone/>
+              <a:defRPr sz="1200"/>
+            </a:lvl1pPr>
+            <a:lvl2pPr marL="457200" indent="0">
+              <a:buNone/>
+              <a:defRPr sz="1200"/>
+            </a:lvl2pPr>
+            <a:lvl3pPr marL="914400" indent="0">
+              <a:buNone/>
+              <a:defRPr sz="1000"/>
+            </a:lvl3pPr>
+            <a:lvl4pPr marL="1371600" indent="0">
+              <a:buNone/>
+              <a:defRPr sz="900"/>
+            </a:lvl4pPr>
+            <a:lvl5pPr marL="1828800" indent="0">
+              <a:buNone/>
+              <a:defRPr sz="900"/>
+            </a:lvl5pPr>
+            <a:lvl6pPr marL="2286000" indent="0">
+              <a:buNone/>
+              <a:defRPr sz="900"/>
+            </a:lvl6pPr>
+            <a:lvl7pPr marL="2743200" indent="0">
+              <a:buNone/>
+              <a:defRPr sz="900"/>
+            </a:lvl7pPr>
+            <a:lvl8pPr marL="3200400" indent="0">
+              <a:buNone/>
+              <a:defRPr sz="900"/>
+            </a:lvl8pPr>
+            <a:lvl9pPr marL="3657600" indent="0">
+              <a:buNone/>
+              <a:defRPr sz="900"/>
+            </a:lvl9pPr>
+          </a:lstStyle>
+          <a:p>
             <a:pPr lvl="0"/>
             <a:r>
               <a:rPr lang="de-DE"/>
@@ -2671,13 +4557,7 @@
       </p:sp>
       <p:sp>
         <p:nvSpPr>
-          <p:cNvPr id="5" name="Datumsplatzhalter 4">
-            <a:extLst>
-              <a:ext uri="{FF2B5EF4-FFF2-40B4-BE49-F238E27FC236}">
-                <a16:creationId xmlns:a16="http://schemas.microsoft.com/office/drawing/2014/main" id="{4486B8DC-2FA8-43CC-A57F-FF418013CA56}"/>
-              </a:ext>
-            </a:extLst>
-          </p:cNvPr>
+          <p:cNvPr id="5" name="Date Placeholder 4"/>
           <p:cNvSpPr>
             <a:spLocks noGrp="1"/>
           </p:cNvSpPr>
@@ -2692,7 +4572,7 @@
           <a:p>
             <a:fld id="{DCAEF972-E3B3-4410-99AA-A26762AFA263}" type="datetimeFigureOut">
               <a:rPr lang="de-AT" smtClean="0"/>
-              <a:t>14.02.2022</a:t>
+              <a:t>28.02.2022</a:t>
             </a:fld>
             <a:endParaRPr lang="de-AT"/>
           </a:p>
@@ -2700,13 +4580,7 @@
       </p:sp>
       <p:sp>
         <p:nvSpPr>
-          <p:cNvPr id="6" name="Fußzeilenplatzhalter 5">
-            <a:extLst>
-              <a:ext uri="{FF2B5EF4-FFF2-40B4-BE49-F238E27FC236}">
-                <a16:creationId xmlns:a16="http://schemas.microsoft.com/office/drawing/2014/main" id="{C1437BC3-1367-4B42-8AFD-F9F009B406A5}"/>
-              </a:ext>
-            </a:extLst>
-          </p:cNvPr>
+          <p:cNvPr id="6" name="Footer Placeholder 5"/>
           <p:cNvSpPr>
             <a:spLocks noGrp="1"/>
           </p:cNvSpPr>
@@ -2725,13 +4599,7 @@
       </p:sp>
       <p:sp>
         <p:nvSpPr>
-          <p:cNvPr id="7" name="Foliennummernplatzhalter 6">
-            <a:extLst>
-              <a:ext uri="{FF2B5EF4-FFF2-40B4-BE49-F238E27FC236}">
-                <a16:creationId xmlns:a16="http://schemas.microsoft.com/office/drawing/2014/main" id="{F9DBB4AC-DEBE-4E13-82BF-EDBD51CA8BC7}"/>
-              </a:ext>
-            </a:extLst>
-          </p:cNvPr>
+          <p:cNvPr id="7" name="Slide Number Placeholder 6"/>
           <p:cNvSpPr>
             <a:spLocks noGrp="1"/>
           </p:cNvSpPr>
@@ -2755,7 +4623,7 @@
     </p:spTree>
     <p:extLst>
       <p:ext uri="{BB962C8B-B14F-4D97-AF65-F5344CB8AC3E}">
-        <p14:creationId xmlns:p14="http://schemas.microsoft.com/office/powerpoint/2010/main" val="1107556077"/>
+        <p14:creationId xmlns:p14="http://schemas.microsoft.com/office/powerpoint/2010/main" val="717924586"/>
       </p:ext>
     </p:extLst>
   </p:cSld>
@@ -2787,15 +4655,539 @@
           <a:chExt cx="0" cy="0"/>
         </a:xfrm>
       </p:grpSpPr>
-      <p:sp>
-        <p:nvSpPr>
-          <p:cNvPr id="2" name="Titelplatzhalter 1">
-            <a:extLst>
-              <a:ext uri="{FF2B5EF4-FFF2-40B4-BE49-F238E27FC236}">
-                <a16:creationId xmlns:a16="http://schemas.microsoft.com/office/drawing/2014/main" id="{4D17CD8E-0DBB-4650-82A0-AC18757905B3}"/>
-              </a:ext>
-            </a:extLst>
-          </p:cNvPr>
+      <p:grpSp>
+        <p:nvGrpSpPr>
+          <p:cNvPr id="7" name="Group 6"/>
+          <p:cNvGrpSpPr/>
+          <p:nvPr/>
+        </p:nvGrpSpPr>
+        <p:grpSpPr>
+          <a:xfrm>
+            <a:off x="0" y="-8467"/>
+            <a:ext cx="12192000" cy="6866467"/>
+            <a:chOff x="0" y="-8467"/>
+            <a:chExt cx="12192000" cy="6866467"/>
+          </a:xfrm>
+        </p:grpSpPr>
+        <p:cxnSp>
+          <p:nvCxnSpPr>
+            <p:cNvPr id="20" name="Straight Connector 19"/>
+            <p:cNvCxnSpPr/>
+            <p:nvPr/>
+          </p:nvCxnSpPr>
+          <p:spPr>
+            <a:xfrm>
+              <a:off x="9371012" y="0"/>
+              <a:ext cx="1219200" cy="6858000"/>
+            </a:xfrm>
+            <a:prstGeom prst="line">
+              <a:avLst/>
+            </a:prstGeom>
+            <a:ln w="9525">
+              <a:solidFill>
+                <a:schemeClr val="bg1">
+                  <a:lumMod val="75000"/>
+                </a:schemeClr>
+              </a:solidFill>
+            </a:ln>
+          </p:spPr>
+          <p:style>
+            <a:lnRef idx="2">
+              <a:schemeClr val="accent1"/>
+            </a:lnRef>
+            <a:fillRef idx="0">
+              <a:schemeClr val="accent1"/>
+            </a:fillRef>
+            <a:effectRef idx="1">
+              <a:schemeClr val="accent1"/>
+            </a:effectRef>
+            <a:fontRef idx="minor">
+              <a:schemeClr val="tx1"/>
+            </a:fontRef>
+          </p:style>
+        </p:cxnSp>
+        <p:cxnSp>
+          <p:nvCxnSpPr>
+            <p:cNvPr id="21" name="Straight Connector 20"/>
+            <p:cNvCxnSpPr/>
+            <p:nvPr/>
+          </p:nvCxnSpPr>
+          <p:spPr>
+            <a:xfrm flipH="1">
+              <a:off x="7425267" y="3681413"/>
+              <a:ext cx="4763558" cy="3176587"/>
+            </a:xfrm>
+            <a:prstGeom prst="line">
+              <a:avLst/>
+            </a:prstGeom>
+            <a:ln w="9525">
+              <a:solidFill>
+                <a:schemeClr val="bg1">
+                  <a:lumMod val="85000"/>
+                </a:schemeClr>
+              </a:solidFill>
+            </a:ln>
+          </p:spPr>
+          <p:style>
+            <a:lnRef idx="2">
+              <a:schemeClr val="accent1"/>
+            </a:lnRef>
+            <a:fillRef idx="0">
+              <a:schemeClr val="accent1"/>
+            </a:fillRef>
+            <a:effectRef idx="1">
+              <a:schemeClr val="accent1"/>
+            </a:effectRef>
+            <a:fontRef idx="minor">
+              <a:schemeClr val="tx1"/>
+            </a:fontRef>
+          </p:style>
+        </p:cxnSp>
+        <p:sp>
+          <p:nvSpPr>
+            <p:cNvPr id="22" name="Rectangle 23"/>
+            <p:cNvSpPr/>
+            <p:nvPr/>
+          </p:nvSpPr>
+          <p:spPr>
+            <a:xfrm>
+              <a:off x="9181476" y="-8467"/>
+              <a:ext cx="3007349" cy="6866467"/>
+            </a:xfrm>
+            <a:custGeom>
+              <a:avLst/>
+              <a:gdLst/>
+              <a:ahLst/>
+              <a:cxnLst/>
+              <a:rect l="l" t="t" r="r" b="b"/>
+              <a:pathLst>
+                <a:path w="3007349" h="6866467">
+                  <a:moveTo>
+                    <a:pt x="2045532" y="0"/>
+                  </a:moveTo>
+                  <a:lnTo>
+                    <a:pt x="3007349" y="0"/>
+                  </a:lnTo>
+                  <a:lnTo>
+                    <a:pt x="3007349" y="6866467"/>
+                  </a:lnTo>
+                  <a:lnTo>
+                    <a:pt x="0" y="6866467"/>
+                  </a:lnTo>
+                  <a:lnTo>
+                    <a:pt x="2045532" y="0"/>
+                  </a:lnTo>
+                  <a:close/>
+                </a:path>
+              </a:pathLst>
+            </a:custGeom>
+            <a:solidFill>
+              <a:schemeClr val="accent1">
+                <a:alpha val="30000"/>
+              </a:schemeClr>
+            </a:solidFill>
+            <a:ln>
+              <a:noFill/>
+            </a:ln>
+            <a:effectLst/>
+          </p:spPr>
+          <p:style>
+            <a:lnRef idx="1">
+              <a:schemeClr val="accent1"/>
+            </a:lnRef>
+            <a:fillRef idx="3">
+              <a:schemeClr val="accent1"/>
+            </a:fillRef>
+            <a:effectRef idx="2">
+              <a:schemeClr val="accent1"/>
+            </a:effectRef>
+            <a:fontRef idx="minor">
+              <a:schemeClr val="lt1"/>
+            </a:fontRef>
+          </p:style>
+        </p:sp>
+        <p:sp>
+          <p:nvSpPr>
+            <p:cNvPr id="23" name="Rectangle 25"/>
+            <p:cNvSpPr/>
+            <p:nvPr/>
+          </p:nvSpPr>
+          <p:spPr>
+            <a:xfrm>
+              <a:off x="9603442" y="-8467"/>
+              <a:ext cx="2588558" cy="6866467"/>
+            </a:xfrm>
+            <a:custGeom>
+              <a:avLst/>
+              <a:gdLst/>
+              <a:ahLst/>
+              <a:cxnLst/>
+              <a:rect l="l" t="t" r="r" b="b"/>
+              <a:pathLst>
+                <a:path w="2573311" h="6866467">
+                  <a:moveTo>
+                    <a:pt x="0" y="0"/>
+                  </a:moveTo>
+                  <a:lnTo>
+                    <a:pt x="2573311" y="0"/>
+                  </a:lnTo>
+                  <a:lnTo>
+                    <a:pt x="2573311" y="6866467"/>
+                  </a:lnTo>
+                  <a:lnTo>
+                    <a:pt x="1202336" y="6866467"/>
+                  </a:lnTo>
+                  <a:lnTo>
+                    <a:pt x="0" y="0"/>
+                  </a:lnTo>
+                  <a:close/>
+                </a:path>
+              </a:pathLst>
+            </a:custGeom>
+            <a:solidFill>
+              <a:schemeClr val="accent1">
+                <a:alpha val="20000"/>
+              </a:schemeClr>
+            </a:solidFill>
+            <a:ln>
+              <a:noFill/>
+            </a:ln>
+            <a:effectLst/>
+          </p:spPr>
+          <p:style>
+            <a:lnRef idx="1">
+              <a:schemeClr val="accent1"/>
+            </a:lnRef>
+            <a:fillRef idx="3">
+              <a:schemeClr val="accent1"/>
+            </a:fillRef>
+            <a:effectRef idx="2">
+              <a:schemeClr val="accent1"/>
+            </a:effectRef>
+            <a:fontRef idx="minor">
+              <a:schemeClr val="lt1"/>
+            </a:fontRef>
+          </p:style>
+        </p:sp>
+        <p:sp>
+          <p:nvSpPr>
+            <p:cNvPr id="24" name="Isosceles Triangle 23"/>
+            <p:cNvSpPr/>
+            <p:nvPr/>
+          </p:nvSpPr>
+          <p:spPr>
+            <a:xfrm>
+              <a:off x="8932333" y="3048000"/>
+              <a:ext cx="3259667" cy="3810000"/>
+            </a:xfrm>
+            <a:prstGeom prst="triangle">
+              <a:avLst>
+                <a:gd name="adj" fmla="val 100000"/>
+              </a:avLst>
+            </a:prstGeom>
+            <a:solidFill>
+              <a:schemeClr val="accent2">
+                <a:alpha val="72000"/>
+              </a:schemeClr>
+            </a:solidFill>
+            <a:ln>
+              <a:noFill/>
+            </a:ln>
+            <a:effectLst/>
+          </p:spPr>
+          <p:style>
+            <a:lnRef idx="1">
+              <a:schemeClr val="accent1"/>
+            </a:lnRef>
+            <a:fillRef idx="3">
+              <a:schemeClr val="accent1"/>
+            </a:fillRef>
+            <a:effectRef idx="2">
+              <a:schemeClr val="accent1"/>
+            </a:effectRef>
+            <a:fontRef idx="minor">
+              <a:schemeClr val="lt1"/>
+            </a:fontRef>
+          </p:style>
+        </p:sp>
+        <p:sp>
+          <p:nvSpPr>
+            <p:cNvPr id="25" name="Rectangle 27"/>
+            <p:cNvSpPr/>
+            <p:nvPr/>
+          </p:nvSpPr>
+          <p:spPr>
+            <a:xfrm>
+              <a:off x="9334500" y="-8467"/>
+              <a:ext cx="2854326" cy="6866467"/>
+            </a:xfrm>
+            <a:custGeom>
+              <a:avLst/>
+              <a:gdLst/>
+              <a:ahLst/>
+              <a:cxnLst/>
+              <a:rect l="l" t="t" r="r" b="b"/>
+              <a:pathLst>
+                <a:path w="2858013" h="6866467">
+                  <a:moveTo>
+                    <a:pt x="0" y="0"/>
+                  </a:moveTo>
+                  <a:lnTo>
+                    <a:pt x="2858013" y="0"/>
+                  </a:lnTo>
+                  <a:lnTo>
+                    <a:pt x="2858013" y="6866467"/>
+                  </a:lnTo>
+                  <a:lnTo>
+                    <a:pt x="2473942" y="6866467"/>
+                  </a:lnTo>
+                  <a:lnTo>
+                    <a:pt x="0" y="0"/>
+                  </a:lnTo>
+                  <a:close/>
+                </a:path>
+              </a:pathLst>
+            </a:custGeom>
+            <a:solidFill>
+              <a:schemeClr val="accent2">
+                <a:lumMod val="75000"/>
+                <a:alpha val="70000"/>
+              </a:schemeClr>
+            </a:solidFill>
+            <a:ln>
+              <a:noFill/>
+            </a:ln>
+            <a:effectLst/>
+          </p:spPr>
+          <p:style>
+            <a:lnRef idx="1">
+              <a:schemeClr val="accent1"/>
+            </a:lnRef>
+            <a:fillRef idx="3">
+              <a:schemeClr val="accent1"/>
+            </a:fillRef>
+            <a:effectRef idx="2">
+              <a:schemeClr val="accent1"/>
+            </a:effectRef>
+            <a:fontRef idx="minor">
+              <a:schemeClr val="lt1"/>
+            </a:fontRef>
+          </p:style>
+        </p:sp>
+        <p:sp>
+          <p:nvSpPr>
+            <p:cNvPr id="26" name="Rectangle 28"/>
+            <p:cNvSpPr/>
+            <p:nvPr/>
+          </p:nvSpPr>
+          <p:spPr>
+            <a:xfrm>
+              <a:off x="10898730" y="-8467"/>
+              <a:ext cx="1290094" cy="6866467"/>
+            </a:xfrm>
+            <a:custGeom>
+              <a:avLst/>
+              <a:gdLst/>
+              <a:ahLst/>
+              <a:cxnLst/>
+              <a:rect l="l" t="t" r="r" b="b"/>
+              <a:pathLst>
+                <a:path w="1290094" h="6858000">
+                  <a:moveTo>
+                    <a:pt x="1019735" y="0"/>
+                  </a:moveTo>
+                  <a:lnTo>
+                    <a:pt x="1290094" y="0"/>
+                  </a:lnTo>
+                  <a:lnTo>
+                    <a:pt x="1290094" y="6858000"/>
+                  </a:lnTo>
+                  <a:lnTo>
+                    <a:pt x="0" y="6858000"/>
+                  </a:lnTo>
+                  <a:lnTo>
+                    <a:pt x="1019735" y="0"/>
+                  </a:lnTo>
+                  <a:close/>
+                </a:path>
+              </a:pathLst>
+            </a:custGeom>
+            <a:solidFill>
+              <a:schemeClr val="accent1">
+                <a:lumMod val="60000"/>
+                <a:lumOff val="40000"/>
+                <a:alpha val="70000"/>
+              </a:schemeClr>
+            </a:solidFill>
+            <a:ln>
+              <a:noFill/>
+            </a:ln>
+            <a:effectLst/>
+          </p:spPr>
+          <p:style>
+            <a:lnRef idx="1">
+              <a:schemeClr val="accent1"/>
+            </a:lnRef>
+            <a:fillRef idx="3">
+              <a:schemeClr val="accent1"/>
+            </a:fillRef>
+            <a:effectRef idx="2">
+              <a:schemeClr val="accent1"/>
+            </a:effectRef>
+            <a:fontRef idx="minor">
+              <a:schemeClr val="lt1"/>
+            </a:fontRef>
+          </p:style>
+        </p:sp>
+        <p:sp>
+          <p:nvSpPr>
+            <p:cNvPr id="27" name="Rectangle 29"/>
+            <p:cNvSpPr/>
+            <p:nvPr/>
+          </p:nvSpPr>
+          <p:spPr>
+            <a:xfrm>
+              <a:off x="10938999" y="-8467"/>
+              <a:ext cx="1249825" cy="6866467"/>
+            </a:xfrm>
+            <a:custGeom>
+              <a:avLst/>
+              <a:gdLst/>
+              <a:ahLst/>
+              <a:cxnLst/>
+              <a:rect l="l" t="t" r="r" b="b"/>
+              <a:pathLst>
+                <a:path w="1249825" h="6858000">
+                  <a:moveTo>
+                    <a:pt x="0" y="0"/>
+                  </a:moveTo>
+                  <a:lnTo>
+                    <a:pt x="1249825" y="0"/>
+                  </a:lnTo>
+                  <a:lnTo>
+                    <a:pt x="1249825" y="6858000"/>
+                  </a:lnTo>
+                  <a:lnTo>
+                    <a:pt x="1109382" y="6858000"/>
+                  </a:lnTo>
+                  <a:lnTo>
+                    <a:pt x="0" y="0"/>
+                  </a:lnTo>
+                  <a:close/>
+                </a:path>
+              </a:pathLst>
+            </a:custGeom>
+            <a:solidFill>
+              <a:schemeClr val="accent1">
+                <a:alpha val="65000"/>
+              </a:schemeClr>
+            </a:solidFill>
+            <a:ln>
+              <a:noFill/>
+            </a:ln>
+            <a:effectLst/>
+          </p:spPr>
+          <p:style>
+            <a:lnRef idx="1">
+              <a:schemeClr val="accent1"/>
+            </a:lnRef>
+            <a:fillRef idx="3">
+              <a:schemeClr val="accent1"/>
+            </a:fillRef>
+            <a:effectRef idx="2">
+              <a:schemeClr val="accent1"/>
+            </a:effectRef>
+            <a:fontRef idx="minor">
+              <a:schemeClr val="lt1"/>
+            </a:fontRef>
+          </p:style>
+        </p:sp>
+        <p:sp>
+          <p:nvSpPr>
+            <p:cNvPr id="28" name="Isosceles Triangle 27"/>
+            <p:cNvSpPr/>
+            <p:nvPr/>
+          </p:nvSpPr>
+          <p:spPr>
+            <a:xfrm>
+              <a:off x="10371666" y="3589867"/>
+              <a:ext cx="1817159" cy="3268133"/>
+            </a:xfrm>
+            <a:prstGeom prst="triangle">
+              <a:avLst>
+                <a:gd name="adj" fmla="val 100000"/>
+              </a:avLst>
+            </a:prstGeom>
+            <a:solidFill>
+              <a:schemeClr val="accent1">
+                <a:alpha val="80000"/>
+              </a:schemeClr>
+            </a:solidFill>
+            <a:ln>
+              <a:noFill/>
+            </a:ln>
+            <a:effectLst/>
+          </p:spPr>
+          <p:style>
+            <a:lnRef idx="1">
+              <a:schemeClr val="accent1"/>
+            </a:lnRef>
+            <a:fillRef idx="3">
+              <a:schemeClr val="accent1"/>
+            </a:fillRef>
+            <a:effectRef idx="2">
+              <a:schemeClr val="accent1"/>
+            </a:effectRef>
+            <a:fontRef idx="minor">
+              <a:schemeClr val="lt1"/>
+            </a:fontRef>
+          </p:style>
+        </p:sp>
+        <p:sp>
+          <p:nvSpPr>
+            <p:cNvPr id="29" name="Isosceles Triangle 28"/>
+            <p:cNvSpPr/>
+            <p:nvPr/>
+          </p:nvSpPr>
+          <p:spPr>
+            <a:xfrm>
+              <a:off x="0" y="4013200"/>
+              <a:ext cx="448733" cy="2844800"/>
+            </a:xfrm>
+            <a:prstGeom prst="triangle">
+              <a:avLst>
+                <a:gd name="adj" fmla="val 0"/>
+              </a:avLst>
+            </a:prstGeom>
+            <a:solidFill>
+              <a:schemeClr val="accent1">
+                <a:alpha val="85000"/>
+              </a:schemeClr>
+            </a:solidFill>
+            <a:ln>
+              <a:noFill/>
+            </a:ln>
+            <a:effectLst/>
+          </p:spPr>
+          <p:style>
+            <a:lnRef idx="1">
+              <a:schemeClr val="accent1"/>
+            </a:lnRef>
+            <a:fillRef idx="3">
+              <a:schemeClr val="accent1"/>
+            </a:fillRef>
+            <a:effectRef idx="2">
+              <a:schemeClr val="accent1"/>
+            </a:effectRef>
+            <a:fontRef idx="minor">
+              <a:schemeClr val="lt1"/>
+            </a:fontRef>
+          </p:style>
+        </p:sp>
+      </p:grpSp>
+      <p:sp>
+        <p:nvSpPr>
+          <p:cNvPr id="2" name="Title Placeholder 1"/>
           <p:cNvSpPr>
             <a:spLocks noGrp="1"/>
           </p:cNvSpPr>
@@ -2805,15 +5197,15 @@
         </p:nvSpPr>
         <p:spPr>
           <a:xfrm>
-            <a:off x="838200" y="365125"/>
-            <a:ext cx="10515600" cy="1325563"/>
+            <a:off x="677334" y="609600"/>
+            <a:ext cx="8596668" cy="1320800"/>
           </a:xfrm>
           <a:prstGeom prst="rect">
             <a:avLst/>
           </a:prstGeom>
         </p:spPr>
         <p:txBody>
-          <a:bodyPr vert="horz" lIns="91440" tIns="45720" rIns="91440" bIns="45720" rtlCol="0" anchor="ctr">
+          <a:bodyPr vert="horz" lIns="91440" tIns="45720" rIns="91440" bIns="45720" rtlCol="0" anchor="t">
             <a:normAutofit/>
           </a:bodyPr>
           <a:lstStyle/>
@@ -2822,19 +5214,13 @@
               <a:rPr lang="de-DE"/>
               <a:t>Mastertitelformat bearbeiten</a:t>
             </a:r>
-            <a:endParaRPr lang="de-AT"/>
-          </a:p>
-        </p:txBody>
-      </p:sp>
-      <p:sp>
-        <p:nvSpPr>
-          <p:cNvPr id="3" name="Textplatzhalter 2">
-            <a:extLst>
-              <a:ext uri="{FF2B5EF4-FFF2-40B4-BE49-F238E27FC236}">
-                <a16:creationId xmlns:a16="http://schemas.microsoft.com/office/drawing/2014/main" id="{78A8D37B-EE83-446A-9393-325BA659AC16}"/>
-              </a:ext>
-            </a:extLst>
-          </p:cNvPr>
+            <a:endParaRPr lang="en-US" dirty="0"/>
+          </a:p>
+        </p:txBody>
+      </p:sp>
+      <p:sp>
+        <p:nvSpPr>
+          <p:cNvPr id="3" name="Text Placeholder 2"/>
           <p:cNvSpPr>
             <a:spLocks noGrp="1"/>
           </p:cNvSpPr>
@@ -2844,8 +5230,8 @@
         </p:nvSpPr>
         <p:spPr>
           <a:xfrm>
-            <a:off x="838200" y="1825625"/>
-            <a:ext cx="10515600" cy="4351338"/>
+            <a:off x="677334" y="2160589"/>
+            <a:ext cx="8596668" cy="3880773"/>
           </a:xfrm>
           <a:prstGeom prst="rect">
             <a:avLst/>
@@ -2890,19 +5276,13 @@
               <a:rPr lang="de-DE"/>
               <a:t>Fünfte Ebene</a:t>
             </a:r>
-            <a:endParaRPr lang="de-AT"/>
-          </a:p>
-        </p:txBody>
-      </p:sp>
-      <p:sp>
-        <p:nvSpPr>
-          <p:cNvPr id="4" name="Datumsplatzhalter 3">
-            <a:extLst>
-              <a:ext uri="{FF2B5EF4-FFF2-40B4-BE49-F238E27FC236}">
-                <a16:creationId xmlns:a16="http://schemas.microsoft.com/office/drawing/2014/main" id="{91A8BD43-2CC6-4CCB-9B61-C1677F1AD768}"/>
-              </a:ext>
-            </a:extLst>
-          </p:cNvPr>
+            <a:endParaRPr lang="en-US" dirty="0"/>
+          </a:p>
+        </p:txBody>
+      </p:sp>
+      <p:sp>
+        <p:nvSpPr>
+          <p:cNvPr id="4" name="Date Placeholder 3"/>
           <p:cNvSpPr>
             <a:spLocks noGrp="1"/>
           </p:cNvSpPr>
@@ -2912,8 +5292,8 @@
         </p:nvSpPr>
         <p:spPr>
           <a:xfrm>
-            <a:off x="838200" y="6356350"/>
-            <a:ext cx="2743200" cy="365125"/>
+            <a:off x="7205133" y="6041362"/>
+            <a:ext cx="911939" cy="365125"/>
           </a:xfrm>
           <a:prstGeom prst="rect">
             <a:avLst/>
@@ -2922,8 +5302,8 @@
         <p:txBody>
           <a:bodyPr vert="horz" lIns="91440" tIns="45720" rIns="91440" bIns="45720" rtlCol="0" anchor="ctr"/>
           <a:lstStyle>
-            <a:lvl1pPr algn="l">
-              <a:defRPr sz="1200">
+            <a:lvl1pPr algn="r">
+              <a:defRPr sz="900">
                 <a:solidFill>
                   <a:schemeClr val="tx1">
                     <a:tint val="75000"/>
@@ -2935,7 +5315,7 @@
           <a:p>
             <a:fld id="{DCAEF972-E3B3-4410-99AA-A26762AFA263}" type="datetimeFigureOut">
               <a:rPr lang="de-AT" smtClean="0"/>
-              <a:t>14.02.2022</a:t>
+              <a:t>28.02.2022</a:t>
             </a:fld>
             <a:endParaRPr lang="de-AT"/>
           </a:p>
@@ -2943,13 +5323,7 @@
       </p:sp>
       <p:sp>
         <p:nvSpPr>
-          <p:cNvPr id="5" name="Fußzeilenplatzhalter 4">
-            <a:extLst>
-              <a:ext uri="{FF2B5EF4-FFF2-40B4-BE49-F238E27FC236}">
-                <a16:creationId xmlns:a16="http://schemas.microsoft.com/office/drawing/2014/main" id="{D1689C0E-3678-42B2-9ECD-7C23F9B3D3F8}"/>
-              </a:ext>
-            </a:extLst>
-          </p:cNvPr>
+          <p:cNvPr id="5" name="Footer Placeholder 4"/>
           <p:cNvSpPr>
             <a:spLocks noGrp="1"/>
           </p:cNvSpPr>
@@ -2959,8 +5333,8 @@
         </p:nvSpPr>
         <p:spPr>
           <a:xfrm>
-            <a:off x="4038600" y="6356350"/>
-            <a:ext cx="4114800" cy="365125"/>
+            <a:off x="677334" y="6041362"/>
+            <a:ext cx="6297612" cy="365125"/>
           </a:xfrm>
           <a:prstGeom prst="rect">
             <a:avLst/>
@@ -2969,8 +5343,8 @@
         <p:txBody>
           <a:bodyPr vert="horz" lIns="91440" tIns="45720" rIns="91440" bIns="45720" rtlCol="0" anchor="ctr"/>
           <a:lstStyle>
-            <a:lvl1pPr algn="ctr">
-              <a:defRPr sz="1200">
+            <a:lvl1pPr algn="l">
+              <a:defRPr sz="900">
                 <a:solidFill>
                   <a:schemeClr val="tx1">
                     <a:tint val="75000"/>
@@ -2986,13 +5360,7 @@
       </p:sp>
       <p:sp>
         <p:nvSpPr>
-          <p:cNvPr id="6" name="Foliennummernplatzhalter 5">
-            <a:extLst>
-              <a:ext uri="{FF2B5EF4-FFF2-40B4-BE49-F238E27FC236}">
-                <a16:creationId xmlns:a16="http://schemas.microsoft.com/office/drawing/2014/main" id="{F49536FE-F994-4EBB-8816-C741BC1D4BF0}"/>
-              </a:ext>
-            </a:extLst>
-          </p:cNvPr>
+          <p:cNvPr id="6" name="Slide Number Placeholder 5"/>
           <p:cNvSpPr>
             <a:spLocks noGrp="1"/>
           </p:cNvSpPr>
@@ -3002,8 +5370,8 @@
         </p:nvSpPr>
         <p:spPr>
           <a:xfrm>
-            <a:off x="8610600" y="6356350"/>
-            <a:ext cx="2743200" cy="365125"/>
+            <a:off x="8590663" y="6041362"/>
+            <a:ext cx="683339" cy="365125"/>
           </a:xfrm>
           <a:prstGeom prst="rect">
             <a:avLst/>
@@ -3013,11 +5381,9 @@
           <a:bodyPr vert="horz" lIns="91440" tIns="45720" rIns="91440" bIns="45720" rtlCol="0" anchor="ctr"/>
           <a:lstStyle>
             <a:lvl1pPr algn="r">
-              <a:defRPr sz="1200">
-                <a:solidFill>
-                  <a:schemeClr val="tx1">
-                    <a:tint val="75000"/>
-                  </a:schemeClr>
+              <a:defRPr sz="900">
+                <a:solidFill>
+                  <a:schemeClr val="accent1"/>
                 </a:solidFill>
               </a:defRPr>
             </a:lvl1pPr>
@@ -3034,55 +5400,335 @@
     </p:spTree>
     <p:extLst>
       <p:ext uri="{BB962C8B-B14F-4D97-AF65-F5344CB8AC3E}">
-        <p14:creationId xmlns:p14="http://schemas.microsoft.com/office/powerpoint/2010/main" val="3000868858"/>
+        <p14:creationId xmlns:p14="http://schemas.microsoft.com/office/powerpoint/2010/main" val="1349309794"/>
       </p:ext>
     </p:extLst>
   </p:cSld>
   <p:clrMap bg1="lt1" tx1="dk1" bg2="lt2" tx2="dk2" accent1="accent1" accent2="accent2" accent3="accent3" accent4="accent4" accent5="accent5" accent6="accent6" hlink="hlink" folHlink="folHlink"/>
   <p:sldLayoutIdLst>
-    <p:sldLayoutId id="2147483649" r:id="rId1"/>
-    <p:sldLayoutId id="2147483650" r:id="rId2"/>
-    <p:sldLayoutId id="2147483651" r:id="rId3"/>
-    <p:sldLayoutId id="2147483652" r:id="rId4"/>
-    <p:sldLayoutId id="2147483653" r:id="rId5"/>
-    <p:sldLayoutId id="2147483654" r:id="rId6"/>
-    <p:sldLayoutId id="2147483655" r:id="rId7"/>
-    <p:sldLayoutId id="2147483656" r:id="rId8"/>
-    <p:sldLayoutId id="2147483657" r:id="rId9"/>
-    <p:sldLayoutId id="2147483658" r:id="rId10"/>
-    <p:sldLayoutId id="2147483659" r:id="rId11"/>
+    <p:sldLayoutId id="2147483661" r:id="rId1"/>
+    <p:sldLayoutId id="2147483662" r:id="rId2"/>
+    <p:sldLayoutId id="2147483663" r:id="rId3"/>
+    <p:sldLayoutId id="2147483664" r:id="rId4"/>
+    <p:sldLayoutId id="2147483665" r:id="rId5"/>
+    <p:sldLayoutId id="2147483666" r:id="rId6"/>
+    <p:sldLayoutId id="2147483667" r:id="rId7"/>
+    <p:sldLayoutId id="2147483668" r:id="rId8"/>
+    <p:sldLayoutId id="2147483669" r:id="rId9"/>
+    <p:sldLayoutId id="2147483670" r:id="rId10"/>
+    <p:sldLayoutId id="2147483671" r:id="rId11"/>
+    <p:sldLayoutId id="2147483672" r:id="rId12"/>
+    <p:sldLayoutId id="2147483673" r:id="rId13"/>
+    <p:sldLayoutId id="2147483674" r:id="rId14"/>
+    <p:sldLayoutId id="2147483675" r:id="rId15"/>
+    <p:sldLayoutId id="2147483676" r:id="rId16"/>
   </p:sldLayoutIdLst>
   <p:txStyles>
     <p:titleStyle>
-      <a:lvl1pPr algn="l" defTabSz="914400" rtl="0" eaLnBrk="1" latinLnBrk="0" hangingPunct="1">
-        <a:lnSpc>
-          <a:spcPct val="90000"/>
-        </a:lnSpc>
+      <a:lvl1pPr algn="l" defTabSz="457200" rtl="0" eaLnBrk="1" latinLnBrk="0" hangingPunct="1">
         <a:spcBef>
           <a:spcPct val="0"/>
         </a:spcBef>
         <a:buNone/>
-        <a:defRPr sz="4400" kern="1200">
+        <a:defRPr sz="3600" kern="1200">
           <a:solidFill>
-            <a:schemeClr val="tx1"/>
+            <a:schemeClr val="accent1"/>
           </a:solidFill>
           <a:latin typeface="+mj-lt"/>
           <a:ea typeface="+mj-ea"/>
           <a:cs typeface="+mj-cs"/>
         </a:defRPr>
       </a:lvl1pPr>
+      <a:lvl2pPr eaLnBrk="1" hangingPunct="1">
+        <a:defRPr>
+          <a:solidFill>
+            <a:schemeClr val="tx2"/>
+          </a:solidFill>
+        </a:defRPr>
+      </a:lvl2pPr>
+      <a:lvl3pPr eaLnBrk="1" hangingPunct="1">
+        <a:defRPr>
+          <a:solidFill>
+            <a:schemeClr val="tx2"/>
+          </a:solidFill>
+        </a:defRPr>
+      </a:lvl3pPr>
+      <a:lvl4pPr eaLnBrk="1" hangingPunct="1">
+        <a:defRPr>
+          <a:solidFill>
+            <a:schemeClr val="tx2"/>
+          </a:solidFill>
+        </a:defRPr>
+      </a:lvl4pPr>
+      <a:lvl5pPr eaLnBrk="1" hangingPunct="1">
+        <a:defRPr>
+          <a:solidFill>
+            <a:schemeClr val="tx2"/>
+          </a:solidFill>
+        </a:defRPr>
+      </a:lvl5pPr>
+      <a:lvl6pPr eaLnBrk="1" hangingPunct="1">
+        <a:defRPr>
+          <a:solidFill>
+            <a:schemeClr val="tx2"/>
+          </a:solidFill>
+        </a:defRPr>
+      </a:lvl6pPr>
+      <a:lvl7pPr eaLnBrk="1" hangingPunct="1">
+        <a:defRPr>
+          <a:solidFill>
+            <a:schemeClr val="tx2"/>
+          </a:solidFill>
+        </a:defRPr>
+      </a:lvl7pPr>
+      <a:lvl8pPr eaLnBrk="1" hangingPunct="1">
+        <a:defRPr>
+          <a:solidFill>
+            <a:schemeClr val="tx2"/>
+          </a:solidFill>
+        </a:defRPr>
+      </a:lvl8pPr>
+      <a:lvl9pPr eaLnBrk="1" hangingPunct="1">
+        <a:defRPr>
+          <a:solidFill>
+            <a:schemeClr val="tx2"/>
+          </a:solidFill>
+        </a:defRPr>
+      </a:lvl9pPr>
     </p:titleStyle>
     <p:bodyStyle>
-      <a:lvl1pPr marL="228600" indent="-228600" algn="l" defTabSz="914400" rtl="0" eaLnBrk="1" latinLnBrk="0" hangingPunct="1">
-        <a:lnSpc>
-          <a:spcPct val="90000"/>
-        </a:lnSpc>
+      <a:lvl1pPr marL="342900" indent="-342900" algn="l" defTabSz="457200" rtl="0" eaLnBrk="1" latinLnBrk="0" hangingPunct="1">
         <a:spcBef>
           <a:spcPts val="1000"/>
         </a:spcBef>
-        <a:buFont typeface="Arial" panose="020B0604020202020204" pitchFamily="34" charset="0"/>
-        <a:buChar char="•"/>
-        <a:defRPr sz="2800" kern="1200">
+        <a:spcAft>
+          <a:spcPts val="0"/>
+        </a:spcAft>
+        <a:buClr>
+          <a:schemeClr val="accent1"/>
+        </a:buClr>
+        <a:buSzPct val="80000"/>
+        <a:buFont typeface="Wingdings 3" charset="2"/>
+        <a:buChar char=""/>
+        <a:defRPr sz="1800" kern="1200">
+          <a:solidFill>
+            <a:schemeClr val="tx1">
+              <a:lumMod val="75000"/>
+              <a:lumOff val="25000"/>
+            </a:schemeClr>
+          </a:solidFill>
+          <a:latin typeface="+mn-lt"/>
+          <a:ea typeface="+mn-ea"/>
+          <a:cs typeface="+mn-cs"/>
+        </a:defRPr>
+      </a:lvl1pPr>
+      <a:lvl2pPr marL="742950" indent="-285750" algn="l" defTabSz="457200" rtl="0" eaLnBrk="1" latinLnBrk="0" hangingPunct="1">
+        <a:spcBef>
+          <a:spcPts val="1000"/>
+        </a:spcBef>
+        <a:spcAft>
+          <a:spcPts val="0"/>
+        </a:spcAft>
+        <a:buClr>
+          <a:schemeClr val="accent1"/>
+        </a:buClr>
+        <a:buSzPct val="80000"/>
+        <a:buFont typeface="Wingdings 3" charset="2"/>
+        <a:buChar char=""/>
+        <a:defRPr sz="1600" kern="1200">
+          <a:solidFill>
+            <a:schemeClr val="tx1">
+              <a:lumMod val="75000"/>
+              <a:lumOff val="25000"/>
+            </a:schemeClr>
+          </a:solidFill>
+          <a:latin typeface="+mn-lt"/>
+          <a:ea typeface="+mn-ea"/>
+          <a:cs typeface="+mn-cs"/>
+        </a:defRPr>
+      </a:lvl2pPr>
+      <a:lvl3pPr marL="1143000" indent="-228600" algn="l" defTabSz="457200" rtl="0" eaLnBrk="1" latinLnBrk="0" hangingPunct="1">
+        <a:spcBef>
+          <a:spcPts val="1000"/>
+        </a:spcBef>
+        <a:spcAft>
+          <a:spcPts val="0"/>
+        </a:spcAft>
+        <a:buClr>
+          <a:schemeClr val="accent1"/>
+        </a:buClr>
+        <a:buSzPct val="80000"/>
+        <a:buFont typeface="Wingdings 3" charset="2"/>
+        <a:buChar char=""/>
+        <a:defRPr sz="1400" kern="1200">
+          <a:solidFill>
+            <a:schemeClr val="tx1">
+              <a:lumMod val="75000"/>
+              <a:lumOff val="25000"/>
+            </a:schemeClr>
+          </a:solidFill>
+          <a:latin typeface="+mn-lt"/>
+          <a:ea typeface="+mn-ea"/>
+          <a:cs typeface="+mn-cs"/>
+        </a:defRPr>
+      </a:lvl3pPr>
+      <a:lvl4pPr marL="1600200" indent="-228600" algn="l" defTabSz="457200" rtl="0" eaLnBrk="1" latinLnBrk="0" hangingPunct="1">
+        <a:spcBef>
+          <a:spcPts val="1000"/>
+        </a:spcBef>
+        <a:spcAft>
+          <a:spcPts val="0"/>
+        </a:spcAft>
+        <a:buClr>
+          <a:schemeClr val="accent1"/>
+        </a:buClr>
+        <a:buSzPct val="80000"/>
+        <a:buFont typeface="Wingdings 3" charset="2"/>
+        <a:buChar char=""/>
+        <a:defRPr sz="1200" kern="1200">
+          <a:solidFill>
+            <a:schemeClr val="tx1">
+              <a:lumMod val="75000"/>
+              <a:lumOff val="25000"/>
+            </a:schemeClr>
+          </a:solidFill>
+          <a:latin typeface="+mn-lt"/>
+          <a:ea typeface="+mn-ea"/>
+          <a:cs typeface="+mn-cs"/>
+        </a:defRPr>
+      </a:lvl4pPr>
+      <a:lvl5pPr marL="2057400" indent="-228600" algn="l" defTabSz="457200" rtl="0" eaLnBrk="1" latinLnBrk="0" hangingPunct="1">
+        <a:spcBef>
+          <a:spcPts val="1000"/>
+        </a:spcBef>
+        <a:spcAft>
+          <a:spcPts val="0"/>
+        </a:spcAft>
+        <a:buClr>
+          <a:schemeClr val="accent1"/>
+        </a:buClr>
+        <a:buSzPct val="80000"/>
+        <a:buFont typeface="Wingdings 3" charset="2"/>
+        <a:buChar char=""/>
+        <a:defRPr sz="1200" kern="1200">
+          <a:solidFill>
+            <a:schemeClr val="tx1">
+              <a:lumMod val="75000"/>
+              <a:lumOff val="25000"/>
+            </a:schemeClr>
+          </a:solidFill>
+          <a:latin typeface="+mn-lt"/>
+          <a:ea typeface="+mn-ea"/>
+          <a:cs typeface="+mn-cs"/>
+        </a:defRPr>
+      </a:lvl5pPr>
+      <a:lvl6pPr marL="2514600" indent="-228600" algn="l" defTabSz="457200" rtl="0" eaLnBrk="1" latinLnBrk="0" hangingPunct="1">
+        <a:spcBef>
+          <a:spcPts val="1000"/>
+        </a:spcBef>
+        <a:spcAft>
+          <a:spcPts val="0"/>
+        </a:spcAft>
+        <a:buClr>
+          <a:schemeClr val="accent1"/>
+        </a:buClr>
+        <a:buSzPct val="80000"/>
+        <a:buFont typeface="Wingdings 3" charset="2"/>
+        <a:buChar char=""/>
+        <a:defRPr sz="1200" kern="1200">
+          <a:solidFill>
+            <a:schemeClr val="tx1">
+              <a:lumMod val="75000"/>
+              <a:lumOff val="25000"/>
+            </a:schemeClr>
+          </a:solidFill>
+          <a:latin typeface="+mn-lt"/>
+          <a:ea typeface="+mn-ea"/>
+          <a:cs typeface="+mn-cs"/>
+        </a:defRPr>
+      </a:lvl6pPr>
+      <a:lvl7pPr marL="2971800" indent="-228600" algn="l" defTabSz="457200" rtl="0" eaLnBrk="1" latinLnBrk="0" hangingPunct="1">
+        <a:spcBef>
+          <a:spcPts val="1000"/>
+        </a:spcBef>
+        <a:spcAft>
+          <a:spcPts val="0"/>
+        </a:spcAft>
+        <a:buClr>
+          <a:schemeClr val="accent1"/>
+        </a:buClr>
+        <a:buSzPct val="80000"/>
+        <a:buFont typeface="Wingdings 3" charset="2"/>
+        <a:buChar char=""/>
+        <a:defRPr sz="1200" kern="1200">
+          <a:solidFill>
+            <a:schemeClr val="tx1">
+              <a:lumMod val="75000"/>
+              <a:lumOff val="25000"/>
+            </a:schemeClr>
+          </a:solidFill>
+          <a:latin typeface="+mn-lt"/>
+          <a:ea typeface="+mn-ea"/>
+          <a:cs typeface="+mn-cs"/>
+        </a:defRPr>
+      </a:lvl7pPr>
+      <a:lvl8pPr marL="3429000" indent="-228600" algn="l" defTabSz="457200" rtl="0" eaLnBrk="1" latinLnBrk="0" hangingPunct="1">
+        <a:spcBef>
+          <a:spcPts val="1000"/>
+        </a:spcBef>
+        <a:spcAft>
+          <a:spcPts val="0"/>
+        </a:spcAft>
+        <a:buClr>
+          <a:schemeClr val="accent1"/>
+        </a:buClr>
+        <a:buSzPct val="80000"/>
+        <a:buFont typeface="Wingdings 3" charset="2"/>
+        <a:buChar char=""/>
+        <a:defRPr sz="1200" kern="1200">
+          <a:solidFill>
+            <a:schemeClr val="tx1">
+              <a:lumMod val="75000"/>
+              <a:lumOff val="25000"/>
+            </a:schemeClr>
+          </a:solidFill>
+          <a:latin typeface="+mn-lt"/>
+          <a:ea typeface="+mn-ea"/>
+          <a:cs typeface="+mn-cs"/>
+        </a:defRPr>
+      </a:lvl8pPr>
+      <a:lvl9pPr marL="3886200" indent="-228600" algn="l" defTabSz="457200" rtl="0" eaLnBrk="1" latinLnBrk="0" hangingPunct="1">
+        <a:spcBef>
+          <a:spcPts val="1000"/>
+        </a:spcBef>
+        <a:spcAft>
+          <a:spcPts val="0"/>
+        </a:spcAft>
+        <a:buClr>
+          <a:schemeClr val="accent1"/>
+        </a:buClr>
+        <a:buSzPct val="80000"/>
+        <a:buFont typeface="Wingdings 3" charset="2"/>
+        <a:buChar char=""/>
+        <a:defRPr sz="1200" kern="1200">
+          <a:solidFill>
+            <a:schemeClr val="tx1">
+              <a:lumMod val="75000"/>
+              <a:lumOff val="25000"/>
+            </a:schemeClr>
+          </a:solidFill>
+          <a:latin typeface="+mn-lt"/>
+          <a:ea typeface="+mn-ea"/>
+          <a:cs typeface="+mn-cs"/>
+        </a:defRPr>
+      </a:lvl9pPr>
+    </p:bodyStyle>
+    <p:otherStyle>
+      <a:defPPr>
+        <a:defRPr lang="en-US"/>
+      </a:defPPr>
+      <a:lvl1pPr marL="0" algn="l" defTabSz="457200" rtl="0" eaLnBrk="1" latinLnBrk="0" hangingPunct="1">
+        <a:defRPr sz="1800" kern="1200">
           <a:solidFill>
             <a:schemeClr val="tx1"/>
           </a:solidFill>
@@ -3091,16 +5737,8 @@
           <a:cs typeface="+mn-cs"/>
         </a:defRPr>
       </a:lvl1pPr>
-      <a:lvl2pPr marL="685800" indent="-228600" algn="l" defTabSz="914400" rtl="0" eaLnBrk="1" latinLnBrk="0" hangingPunct="1">
-        <a:lnSpc>
-          <a:spcPct val="90000"/>
-        </a:lnSpc>
-        <a:spcBef>
-          <a:spcPts val="500"/>
-        </a:spcBef>
-        <a:buFont typeface="Arial" panose="020B0604020202020204" pitchFamily="34" charset="0"/>
-        <a:buChar char="•"/>
-        <a:defRPr sz="2400" kern="1200">
+      <a:lvl2pPr marL="457200" algn="l" defTabSz="457200" rtl="0" eaLnBrk="1" latinLnBrk="0" hangingPunct="1">
+        <a:defRPr sz="1800" kern="1200">
           <a:solidFill>
             <a:schemeClr val="tx1"/>
           </a:solidFill>
@@ -3109,16 +5747,8 @@
           <a:cs typeface="+mn-cs"/>
         </a:defRPr>
       </a:lvl2pPr>
-      <a:lvl3pPr marL="1143000" indent="-228600" algn="l" defTabSz="914400" rtl="0" eaLnBrk="1" latinLnBrk="0" hangingPunct="1">
-        <a:lnSpc>
-          <a:spcPct val="90000"/>
-        </a:lnSpc>
-        <a:spcBef>
-          <a:spcPts val="500"/>
-        </a:spcBef>
-        <a:buFont typeface="Arial" panose="020B0604020202020204" pitchFamily="34" charset="0"/>
-        <a:buChar char="•"/>
-        <a:defRPr sz="2000" kern="1200">
+      <a:lvl3pPr marL="914400" algn="l" defTabSz="457200" rtl="0" eaLnBrk="1" latinLnBrk="0" hangingPunct="1">
+        <a:defRPr sz="1800" kern="1200">
           <a:solidFill>
             <a:schemeClr val="tx1"/>
           </a:solidFill>
@@ -3127,15 +5757,7 @@
           <a:cs typeface="+mn-cs"/>
         </a:defRPr>
       </a:lvl3pPr>
-      <a:lvl4pPr marL="1600200" indent="-228600" algn="l" defTabSz="914400" rtl="0" eaLnBrk="1" latinLnBrk="0" hangingPunct="1">
-        <a:lnSpc>
-          <a:spcPct val="90000"/>
-        </a:lnSpc>
-        <a:spcBef>
-          <a:spcPts val="500"/>
-        </a:spcBef>
-        <a:buFont typeface="Arial" panose="020B0604020202020204" pitchFamily="34" charset="0"/>
-        <a:buChar char="•"/>
+      <a:lvl4pPr marL="1371600" algn="l" defTabSz="457200" rtl="0" eaLnBrk="1" latinLnBrk="0" hangingPunct="1">
         <a:defRPr sz="1800" kern="1200">
           <a:solidFill>
             <a:schemeClr val="tx1"/>
@@ -3145,15 +5767,7 @@
           <a:cs typeface="+mn-cs"/>
         </a:defRPr>
       </a:lvl4pPr>
-      <a:lvl5pPr marL="2057400" indent="-228600" algn="l" defTabSz="914400" rtl="0" eaLnBrk="1" latinLnBrk="0" hangingPunct="1">
-        <a:lnSpc>
-          <a:spcPct val="90000"/>
-        </a:lnSpc>
-        <a:spcBef>
-          <a:spcPts val="500"/>
-        </a:spcBef>
-        <a:buFont typeface="Arial" panose="020B0604020202020204" pitchFamily="34" charset="0"/>
-        <a:buChar char="•"/>
+      <a:lvl5pPr marL="1828800" algn="l" defTabSz="457200" rtl="0" eaLnBrk="1" latinLnBrk="0" hangingPunct="1">
         <a:defRPr sz="1800" kern="1200">
           <a:solidFill>
             <a:schemeClr val="tx1"/>
@@ -3163,15 +5777,7 @@
           <a:cs typeface="+mn-cs"/>
         </a:defRPr>
       </a:lvl5pPr>
-      <a:lvl6pPr marL="2514600" indent="-228600" algn="l" defTabSz="914400" rtl="0" eaLnBrk="1" latinLnBrk="0" hangingPunct="1">
-        <a:lnSpc>
-          <a:spcPct val="90000"/>
-        </a:lnSpc>
-        <a:spcBef>
-          <a:spcPts val="500"/>
-        </a:spcBef>
-        <a:buFont typeface="Arial" panose="020B0604020202020204" pitchFamily="34" charset="0"/>
-        <a:buChar char="•"/>
+      <a:lvl6pPr marL="2286000" algn="l" defTabSz="457200" rtl="0" eaLnBrk="1" latinLnBrk="0" hangingPunct="1">
         <a:defRPr sz="1800" kern="1200">
           <a:solidFill>
             <a:schemeClr val="tx1"/>
@@ -3181,15 +5787,7 @@
           <a:cs typeface="+mn-cs"/>
         </a:defRPr>
       </a:lvl6pPr>
-      <a:lvl7pPr marL="2971800" indent="-228600" algn="l" defTabSz="914400" rtl="0" eaLnBrk="1" latinLnBrk="0" hangingPunct="1">
-        <a:lnSpc>
-          <a:spcPct val="90000"/>
-        </a:lnSpc>
-        <a:spcBef>
-          <a:spcPts val="500"/>
-        </a:spcBef>
-        <a:buFont typeface="Arial" panose="020B0604020202020204" pitchFamily="34" charset="0"/>
-        <a:buChar char="•"/>
+      <a:lvl7pPr marL="2743200" algn="l" defTabSz="457200" rtl="0" eaLnBrk="1" latinLnBrk="0" hangingPunct="1">
         <a:defRPr sz="1800" kern="1200">
           <a:solidFill>
             <a:schemeClr val="tx1"/>
@@ -3199,15 +5797,7 @@
           <a:cs typeface="+mn-cs"/>
         </a:defRPr>
       </a:lvl7pPr>
-      <a:lvl8pPr marL="3429000" indent="-228600" algn="l" defTabSz="914400" rtl="0" eaLnBrk="1" latinLnBrk="0" hangingPunct="1">
-        <a:lnSpc>
-          <a:spcPct val="90000"/>
-        </a:lnSpc>
-        <a:spcBef>
-          <a:spcPts val="500"/>
-        </a:spcBef>
-        <a:buFont typeface="Arial" panose="020B0604020202020204" pitchFamily="34" charset="0"/>
-        <a:buChar char="•"/>
+      <a:lvl8pPr marL="3200400" algn="l" defTabSz="457200" rtl="0" eaLnBrk="1" latinLnBrk="0" hangingPunct="1">
         <a:defRPr sz="1800" kern="1200">
           <a:solidFill>
             <a:schemeClr val="tx1"/>
@@ -3217,110 +5807,7 @@
           <a:cs typeface="+mn-cs"/>
         </a:defRPr>
       </a:lvl8pPr>
-      <a:lvl9pPr marL="3886200" indent="-228600" algn="l" defTabSz="914400" rtl="0" eaLnBrk="1" latinLnBrk="0" hangingPunct="1">
-        <a:lnSpc>
-          <a:spcPct val="90000"/>
-        </a:lnSpc>
-        <a:spcBef>
-          <a:spcPts val="500"/>
-        </a:spcBef>
-        <a:buFont typeface="Arial" panose="020B0604020202020204" pitchFamily="34" charset="0"/>
-        <a:buChar char="•"/>
-        <a:defRPr sz="1800" kern="1200">
-          <a:solidFill>
-            <a:schemeClr val="tx1"/>
-          </a:solidFill>
-          <a:latin typeface="+mn-lt"/>
-          <a:ea typeface="+mn-ea"/>
-          <a:cs typeface="+mn-cs"/>
-        </a:defRPr>
-      </a:lvl9pPr>
-    </p:bodyStyle>
-    <p:otherStyle>
-      <a:defPPr>
-        <a:defRPr lang="de-DE"/>
-      </a:defPPr>
-      <a:lvl1pPr marL="0" algn="l" defTabSz="914400" rtl="0" eaLnBrk="1" latinLnBrk="0" hangingPunct="1">
-        <a:defRPr sz="1800" kern="1200">
-          <a:solidFill>
-            <a:schemeClr val="tx1"/>
-          </a:solidFill>
-          <a:latin typeface="+mn-lt"/>
-          <a:ea typeface="+mn-ea"/>
-          <a:cs typeface="+mn-cs"/>
-        </a:defRPr>
-      </a:lvl1pPr>
-      <a:lvl2pPr marL="457200" algn="l" defTabSz="914400" rtl="0" eaLnBrk="1" latinLnBrk="0" hangingPunct="1">
-        <a:defRPr sz="1800" kern="1200">
-          <a:solidFill>
-            <a:schemeClr val="tx1"/>
-          </a:solidFill>
-          <a:latin typeface="+mn-lt"/>
-          <a:ea typeface="+mn-ea"/>
-          <a:cs typeface="+mn-cs"/>
-        </a:defRPr>
-      </a:lvl2pPr>
-      <a:lvl3pPr marL="914400" algn="l" defTabSz="914400" rtl="0" eaLnBrk="1" latinLnBrk="0" hangingPunct="1">
-        <a:defRPr sz="1800" kern="1200">
-          <a:solidFill>
-            <a:schemeClr val="tx1"/>
-          </a:solidFill>
-          <a:latin typeface="+mn-lt"/>
-          <a:ea typeface="+mn-ea"/>
-          <a:cs typeface="+mn-cs"/>
-        </a:defRPr>
-      </a:lvl3pPr>
-      <a:lvl4pPr marL="1371600" algn="l" defTabSz="914400" rtl="0" eaLnBrk="1" latinLnBrk="0" hangingPunct="1">
-        <a:defRPr sz="1800" kern="1200">
-          <a:solidFill>
-            <a:schemeClr val="tx1"/>
-          </a:solidFill>
-          <a:latin typeface="+mn-lt"/>
-          <a:ea typeface="+mn-ea"/>
-          <a:cs typeface="+mn-cs"/>
-        </a:defRPr>
-      </a:lvl4pPr>
-      <a:lvl5pPr marL="1828800" algn="l" defTabSz="914400" rtl="0" eaLnBrk="1" latinLnBrk="0" hangingPunct="1">
-        <a:defRPr sz="1800" kern="1200">
-          <a:solidFill>
-            <a:schemeClr val="tx1"/>
-          </a:solidFill>
-          <a:latin typeface="+mn-lt"/>
-          <a:ea typeface="+mn-ea"/>
-          <a:cs typeface="+mn-cs"/>
-        </a:defRPr>
-      </a:lvl5pPr>
-      <a:lvl6pPr marL="2286000" algn="l" defTabSz="914400" rtl="0" eaLnBrk="1" latinLnBrk="0" hangingPunct="1">
-        <a:defRPr sz="1800" kern="1200">
-          <a:solidFill>
-            <a:schemeClr val="tx1"/>
-          </a:solidFill>
-          <a:latin typeface="+mn-lt"/>
-          <a:ea typeface="+mn-ea"/>
-          <a:cs typeface="+mn-cs"/>
-        </a:defRPr>
-      </a:lvl6pPr>
-      <a:lvl7pPr marL="2743200" algn="l" defTabSz="914400" rtl="0" eaLnBrk="1" latinLnBrk="0" hangingPunct="1">
-        <a:defRPr sz="1800" kern="1200">
-          <a:solidFill>
-            <a:schemeClr val="tx1"/>
-          </a:solidFill>
-          <a:latin typeface="+mn-lt"/>
-          <a:ea typeface="+mn-ea"/>
-          <a:cs typeface="+mn-cs"/>
-        </a:defRPr>
-      </a:lvl7pPr>
-      <a:lvl8pPr marL="3200400" algn="l" defTabSz="914400" rtl="0" eaLnBrk="1" latinLnBrk="0" hangingPunct="1">
-        <a:defRPr sz="1800" kern="1200">
-          <a:solidFill>
-            <a:schemeClr val="tx1"/>
-          </a:solidFill>
-          <a:latin typeface="+mn-lt"/>
-          <a:ea typeface="+mn-ea"/>
-          <a:cs typeface="+mn-cs"/>
-        </a:defRPr>
-      </a:lvl8pPr>
-      <a:lvl9pPr marL="3657600" algn="l" defTabSz="914400" rtl="0" eaLnBrk="1" latinLnBrk="0" hangingPunct="1">
+      <a:lvl9pPr marL="3657600" algn="l" defTabSz="457200" rtl="0" eaLnBrk="1" latinLnBrk="0" hangingPunct="1">
         <a:defRPr sz="1800" kern="1200">
           <a:solidFill>
             <a:schemeClr val="tx1"/>
@@ -3402,7 +5889,7 @@
           <a:bodyPr/>
           <a:lstStyle/>
           <a:p>
-            <a:endParaRPr lang="de-AT"/>
+            <a:endParaRPr lang="de-AT" dirty="0"/>
           </a:p>
         </p:txBody>
       </p:sp>
@@ -3410,6 +5897,233 @@
     <p:extLst>
       <p:ext uri="{BB962C8B-B14F-4D97-AF65-F5344CB8AC3E}">
         <p14:creationId xmlns:p14="http://schemas.microsoft.com/office/powerpoint/2010/main" val="202606257"/>
+      </p:ext>
+    </p:extLst>
+  </p:cSld>
+  <p:clrMapOvr>
+    <a:masterClrMapping/>
+  </p:clrMapOvr>
+</p:sld>
+</file>
+
+<file path=ppt/slides/slide10.xml><?xml version="1.0" encoding="utf-8"?>
+<p:sld xmlns:a="http://schemas.openxmlformats.org/drawingml/2006/main" xmlns:r="http://schemas.openxmlformats.org/officeDocument/2006/relationships" xmlns:p="http://schemas.openxmlformats.org/presentationml/2006/main">
+  <p:cSld>
+    <p:spTree>
+      <p:nvGrpSpPr>
+        <p:cNvPr id="1" name=""/>
+        <p:cNvGrpSpPr/>
+        <p:nvPr/>
+      </p:nvGrpSpPr>
+      <p:grpSpPr>
+        <a:xfrm>
+          <a:off x="0" y="0"/>
+          <a:ext cx="0" cy="0"/>
+          <a:chOff x="0" y="0"/>
+          <a:chExt cx="0" cy="0"/>
+        </a:xfrm>
+      </p:grpSpPr>
+      <p:sp>
+        <p:nvSpPr>
+          <p:cNvPr id="4" name="Titel 3">
+            <a:extLst>
+              <a:ext uri="{FF2B5EF4-FFF2-40B4-BE49-F238E27FC236}">
+                <a16:creationId xmlns:a16="http://schemas.microsoft.com/office/drawing/2014/main" id="{9EB9BBC8-9933-45AD-B404-3BA8E31B2534}"/>
+              </a:ext>
+            </a:extLst>
+          </p:cNvPr>
+          <p:cNvSpPr>
+            <a:spLocks noGrp="1"/>
+          </p:cNvSpPr>
+          <p:nvPr>
+            <p:ph type="title"/>
+          </p:nvPr>
+        </p:nvSpPr>
+        <p:spPr/>
+        <p:txBody>
+          <a:bodyPr/>
+          <a:lstStyle/>
+          <a:p>
+            <a:r>
+              <a:rPr lang="de-DE" dirty="0" err="1"/>
+              <a:t>Activity</a:t>
+            </a:r>
+            <a:endParaRPr lang="de-AT" dirty="0"/>
+          </a:p>
+        </p:txBody>
+      </p:sp>
+      <p:sp>
+        <p:nvSpPr>
+          <p:cNvPr id="5" name="Inhaltsplatzhalter 4">
+            <a:extLst>
+              <a:ext uri="{FF2B5EF4-FFF2-40B4-BE49-F238E27FC236}">
+                <a16:creationId xmlns:a16="http://schemas.microsoft.com/office/drawing/2014/main" id="{FD2B5BBC-BE08-4A45-A921-A7193F452443}"/>
+              </a:ext>
+            </a:extLst>
+          </p:cNvPr>
+          <p:cNvSpPr>
+            <a:spLocks noGrp="1"/>
+          </p:cNvSpPr>
+          <p:nvPr>
+            <p:ph idx="1"/>
+          </p:nvPr>
+        </p:nvSpPr>
+        <p:spPr/>
+        <p:txBody>
+          <a:bodyPr/>
+          <a:lstStyle/>
+          <a:p>
+            <a:r>
+              <a:rPr lang="de-DE" dirty="0"/>
+              <a:t>Beschreibt eine Aufgabe</a:t>
+            </a:r>
+            <a:r>
+              <a:rPr lang="de-AT" dirty="0"/>
+              <a:t> die zu erledigen ist</a:t>
+            </a:r>
+          </a:p>
+          <a:p>
+            <a:r>
+              <a:rPr lang="de-AT" dirty="0"/>
+              <a:t>Einfache </a:t>
+            </a:r>
+            <a:r>
+              <a:rPr lang="de-AT" dirty="0" err="1"/>
+              <a:t>Activities</a:t>
+            </a:r>
+            <a:r>
+              <a:rPr lang="de-AT" dirty="0"/>
+              <a:t>: Task</a:t>
+            </a:r>
+          </a:p>
+          <a:p>
+            <a:r>
+              <a:rPr lang="de-AT" dirty="0"/>
+              <a:t>Komplexe </a:t>
+            </a:r>
+            <a:r>
+              <a:rPr lang="de-AT" dirty="0" err="1"/>
+              <a:t>Activities</a:t>
+            </a:r>
+            <a:r>
+              <a:rPr lang="de-AT" dirty="0"/>
+              <a:t>: </a:t>
+            </a:r>
+            <a:r>
+              <a:rPr lang="de-AT" dirty="0" err="1"/>
+              <a:t>Subprocess</a:t>
+            </a:r>
+            <a:endParaRPr lang="de-AT" dirty="0"/>
+          </a:p>
+          <a:p>
+            <a:pPr lvl="1"/>
+            <a:r>
+              <a:rPr lang="de-AT" dirty="0"/>
+              <a:t>Unterscheidung zwischen kollabiert und expandiert</a:t>
+            </a:r>
+          </a:p>
+          <a:p>
+            <a:endParaRPr lang="de-DE" dirty="0"/>
+          </a:p>
+        </p:txBody>
+      </p:sp>
+    </p:spTree>
+    <p:extLst>
+      <p:ext uri="{BB962C8B-B14F-4D97-AF65-F5344CB8AC3E}">
+        <p14:creationId xmlns:p14="http://schemas.microsoft.com/office/powerpoint/2010/main" val="205241884"/>
+      </p:ext>
+    </p:extLst>
+  </p:cSld>
+  <p:clrMapOvr>
+    <a:masterClrMapping/>
+  </p:clrMapOvr>
+</p:sld>
+</file>
+
+<file path=ppt/slides/slide11.xml><?xml version="1.0" encoding="utf-8"?>
+<p:sld xmlns:a="http://schemas.openxmlformats.org/drawingml/2006/main" xmlns:r="http://schemas.openxmlformats.org/officeDocument/2006/relationships" xmlns:p="http://schemas.openxmlformats.org/presentationml/2006/main">
+  <p:cSld>
+    <p:spTree>
+      <p:nvGrpSpPr>
+        <p:cNvPr id="1" name=""/>
+        <p:cNvGrpSpPr/>
+        <p:nvPr/>
+      </p:nvGrpSpPr>
+      <p:grpSpPr>
+        <a:xfrm>
+          <a:off x="0" y="0"/>
+          <a:ext cx="0" cy="0"/>
+          <a:chOff x="0" y="0"/>
+          <a:chExt cx="0" cy="0"/>
+        </a:xfrm>
+      </p:grpSpPr>
+      <p:sp>
+        <p:nvSpPr>
+          <p:cNvPr id="2" name="Titel 1">
+            <a:extLst>
+              <a:ext uri="{FF2B5EF4-FFF2-40B4-BE49-F238E27FC236}">
+                <a16:creationId xmlns:a16="http://schemas.microsoft.com/office/drawing/2014/main" id="{795A7E6A-3CD7-4D2A-9FB8-486D8F5DE624}"/>
+              </a:ext>
+            </a:extLst>
+          </p:cNvPr>
+          <p:cNvSpPr>
+            <a:spLocks noGrp="1"/>
+          </p:cNvSpPr>
+          <p:nvPr>
+            <p:ph type="title"/>
+          </p:nvPr>
+        </p:nvSpPr>
+        <p:spPr/>
+        <p:txBody>
+          <a:bodyPr/>
+          <a:lstStyle/>
+          <a:p>
+            <a:r>
+              <a:rPr lang="de-DE" dirty="0"/>
+              <a:t>Quellen</a:t>
+            </a:r>
+            <a:endParaRPr lang="de-AT" dirty="0"/>
+          </a:p>
+        </p:txBody>
+      </p:sp>
+      <p:sp>
+        <p:nvSpPr>
+          <p:cNvPr id="3" name="Inhaltsplatzhalter 2">
+            <a:extLst>
+              <a:ext uri="{FF2B5EF4-FFF2-40B4-BE49-F238E27FC236}">
+                <a16:creationId xmlns:a16="http://schemas.microsoft.com/office/drawing/2014/main" id="{D5AC30BE-A520-48A9-8757-7FE2BC083F79}"/>
+              </a:ext>
+            </a:extLst>
+          </p:cNvPr>
+          <p:cNvSpPr>
+            <a:spLocks noGrp="1"/>
+          </p:cNvSpPr>
+          <p:nvPr>
+            <p:ph idx="1"/>
+          </p:nvPr>
+        </p:nvSpPr>
+        <p:spPr/>
+        <p:txBody>
+          <a:bodyPr/>
+          <a:lstStyle/>
+          <a:p>
+            <a:r>
+              <a:rPr lang="de-AT" dirty="0">
+                <a:hlinkClick r:id="rId2"/>
+              </a:rPr>
+              <a:t>https://de.wikipedia.org/wiki/Business_Process_Model_and_Notation</a:t>
+            </a:r>
+            <a:endParaRPr lang="de-AT" dirty="0"/>
+          </a:p>
+          <a:p>
+            <a:endParaRPr lang="de-AT" dirty="0"/>
+          </a:p>
+        </p:txBody>
+      </p:sp>
+    </p:spTree>
+    <p:extLst>
+      <p:ext uri="{BB962C8B-B14F-4D97-AF65-F5344CB8AC3E}">
+        <p14:creationId xmlns:p14="http://schemas.microsoft.com/office/powerpoint/2010/main" val="1635143410"/>
       </p:ext>
     </p:extLst>
   </p:cSld>
@@ -3478,40 +6192,48 @@
             <a:spLocks noGrp="1"/>
           </p:cNvSpPr>
           <p:nvPr>
-            <p:ph sz="half" idx="1"/>
-          </p:nvPr>
-        </p:nvSpPr>
-        <p:spPr/>
-        <p:txBody>
-          <a:bodyPr/>
-          <a:lstStyle/>
-          <a:p>
-            <a:endParaRPr lang="de-AT" dirty="0"/>
-          </a:p>
-        </p:txBody>
-      </p:sp>
-      <p:sp>
-        <p:nvSpPr>
-          <p:cNvPr id="6" name="Inhaltsplatzhalter 5">
-            <a:extLst>
-              <a:ext uri="{FF2B5EF4-FFF2-40B4-BE49-F238E27FC236}">
-                <a16:creationId xmlns:a16="http://schemas.microsoft.com/office/drawing/2014/main" id="{9394BC2F-F00A-48A2-BC63-981370F316AE}"/>
-              </a:ext>
-            </a:extLst>
-          </p:cNvPr>
-          <p:cNvSpPr>
-            <a:spLocks noGrp="1"/>
-          </p:cNvSpPr>
-          <p:nvPr>
-            <p:ph sz="half" idx="2"/>
-          </p:nvPr>
-        </p:nvSpPr>
-        <p:spPr/>
-        <p:txBody>
-          <a:bodyPr/>
-          <a:lstStyle/>
-          <a:p>
-            <a:endParaRPr lang="de-AT"/>
+            <p:ph idx="1"/>
+          </p:nvPr>
+        </p:nvSpPr>
+        <p:spPr/>
+        <p:txBody>
+          <a:bodyPr/>
+          <a:lstStyle/>
+          <a:p>
+            <a:r>
+              <a:rPr lang="de-DE" dirty="0"/>
+              <a:t>Grundlagen &amp; Entwicklung</a:t>
+            </a:r>
+          </a:p>
+          <a:p>
+            <a:r>
+              <a:rPr lang="de-DE" dirty="0"/>
+              <a:t>Bestandteile</a:t>
+            </a:r>
+          </a:p>
+          <a:p>
+            <a:r>
+              <a:rPr lang="de-DE" dirty="0"/>
+              <a:t>Neuerungen in V2</a:t>
+            </a:r>
+          </a:p>
+          <a:p>
+            <a:r>
+              <a:rPr lang="de-DE" dirty="0"/>
+              <a:t>Beziehungen</a:t>
+            </a:r>
+          </a:p>
+          <a:p>
+            <a:r>
+              <a:rPr lang="de-DE" dirty="0"/>
+              <a:t>Ausführung</a:t>
+            </a:r>
+          </a:p>
+          <a:p>
+            <a:r>
+              <a:rPr lang="de-AT" dirty="0"/>
+              <a:t>Notationen</a:t>
+            </a:r>
           </a:p>
         </p:txBody>
       </p:sp>
@@ -3664,7 +6386,7 @@
           <p:cNvPr id="2" name="Titel 1">
             <a:extLst>
               <a:ext uri="{FF2B5EF4-FFF2-40B4-BE49-F238E27FC236}">
-                <a16:creationId xmlns:a16="http://schemas.microsoft.com/office/drawing/2014/main" id="{D3AD8B56-46EC-4DB7-8CC7-F506E0AB63EE}"/>
+                <a16:creationId xmlns:a16="http://schemas.microsoft.com/office/drawing/2014/main" id="{5AF802C2-33C9-4B49-B58C-EDF10409037C}"/>
               </a:ext>
             </a:extLst>
           </p:cNvPr>
@@ -3682,7 +6404,7 @@
           <a:p>
             <a:r>
               <a:rPr lang="de-DE" dirty="0"/>
-              <a:t>Neuerungen in V2</a:t>
+              <a:t>Bestandteile</a:t>
             </a:r>
             <a:endParaRPr lang="de-AT" dirty="0"/>
           </a:p>
@@ -3693,7 +6415,7 @@
           <p:cNvPr id="3" name="Inhaltsplatzhalter 2">
             <a:extLst>
               <a:ext uri="{FF2B5EF4-FFF2-40B4-BE49-F238E27FC236}">
-                <a16:creationId xmlns:a16="http://schemas.microsoft.com/office/drawing/2014/main" id="{E49F2BEE-F448-45A1-BBE2-52E33896DC5B}"/>
+                <a16:creationId xmlns:a16="http://schemas.microsoft.com/office/drawing/2014/main" id="{7C84D5F9-1977-419B-97E4-6D7C7CB106A5}"/>
               </a:ext>
             </a:extLst>
           </p:cNvPr>
@@ -3709,56 +6431,14 @@
           <a:bodyPr/>
           <a:lstStyle/>
           <a:p>
-            <a:r>
-              <a:rPr lang="de-DE" dirty="0"/>
-              <a:t>XML-basiertes Format</a:t>
-            </a:r>
-          </a:p>
-          <a:p>
-            <a:pPr lvl="1"/>
-            <a:r>
-              <a:rPr lang="de-DE" dirty="0"/>
-              <a:t>für den Austausch versch. Werkzeuge</a:t>
-            </a:r>
-            <a:br>
-              <a:rPr lang="de-AT" dirty="0"/>
-            </a:br>
-            <a:r>
-              <a:rPr lang="de-AT" dirty="0"/>
-              <a:t>(Modellierung, Simulation, Ausführung)</a:t>
-            </a:r>
-          </a:p>
-          <a:p>
-            <a:r>
-              <a:rPr lang="de-AT" dirty="0"/>
-              <a:t>Erweiterbar</a:t>
-            </a:r>
-          </a:p>
-          <a:p>
-            <a:r>
-              <a:rPr lang="de-DE" dirty="0"/>
-              <a:t>Zusätzliches Modell für die Choreografie</a:t>
-            </a:r>
-          </a:p>
-          <a:p>
-            <a:r>
-              <a:rPr lang="de-DE" dirty="0"/>
-              <a:t>Möglichkeit für die gesamte Darstellung</a:t>
-            </a:r>
-            <a:br>
-              <a:rPr lang="de-DE" dirty="0"/>
-            </a:br>
-            <a:r>
-              <a:rPr lang="de-DE" dirty="0"/>
-              <a:t>einer Prozesslandschaft</a:t>
-            </a:r>
+            <a:endParaRPr lang="de-AT"/>
           </a:p>
         </p:txBody>
       </p:sp>
     </p:spTree>
     <p:extLst>
       <p:ext uri="{BB962C8B-B14F-4D97-AF65-F5344CB8AC3E}">
-        <p14:creationId xmlns:p14="http://schemas.microsoft.com/office/powerpoint/2010/main" val="3041083776"/>
+        <p14:creationId xmlns:p14="http://schemas.microsoft.com/office/powerpoint/2010/main" val="519945452"/>
       </p:ext>
     </p:extLst>
   </p:cSld>
@@ -3790,7 +6470,7 @@
           <p:cNvPr id="2" name="Titel 1">
             <a:extLst>
               <a:ext uri="{FF2B5EF4-FFF2-40B4-BE49-F238E27FC236}">
-                <a16:creationId xmlns:a16="http://schemas.microsoft.com/office/drawing/2014/main" id="{F3B24308-1D9E-43FF-90A1-AB725CD4D178}"/>
+                <a16:creationId xmlns:a16="http://schemas.microsoft.com/office/drawing/2014/main" id="{D3AD8B56-46EC-4DB7-8CC7-F506E0AB63EE}"/>
               </a:ext>
             </a:extLst>
           </p:cNvPr>
@@ -3808,7 +6488,7 @@
           <a:p>
             <a:r>
               <a:rPr lang="de-DE" dirty="0"/>
-              <a:t>Beziehung zu anderen Modellierungssprachen</a:t>
+              <a:t>Neuerungen in V2</a:t>
             </a:r>
             <a:endParaRPr lang="de-AT" dirty="0"/>
           </a:p>
@@ -3819,7 +6499,7 @@
           <p:cNvPr id="3" name="Inhaltsplatzhalter 2">
             <a:extLst>
               <a:ext uri="{FF2B5EF4-FFF2-40B4-BE49-F238E27FC236}">
-                <a16:creationId xmlns:a16="http://schemas.microsoft.com/office/drawing/2014/main" id="{16208700-FBAB-4E37-AE7D-A4E4034CCFBB}"/>
+                <a16:creationId xmlns:a16="http://schemas.microsoft.com/office/drawing/2014/main" id="{E49F2BEE-F448-45A1-BBE2-52E33896DC5B}"/>
               </a:ext>
             </a:extLst>
           </p:cNvPr>
@@ -3837,25 +6517,54 @@
           <a:p>
             <a:r>
               <a:rPr lang="de-DE" dirty="0"/>
-              <a:t>Verwandt mit anderen Sprachen zur</a:t>
+              <a:t>XML-basiertes Format</a:t>
+            </a:r>
+          </a:p>
+          <a:p>
+            <a:pPr lvl="1"/>
+            <a:r>
+              <a:rPr lang="de-DE" dirty="0"/>
+              <a:t>für den Austausch versch. Werkzeuge</a:t>
+            </a:r>
+            <a:br>
+              <a:rPr lang="de-AT" dirty="0"/>
+            </a:br>
+            <a:r>
+              <a:rPr lang="de-AT" dirty="0"/>
+              <a:t>(Modellierung, Simulation, Ausführung)</a:t>
+            </a:r>
+          </a:p>
+          <a:p>
+            <a:r>
+              <a:rPr lang="de-AT" dirty="0"/>
+              <a:t>Erweiterbar</a:t>
+            </a:r>
+          </a:p>
+          <a:p>
+            <a:r>
+              <a:rPr lang="de-DE" dirty="0"/>
+              <a:t>Zusätzliches Modell für die Choreografie</a:t>
+            </a:r>
+          </a:p>
+          <a:p>
+            <a:r>
+              <a:rPr lang="de-DE" dirty="0"/>
+              <a:t>Möglichkeit für die gesamte Darstellung</a:t>
             </a:r>
             <a:br>
               <a:rPr lang="de-DE" dirty="0"/>
             </a:br>
             <a:r>
               <a:rPr lang="de-DE" dirty="0"/>
-              <a:t> Modellierung best. Geschäftsprozesse</a:t>
-            </a:r>
-          </a:p>
-          <a:p>
-            <a:endParaRPr lang="de-AT" dirty="0"/>
+              <a:t>einer Prozesslandschaft</a:t>
+            </a:r>
           </a:p>
         </p:txBody>
       </p:sp>
     </p:spTree>
     <p:extLst>
       <p:ext uri="{BB962C8B-B14F-4D97-AF65-F5344CB8AC3E}">
-        <p14:creationId xmlns:p14="http://schemas.microsoft.com/office/powerpoint/2010/main" val="2608318073"/>
+        <p14:creationId xmlns:p14="http://schemas.microsoft.com/office/powerpoint/2010/main" val="3041083776"/>
       </p:ext>
     </p:extLst>
   </p:cSld>
@@ -3887,7 +6596,7 @@
           <p:cNvPr id="2" name="Titel 1">
             <a:extLst>
               <a:ext uri="{FF2B5EF4-FFF2-40B4-BE49-F238E27FC236}">
-                <a16:creationId xmlns:a16="http://schemas.microsoft.com/office/drawing/2014/main" id="{795A7E6A-3CD7-4D2A-9FB8-486D8F5DE624}"/>
+                <a16:creationId xmlns:a16="http://schemas.microsoft.com/office/drawing/2014/main" id="{F3B24308-1D9E-43FF-90A1-AB725CD4D178}"/>
               </a:ext>
             </a:extLst>
           </p:cNvPr>
@@ -3905,7 +6614,7 @@
           <a:p>
             <a:r>
               <a:rPr lang="de-DE" dirty="0"/>
-              <a:t>Quellen</a:t>
+              <a:t>Beziehung zu anderen Modellierungssprachen</a:t>
             </a:r>
             <a:endParaRPr lang="de-AT" dirty="0"/>
           </a:p>
@@ -3916,7 +6625,7 @@
           <p:cNvPr id="3" name="Inhaltsplatzhalter 2">
             <a:extLst>
               <a:ext uri="{FF2B5EF4-FFF2-40B4-BE49-F238E27FC236}">
-                <a16:creationId xmlns:a16="http://schemas.microsoft.com/office/drawing/2014/main" id="{D5AC30BE-A520-48A9-8757-7FE2BC083F79}"/>
+                <a16:creationId xmlns:a16="http://schemas.microsoft.com/office/drawing/2014/main" id="{16208700-FBAB-4E37-AE7D-A4E4034CCFBB}"/>
               </a:ext>
             </a:extLst>
           </p:cNvPr>
@@ -3933,12 +6642,22 @@
           <a:lstStyle/>
           <a:p>
             <a:r>
-              <a:rPr lang="de-AT" dirty="0">
-                <a:hlinkClick r:id="rId2"/>
-              </a:rPr>
-              <a:t>https://de.wikipedia.org/wiki/Business_Process_Model_and_Notation</a:t>
-            </a:r>
-            <a:endParaRPr lang="de-AT" dirty="0"/>
+              <a:rPr lang="de-DE" dirty="0"/>
+              <a:t>Eine Form von Ablaufdiagramm</a:t>
+            </a:r>
+          </a:p>
+          <a:p>
+            <a:r>
+              <a:rPr lang="de-DE" dirty="0"/>
+              <a:t>Verwandt mit anderen Sprachen zur</a:t>
+            </a:r>
+            <a:br>
+              <a:rPr lang="de-DE" dirty="0"/>
+            </a:br>
+            <a:r>
+              <a:rPr lang="de-DE" dirty="0"/>
+              <a:t> Modellierung best. Geschäftsprozesse</a:t>
+            </a:r>
           </a:p>
           <a:p>
             <a:endParaRPr lang="de-AT" dirty="0"/>
@@ -3948,7 +6667,298 @@
     </p:spTree>
     <p:extLst>
       <p:ext uri="{BB962C8B-B14F-4D97-AF65-F5344CB8AC3E}">
-        <p14:creationId xmlns:p14="http://schemas.microsoft.com/office/powerpoint/2010/main" val="1635143410"/>
+        <p14:creationId xmlns:p14="http://schemas.microsoft.com/office/powerpoint/2010/main" val="2608318073"/>
+      </p:ext>
+    </p:extLst>
+  </p:cSld>
+  <p:clrMapOvr>
+    <a:masterClrMapping/>
+  </p:clrMapOvr>
+</p:sld>
+</file>
+
+<file path=ppt/slides/slide7.xml><?xml version="1.0" encoding="utf-8"?>
+<p:sld xmlns:a="http://schemas.openxmlformats.org/drawingml/2006/main" xmlns:r="http://schemas.openxmlformats.org/officeDocument/2006/relationships" xmlns:p="http://schemas.openxmlformats.org/presentationml/2006/main">
+  <p:cSld>
+    <p:spTree>
+      <p:nvGrpSpPr>
+        <p:cNvPr id="1" name=""/>
+        <p:cNvGrpSpPr/>
+        <p:nvPr/>
+      </p:nvGrpSpPr>
+      <p:grpSpPr>
+        <a:xfrm>
+          <a:off x="0" y="0"/>
+          <a:ext cx="0" cy="0"/>
+          <a:chOff x="0" y="0"/>
+          <a:chExt cx="0" cy="0"/>
+        </a:xfrm>
+      </p:grpSpPr>
+      <p:sp>
+        <p:nvSpPr>
+          <p:cNvPr id="2" name="Titel 1">
+            <a:extLst>
+              <a:ext uri="{FF2B5EF4-FFF2-40B4-BE49-F238E27FC236}">
+                <a16:creationId xmlns:a16="http://schemas.microsoft.com/office/drawing/2014/main" id="{79356816-9E55-4FB8-84F9-EEAE03ADACE0}"/>
+              </a:ext>
+            </a:extLst>
+          </p:cNvPr>
+          <p:cNvSpPr>
+            <a:spLocks noGrp="1"/>
+          </p:cNvSpPr>
+          <p:nvPr>
+            <p:ph type="title"/>
+          </p:nvPr>
+        </p:nvSpPr>
+        <p:spPr/>
+        <p:txBody>
+          <a:bodyPr/>
+          <a:lstStyle/>
+          <a:p>
+            <a:r>
+              <a:rPr lang="de-DE" dirty="0"/>
+              <a:t>Ausführung</a:t>
+            </a:r>
+            <a:endParaRPr lang="de-AT" dirty="0"/>
+          </a:p>
+        </p:txBody>
+      </p:sp>
+      <p:sp>
+        <p:nvSpPr>
+          <p:cNvPr id="3" name="Inhaltsplatzhalter 2">
+            <a:extLst>
+              <a:ext uri="{FF2B5EF4-FFF2-40B4-BE49-F238E27FC236}">
+                <a16:creationId xmlns:a16="http://schemas.microsoft.com/office/drawing/2014/main" id="{229942D9-3837-4DF1-83C9-EF9890CD5C92}"/>
+              </a:ext>
+            </a:extLst>
+          </p:cNvPr>
+          <p:cNvSpPr>
+            <a:spLocks noGrp="1"/>
+          </p:cNvSpPr>
+          <p:nvPr>
+            <p:ph idx="1"/>
+          </p:nvPr>
+        </p:nvSpPr>
+        <p:spPr/>
+        <p:txBody>
+          <a:bodyPr/>
+          <a:lstStyle/>
+          <a:p>
+            <a:endParaRPr lang="de-AT" dirty="0"/>
+          </a:p>
+        </p:txBody>
+      </p:sp>
+    </p:spTree>
+    <p:extLst>
+      <p:ext uri="{BB962C8B-B14F-4D97-AF65-F5344CB8AC3E}">
+        <p14:creationId xmlns:p14="http://schemas.microsoft.com/office/powerpoint/2010/main" val="4026244753"/>
+      </p:ext>
+    </p:extLst>
+  </p:cSld>
+  <p:clrMapOvr>
+    <a:masterClrMapping/>
+  </p:clrMapOvr>
+</p:sld>
+</file>
+
+<file path=ppt/slides/slide8.xml><?xml version="1.0" encoding="utf-8"?>
+<p:sld xmlns:a="http://schemas.openxmlformats.org/drawingml/2006/main" xmlns:r="http://schemas.openxmlformats.org/officeDocument/2006/relationships" xmlns:p="http://schemas.openxmlformats.org/presentationml/2006/main">
+  <p:cSld>
+    <p:spTree>
+      <p:nvGrpSpPr>
+        <p:cNvPr id="1" name=""/>
+        <p:cNvGrpSpPr/>
+        <p:nvPr/>
+      </p:nvGrpSpPr>
+      <p:grpSpPr>
+        <a:xfrm>
+          <a:off x="0" y="0"/>
+          <a:ext cx="0" cy="0"/>
+          <a:chOff x="0" y="0"/>
+          <a:chExt cx="0" cy="0"/>
+        </a:xfrm>
+      </p:grpSpPr>
+      <p:sp>
+        <p:nvSpPr>
+          <p:cNvPr id="2" name="Titel 1">
+            <a:extLst>
+              <a:ext uri="{FF2B5EF4-FFF2-40B4-BE49-F238E27FC236}">
+                <a16:creationId xmlns:a16="http://schemas.microsoft.com/office/drawing/2014/main" id="{5A9DFE2C-1DFE-4570-97E0-5B9FB66D3B65}"/>
+              </a:ext>
+            </a:extLst>
+          </p:cNvPr>
+          <p:cNvSpPr>
+            <a:spLocks noGrp="1"/>
+          </p:cNvSpPr>
+          <p:nvPr>
+            <p:ph type="title"/>
+          </p:nvPr>
+        </p:nvSpPr>
+        <p:spPr/>
+        <p:txBody>
+          <a:bodyPr/>
+          <a:lstStyle/>
+          <a:p>
+            <a:r>
+              <a:rPr lang="de-DE" dirty="0"/>
+              <a:t>Notationen</a:t>
+            </a:r>
+            <a:endParaRPr lang="de-AT" dirty="0"/>
+          </a:p>
+        </p:txBody>
+      </p:sp>
+      <p:sp>
+        <p:nvSpPr>
+          <p:cNvPr id="3" name="Inhaltsplatzhalter 2">
+            <a:extLst>
+              <a:ext uri="{FF2B5EF4-FFF2-40B4-BE49-F238E27FC236}">
+                <a16:creationId xmlns:a16="http://schemas.microsoft.com/office/drawing/2014/main" id="{E0715CE8-D1B8-48FF-B0F3-B050D0508DBE}"/>
+              </a:ext>
+            </a:extLst>
+          </p:cNvPr>
+          <p:cNvSpPr>
+            <a:spLocks noGrp="1"/>
+          </p:cNvSpPr>
+          <p:nvPr>
+            <p:ph idx="1"/>
+          </p:nvPr>
+        </p:nvSpPr>
+        <p:spPr/>
+        <p:txBody>
+          <a:bodyPr/>
+          <a:lstStyle/>
+          <a:p>
+            <a:r>
+              <a:rPr lang="de-DE" dirty="0"/>
+              <a:t>Grafische Elemente</a:t>
+            </a:r>
+          </a:p>
+          <a:p>
+            <a:r>
+              <a:rPr lang="de-DE" dirty="0"/>
+              <a:t>Flow Objects</a:t>
+            </a:r>
+          </a:p>
+          <a:p>
+            <a:r>
+              <a:rPr lang="de-DE" dirty="0" err="1"/>
+              <a:t>Connecting</a:t>
+            </a:r>
+            <a:r>
+              <a:rPr lang="de-DE" dirty="0"/>
+              <a:t> Objects</a:t>
+            </a:r>
+          </a:p>
+          <a:p>
+            <a:r>
+              <a:rPr lang="de-DE" dirty="0"/>
+              <a:t>Pools und </a:t>
+            </a:r>
+            <a:r>
+              <a:rPr lang="de-DE" dirty="0" err="1"/>
+              <a:t>Swimlanes</a:t>
+            </a:r>
+            <a:endParaRPr lang="de-DE" dirty="0"/>
+          </a:p>
+          <a:p>
+            <a:r>
+              <a:rPr lang="de-DE" dirty="0" err="1"/>
+              <a:t>Artifacts</a:t>
+            </a:r>
+            <a:endParaRPr lang="de-DE" dirty="0"/>
+          </a:p>
+        </p:txBody>
+      </p:sp>
+    </p:spTree>
+    <p:extLst>
+      <p:ext uri="{BB962C8B-B14F-4D97-AF65-F5344CB8AC3E}">
+        <p14:creationId xmlns:p14="http://schemas.microsoft.com/office/powerpoint/2010/main" val="1802424358"/>
+      </p:ext>
+    </p:extLst>
+  </p:cSld>
+  <p:clrMapOvr>
+    <a:masterClrMapping/>
+  </p:clrMapOvr>
+</p:sld>
+</file>
+
+<file path=ppt/slides/slide9.xml><?xml version="1.0" encoding="utf-8"?>
+<p:sld xmlns:a="http://schemas.openxmlformats.org/drawingml/2006/main" xmlns:r="http://schemas.openxmlformats.org/officeDocument/2006/relationships" xmlns:p="http://schemas.openxmlformats.org/presentationml/2006/main">
+  <p:cSld>
+    <p:spTree>
+      <p:nvGrpSpPr>
+        <p:cNvPr id="1" name=""/>
+        <p:cNvGrpSpPr/>
+        <p:nvPr/>
+      </p:nvGrpSpPr>
+      <p:grpSpPr>
+        <a:xfrm>
+          <a:off x="0" y="0"/>
+          <a:ext cx="0" cy="0"/>
+          <a:chOff x="0" y="0"/>
+          <a:chExt cx="0" cy="0"/>
+        </a:xfrm>
+      </p:grpSpPr>
+      <p:sp>
+        <p:nvSpPr>
+          <p:cNvPr id="2" name="Titel 1">
+            <a:extLst>
+              <a:ext uri="{FF2B5EF4-FFF2-40B4-BE49-F238E27FC236}">
+                <a16:creationId xmlns:a16="http://schemas.microsoft.com/office/drawing/2014/main" id="{D2A591BF-EE36-4B48-85F6-1DE320674563}"/>
+              </a:ext>
+            </a:extLst>
+          </p:cNvPr>
+          <p:cNvSpPr>
+            <a:spLocks noGrp="1"/>
+          </p:cNvSpPr>
+          <p:nvPr>
+            <p:ph type="title"/>
+          </p:nvPr>
+        </p:nvSpPr>
+        <p:spPr/>
+        <p:txBody>
+          <a:bodyPr/>
+          <a:lstStyle/>
+          <a:p>
+            <a:r>
+              <a:rPr lang="de-DE" dirty="0"/>
+              <a:t>Flow Objects</a:t>
+            </a:r>
+            <a:endParaRPr lang="de-AT" dirty="0"/>
+          </a:p>
+        </p:txBody>
+      </p:sp>
+      <p:sp>
+        <p:nvSpPr>
+          <p:cNvPr id="3" name="Inhaltsplatzhalter 2">
+            <a:extLst>
+              <a:ext uri="{FF2B5EF4-FFF2-40B4-BE49-F238E27FC236}">
+                <a16:creationId xmlns:a16="http://schemas.microsoft.com/office/drawing/2014/main" id="{1D9D4E68-B297-4401-BDB3-B28F963F3BB8}"/>
+              </a:ext>
+            </a:extLst>
+          </p:cNvPr>
+          <p:cNvSpPr>
+            <a:spLocks noGrp="1"/>
+          </p:cNvSpPr>
+          <p:nvPr>
+            <p:ph type="body" idx="1"/>
+          </p:nvPr>
+        </p:nvSpPr>
+        <p:spPr/>
+        <p:txBody>
+          <a:bodyPr>
+            <a:normAutofit/>
+          </a:bodyPr>
+          <a:lstStyle/>
+          <a:p>
+            <a:endParaRPr lang="de-DE" dirty="0"/>
+          </a:p>
+        </p:txBody>
+      </p:sp>
+    </p:spTree>
+    <p:extLst>
+      <p:ext uri="{BB962C8B-B14F-4D97-AF65-F5344CB8AC3E}">
+        <p14:creationId xmlns:p14="http://schemas.microsoft.com/office/powerpoint/2010/main" val="3169920075"/>
       </p:ext>
     </p:extLst>
   </p:cSld>
@@ -3959,9 +6969,9 @@
 </file>
 
 <file path=ppt/theme/theme1.xml><?xml version="1.0" encoding="utf-8"?>
-<a:theme xmlns:a="http://schemas.openxmlformats.org/drawingml/2006/main" name="Office">
+<a:theme xmlns:a="http://schemas.openxmlformats.org/drawingml/2006/main" name="Facette">
   <a:themeElements>
-    <a:clrScheme name="Office">
+    <a:clrScheme name="Orangerot">
       <a:dk1>
         <a:sysClr val="windowText" lastClr="000000"/>
       </a:dk1>
@@ -3969,52 +6979,52 @@
         <a:sysClr val="window" lastClr="FFFFFF"/>
       </a:lt1>
       <a:dk2>
-        <a:srgbClr val="44546A"/>
+        <a:srgbClr val="696464"/>
       </a:dk2>
       <a:lt2>
-        <a:srgbClr val="E7E6E6"/>
+        <a:srgbClr val="E9E5DC"/>
       </a:lt2>
       <a:accent1>
-        <a:srgbClr val="4472C4"/>
+        <a:srgbClr val="D34817"/>
       </a:accent1>
       <a:accent2>
-        <a:srgbClr val="ED7D31"/>
+        <a:srgbClr val="9B2D1F"/>
       </a:accent2>
       <a:accent3>
-        <a:srgbClr val="A5A5A5"/>
+        <a:srgbClr val="A28E6A"/>
       </a:accent3>
       <a:accent4>
-        <a:srgbClr val="FFC000"/>
+        <a:srgbClr val="956251"/>
       </a:accent4>
       <a:accent5>
-        <a:srgbClr val="5B9BD5"/>
+        <a:srgbClr val="918485"/>
       </a:accent5>
       <a:accent6>
-        <a:srgbClr val="70AD47"/>
+        <a:srgbClr val="855D5D"/>
       </a:accent6>
       <a:hlink>
-        <a:srgbClr val="0563C1"/>
+        <a:srgbClr val="CC9900"/>
       </a:hlink>
       <a:folHlink>
-        <a:srgbClr val="954F72"/>
+        <a:srgbClr val="96A9A9"/>
       </a:folHlink>
     </a:clrScheme>
-    <a:fontScheme name="Office">
+    <a:fontScheme name="Facette">
       <a:majorFont>
-        <a:latin typeface="Calibri Light" panose="020F0302020204030204"/>
+        <a:latin typeface="Trebuchet MS" panose="020B0603020202020204"/>
         <a:ea typeface=""/>
         <a:cs typeface=""/>
-        <a:font script="Jpan" typeface="游ゴシック Light"/>
+        <a:font script="Jpan" typeface="メイリオ"/>
         <a:font script="Hang" typeface="맑은 고딕"/>
-        <a:font script="Hans" typeface="等线 Light"/>
-        <a:font script="Hant" typeface="新細明體"/>
-        <a:font script="Arab" typeface="Times New Roman"/>
-        <a:font script="Hebr" typeface="Times New Roman"/>
-        <a:font script="Thai" typeface="Angsana New"/>
+        <a:font script="Hans" typeface="方正姚体"/>
+        <a:font script="Hant" typeface="微軟正黑體"/>
+        <a:font script="Arab" typeface="Tahoma"/>
+        <a:font script="Hebr" typeface="Arial"/>
+        <a:font script="Thai" typeface="Cordia New"/>
         <a:font script="Ethi" typeface="Nyala"/>
         <a:font script="Beng" typeface="Vrinda"/>
         <a:font script="Gujr" typeface="Shruti"/>
-        <a:font script="Khmr" typeface="MoolBoran"/>
+        <a:font script="Khmr" typeface="DaunPenh"/>
         <a:font script="Knda" typeface="Tunga"/>
         <a:font script="Guru" typeface="Raavi"/>
         <a:font script="Cans" typeface="Euphemia"/>
@@ -4031,38 +7041,21 @@
         <a:font script="Laoo" typeface="DokChampa"/>
         <a:font script="Sinh" typeface="Iskoola Pota"/>
         <a:font script="Mong" typeface="Mongolian Baiti"/>
-        <a:font script="Viet" typeface="Times New Roman"/>
+        <a:font script="Viet" typeface="Tahoma"/>
         <a:font script="Uigh" typeface="Microsoft Uighur"/>
         <a:font script="Geor" typeface="Sylfaen"/>
-        <a:font script="Armn" typeface="Arial"/>
-        <a:font script="Bugi" typeface="Leelawadee UI"/>
-        <a:font script="Bopo" typeface="Microsoft JhengHei"/>
-        <a:font script="Java" typeface="Javanese Text"/>
-        <a:font script="Lisu" typeface="Segoe UI"/>
-        <a:font script="Mymr" typeface="Myanmar Text"/>
-        <a:font script="Nkoo" typeface="Ebrima"/>
-        <a:font script="Olck" typeface="Nirmala UI"/>
-        <a:font script="Osma" typeface="Ebrima"/>
-        <a:font script="Phag" typeface="Phagspa"/>
-        <a:font script="Syrn" typeface="Estrangelo Edessa"/>
-        <a:font script="Syrj" typeface="Estrangelo Edessa"/>
-        <a:font script="Syre" typeface="Estrangelo Edessa"/>
-        <a:font script="Sora" typeface="Nirmala UI"/>
-        <a:font script="Tale" typeface="Microsoft Tai Le"/>
-        <a:font script="Talu" typeface="Microsoft New Tai Lue"/>
-        <a:font script="Tfng" typeface="Ebrima"/>
       </a:majorFont>
       <a:minorFont>
-        <a:latin typeface="Calibri" panose="020F0502020204030204"/>
+        <a:latin typeface="Trebuchet MS" panose="020B0603020202020204"/>
         <a:ea typeface=""/>
         <a:cs typeface=""/>
-        <a:font script="Jpan" typeface="游ゴシック"/>
-        <a:font script="Hang" typeface="맑은 고딕"/>
-        <a:font script="Hans" typeface="等线"/>
-        <a:font script="Hant" typeface="新細明體"/>
-        <a:font script="Arab" typeface="Arial"/>
-        <a:font script="Hebr" typeface="Arial"/>
-        <a:font script="Thai" typeface="Cordia New"/>
+        <a:font script="Jpan" typeface="メイリオ"/>
+        <a:font script="Hang" typeface="HY그래픽M"/>
+        <a:font script="Hans" typeface="华文新魏"/>
+        <a:font script="Hant" typeface="微軟正黑體"/>
+        <a:font script="Arab" typeface="Tahoma"/>
+        <a:font script="Hebr" typeface="Gisha"/>
+        <a:font script="Thai" typeface="IrisUPC"/>
         <a:font script="Ethi" typeface="Nyala"/>
         <a:font script="Beng" typeface="Vrinda"/>
         <a:font script="Gujr" typeface="Shruti"/>
@@ -4086,26 +7079,9 @@
         <a:font script="Viet" typeface="Arial"/>
         <a:font script="Uigh" typeface="Microsoft Uighur"/>
         <a:font script="Geor" typeface="Sylfaen"/>
-        <a:font script="Armn" typeface="Arial"/>
-        <a:font script="Bugi" typeface="Leelawadee UI"/>
-        <a:font script="Bopo" typeface="Microsoft JhengHei"/>
-        <a:font script="Java" typeface="Javanese Text"/>
-        <a:font script="Lisu" typeface="Segoe UI"/>
-        <a:font script="Mymr" typeface="Myanmar Text"/>
-        <a:font script="Nkoo" typeface="Ebrima"/>
-        <a:font script="Olck" typeface="Nirmala UI"/>
-        <a:font script="Osma" typeface="Ebrima"/>
-        <a:font script="Phag" typeface="Phagspa"/>
-        <a:font script="Syrn" typeface="Estrangelo Edessa"/>
-        <a:font script="Syrj" typeface="Estrangelo Edessa"/>
-        <a:font script="Syre" typeface="Estrangelo Edessa"/>
-        <a:font script="Sora" typeface="Nirmala UI"/>
-        <a:font script="Tale" typeface="Microsoft Tai Le"/>
-        <a:font script="Talu" typeface="Microsoft New Tai Lue"/>
-        <a:font script="Tfng" typeface="Ebrima"/>
       </a:minorFont>
     </a:fontScheme>
-    <a:fmtScheme name="Office">
+    <a:fmtScheme name="Facette">
       <a:fillStyleLst>
         <a:solidFill>
           <a:schemeClr val="phClr"/>
@@ -4114,23 +7090,13 @@
           <a:gsLst>
             <a:gs pos="0">
               <a:schemeClr val="phClr">
+                <a:tint val="65000"/>
                 <a:lumMod val="110000"/>
-                <a:satMod val="105000"/>
-                <a:tint val="67000"/>
               </a:schemeClr>
             </a:gs>
-            <a:gs pos="50000">
+            <a:gs pos="88000">
               <a:schemeClr val="phClr">
-                <a:lumMod val="105000"/>
-                <a:satMod val="103000"/>
-                <a:tint val="73000"/>
-              </a:schemeClr>
-            </a:gs>
-            <a:gs pos="100000">
-              <a:schemeClr val="phClr">
-                <a:lumMod val="105000"/>
-                <a:satMod val="109000"/>
-                <a:tint val="81000"/>
+                <a:tint val="90000"/>
               </a:schemeClr>
             </a:gs>
           </a:gsLst>
@@ -4140,23 +7106,14 @@
           <a:gsLst>
             <a:gs pos="0">
               <a:schemeClr val="phClr">
-                <a:satMod val="103000"/>
-                <a:lumMod val="102000"/>
-                <a:tint val="94000"/>
+                <a:tint val="96000"/>
+                <a:lumMod val="100000"/>
               </a:schemeClr>
             </a:gs>
-            <a:gs pos="50000">
+            <a:gs pos="78000">
               <a:schemeClr val="phClr">
-                <a:satMod val="110000"/>
-                <a:lumMod val="100000"/>
-                <a:shade val="100000"/>
-              </a:schemeClr>
-            </a:gs>
-            <a:gs pos="100000">
-              <a:schemeClr val="phClr">
-                <a:lumMod val="99000"/>
-                <a:satMod val="120000"/>
-                <a:shade val="78000"/>
+                <a:shade val="94000"/>
+                <a:lumMod val="94000"/>
               </a:schemeClr>
             </a:gs>
           </a:gsLst>
@@ -4164,26 +7121,23 @@
         </a:gradFill>
       </a:fillStyleLst>
       <a:lnStyleLst>
-        <a:ln w="6350" cap="flat" cmpd="sng" algn="ctr">
+        <a:ln w="12700" cap="rnd" cmpd="sng" algn="ctr">
           <a:solidFill>
             <a:schemeClr val="phClr"/>
           </a:solidFill>
           <a:prstDash val="solid"/>
-          <a:miter lim="800000"/>
         </a:ln>
-        <a:ln w="12700" cap="flat" cmpd="sng" algn="ctr">
+        <a:ln w="19050" cap="rnd" cmpd="sng" algn="ctr">
           <a:solidFill>
             <a:schemeClr val="phClr"/>
           </a:solidFill>
           <a:prstDash val="solid"/>
-          <a:miter lim="800000"/>
         </a:ln>
-        <a:ln w="19050" cap="flat" cmpd="sng" algn="ctr">
+        <a:ln w="25400" cap="rnd" cmpd="sng" algn="ctr">
           <a:solidFill>
             <a:schemeClr val="phClr"/>
           </a:solidFill>
           <a:prstDash val="solid"/>
-          <a:miter lim="800000"/>
         </a:ln>
       </a:lnStyleLst>
       <a:effectStyleLst>
@@ -4191,54 +7145,72 @@
           <a:effectLst/>
         </a:effectStyle>
         <a:effectStyle>
-          <a:effectLst/>
+          <a:effectLst>
+            <a:outerShdw blurRad="38100" dist="25400" dir="5400000" rotWithShape="0">
+              <a:srgbClr val="000000">
+                <a:alpha val="35000"/>
+              </a:srgbClr>
+            </a:outerShdw>
+          </a:effectLst>
         </a:effectStyle>
         <a:effectStyle>
           <a:effectLst>
-            <a:outerShdw blurRad="57150" dist="19050" dir="5400000" algn="ctr" rotWithShape="0">
+            <a:outerShdw blurRad="50800" dist="38100" dir="5400000" rotWithShape="0">
               <a:srgbClr val="000000">
-                <a:alpha val="63000"/>
+                <a:alpha val="35000"/>
               </a:srgbClr>
             </a:outerShdw>
           </a:effectLst>
+          <a:scene3d>
+            <a:camera prst="orthographicFront">
+              <a:rot lat="0" lon="0" rev="0"/>
+            </a:camera>
+            <a:lightRig rig="threePt" dir="tl"/>
+          </a:scene3d>
+          <a:sp3d prstMaterial="plastic">
+            <a:bevelT w="0" h="0"/>
+          </a:sp3d>
         </a:effectStyle>
       </a:effectStyleLst>
       <a:bgFillStyleLst>
         <a:solidFill>
           <a:schemeClr val="phClr"/>
         </a:solidFill>
-        <a:solidFill>
-          <a:schemeClr val="phClr">
-            <a:tint val="95000"/>
-            <a:satMod val="170000"/>
-          </a:schemeClr>
-        </a:solidFill>
         <a:gradFill rotWithShape="1">
           <a:gsLst>
             <a:gs pos="0">
               <a:schemeClr val="phClr">
-                <a:tint val="93000"/>
-                <a:satMod val="150000"/>
-                <a:shade val="98000"/>
-                <a:lumMod val="102000"/>
+                <a:tint val="90000"/>
+                <a:lumMod val="104000"/>
               </a:schemeClr>
             </a:gs>
-            <a:gs pos="50000">
+            <a:gs pos="94000">
               <a:schemeClr val="phClr">
-                <a:tint val="98000"/>
-                <a:satMod val="130000"/>
-                <a:shade val="90000"/>
-                <a:lumMod val="103000"/>
+                <a:shade val="96000"/>
+                <a:lumMod val="82000"/>
+              </a:schemeClr>
+            </a:gs>
+          </a:gsLst>
+          <a:lin ang="5400000" scaled="0"/>
+        </a:gradFill>
+        <a:gradFill rotWithShape="1">
+          <a:gsLst>
+            <a:gs pos="0">
+              <a:schemeClr val="phClr">
+                <a:tint val="90000"/>
+                <a:lumMod val="110000"/>
               </a:schemeClr>
             </a:gs>
             <a:gs pos="100000">
               <a:schemeClr val="phClr">
-                <a:shade val="63000"/>
-                <a:satMod val="120000"/>
+                <a:shade val="94000"/>
+                <a:lumMod val="96000"/>
               </a:schemeClr>
             </a:gs>
           </a:gsLst>
-          <a:lin ang="5400000" scaled="0"/>
+          <a:path path="circle">
+            <a:fillToRect l="50000" t="50000" r="100000" b="100000"/>
+          </a:path>
         </a:gradFill>
       </a:bgFillStyleLst>
     </a:fmtScheme>
@@ -4247,7 +7219,7 @@
   <a:extraClrSchemeLst/>
   <a:extLst>
     <a:ext uri="{05A4C25C-085E-4340-85A3-A5531E510DB2}">
-      <thm15:themeFamily xmlns:thm15="http://schemas.microsoft.com/office/thememl/2012/main" name="Office Theme" id="{62F939B6-93AF-4DB8-9C6B-D6C7DFDC589F}" vid="{4A3C46E8-61CC-4603-A589-7422A47A8E4A}"/>
+      <thm15:themeFamily xmlns:thm15="http://schemas.microsoft.com/office/thememl/2012/main" name="Facet" id="{C0C680CD-088A-49FC-A102-D699147F32B2}" vid="{CFBC31BA-B70F-4F30-BCAA-4F3011E16C4D}"/>
     </a:ext>
   </a:extLst>
 </a:theme>

--- a/BPMN.pptx
+++ b/BPMN.pptx
@@ -9,13 +9,20 @@
     <p:sldId id="258" r:id="rId3"/>
     <p:sldId id="259" r:id="rId4"/>
     <p:sldId id="266" r:id="rId5"/>
-    <p:sldId id="260" r:id="rId6"/>
-    <p:sldId id="261" r:id="rId7"/>
-    <p:sldId id="262" r:id="rId8"/>
-    <p:sldId id="263" r:id="rId9"/>
-    <p:sldId id="264" r:id="rId10"/>
-    <p:sldId id="265" r:id="rId11"/>
-    <p:sldId id="257" r:id="rId12"/>
+    <p:sldId id="261" r:id="rId6"/>
+    <p:sldId id="262" r:id="rId7"/>
+    <p:sldId id="263" r:id="rId8"/>
+    <p:sldId id="264" r:id="rId9"/>
+    <p:sldId id="265" r:id="rId10"/>
+    <p:sldId id="267" r:id="rId11"/>
+    <p:sldId id="268" r:id="rId12"/>
+    <p:sldId id="273" r:id="rId13"/>
+    <p:sldId id="269" r:id="rId14"/>
+    <p:sldId id="270" r:id="rId15"/>
+    <p:sldId id="271" r:id="rId16"/>
+    <p:sldId id="272" r:id="rId17"/>
+    <p:sldId id="260" r:id="rId18"/>
+    <p:sldId id="257" r:id="rId19"/>
   </p:sldIdLst>
   <p:sldSz cx="12192000" cy="6858000"/>
   <p:notesSz cx="6858000" cy="9144000"/>
@@ -844,7 +851,7 @@
           <a:p>
             <a:fld id="{DCAEF972-E3B3-4410-99AA-A26762AFA263}" type="datetimeFigureOut">
               <a:rPr lang="de-AT" smtClean="0"/>
-              <a:t>28.02.2022</a:t>
+              <a:t>09.03.2022</a:t>
             </a:fld>
             <a:endParaRPr lang="de-AT"/>
           </a:p>
@@ -1095,7 +1102,7 @@
           <a:p>
             <a:fld id="{DCAEF972-E3B3-4410-99AA-A26762AFA263}" type="datetimeFigureOut">
               <a:rPr lang="de-AT" smtClean="0"/>
-              <a:t>28.02.2022</a:t>
+              <a:t>09.03.2022</a:t>
             </a:fld>
             <a:endParaRPr lang="de-AT"/>
           </a:p>
@@ -1409,7 +1416,7 @@
           <a:p>
             <a:fld id="{DCAEF972-E3B3-4410-99AA-A26762AFA263}" type="datetimeFigureOut">
               <a:rPr lang="de-AT" smtClean="0"/>
-              <a:t>28.02.2022</a:t>
+              <a:t>09.03.2022</a:t>
             </a:fld>
             <a:endParaRPr lang="de-AT"/>
           </a:p>
@@ -1750,7 +1757,7 @@
           <a:p>
             <a:fld id="{DCAEF972-E3B3-4410-99AA-A26762AFA263}" type="datetimeFigureOut">
               <a:rPr lang="de-AT" smtClean="0"/>
-              <a:t>28.02.2022</a:t>
+              <a:t>09.03.2022</a:t>
             </a:fld>
             <a:endParaRPr lang="de-AT"/>
           </a:p>
@@ -2064,7 +2071,7 @@
           <a:p>
             <a:fld id="{DCAEF972-E3B3-4410-99AA-A26762AFA263}" type="datetimeFigureOut">
               <a:rPr lang="de-AT" smtClean="0"/>
-              <a:t>28.02.2022</a:t>
+              <a:t>09.03.2022</a:t>
             </a:fld>
             <a:endParaRPr lang="de-AT"/>
           </a:p>
@@ -2457,7 +2464,7 @@
           <a:p>
             <a:fld id="{DCAEF972-E3B3-4410-99AA-A26762AFA263}" type="datetimeFigureOut">
               <a:rPr lang="de-AT" smtClean="0"/>
-              <a:t>28.02.2022</a:t>
+              <a:t>09.03.2022</a:t>
             </a:fld>
             <a:endParaRPr lang="de-AT"/>
           </a:p>
@@ -2627,7 +2634,7 @@
           <a:p>
             <a:fld id="{DCAEF972-E3B3-4410-99AA-A26762AFA263}" type="datetimeFigureOut">
               <a:rPr lang="de-AT" smtClean="0"/>
-              <a:t>28.02.2022</a:t>
+              <a:t>09.03.2022</a:t>
             </a:fld>
             <a:endParaRPr lang="de-AT"/>
           </a:p>
@@ -2807,7 +2814,7 @@
           <a:p>
             <a:fld id="{DCAEF972-E3B3-4410-99AA-A26762AFA263}" type="datetimeFigureOut">
               <a:rPr lang="de-AT" smtClean="0"/>
-              <a:t>28.02.2022</a:t>
+              <a:t>09.03.2022</a:t>
             </a:fld>
             <a:endParaRPr lang="de-AT"/>
           </a:p>
@@ -2983,7 +2990,7 @@
           <a:p>
             <a:fld id="{DCAEF972-E3B3-4410-99AA-A26762AFA263}" type="datetimeFigureOut">
               <a:rPr lang="de-AT" smtClean="0"/>
-              <a:t>28.02.2022</a:t>
+              <a:t>09.03.2022</a:t>
             </a:fld>
             <a:endParaRPr lang="de-AT"/>
           </a:p>
@@ -3230,7 +3237,7 @@
           <a:p>
             <a:fld id="{DCAEF972-E3B3-4410-99AA-A26762AFA263}" type="datetimeFigureOut">
               <a:rPr lang="de-AT" smtClean="0"/>
-              <a:t>28.02.2022</a:t>
+              <a:t>09.03.2022</a:t>
             </a:fld>
             <a:endParaRPr lang="de-AT"/>
           </a:p>
@@ -3462,7 +3469,7 @@
           <a:p>
             <a:fld id="{DCAEF972-E3B3-4410-99AA-A26762AFA263}" type="datetimeFigureOut">
               <a:rPr lang="de-AT" smtClean="0"/>
-              <a:t>28.02.2022</a:t>
+              <a:t>09.03.2022</a:t>
             </a:fld>
             <a:endParaRPr lang="de-AT"/>
           </a:p>
@@ -3836,7 +3843,7 @@
           <a:p>
             <a:fld id="{DCAEF972-E3B3-4410-99AA-A26762AFA263}" type="datetimeFigureOut">
               <a:rPr lang="de-AT" smtClean="0"/>
-              <a:t>28.02.2022</a:t>
+              <a:t>09.03.2022</a:t>
             </a:fld>
             <a:endParaRPr lang="de-AT"/>
           </a:p>
@@ -3959,7 +3966,7 @@
           <a:p>
             <a:fld id="{DCAEF972-E3B3-4410-99AA-A26762AFA263}" type="datetimeFigureOut">
               <a:rPr lang="de-AT" smtClean="0"/>
-              <a:t>28.02.2022</a:t>
+              <a:t>09.03.2022</a:t>
             </a:fld>
             <a:endParaRPr lang="de-AT"/>
           </a:p>
@@ -4054,7 +4061,7 @@
           <a:p>
             <a:fld id="{DCAEF972-E3B3-4410-99AA-A26762AFA263}" type="datetimeFigureOut">
               <a:rPr lang="de-AT" smtClean="0"/>
-              <a:t>28.02.2022</a:t>
+              <a:t>09.03.2022</a:t>
             </a:fld>
             <a:endParaRPr lang="de-AT"/>
           </a:p>
@@ -4309,7 +4316,7 @@
           <a:p>
             <a:fld id="{DCAEF972-E3B3-4410-99AA-A26762AFA263}" type="datetimeFigureOut">
               <a:rPr lang="de-AT" smtClean="0"/>
-              <a:t>28.02.2022</a:t>
+              <a:t>09.03.2022</a:t>
             </a:fld>
             <a:endParaRPr lang="de-AT"/>
           </a:p>
@@ -4572,7 +4579,7 @@
           <a:p>
             <a:fld id="{DCAEF972-E3B3-4410-99AA-A26762AFA263}" type="datetimeFigureOut">
               <a:rPr lang="de-AT" smtClean="0"/>
-              <a:t>28.02.2022</a:t>
+              <a:t>09.03.2022</a:t>
             </a:fld>
             <a:endParaRPr lang="de-AT"/>
           </a:p>
@@ -5315,7 +5322,7 @@
           <a:p>
             <a:fld id="{DCAEF972-E3B3-4410-99AA-A26762AFA263}" type="datetimeFigureOut">
               <a:rPr lang="de-AT" smtClean="0"/>
-              <a:t>28.02.2022</a:t>
+              <a:t>09.03.2022</a:t>
             </a:fld>
             <a:endParaRPr lang="de-AT"/>
           </a:p>
@@ -5889,6 +5896,10 @@
           <a:bodyPr/>
           <a:lstStyle/>
           <a:p>
+            <a:r>
+              <a:rPr lang="de-DE" dirty="0"/>
+              <a:t>By Siemens</a:t>
+            </a:r>
             <a:endParaRPr lang="de-AT" dirty="0"/>
           </a:p>
         </p:txBody>
@@ -5925,10 +5936,10 @@
       </p:grpSpPr>
       <p:sp>
         <p:nvSpPr>
-          <p:cNvPr id="4" name="Titel 3">
+          <p:cNvPr id="2" name="Titel 1">
             <a:extLst>
               <a:ext uri="{FF2B5EF4-FFF2-40B4-BE49-F238E27FC236}">
-                <a16:creationId xmlns:a16="http://schemas.microsoft.com/office/drawing/2014/main" id="{9EB9BBC8-9933-45AD-B404-3BA8E31B2534}"/>
+                <a16:creationId xmlns:a16="http://schemas.microsoft.com/office/drawing/2014/main" id="{BCC63F3D-16E0-49F5-AB26-5FDDB3A3DAA7}"/>
               </a:ext>
             </a:extLst>
           </p:cNvPr>
@@ -5945,8 +5956,8 @@
           <a:lstStyle/>
           <a:p>
             <a:r>
-              <a:rPr lang="de-DE" dirty="0" err="1"/>
-              <a:t>Activity</a:t>
+              <a:rPr lang="de-DE" dirty="0"/>
+              <a:t>Gateway</a:t>
             </a:r>
             <a:endParaRPr lang="de-AT" dirty="0"/>
           </a:p>
@@ -5954,10 +5965,10 @@
       </p:sp>
       <p:sp>
         <p:nvSpPr>
-          <p:cNvPr id="5" name="Inhaltsplatzhalter 4">
+          <p:cNvPr id="3" name="Inhaltsplatzhalter 2">
             <a:extLst>
               <a:ext uri="{FF2B5EF4-FFF2-40B4-BE49-F238E27FC236}">
-                <a16:creationId xmlns:a16="http://schemas.microsoft.com/office/drawing/2014/main" id="{FD2B5BBC-BE08-4A45-A921-A7193F452443}"/>
+                <a16:creationId xmlns:a16="http://schemas.microsoft.com/office/drawing/2014/main" id="{6CD7E7E8-2AAF-4AE8-92BC-B139758F28FD}"/>
               </a:ext>
             </a:extLst>
           </p:cNvPr>
@@ -5975,62 +5986,81 @@
           <a:p>
             <a:r>
               <a:rPr lang="de-DE" dirty="0"/>
-              <a:t>Beschreibt eine Aufgabe</a:t>
-            </a:r>
-            <a:r>
-              <a:rPr lang="de-AT" dirty="0"/>
-              <a:t> die zu erledigen ist</a:t>
-            </a:r>
-          </a:p>
-          <a:p>
-            <a:r>
-              <a:rPr lang="de-AT" dirty="0"/>
-              <a:t>Einfache </a:t>
-            </a:r>
-            <a:r>
-              <a:rPr lang="de-AT" dirty="0" err="1"/>
-              <a:t>Activities</a:t>
-            </a:r>
-            <a:r>
-              <a:rPr lang="de-AT" dirty="0"/>
-              <a:t>: Task</a:t>
-            </a:r>
-          </a:p>
-          <a:p>
-            <a:r>
-              <a:rPr lang="de-AT" dirty="0"/>
-              <a:t>Komplexe </a:t>
-            </a:r>
-            <a:r>
-              <a:rPr lang="de-AT" dirty="0" err="1"/>
-              <a:t>Activities</a:t>
-            </a:r>
-            <a:r>
-              <a:rPr lang="de-AT" dirty="0"/>
-              <a:t>: </a:t>
-            </a:r>
-            <a:r>
-              <a:rPr lang="de-AT" dirty="0" err="1"/>
-              <a:t>Subprocess</a:t>
-            </a:r>
-            <a:endParaRPr lang="de-AT" dirty="0"/>
+              <a:t>Split</a:t>
+            </a:r>
           </a:p>
           <a:p>
             <a:pPr lvl="1"/>
             <a:r>
-              <a:rPr lang="de-AT" dirty="0"/>
-              <a:t>Unterscheidung zwischen kollabiert und expandiert</a:t>
-            </a:r>
-          </a:p>
-          <a:p>
+              <a:rPr lang="de-DE" dirty="0"/>
+              <a:t>Teilt in mehrere Kontrollflüsse auf</a:t>
+            </a:r>
+          </a:p>
+          <a:p>
+            <a:r>
+              <a:rPr lang="de-DE" dirty="0" err="1"/>
+              <a:t>Merge</a:t>
+            </a:r>
             <a:endParaRPr lang="de-DE" dirty="0"/>
           </a:p>
-        </p:txBody>
-      </p:sp>
+          <a:p>
+            <a:pPr lvl="1"/>
+            <a:r>
+              <a:rPr lang="de-DE" dirty="0"/>
+              <a:t>Fügt mehrere Kontrollflüsse zusammen</a:t>
+            </a:r>
+          </a:p>
+          <a:p>
+            <a:r>
+              <a:rPr lang="de-DE" dirty="0"/>
+              <a:t>kann aus einem XOR-, AND- und OR-Gate bestehen</a:t>
+            </a:r>
+          </a:p>
+          <a:p>
+            <a:r>
+              <a:rPr lang="de-DE" dirty="0"/>
+              <a:t>Ereignisgesteuerte: bei bestimmten Event</a:t>
+            </a:r>
+          </a:p>
+          <a:p>
+            <a:endParaRPr lang="de-DE" dirty="0"/>
+          </a:p>
+        </p:txBody>
+      </p:sp>
+      <p:pic>
+        <p:nvPicPr>
+          <p:cNvPr id="7" name="Grafik 6">
+            <a:extLst>
+              <a:ext uri="{FF2B5EF4-FFF2-40B4-BE49-F238E27FC236}">
+                <a16:creationId xmlns:a16="http://schemas.microsoft.com/office/drawing/2014/main" id="{2FD79F63-DF10-4DE3-909D-3E2A0C984CB1}"/>
+              </a:ext>
+            </a:extLst>
+          </p:cNvPr>
+          <p:cNvPicPr>
+            <a:picLocks noChangeAspect="1"/>
+          </p:cNvPicPr>
+          <p:nvPr/>
+        </p:nvPicPr>
+        <p:blipFill>
+          <a:blip r:embed="rId2"/>
+          <a:stretch>
+            <a:fillRect/>
+          </a:stretch>
+        </p:blipFill>
+        <p:spPr>
+          <a:xfrm>
+            <a:off x="2541691" y="5048082"/>
+            <a:ext cx="4867954" cy="1200318"/>
+          </a:xfrm>
+          <a:prstGeom prst="rect">
+            <a:avLst/>
+          </a:prstGeom>
+        </p:spPr>
+      </p:pic>
     </p:spTree>
     <p:extLst>
       <p:ext uri="{BB962C8B-B14F-4D97-AF65-F5344CB8AC3E}">
-        <p14:creationId xmlns:p14="http://schemas.microsoft.com/office/powerpoint/2010/main" val="205241884"/>
+        <p14:creationId xmlns:p14="http://schemas.microsoft.com/office/powerpoint/2010/main" val="2218362454"/>
       </p:ext>
     </p:extLst>
   </p:cSld>
@@ -6041,6 +6071,940 @@
 </file>
 
 <file path=ppt/slides/slide11.xml><?xml version="1.0" encoding="utf-8"?>
+<p:sld xmlns:a="http://schemas.openxmlformats.org/drawingml/2006/main" xmlns:r="http://schemas.openxmlformats.org/officeDocument/2006/relationships" xmlns:p="http://schemas.openxmlformats.org/presentationml/2006/main">
+  <p:cSld>
+    <p:spTree>
+      <p:nvGrpSpPr>
+        <p:cNvPr id="1" name=""/>
+        <p:cNvGrpSpPr/>
+        <p:nvPr/>
+      </p:nvGrpSpPr>
+      <p:grpSpPr>
+        <a:xfrm>
+          <a:off x="0" y="0"/>
+          <a:ext cx="0" cy="0"/>
+          <a:chOff x="0" y="0"/>
+          <a:chExt cx="0" cy="0"/>
+        </a:xfrm>
+      </p:grpSpPr>
+      <p:sp>
+        <p:nvSpPr>
+          <p:cNvPr id="2" name="Titel 1">
+            <a:extLst>
+              <a:ext uri="{FF2B5EF4-FFF2-40B4-BE49-F238E27FC236}">
+                <a16:creationId xmlns:a16="http://schemas.microsoft.com/office/drawing/2014/main" id="{90D199F6-9F5E-462F-9B2E-756A10A544F2}"/>
+              </a:ext>
+            </a:extLst>
+          </p:cNvPr>
+          <p:cNvSpPr>
+            <a:spLocks noGrp="1"/>
+          </p:cNvSpPr>
+          <p:nvPr>
+            <p:ph type="title"/>
+          </p:nvPr>
+        </p:nvSpPr>
+        <p:spPr/>
+        <p:txBody>
+          <a:bodyPr/>
+          <a:lstStyle/>
+          <a:p>
+            <a:r>
+              <a:rPr lang="de-DE" dirty="0"/>
+              <a:t>Event</a:t>
+            </a:r>
+            <a:endParaRPr lang="de-AT" dirty="0"/>
+          </a:p>
+        </p:txBody>
+      </p:sp>
+      <p:sp>
+        <p:nvSpPr>
+          <p:cNvPr id="3" name="Inhaltsplatzhalter 2">
+            <a:extLst>
+              <a:ext uri="{FF2B5EF4-FFF2-40B4-BE49-F238E27FC236}">
+                <a16:creationId xmlns:a16="http://schemas.microsoft.com/office/drawing/2014/main" id="{6E2A2B1B-6E5B-4508-ACD3-C1B3F52A2B9D}"/>
+              </a:ext>
+            </a:extLst>
+          </p:cNvPr>
+          <p:cNvSpPr>
+            <a:spLocks noGrp="1"/>
+          </p:cNvSpPr>
+          <p:nvPr>
+            <p:ph idx="1"/>
+          </p:nvPr>
+        </p:nvSpPr>
+        <p:spPr/>
+        <p:txBody>
+          <a:bodyPr/>
+          <a:lstStyle/>
+          <a:p>
+            <a:r>
+              <a:rPr lang="de-DE" dirty="0"/>
+              <a:t>Bestimmte Ereignisse auftreten</a:t>
+            </a:r>
+          </a:p>
+          <a:p>
+            <a:r>
+              <a:rPr lang="de-AT" dirty="0"/>
+              <a:t>In drei Klassen eingeteilt</a:t>
+            </a:r>
+          </a:p>
+          <a:p>
+            <a:pPr lvl="1"/>
+            <a:r>
+              <a:rPr lang="de-AT" dirty="0"/>
+              <a:t>Nach Position (Start-, End-Event)</a:t>
+            </a:r>
+          </a:p>
+          <a:p>
+            <a:pPr lvl="1"/>
+            <a:r>
+              <a:rPr lang="de-AT" dirty="0"/>
+              <a:t>Nach Wirkung (</a:t>
+            </a:r>
+            <a:r>
+              <a:rPr lang="de-AT" dirty="0" err="1"/>
+              <a:t>Catching</a:t>
+            </a:r>
+            <a:r>
+              <a:rPr lang="de-AT" dirty="0"/>
+              <a:t>-, </a:t>
+            </a:r>
+            <a:r>
+              <a:rPr lang="de-AT" dirty="0" err="1"/>
+              <a:t>Throwing</a:t>
+            </a:r>
+            <a:r>
+              <a:rPr lang="de-AT" dirty="0"/>
+              <a:t>-Event)</a:t>
+            </a:r>
+          </a:p>
+          <a:p>
+            <a:pPr lvl="1"/>
+            <a:r>
+              <a:rPr lang="de-AT" dirty="0"/>
+              <a:t>Nach Art (</a:t>
+            </a:r>
+            <a:r>
+              <a:rPr lang="de-AT" dirty="0" err="1"/>
+              <a:t>Timer</a:t>
+            </a:r>
+            <a:r>
+              <a:rPr lang="de-AT" dirty="0"/>
+              <a:t>-, Message-Event)</a:t>
+            </a:r>
+          </a:p>
+        </p:txBody>
+      </p:sp>
+      <p:pic>
+        <p:nvPicPr>
+          <p:cNvPr id="7" name="Grafik 6">
+            <a:extLst>
+              <a:ext uri="{FF2B5EF4-FFF2-40B4-BE49-F238E27FC236}">
+                <a16:creationId xmlns:a16="http://schemas.microsoft.com/office/drawing/2014/main" id="{B6BB4B5C-AF63-4E75-88A6-BF796E0C6EC0}"/>
+              </a:ext>
+            </a:extLst>
+          </p:cNvPr>
+          <p:cNvPicPr>
+            <a:picLocks noChangeAspect="1"/>
+          </p:cNvPicPr>
+          <p:nvPr/>
+        </p:nvPicPr>
+        <p:blipFill>
+          <a:blip r:embed="rId2"/>
+          <a:stretch>
+            <a:fillRect/>
+          </a:stretch>
+        </p:blipFill>
+        <p:spPr>
+          <a:xfrm>
+            <a:off x="2637942" y="4698150"/>
+            <a:ext cx="6916115" cy="1343212"/>
+          </a:xfrm>
+          <a:prstGeom prst="rect">
+            <a:avLst/>
+          </a:prstGeom>
+        </p:spPr>
+      </p:pic>
+    </p:spTree>
+    <p:extLst>
+      <p:ext uri="{BB962C8B-B14F-4D97-AF65-F5344CB8AC3E}">
+        <p14:creationId xmlns:p14="http://schemas.microsoft.com/office/powerpoint/2010/main" val="4008678926"/>
+      </p:ext>
+    </p:extLst>
+  </p:cSld>
+  <p:clrMapOvr>
+    <a:masterClrMapping/>
+  </p:clrMapOvr>
+</p:sld>
+</file>
+
+<file path=ppt/slides/slide12.xml><?xml version="1.0" encoding="utf-8"?>
+<p:sld xmlns:a="http://schemas.openxmlformats.org/drawingml/2006/main" xmlns:r="http://schemas.openxmlformats.org/officeDocument/2006/relationships" xmlns:p="http://schemas.openxmlformats.org/presentationml/2006/main">
+  <p:cSld>
+    <p:spTree>
+      <p:nvGrpSpPr>
+        <p:cNvPr id="1" name=""/>
+        <p:cNvGrpSpPr/>
+        <p:nvPr/>
+      </p:nvGrpSpPr>
+      <p:grpSpPr>
+        <a:xfrm>
+          <a:off x="0" y="0"/>
+          <a:ext cx="0" cy="0"/>
+          <a:chOff x="0" y="0"/>
+          <a:chExt cx="0" cy="0"/>
+        </a:xfrm>
+      </p:grpSpPr>
+      <p:sp>
+        <p:nvSpPr>
+          <p:cNvPr id="4" name="Titel 3">
+            <a:extLst>
+              <a:ext uri="{FF2B5EF4-FFF2-40B4-BE49-F238E27FC236}">
+                <a16:creationId xmlns:a16="http://schemas.microsoft.com/office/drawing/2014/main" id="{C5745761-9F8B-464E-AE4E-C4D944FDCDE4}"/>
+              </a:ext>
+            </a:extLst>
+          </p:cNvPr>
+          <p:cNvSpPr>
+            <a:spLocks noGrp="1"/>
+          </p:cNvSpPr>
+          <p:nvPr>
+            <p:ph type="title"/>
+          </p:nvPr>
+        </p:nvSpPr>
+        <p:spPr/>
+        <p:txBody>
+          <a:bodyPr/>
+          <a:lstStyle/>
+          <a:p>
+            <a:r>
+              <a:rPr lang="de-DE" dirty="0" err="1"/>
+              <a:t>Connecting</a:t>
+            </a:r>
+            <a:r>
+              <a:rPr lang="de-DE" dirty="0"/>
+              <a:t> Objects</a:t>
+            </a:r>
+            <a:endParaRPr lang="de-AT" dirty="0"/>
+          </a:p>
+        </p:txBody>
+      </p:sp>
+    </p:spTree>
+    <p:extLst>
+      <p:ext uri="{BB962C8B-B14F-4D97-AF65-F5344CB8AC3E}">
+        <p14:creationId xmlns:p14="http://schemas.microsoft.com/office/powerpoint/2010/main" val="2531750659"/>
+      </p:ext>
+    </p:extLst>
+  </p:cSld>
+  <p:clrMapOvr>
+    <a:masterClrMapping/>
+  </p:clrMapOvr>
+</p:sld>
+</file>
+
+<file path=ppt/slides/slide13.xml><?xml version="1.0" encoding="utf-8"?>
+<p:sld xmlns:a="http://schemas.openxmlformats.org/drawingml/2006/main" xmlns:r="http://schemas.openxmlformats.org/officeDocument/2006/relationships" xmlns:p="http://schemas.openxmlformats.org/presentationml/2006/main">
+  <p:cSld>
+    <p:spTree>
+      <p:nvGrpSpPr>
+        <p:cNvPr id="1" name=""/>
+        <p:cNvGrpSpPr/>
+        <p:nvPr/>
+      </p:nvGrpSpPr>
+      <p:grpSpPr>
+        <a:xfrm>
+          <a:off x="0" y="0"/>
+          <a:ext cx="0" cy="0"/>
+          <a:chOff x="0" y="0"/>
+          <a:chExt cx="0" cy="0"/>
+        </a:xfrm>
+      </p:grpSpPr>
+      <p:sp>
+        <p:nvSpPr>
+          <p:cNvPr id="2" name="Titel 1">
+            <a:extLst>
+              <a:ext uri="{FF2B5EF4-FFF2-40B4-BE49-F238E27FC236}">
+                <a16:creationId xmlns:a16="http://schemas.microsoft.com/office/drawing/2014/main" id="{BEF927C9-851D-482B-9D5E-0A3F1EE2E7D6}"/>
+              </a:ext>
+            </a:extLst>
+          </p:cNvPr>
+          <p:cNvSpPr>
+            <a:spLocks noGrp="1"/>
+          </p:cNvSpPr>
+          <p:nvPr>
+            <p:ph type="title"/>
+          </p:nvPr>
+        </p:nvSpPr>
+        <p:spPr/>
+        <p:txBody>
+          <a:bodyPr/>
+          <a:lstStyle/>
+          <a:p>
+            <a:r>
+              <a:rPr lang="de-DE" dirty="0" err="1"/>
+              <a:t>Sequence</a:t>
+            </a:r>
+            <a:r>
+              <a:rPr lang="de-DE" dirty="0"/>
+              <a:t> </a:t>
+            </a:r>
+            <a:r>
+              <a:rPr lang="de-DE" dirty="0" err="1"/>
+              <a:t>Flows</a:t>
+            </a:r>
+            <a:endParaRPr lang="de-AT" dirty="0"/>
+          </a:p>
+        </p:txBody>
+      </p:sp>
+      <p:sp>
+        <p:nvSpPr>
+          <p:cNvPr id="3" name="Inhaltsplatzhalter 2">
+            <a:extLst>
+              <a:ext uri="{FF2B5EF4-FFF2-40B4-BE49-F238E27FC236}">
+                <a16:creationId xmlns:a16="http://schemas.microsoft.com/office/drawing/2014/main" id="{EB6953AF-513F-422A-8C32-46CE2A3F7AD3}"/>
+              </a:ext>
+            </a:extLst>
+          </p:cNvPr>
+          <p:cNvSpPr>
+            <a:spLocks noGrp="1"/>
+          </p:cNvSpPr>
+          <p:nvPr>
+            <p:ph idx="1"/>
+          </p:nvPr>
+        </p:nvSpPr>
+        <p:spPr/>
+        <p:txBody>
+          <a:bodyPr/>
+          <a:lstStyle/>
+          <a:p>
+            <a:r>
+              <a:rPr lang="de-DE" dirty="0"/>
+              <a:t>Verbindungen zwischen Flow Objects</a:t>
+            </a:r>
+          </a:p>
+          <a:p>
+            <a:r>
+              <a:rPr lang="de-DE" dirty="0"/>
+              <a:t>Bestimmen Reihenfolge</a:t>
+            </a:r>
+          </a:p>
+          <a:p>
+            <a:r>
+              <a:rPr lang="de-DE" dirty="0"/>
+              <a:t>Drei Flow-Arten</a:t>
+            </a:r>
+          </a:p>
+          <a:p>
+            <a:pPr lvl="1"/>
+            <a:r>
+              <a:rPr lang="de-DE" dirty="0" err="1"/>
+              <a:t>Sequence</a:t>
+            </a:r>
+            <a:r>
+              <a:rPr lang="de-DE" dirty="0"/>
+              <a:t> Flow</a:t>
+            </a:r>
+          </a:p>
+          <a:p>
+            <a:pPr lvl="1"/>
+            <a:r>
+              <a:rPr lang="de-DE" dirty="0" err="1"/>
+              <a:t>Conditional</a:t>
+            </a:r>
+            <a:r>
+              <a:rPr lang="de-DE" dirty="0"/>
+              <a:t> Flow</a:t>
+            </a:r>
+          </a:p>
+          <a:p>
+            <a:pPr lvl="1"/>
+            <a:r>
+              <a:rPr lang="de-DE" dirty="0"/>
+              <a:t>Default Flow</a:t>
+            </a:r>
+          </a:p>
+        </p:txBody>
+      </p:sp>
+      <p:pic>
+        <p:nvPicPr>
+          <p:cNvPr id="5" name="Grafik 4">
+            <a:extLst>
+              <a:ext uri="{FF2B5EF4-FFF2-40B4-BE49-F238E27FC236}">
+                <a16:creationId xmlns:a16="http://schemas.microsoft.com/office/drawing/2014/main" id="{0F3A64D4-C6BB-4461-8244-BC26B534AE65}"/>
+              </a:ext>
+            </a:extLst>
+          </p:cNvPr>
+          <p:cNvPicPr>
+            <a:picLocks noChangeAspect="1"/>
+          </p:cNvPicPr>
+          <p:nvPr/>
+        </p:nvPicPr>
+        <p:blipFill>
+          <a:blip r:embed="rId2"/>
+          <a:stretch>
+            <a:fillRect/>
+          </a:stretch>
+        </p:blipFill>
+        <p:spPr>
+          <a:xfrm>
+            <a:off x="5673049" y="2545199"/>
+            <a:ext cx="3600953" cy="3496163"/>
+          </a:xfrm>
+          <a:prstGeom prst="rect">
+            <a:avLst/>
+          </a:prstGeom>
+        </p:spPr>
+      </p:pic>
+    </p:spTree>
+    <p:extLst>
+      <p:ext uri="{BB962C8B-B14F-4D97-AF65-F5344CB8AC3E}">
+        <p14:creationId xmlns:p14="http://schemas.microsoft.com/office/powerpoint/2010/main" val="2541205394"/>
+      </p:ext>
+    </p:extLst>
+  </p:cSld>
+  <p:clrMapOvr>
+    <a:masterClrMapping/>
+  </p:clrMapOvr>
+</p:sld>
+</file>
+
+<file path=ppt/slides/slide14.xml><?xml version="1.0" encoding="utf-8"?>
+<p:sld xmlns:a="http://schemas.openxmlformats.org/drawingml/2006/main" xmlns:r="http://schemas.openxmlformats.org/officeDocument/2006/relationships" xmlns:p="http://schemas.openxmlformats.org/presentationml/2006/main">
+  <p:cSld>
+    <p:spTree>
+      <p:nvGrpSpPr>
+        <p:cNvPr id="1" name=""/>
+        <p:cNvGrpSpPr/>
+        <p:nvPr/>
+      </p:nvGrpSpPr>
+      <p:grpSpPr>
+        <a:xfrm>
+          <a:off x="0" y="0"/>
+          <a:ext cx="0" cy="0"/>
+          <a:chOff x="0" y="0"/>
+          <a:chExt cx="0" cy="0"/>
+        </a:xfrm>
+      </p:grpSpPr>
+      <p:sp>
+        <p:nvSpPr>
+          <p:cNvPr id="2" name="Titel 1">
+            <a:extLst>
+              <a:ext uri="{FF2B5EF4-FFF2-40B4-BE49-F238E27FC236}">
+                <a16:creationId xmlns:a16="http://schemas.microsoft.com/office/drawing/2014/main" id="{4A9B6AD3-9409-4381-8F93-787E76FD818E}"/>
+              </a:ext>
+            </a:extLst>
+          </p:cNvPr>
+          <p:cNvSpPr>
+            <a:spLocks noGrp="1"/>
+          </p:cNvSpPr>
+          <p:nvPr>
+            <p:ph type="title"/>
+          </p:nvPr>
+        </p:nvSpPr>
+        <p:spPr/>
+        <p:txBody>
+          <a:bodyPr/>
+          <a:lstStyle/>
+          <a:p>
+            <a:r>
+              <a:rPr lang="de-DE" dirty="0"/>
+              <a:t>Message Flow</a:t>
+            </a:r>
+            <a:endParaRPr lang="de-AT" dirty="0"/>
+          </a:p>
+        </p:txBody>
+      </p:sp>
+      <p:sp>
+        <p:nvSpPr>
+          <p:cNvPr id="3" name="Inhaltsplatzhalter 2">
+            <a:extLst>
+              <a:ext uri="{FF2B5EF4-FFF2-40B4-BE49-F238E27FC236}">
+                <a16:creationId xmlns:a16="http://schemas.microsoft.com/office/drawing/2014/main" id="{AFB480DF-0284-4308-AAA9-23D90EB889E5}"/>
+              </a:ext>
+            </a:extLst>
+          </p:cNvPr>
+          <p:cNvSpPr>
+            <a:spLocks noGrp="1"/>
+          </p:cNvSpPr>
+          <p:nvPr>
+            <p:ph idx="1"/>
+          </p:nvPr>
+        </p:nvSpPr>
+        <p:spPr/>
+        <p:txBody>
+          <a:bodyPr/>
+          <a:lstStyle/>
+          <a:p>
+            <a:r>
+              <a:rPr lang="de-DE" dirty="0"/>
+              <a:t>Austausch von Nachrichten </a:t>
+            </a:r>
+            <a:br>
+              <a:rPr lang="de-DE" dirty="0"/>
+            </a:br>
+            <a:r>
+              <a:rPr lang="de-DE" dirty="0"/>
+              <a:t>zwischen zwei Lanes</a:t>
+            </a:r>
+            <a:endParaRPr lang="de-AT" dirty="0"/>
+          </a:p>
+        </p:txBody>
+      </p:sp>
+      <p:pic>
+        <p:nvPicPr>
+          <p:cNvPr id="2050" name="Picture 2">
+            <a:extLst>
+              <a:ext uri="{FF2B5EF4-FFF2-40B4-BE49-F238E27FC236}">
+                <a16:creationId xmlns:a16="http://schemas.microsoft.com/office/drawing/2014/main" id="{3C3E485A-2343-4641-BF2C-88BF1E618056}"/>
+              </a:ext>
+            </a:extLst>
+          </p:cNvPr>
+          <p:cNvPicPr>
+            <a:picLocks noChangeAspect="1" noChangeArrowheads="1"/>
+          </p:cNvPicPr>
+          <p:nvPr/>
+        </p:nvPicPr>
+        <p:blipFill>
+          <a:blip r:embed="rId2">
+            <a:extLst>
+              <a:ext uri="{28A0092B-C50C-407E-A947-70E740481C1C}">
+                <a14:useLocalDpi xmlns:a14="http://schemas.microsoft.com/office/drawing/2010/main" val="0"/>
+              </a:ext>
+            </a:extLst>
+          </a:blip>
+          <a:srcRect/>
+          <a:stretch>
+            <a:fillRect/>
+          </a:stretch>
+        </p:blipFill>
+        <p:spPr bwMode="auto">
+          <a:xfrm>
+            <a:off x="5464002" y="4067175"/>
+            <a:ext cx="3810000" cy="2181225"/>
+          </a:xfrm>
+          <a:prstGeom prst="rect">
+            <a:avLst/>
+          </a:prstGeom>
+          <a:noFill/>
+          <a:extLst>
+            <a:ext uri="{909E8E84-426E-40DD-AFC4-6F175D3DCCD1}">
+              <a14:hiddenFill xmlns:a14="http://schemas.microsoft.com/office/drawing/2010/main">
+                <a:solidFill>
+                  <a:srgbClr val="FFFFFF"/>
+                </a:solidFill>
+              </a14:hiddenFill>
+            </a:ext>
+          </a:extLst>
+        </p:spPr>
+      </p:pic>
+      <p:sp>
+        <p:nvSpPr>
+          <p:cNvPr id="4" name="Rechteck 3">
+            <a:extLst>
+              <a:ext uri="{FF2B5EF4-FFF2-40B4-BE49-F238E27FC236}">
+                <a16:creationId xmlns:a16="http://schemas.microsoft.com/office/drawing/2014/main" id="{74BC545C-5EF7-4550-A7CC-6B48FE13D2A6}"/>
+              </a:ext>
+            </a:extLst>
+          </p:cNvPr>
+          <p:cNvSpPr/>
+          <p:nvPr/>
+        </p:nvSpPr>
+        <p:spPr>
+          <a:xfrm>
+            <a:off x="6400800" y="4927601"/>
+            <a:ext cx="1402672" cy="443389"/>
+          </a:xfrm>
+          <a:prstGeom prst="rect">
+            <a:avLst/>
+          </a:prstGeom>
+          <a:solidFill>
+            <a:schemeClr val="bg1"/>
+          </a:solidFill>
+          <a:ln>
+            <a:noFill/>
+          </a:ln>
+        </p:spPr>
+        <p:style>
+          <a:lnRef idx="2">
+            <a:schemeClr val="accent1">
+              <a:shade val="50000"/>
+            </a:schemeClr>
+          </a:lnRef>
+          <a:fillRef idx="1">
+            <a:schemeClr val="accent1"/>
+          </a:fillRef>
+          <a:effectRef idx="0">
+            <a:schemeClr val="accent1"/>
+          </a:effectRef>
+          <a:fontRef idx="minor">
+            <a:schemeClr val="lt1"/>
+          </a:fontRef>
+        </p:style>
+        <p:txBody>
+          <a:bodyPr rtlCol="0" anchor="ctr"/>
+          <a:lstStyle/>
+          <a:p>
+            <a:pPr algn="ctr"/>
+            <a:endParaRPr lang="de-AT"/>
+          </a:p>
+        </p:txBody>
+      </p:sp>
+    </p:spTree>
+    <p:extLst>
+      <p:ext uri="{BB962C8B-B14F-4D97-AF65-F5344CB8AC3E}">
+        <p14:creationId xmlns:p14="http://schemas.microsoft.com/office/powerpoint/2010/main" val="889869545"/>
+      </p:ext>
+    </p:extLst>
+  </p:cSld>
+  <p:clrMapOvr>
+    <a:masterClrMapping/>
+  </p:clrMapOvr>
+</p:sld>
+</file>
+
+<file path=ppt/slides/slide15.xml><?xml version="1.0" encoding="utf-8"?>
+<p:sld xmlns:a="http://schemas.openxmlformats.org/drawingml/2006/main" xmlns:r="http://schemas.openxmlformats.org/officeDocument/2006/relationships" xmlns:p="http://schemas.openxmlformats.org/presentationml/2006/main">
+  <p:cSld>
+    <p:spTree>
+      <p:nvGrpSpPr>
+        <p:cNvPr id="1" name=""/>
+        <p:cNvGrpSpPr/>
+        <p:nvPr/>
+      </p:nvGrpSpPr>
+      <p:grpSpPr>
+        <a:xfrm>
+          <a:off x="0" y="0"/>
+          <a:ext cx="0" cy="0"/>
+          <a:chOff x="0" y="0"/>
+          <a:chExt cx="0" cy="0"/>
+        </a:xfrm>
+      </p:grpSpPr>
+      <p:sp>
+        <p:nvSpPr>
+          <p:cNvPr id="2" name="Titel 1">
+            <a:extLst>
+              <a:ext uri="{FF2B5EF4-FFF2-40B4-BE49-F238E27FC236}">
+                <a16:creationId xmlns:a16="http://schemas.microsoft.com/office/drawing/2014/main" id="{3D08A907-C825-4C8E-AFFC-CC224B1604EB}"/>
+              </a:ext>
+            </a:extLst>
+          </p:cNvPr>
+          <p:cNvSpPr>
+            <a:spLocks noGrp="1"/>
+          </p:cNvSpPr>
+          <p:nvPr>
+            <p:ph type="title"/>
+          </p:nvPr>
+        </p:nvSpPr>
+        <p:spPr/>
+        <p:txBody>
+          <a:bodyPr/>
+          <a:lstStyle/>
+          <a:p>
+            <a:r>
+              <a:rPr lang="de-DE" dirty="0"/>
+              <a:t>Pools und Lanes</a:t>
+            </a:r>
+            <a:endParaRPr lang="de-AT" dirty="0"/>
+          </a:p>
+        </p:txBody>
+      </p:sp>
+      <p:sp>
+        <p:nvSpPr>
+          <p:cNvPr id="3" name="Inhaltsplatzhalter 2">
+            <a:extLst>
+              <a:ext uri="{FF2B5EF4-FFF2-40B4-BE49-F238E27FC236}">
+                <a16:creationId xmlns:a16="http://schemas.microsoft.com/office/drawing/2014/main" id="{2D8051E2-9FAC-4051-9DBE-983113FDDB15}"/>
+              </a:ext>
+            </a:extLst>
+          </p:cNvPr>
+          <p:cNvSpPr>
+            <a:spLocks noGrp="1"/>
+          </p:cNvSpPr>
+          <p:nvPr>
+            <p:ph idx="1"/>
+          </p:nvPr>
+        </p:nvSpPr>
+        <p:spPr/>
+        <p:txBody>
+          <a:bodyPr/>
+          <a:lstStyle/>
+          <a:p>
+            <a:r>
+              <a:rPr lang="de-DE" dirty="0"/>
+              <a:t>Pool: Sammlung von Lanes, meist Organisation</a:t>
+            </a:r>
+          </a:p>
+          <a:p>
+            <a:r>
+              <a:rPr lang="de-DE" dirty="0"/>
+              <a:t>Lanes: zeigt Workflow </a:t>
+            </a:r>
+            <a:br>
+              <a:rPr lang="de-DE" dirty="0"/>
+            </a:br>
+            <a:r>
+              <a:rPr lang="de-DE" dirty="0"/>
+              <a:t>einer Rolle an</a:t>
+            </a:r>
+          </a:p>
+          <a:p>
+            <a:endParaRPr lang="de-AT" dirty="0"/>
+          </a:p>
+        </p:txBody>
+      </p:sp>
+      <p:pic>
+        <p:nvPicPr>
+          <p:cNvPr id="5" name="Grafik 4">
+            <a:extLst>
+              <a:ext uri="{FF2B5EF4-FFF2-40B4-BE49-F238E27FC236}">
+                <a16:creationId xmlns:a16="http://schemas.microsoft.com/office/drawing/2014/main" id="{3EAFC0EF-B41F-48F5-AC00-BC8C4825F218}"/>
+              </a:ext>
+            </a:extLst>
+          </p:cNvPr>
+          <p:cNvPicPr>
+            <a:picLocks noChangeAspect="1"/>
+          </p:cNvPicPr>
+          <p:nvPr/>
+        </p:nvPicPr>
+        <p:blipFill>
+          <a:blip r:embed="rId2"/>
+          <a:stretch>
+            <a:fillRect/>
+          </a:stretch>
+        </p:blipFill>
+        <p:spPr>
+          <a:xfrm>
+            <a:off x="5110996" y="2714132"/>
+            <a:ext cx="4163006" cy="3534268"/>
+          </a:xfrm>
+          <a:prstGeom prst="rect">
+            <a:avLst/>
+          </a:prstGeom>
+        </p:spPr>
+      </p:pic>
+    </p:spTree>
+    <p:extLst>
+      <p:ext uri="{BB962C8B-B14F-4D97-AF65-F5344CB8AC3E}">
+        <p14:creationId xmlns:p14="http://schemas.microsoft.com/office/powerpoint/2010/main" val="3451132926"/>
+      </p:ext>
+    </p:extLst>
+  </p:cSld>
+  <p:clrMapOvr>
+    <a:masterClrMapping/>
+  </p:clrMapOvr>
+</p:sld>
+</file>
+
+<file path=ppt/slides/slide16.xml><?xml version="1.0" encoding="utf-8"?>
+<p:sld xmlns:a="http://schemas.openxmlformats.org/drawingml/2006/main" xmlns:r="http://schemas.openxmlformats.org/officeDocument/2006/relationships" xmlns:p="http://schemas.openxmlformats.org/presentationml/2006/main">
+  <p:cSld>
+    <p:spTree>
+      <p:nvGrpSpPr>
+        <p:cNvPr id="1" name=""/>
+        <p:cNvGrpSpPr/>
+        <p:nvPr/>
+      </p:nvGrpSpPr>
+      <p:grpSpPr>
+        <a:xfrm>
+          <a:off x="0" y="0"/>
+          <a:ext cx="0" cy="0"/>
+          <a:chOff x="0" y="0"/>
+          <a:chExt cx="0" cy="0"/>
+        </a:xfrm>
+      </p:grpSpPr>
+      <p:sp>
+        <p:nvSpPr>
+          <p:cNvPr id="2" name="Titel 1">
+            <a:extLst>
+              <a:ext uri="{FF2B5EF4-FFF2-40B4-BE49-F238E27FC236}">
+                <a16:creationId xmlns:a16="http://schemas.microsoft.com/office/drawing/2014/main" id="{BB108D30-2268-4498-AACF-212F06E8B219}"/>
+              </a:ext>
+            </a:extLst>
+          </p:cNvPr>
+          <p:cNvSpPr>
+            <a:spLocks noGrp="1"/>
+          </p:cNvSpPr>
+          <p:nvPr>
+            <p:ph type="title"/>
+          </p:nvPr>
+        </p:nvSpPr>
+        <p:spPr/>
+        <p:txBody>
+          <a:bodyPr/>
+          <a:lstStyle/>
+          <a:p>
+            <a:r>
+              <a:rPr lang="de-DE" dirty="0" err="1"/>
+              <a:t>Artifacts</a:t>
+            </a:r>
+            <a:endParaRPr lang="de-AT" dirty="0"/>
+          </a:p>
+        </p:txBody>
+      </p:sp>
+      <p:sp>
+        <p:nvSpPr>
+          <p:cNvPr id="3" name="Inhaltsplatzhalter 2">
+            <a:extLst>
+              <a:ext uri="{FF2B5EF4-FFF2-40B4-BE49-F238E27FC236}">
+                <a16:creationId xmlns:a16="http://schemas.microsoft.com/office/drawing/2014/main" id="{9BF504D1-1591-4B5F-B5A4-58E453D36608}"/>
+              </a:ext>
+            </a:extLst>
+          </p:cNvPr>
+          <p:cNvSpPr>
+            <a:spLocks noGrp="1"/>
+          </p:cNvSpPr>
+          <p:nvPr>
+            <p:ph idx="1"/>
+          </p:nvPr>
+        </p:nvSpPr>
+        <p:spPr/>
+        <p:txBody>
+          <a:bodyPr/>
+          <a:lstStyle/>
+          <a:p>
+            <a:endParaRPr lang="de-AT"/>
+          </a:p>
+        </p:txBody>
+      </p:sp>
+    </p:spTree>
+    <p:extLst>
+      <p:ext uri="{BB962C8B-B14F-4D97-AF65-F5344CB8AC3E}">
+        <p14:creationId xmlns:p14="http://schemas.microsoft.com/office/powerpoint/2010/main" val="4193987599"/>
+      </p:ext>
+    </p:extLst>
+  </p:cSld>
+  <p:clrMapOvr>
+    <a:masterClrMapping/>
+  </p:clrMapOvr>
+</p:sld>
+</file>
+
+<file path=ppt/slides/slide17.xml><?xml version="1.0" encoding="utf-8"?>
+<p:sld xmlns:a="http://schemas.openxmlformats.org/drawingml/2006/main" xmlns:r="http://schemas.openxmlformats.org/officeDocument/2006/relationships" xmlns:p="http://schemas.openxmlformats.org/presentationml/2006/main">
+  <p:cSld>
+    <p:spTree>
+      <p:nvGrpSpPr>
+        <p:cNvPr id="1" name=""/>
+        <p:cNvGrpSpPr/>
+        <p:nvPr/>
+      </p:nvGrpSpPr>
+      <p:grpSpPr>
+        <a:xfrm>
+          <a:off x="0" y="0"/>
+          <a:ext cx="0" cy="0"/>
+          <a:chOff x="0" y="0"/>
+          <a:chExt cx="0" cy="0"/>
+        </a:xfrm>
+      </p:grpSpPr>
+      <p:sp>
+        <p:nvSpPr>
+          <p:cNvPr id="2" name="Titel 1">
+            <a:extLst>
+              <a:ext uri="{FF2B5EF4-FFF2-40B4-BE49-F238E27FC236}">
+                <a16:creationId xmlns:a16="http://schemas.microsoft.com/office/drawing/2014/main" id="{D3AD8B56-46EC-4DB7-8CC7-F506E0AB63EE}"/>
+              </a:ext>
+            </a:extLst>
+          </p:cNvPr>
+          <p:cNvSpPr>
+            <a:spLocks noGrp="1"/>
+          </p:cNvSpPr>
+          <p:nvPr>
+            <p:ph type="title"/>
+          </p:nvPr>
+        </p:nvSpPr>
+        <p:spPr/>
+        <p:txBody>
+          <a:bodyPr/>
+          <a:lstStyle/>
+          <a:p>
+            <a:r>
+              <a:rPr lang="de-DE" dirty="0"/>
+              <a:t>Neuerungen in V2</a:t>
+            </a:r>
+            <a:endParaRPr lang="de-AT" dirty="0"/>
+          </a:p>
+        </p:txBody>
+      </p:sp>
+      <p:sp>
+        <p:nvSpPr>
+          <p:cNvPr id="3" name="Inhaltsplatzhalter 2">
+            <a:extLst>
+              <a:ext uri="{FF2B5EF4-FFF2-40B4-BE49-F238E27FC236}">
+                <a16:creationId xmlns:a16="http://schemas.microsoft.com/office/drawing/2014/main" id="{E49F2BEE-F448-45A1-BBE2-52E33896DC5B}"/>
+              </a:ext>
+            </a:extLst>
+          </p:cNvPr>
+          <p:cNvSpPr>
+            <a:spLocks noGrp="1"/>
+          </p:cNvSpPr>
+          <p:nvPr>
+            <p:ph idx="1"/>
+          </p:nvPr>
+        </p:nvSpPr>
+        <p:spPr/>
+        <p:txBody>
+          <a:bodyPr/>
+          <a:lstStyle/>
+          <a:p>
+            <a:r>
+              <a:rPr lang="de-DE" dirty="0"/>
+              <a:t>XML-basiertes Format</a:t>
+            </a:r>
+          </a:p>
+          <a:p>
+            <a:pPr lvl="1"/>
+            <a:r>
+              <a:rPr lang="de-DE" dirty="0"/>
+              <a:t>für den Austausch versch. Werkzeuge</a:t>
+            </a:r>
+            <a:br>
+              <a:rPr lang="de-AT" dirty="0"/>
+            </a:br>
+            <a:r>
+              <a:rPr lang="de-AT" dirty="0"/>
+              <a:t>(Modellierung, Simulation, Ausführung)</a:t>
+            </a:r>
+          </a:p>
+          <a:p>
+            <a:r>
+              <a:rPr lang="de-AT" dirty="0"/>
+              <a:t>Erweiterbar</a:t>
+            </a:r>
+          </a:p>
+          <a:p>
+            <a:r>
+              <a:rPr lang="de-DE" dirty="0"/>
+              <a:t>Zusätzliches Modell für die Choreografie</a:t>
+            </a:r>
+          </a:p>
+          <a:p>
+            <a:r>
+              <a:rPr lang="de-DE" dirty="0"/>
+              <a:t>Möglichkeit für die gesamte Darstellung</a:t>
+            </a:r>
+            <a:br>
+              <a:rPr lang="de-DE" dirty="0"/>
+            </a:br>
+            <a:r>
+              <a:rPr lang="de-DE" dirty="0"/>
+              <a:t>einer Prozesslandschaft</a:t>
+            </a:r>
+          </a:p>
+        </p:txBody>
+      </p:sp>
+    </p:spTree>
+    <p:extLst>
+      <p:ext uri="{BB962C8B-B14F-4D97-AF65-F5344CB8AC3E}">
+        <p14:creationId xmlns:p14="http://schemas.microsoft.com/office/powerpoint/2010/main" val="3041083776"/>
+      </p:ext>
+    </p:extLst>
+  </p:cSld>
+  <p:clrMapOvr>
+    <a:masterClrMapping/>
+  </p:clrMapOvr>
+</p:sld>
+</file>
+
+<file path=ppt/slides/slide18.xml><?xml version="1.0" encoding="utf-8"?>
 <p:sld xmlns:a="http://schemas.openxmlformats.org/drawingml/2006/main" xmlns:r="http://schemas.openxmlformats.org/officeDocument/2006/relationships" xmlns:p="http://schemas.openxmlformats.org/presentationml/2006/main">
   <p:cSld>
     <p:spTree>
@@ -6470,7 +7434,7 @@
           <p:cNvPr id="2" name="Titel 1">
             <a:extLst>
               <a:ext uri="{FF2B5EF4-FFF2-40B4-BE49-F238E27FC236}">
-                <a16:creationId xmlns:a16="http://schemas.microsoft.com/office/drawing/2014/main" id="{D3AD8B56-46EC-4DB7-8CC7-F506E0AB63EE}"/>
+                <a16:creationId xmlns:a16="http://schemas.microsoft.com/office/drawing/2014/main" id="{F3B24308-1D9E-43FF-90A1-AB725CD4D178}"/>
               </a:ext>
             </a:extLst>
           </p:cNvPr>
@@ -6488,7 +7452,7 @@
           <a:p>
             <a:r>
               <a:rPr lang="de-DE" dirty="0"/>
-              <a:t>Neuerungen in V2</a:t>
+              <a:t>Beziehung zu anderen Modellierungssprachen</a:t>
             </a:r>
             <a:endParaRPr lang="de-AT" dirty="0"/>
           </a:p>
@@ -6499,7 +7463,7 @@
           <p:cNvPr id="3" name="Inhaltsplatzhalter 2">
             <a:extLst>
               <a:ext uri="{FF2B5EF4-FFF2-40B4-BE49-F238E27FC236}">
-                <a16:creationId xmlns:a16="http://schemas.microsoft.com/office/drawing/2014/main" id="{E49F2BEE-F448-45A1-BBE2-52E33896DC5B}"/>
+                <a16:creationId xmlns:a16="http://schemas.microsoft.com/office/drawing/2014/main" id="{16208700-FBAB-4E37-AE7D-A4E4034CCFBB}"/>
               </a:ext>
             </a:extLst>
           </p:cNvPr>
@@ -6517,54 +7481,31 @@
           <a:p>
             <a:r>
               <a:rPr lang="de-DE" dirty="0"/>
-              <a:t>XML-basiertes Format</a:t>
-            </a:r>
-          </a:p>
-          <a:p>
-            <a:pPr lvl="1"/>
+              <a:t>Eine Form von Ablaufdiagramm</a:t>
+            </a:r>
+          </a:p>
+          <a:p>
             <a:r>
               <a:rPr lang="de-DE" dirty="0"/>
-              <a:t>für den Austausch versch. Werkzeuge</a:t>
-            </a:r>
-            <a:br>
-              <a:rPr lang="de-AT" dirty="0"/>
-            </a:br>
-            <a:r>
-              <a:rPr lang="de-AT" dirty="0"/>
-              <a:t>(Modellierung, Simulation, Ausführung)</a:t>
-            </a:r>
-          </a:p>
-          <a:p>
-            <a:r>
-              <a:rPr lang="de-AT" dirty="0"/>
-              <a:t>Erweiterbar</a:t>
-            </a:r>
-          </a:p>
-          <a:p>
-            <a:r>
-              <a:rPr lang="de-DE" dirty="0"/>
-              <a:t>Zusätzliches Modell für die Choreografie</a:t>
-            </a:r>
-          </a:p>
-          <a:p>
-            <a:r>
-              <a:rPr lang="de-DE" dirty="0"/>
-              <a:t>Möglichkeit für die gesamte Darstellung</a:t>
+              <a:t>Verwandt mit anderen Sprachen zur</a:t>
             </a:r>
             <a:br>
               <a:rPr lang="de-DE" dirty="0"/>
             </a:br>
             <a:r>
               <a:rPr lang="de-DE" dirty="0"/>
-              <a:t>einer Prozesslandschaft</a:t>
-            </a:r>
+              <a:t> Modellierung best. Geschäftsprozesse</a:t>
+            </a:r>
+          </a:p>
+          <a:p>
+            <a:endParaRPr lang="de-AT" dirty="0"/>
           </a:p>
         </p:txBody>
       </p:sp>
     </p:spTree>
     <p:extLst>
       <p:ext uri="{BB962C8B-B14F-4D97-AF65-F5344CB8AC3E}">
-        <p14:creationId xmlns:p14="http://schemas.microsoft.com/office/powerpoint/2010/main" val="3041083776"/>
+        <p14:creationId xmlns:p14="http://schemas.microsoft.com/office/powerpoint/2010/main" val="2608318073"/>
       </p:ext>
     </p:extLst>
   </p:cSld>
@@ -6596,7 +7537,7 @@
           <p:cNvPr id="2" name="Titel 1">
             <a:extLst>
               <a:ext uri="{FF2B5EF4-FFF2-40B4-BE49-F238E27FC236}">
-                <a16:creationId xmlns:a16="http://schemas.microsoft.com/office/drawing/2014/main" id="{F3B24308-1D9E-43FF-90A1-AB725CD4D178}"/>
+                <a16:creationId xmlns:a16="http://schemas.microsoft.com/office/drawing/2014/main" id="{79356816-9E55-4FB8-84F9-EEAE03ADACE0}"/>
               </a:ext>
             </a:extLst>
           </p:cNvPr>
@@ -6614,7 +7555,7 @@
           <a:p>
             <a:r>
               <a:rPr lang="de-DE" dirty="0"/>
-              <a:t>Beziehung zu anderen Modellierungssprachen</a:t>
+              <a:t>Ausführung</a:t>
             </a:r>
             <a:endParaRPr lang="de-AT" dirty="0"/>
           </a:p>
@@ -6625,7 +7566,7 @@
           <p:cNvPr id="3" name="Inhaltsplatzhalter 2">
             <a:extLst>
               <a:ext uri="{FF2B5EF4-FFF2-40B4-BE49-F238E27FC236}">
-                <a16:creationId xmlns:a16="http://schemas.microsoft.com/office/drawing/2014/main" id="{16208700-FBAB-4E37-AE7D-A4E4034CCFBB}"/>
+                <a16:creationId xmlns:a16="http://schemas.microsoft.com/office/drawing/2014/main" id="{229942D9-3837-4DF1-83C9-EF9890CD5C92}"/>
               </a:ext>
             </a:extLst>
           </p:cNvPr>
@@ -6641,25 +7582,6 @@
           <a:bodyPr/>
           <a:lstStyle/>
           <a:p>
-            <a:r>
-              <a:rPr lang="de-DE" dirty="0"/>
-              <a:t>Eine Form von Ablaufdiagramm</a:t>
-            </a:r>
-          </a:p>
-          <a:p>
-            <a:r>
-              <a:rPr lang="de-DE" dirty="0"/>
-              <a:t>Verwandt mit anderen Sprachen zur</a:t>
-            </a:r>
-            <a:br>
-              <a:rPr lang="de-DE" dirty="0"/>
-            </a:br>
-            <a:r>
-              <a:rPr lang="de-DE" dirty="0"/>
-              <a:t> Modellierung best. Geschäftsprozesse</a:t>
-            </a:r>
-          </a:p>
-          <a:p>
             <a:endParaRPr lang="de-AT" dirty="0"/>
           </a:p>
         </p:txBody>
@@ -6667,7 +7589,7 @@
     </p:spTree>
     <p:extLst>
       <p:ext uri="{BB962C8B-B14F-4D97-AF65-F5344CB8AC3E}">
-        <p14:creationId xmlns:p14="http://schemas.microsoft.com/office/powerpoint/2010/main" val="2608318073"/>
+        <p14:creationId xmlns:p14="http://schemas.microsoft.com/office/powerpoint/2010/main" val="4026244753"/>
       </p:ext>
     </p:extLst>
   </p:cSld>
@@ -6699,7 +7621,7 @@
           <p:cNvPr id="2" name="Titel 1">
             <a:extLst>
               <a:ext uri="{FF2B5EF4-FFF2-40B4-BE49-F238E27FC236}">
-                <a16:creationId xmlns:a16="http://schemas.microsoft.com/office/drawing/2014/main" id="{79356816-9E55-4FB8-84F9-EEAE03ADACE0}"/>
+                <a16:creationId xmlns:a16="http://schemas.microsoft.com/office/drawing/2014/main" id="{5A9DFE2C-1DFE-4570-97E0-5B9FB66D3B65}"/>
               </a:ext>
             </a:extLst>
           </p:cNvPr>
@@ -6717,7 +7639,7 @@
           <a:p>
             <a:r>
               <a:rPr lang="de-DE" dirty="0"/>
-              <a:t>Ausführung</a:t>
+              <a:t>Notationen</a:t>
             </a:r>
             <a:endParaRPr lang="de-AT" dirty="0"/>
           </a:p>
@@ -6728,7 +7650,7 @@
           <p:cNvPr id="3" name="Inhaltsplatzhalter 2">
             <a:extLst>
               <a:ext uri="{FF2B5EF4-FFF2-40B4-BE49-F238E27FC236}">
-                <a16:creationId xmlns:a16="http://schemas.microsoft.com/office/drawing/2014/main" id="{229942D9-3837-4DF1-83C9-EF9890CD5C92}"/>
+                <a16:creationId xmlns:a16="http://schemas.microsoft.com/office/drawing/2014/main" id="{E0715CE8-D1B8-48FF-B0F3-B050D0508DBE}"/>
               </a:ext>
             </a:extLst>
           </p:cNvPr>
@@ -6744,14 +7666,51 @@
           <a:bodyPr/>
           <a:lstStyle/>
           <a:p>
-            <a:endParaRPr lang="de-AT" dirty="0"/>
+            <a:r>
+              <a:rPr lang="de-DE" dirty="0"/>
+              <a:t>Grafische Elemente</a:t>
+            </a:r>
+          </a:p>
+          <a:p>
+            <a:r>
+              <a:rPr lang="de-DE" dirty="0"/>
+              <a:t>Flow Objects</a:t>
+            </a:r>
+          </a:p>
+          <a:p>
+            <a:r>
+              <a:rPr lang="de-DE" dirty="0" err="1"/>
+              <a:t>Connecting</a:t>
+            </a:r>
+            <a:r>
+              <a:rPr lang="de-DE" dirty="0"/>
+              <a:t> Objects</a:t>
+            </a:r>
+          </a:p>
+          <a:p>
+            <a:r>
+              <a:rPr lang="de-DE" dirty="0"/>
+              <a:t>Pools und </a:t>
+            </a:r>
+            <a:r>
+              <a:rPr lang="de-DE" dirty="0" err="1"/>
+              <a:t>Swimlanes</a:t>
+            </a:r>
+            <a:endParaRPr lang="de-DE" dirty="0"/>
+          </a:p>
+          <a:p>
+            <a:r>
+              <a:rPr lang="de-DE" dirty="0" err="1"/>
+              <a:t>Artifacts</a:t>
+            </a:r>
+            <a:endParaRPr lang="de-DE" dirty="0"/>
           </a:p>
         </p:txBody>
       </p:sp>
     </p:spTree>
     <p:extLst>
       <p:ext uri="{BB962C8B-B14F-4D97-AF65-F5344CB8AC3E}">
-        <p14:creationId xmlns:p14="http://schemas.microsoft.com/office/powerpoint/2010/main" val="4026244753"/>
+        <p14:creationId xmlns:p14="http://schemas.microsoft.com/office/powerpoint/2010/main" val="1802424358"/>
       </p:ext>
     </p:extLst>
   </p:cSld>
@@ -6783,7 +7742,7 @@
           <p:cNvPr id="2" name="Titel 1">
             <a:extLst>
               <a:ext uri="{FF2B5EF4-FFF2-40B4-BE49-F238E27FC236}">
-                <a16:creationId xmlns:a16="http://schemas.microsoft.com/office/drawing/2014/main" id="{5A9DFE2C-1DFE-4570-97E0-5B9FB66D3B65}"/>
+                <a16:creationId xmlns:a16="http://schemas.microsoft.com/office/drawing/2014/main" id="{D2A591BF-EE36-4B48-85F6-1DE320674563}"/>
               </a:ext>
             </a:extLst>
           </p:cNvPr>
@@ -6801,78 +7760,16 @@
           <a:p>
             <a:r>
               <a:rPr lang="de-DE" dirty="0"/>
-              <a:t>Notationen</a:t>
+              <a:t>Flow Objects</a:t>
             </a:r>
             <a:endParaRPr lang="de-AT" dirty="0"/>
-          </a:p>
-        </p:txBody>
-      </p:sp>
-      <p:sp>
-        <p:nvSpPr>
-          <p:cNvPr id="3" name="Inhaltsplatzhalter 2">
-            <a:extLst>
-              <a:ext uri="{FF2B5EF4-FFF2-40B4-BE49-F238E27FC236}">
-                <a16:creationId xmlns:a16="http://schemas.microsoft.com/office/drawing/2014/main" id="{E0715CE8-D1B8-48FF-B0F3-B050D0508DBE}"/>
-              </a:ext>
-            </a:extLst>
-          </p:cNvPr>
-          <p:cNvSpPr>
-            <a:spLocks noGrp="1"/>
-          </p:cNvSpPr>
-          <p:nvPr>
-            <p:ph idx="1"/>
-          </p:nvPr>
-        </p:nvSpPr>
-        <p:spPr/>
-        <p:txBody>
-          <a:bodyPr/>
-          <a:lstStyle/>
-          <a:p>
-            <a:r>
-              <a:rPr lang="de-DE" dirty="0"/>
-              <a:t>Grafische Elemente</a:t>
-            </a:r>
-          </a:p>
-          <a:p>
-            <a:r>
-              <a:rPr lang="de-DE" dirty="0"/>
-              <a:t>Flow Objects</a:t>
-            </a:r>
-          </a:p>
-          <a:p>
-            <a:r>
-              <a:rPr lang="de-DE" dirty="0" err="1"/>
-              <a:t>Connecting</a:t>
-            </a:r>
-            <a:r>
-              <a:rPr lang="de-DE" dirty="0"/>
-              <a:t> Objects</a:t>
-            </a:r>
-          </a:p>
-          <a:p>
-            <a:r>
-              <a:rPr lang="de-DE" dirty="0"/>
-              <a:t>Pools und </a:t>
-            </a:r>
-            <a:r>
-              <a:rPr lang="de-DE" dirty="0" err="1"/>
-              <a:t>Swimlanes</a:t>
-            </a:r>
-            <a:endParaRPr lang="de-DE" dirty="0"/>
-          </a:p>
-          <a:p>
-            <a:r>
-              <a:rPr lang="de-DE" dirty="0" err="1"/>
-              <a:t>Artifacts</a:t>
-            </a:r>
-            <a:endParaRPr lang="de-DE" dirty="0"/>
           </a:p>
         </p:txBody>
       </p:sp>
     </p:spTree>
     <p:extLst>
       <p:ext uri="{BB962C8B-B14F-4D97-AF65-F5344CB8AC3E}">
-        <p14:creationId xmlns:p14="http://schemas.microsoft.com/office/powerpoint/2010/main" val="1802424358"/>
+        <p14:creationId xmlns:p14="http://schemas.microsoft.com/office/powerpoint/2010/main" val="3169920075"/>
       </p:ext>
     </p:extLst>
   </p:cSld>
@@ -6901,10 +7798,10 @@
       </p:grpSpPr>
       <p:sp>
         <p:nvSpPr>
-          <p:cNvPr id="2" name="Titel 1">
+          <p:cNvPr id="4" name="Titel 3">
             <a:extLst>
               <a:ext uri="{FF2B5EF4-FFF2-40B4-BE49-F238E27FC236}">
-                <a16:creationId xmlns:a16="http://schemas.microsoft.com/office/drawing/2014/main" id="{D2A591BF-EE36-4B48-85F6-1DE320674563}"/>
+                <a16:creationId xmlns:a16="http://schemas.microsoft.com/office/drawing/2014/main" id="{9EB9BBC8-9933-45AD-B404-3BA8E31B2534}"/>
               </a:ext>
             </a:extLst>
           </p:cNvPr>
@@ -6921,8 +7818,8 @@
           <a:lstStyle/>
           <a:p>
             <a:r>
-              <a:rPr lang="de-DE" dirty="0"/>
-              <a:t>Flow Objects</a:t>
+              <a:rPr lang="de-DE" dirty="0" err="1"/>
+              <a:t>Activity</a:t>
             </a:r>
             <a:endParaRPr lang="de-AT" dirty="0"/>
           </a:p>
@@ -6930,10 +7827,10 @@
       </p:sp>
       <p:sp>
         <p:nvSpPr>
-          <p:cNvPr id="3" name="Inhaltsplatzhalter 2">
+          <p:cNvPr id="5" name="Inhaltsplatzhalter 4">
             <a:extLst>
               <a:ext uri="{FF2B5EF4-FFF2-40B4-BE49-F238E27FC236}">
-                <a16:creationId xmlns:a16="http://schemas.microsoft.com/office/drawing/2014/main" id="{1D9D4E68-B297-4401-BDB3-B28F963F3BB8}"/>
+                <a16:creationId xmlns:a16="http://schemas.microsoft.com/office/drawing/2014/main" id="{FD2B5BBC-BE08-4A45-A921-A7193F452443}"/>
               </a:ext>
             </a:extLst>
           </p:cNvPr>
@@ -6941,15 +7838,63 @@
             <a:spLocks noGrp="1"/>
           </p:cNvSpPr>
           <p:nvPr>
-            <p:ph type="body" idx="1"/>
-          </p:nvPr>
-        </p:nvSpPr>
-        <p:spPr/>
-        <p:txBody>
-          <a:bodyPr>
-            <a:normAutofit/>
-          </a:bodyPr>
-          <a:lstStyle/>
+            <p:ph idx="1"/>
+          </p:nvPr>
+        </p:nvSpPr>
+        <p:spPr/>
+        <p:txBody>
+          <a:bodyPr/>
+          <a:lstStyle/>
+          <a:p>
+            <a:r>
+              <a:rPr lang="de-DE" dirty="0"/>
+              <a:t>Beschreibt eine Aufgabe</a:t>
+            </a:r>
+            <a:r>
+              <a:rPr lang="de-AT" dirty="0"/>
+              <a:t> die zu erledigen ist</a:t>
+            </a:r>
+          </a:p>
+          <a:p>
+            <a:r>
+              <a:rPr lang="de-AT" dirty="0"/>
+              <a:t>Einfache </a:t>
+            </a:r>
+            <a:r>
+              <a:rPr lang="de-AT" dirty="0" err="1"/>
+              <a:t>Activities</a:t>
+            </a:r>
+            <a:r>
+              <a:rPr lang="de-AT" dirty="0"/>
+              <a:t>: Task</a:t>
+            </a:r>
+          </a:p>
+          <a:p>
+            <a:r>
+              <a:rPr lang="de-AT" dirty="0"/>
+              <a:t>Komplexe </a:t>
+            </a:r>
+            <a:r>
+              <a:rPr lang="de-AT" dirty="0" err="1"/>
+              <a:t>Activities</a:t>
+            </a:r>
+            <a:r>
+              <a:rPr lang="de-AT" dirty="0"/>
+              <a:t>: </a:t>
+            </a:r>
+            <a:r>
+              <a:rPr lang="de-AT" dirty="0" err="1"/>
+              <a:t>Subprocess</a:t>
+            </a:r>
+            <a:endParaRPr lang="de-AT" dirty="0"/>
+          </a:p>
+          <a:p>
+            <a:pPr lvl="1"/>
+            <a:r>
+              <a:rPr lang="de-AT" dirty="0"/>
+              <a:t>Unterscheidung zwischen kollabiert und expandiert</a:t>
+            </a:r>
+          </a:p>
           <a:p>
             <a:endParaRPr lang="de-DE" dirty="0"/>
           </a:p>
@@ -6958,7 +7903,7 @@
     </p:spTree>
     <p:extLst>
       <p:ext uri="{BB962C8B-B14F-4D97-AF65-F5344CB8AC3E}">
-        <p14:creationId xmlns:p14="http://schemas.microsoft.com/office/powerpoint/2010/main" val="3169920075"/>
+        <p14:creationId xmlns:p14="http://schemas.microsoft.com/office/powerpoint/2010/main" val="205241884"/>
       </p:ext>
     </p:extLst>
   </p:cSld>

--- a/BPMN.pptx
+++ b/BPMN.pptx
@@ -8,21 +8,20 @@
     <p:sldId id="256" r:id="rId2"/>
     <p:sldId id="258" r:id="rId3"/>
     <p:sldId id="259" r:id="rId4"/>
-    <p:sldId id="266" r:id="rId5"/>
-    <p:sldId id="261" r:id="rId6"/>
-    <p:sldId id="262" r:id="rId7"/>
-    <p:sldId id="263" r:id="rId8"/>
-    <p:sldId id="264" r:id="rId9"/>
-    <p:sldId id="265" r:id="rId10"/>
-    <p:sldId id="267" r:id="rId11"/>
-    <p:sldId id="268" r:id="rId12"/>
-    <p:sldId id="273" r:id="rId13"/>
-    <p:sldId id="269" r:id="rId14"/>
-    <p:sldId id="270" r:id="rId15"/>
-    <p:sldId id="271" r:id="rId16"/>
-    <p:sldId id="272" r:id="rId17"/>
-    <p:sldId id="260" r:id="rId18"/>
-    <p:sldId id="257" r:id="rId19"/>
+    <p:sldId id="261" r:id="rId5"/>
+    <p:sldId id="262" r:id="rId6"/>
+    <p:sldId id="263" r:id="rId7"/>
+    <p:sldId id="264" r:id="rId8"/>
+    <p:sldId id="265" r:id="rId9"/>
+    <p:sldId id="267" r:id="rId10"/>
+    <p:sldId id="268" r:id="rId11"/>
+    <p:sldId id="273" r:id="rId12"/>
+    <p:sldId id="269" r:id="rId13"/>
+    <p:sldId id="270" r:id="rId14"/>
+    <p:sldId id="271" r:id="rId15"/>
+    <p:sldId id="272" r:id="rId16"/>
+    <p:sldId id="260" r:id="rId17"/>
+    <p:sldId id="257" r:id="rId18"/>
   </p:sldIdLst>
   <p:sldSz cx="12192000" cy="6858000"/>
   <p:notesSz cx="6858000" cy="9144000"/>
@@ -851,7 +850,7 @@
           <a:p>
             <a:fld id="{DCAEF972-E3B3-4410-99AA-A26762AFA263}" type="datetimeFigureOut">
               <a:rPr lang="de-AT" smtClean="0"/>
-              <a:t>09.03.2022</a:t>
+              <a:t>19.04.2022</a:t>
             </a:fld>
             <a:endParaRPr lang="de-AT"/>
           </a:p>
@@ -1102,7 +1101,7 @@
           <a:p>
             <a:fld id="{DCAEF972-E3B3-4410-99AA-A26762AFA263}" type="datetimeFigureOut">
               <a:rPr lang="de-AT" smtClean="0"/>
-              <a:t>09.03.2022</a:t>
+              <a:t>19.04.2022</a:t>
             </a:fld>
             <a:endParaRPr lang="de-AT"/>
           </a:p>
@@ -1416,7 +1415,7 @@
           <a:p>
             <a:fld id="{DCAEF972-E3B3-4410-99AA-A26762AFA263}" type="datetimeFigureOut">
               <a:rPr lang="de-AT" smtClean="0"/>
-              <a:t>09.03.2022</a:t>
+              <a:t>19.04.2022</a:t>
             </a:fld>
             <a:endParaRPr lang="de-AT"/>
           </a:p>
@@ -1757,7 +1756,7 @@
           <a:p>
             <a:fld id="{DCAEF972-E3B3-4410-99AA-A26762AFA263}" type="datetimeFigureOut">
               <a:rPr lang="de-AT" smtClean="0"/>
-              <a:t>09.03.2022</a:t>
+              <a:t>19.04.2022</a:t>
             </a:fld>
             <a:endParaRPr lang="de-AT"/>
           </a:p>
@@ -2071,7 +2070,7 @@
           <a:p>
             <a:fld id="{DCAEF972-E3B3-4410-99AA-A26762AFA263}" type="datetimeFigureOut">
               <a:rPr lang="de-AT" smtClean="0"/>
-              <a:t>09.03.2022</a:t>
+              <a:t>19.04.2022</a:t>
             </a:fld>
             <a:endParaRPr lang="de-AT"/>
           </a:p>
@@ -2464,7 +2463,7 @@
           <a:p>
             <a:fld id="{DCAEF972-E3B3-4410-99AA-A26762AFA263}" type="datetimeFigureOut">
               <a:rPr lang="de-AT" smtClean="0"/>
-              <a:t>09.03.2022</a:t>
+              <a:t>19.04.2022</a:t>
             </a:fld>
             <a:endParaRPr lang="de-AT"/>
           </a:p>
@@ -2634,7 +2633,7 @@
           <a:p>
             <a:fld id="{DCAEF972-E3B3-4410-99AA-A26762AFA263}" type="datetimeFigureOut">
               <a:rPr lang="de-AT" smtClean="0"/>
-              <a:t>09.03.2022</a:t>
+              <a:t>19.04.2022</a:t>
             </a:fld>
             <a:endParaRPr lang="de-AT"/>
           </a:p>
@@ -2814,7 +2813,7 @@
           <a:p>
             <a:fld id="{DCAEF972-E3B3-4410-99AA-A26762AFA263}" type="datetimeFigureOut">
               <a:rPr lang="de-AT" smtClean="0"/>
-              <a:t>09.03.2022</a:t>
+              <a:t>19.04.2022</a:t>
             </a:fld>
             <a:endParaRPr lang="de-AT"/>
           </a:p>
@@ -2990,7 +2989,7 @@
           <a:p>
             <a:fld id="{DCAEF972-E3B3-4410-99AA-A26762AFA263}" type="datetimeFigureOut">
               <a:rPr lang="de-AT" smtClean="0"/>
-              <a:t>09.03.2022</a:t>
+              <a:t>19.04.2022</a:t>
             </a:fld>
             <a:endParaRPr lang="de-AT"/>
           </a:p>
@@ -3237,7 +3236,7 @@
           <a:p>
             <a:fld id="{DCAEF972-E3B3-4410-99AA-A26762AFA263}" type="datetimeFigureOut">
               <a:rPr lang="de-AT" smtClean="0"/>
-              <a:t>09.03.2022</a:t>
+              <a:t>19.04.2022</a:t>
             </a:fld>
             <a:endParaRPr lang="de-AT"/>
           </a:p>
@@ -3469,7 +3468,7 @@
           <a:p>
             <a:fld id="{DCAEF972-E3B3-4410-99AA-A26762AFA263}" type="datetimeFigureOut">
               <a:rPr lang="de-AT" smtClean="0"/>
-              <a:t>09.03.2022</a:t>
+              <a:t>19.04.2022</a:t>
             </a:fld>
             <a:endParaRPr lang="de-AT"/>
           </a:p>
@@ -3843,7 +3842,7 @@
           <a:p>
             <a:fld id="{DCAEF972-E3B3-4410-99AA-A26762AFA263}" type="datetimeFigureOut">
               <a:rPr lang="de-AT" smtClean="0"/>
-              <a:t>09.03.2022</a:t>
+              <a:t>19.04.2022</a:t>
             </a:fld>
             <a:endParaRPr lang="de-AT"/>
           </a:p>
@@ -3966,7 +3965,7 @@
           <a:p>
             <a:fld id="{DCAEF972-E3B3-4410-99AA-A26762AFA263}" type="datetimeFigureOut">
               <a:rPr lang="de-AT" smtClean="0"/>
-              <a:t>09.03.2022</a:t>
+              <a:t>19.04.2022</a:t>
             </a:fld>
             <a:endParaRPr lang="de-AT"/>
           </a:p>
@@ -4061,7 +4060,7 @@
           <a:p>
             <a:fld id="{DCAEF972-E3B3-4410-99AA-A26762AFA263}" type="datetimeFigureOut">
               <a:rPr lang="de-AT" smtClean="0"/>
-              <a:t>09.03.2022</a:t>
+              <a:t>19.04.2022</a:t>
             </a:fld>
             <a:endParaRPr lang="de-AT"/>
           </a:p>
@@ -4316,7 +4315,7 @@
           <a:p>
             <a:fld id="{DCAEF972-E3B3-4410-99AA-A26762AFA263}" type="datetimeFigureOut">
               <a:rPr lang="de-AT" smtClean="0"/>
-              <a:t>09.03.2022</a:t>
+              <a:t>19.04.2022</a:t>
             </a:fld>
             <a:endParaRPr lang="de-AT"/>
           </a:p>
@@ -4579,7 +4578,7 @@
           <a:p>
             <a:fld id="{DCAEF972-E3B3-4410-99AA-A26762AFA263}" type="datetimeFigureOut">
               <a:rPr lang="de-AT" smtClean="0"/>
-              <a:t>09.03.2022</a:t>
+              <a:t>19.04.2022</a:t>
             </a:fld>
             <a:endParaRPr lang="de-AT"/>
           </a:p>
@@ -5322,7 +5321,7 @@
           <a:p>
             <a:fld id="{DCAEF972-E3B3-4410-99AA-A26762AFA263}" type="datetimeFigureOut">
               <a:rPr lang="de-AT" smtClean="0"/>
-              <a:t>09.03.2022</a:t>
+              <a:t>19.04.2022</a:t>
             </a:fld>
             <a:endParaRPr lang="de-AT"/>
           </a:p>
@@ -5939,159 +5938,6 @@
           <p:cNvPr id="2" name="Titel 1">
             <a:extLst>
               <a:ext uri="{FF2B5EF4-FFF2-40B4-BE49-F238E27FC236}">
-                <a16:creationId xmlns:a16="http://schemas.microsoft.com/office/drawing/2014/main" id="{BCC63F3D-16E0-49F5-AB26-5FDDB3A3DAA7}"/>
-              </a:ext>
-            </a:extLst>
-          </p:cNvPr>
-          <p:cNvSpPr>
-            <a:spLocks noGrp="1"/>
-          </p:cNvSpPr>
-          <p:nvPr>
-            <p:ph type="title"/>
-          </p:nvPr>
-        </p:nvSpPr>
-        <p:spPr/>
-        <p:txBody>
-          <a:bodyPr/>
-          <a:lstStyle/>
-          <a:p>
-            <a:r>
-              <a:rPr lang="de-DE" dirty="0"/>
-              <a:t>Gateway</a:t>
-            </a:r>
-            <a:endParaRPr lang="de-AT" dirty="0"/>
-          </a:p>
-        </p:txBody>
-      </p:sp>
-      <p:sp>
-        <p:nvSpPr>
-          <p:cNvPr id="3" name="Inhaltsplatzhalter 2">
-            <a:extLst>
-              <a:ext uri="{FF2B5EF4-FFF2-40B4-BE49-F238E27FC236}">
-                <a16:creationId xmlns:a16="http://schemas.microsoft.com/office/drawing/2014/main" id="{6CD7E7E8-2AAF-4AE8-92BC-B139758F28FD}"/>
-              </a:ext>
-            </a:extLst>
-          </p:cNvPr>
-          <p:cNvSpPr>
-            <a:spLocks noGrp="1"/>
-          </p:cNvSpPr>
-          <p:nvPr>
-            <p:ph idx="1"/>
-          </p:nvPr>
-        </p:nvSpPr>
-        <p:spPr/>
-        <p:txBody>
-          <a:bodyPr/>
-          <a:lstStyle/>
-          <a:p>
-            <a:r>
-              <a:rPr lang="de-DE" dirty="0"/>
-              <a:t>Split</a:t>
-            </a:r>
-          </a:p>
-          <a:p>
-            <a:pPr lvl="1"/>
-            <a:r>
-              <a:rPr lang="de-DE" dirty="0"/>
-              <a:t>Teilt in mehrere Kontrollflüsse auf</a:t>
-            </a:r>
-          </a:p>
-          <a:p>
-            <a:r>
-              <a:rPr lang="de-DE" dirty="0" err="1"/>
-              <a:t>Merge</a:t>
-            </a:r>
-            <a:endParaRPr lang="de-DE" dirty="0"/>
-          </a:p>
-          <a:p>
-            <a:pPr lvl="1"/>
-            <a:r>
-              <a:rPr lang="de-DE" dirty="0"/>
-              <a:t>Fügt mehrere Kontrollflüsse zusammen</a:t>
-            </a:r>
-          </a:p>
-          <a:p>
-            <a:r>
-              <a:rPr lang="de-DE" dirty="0"/>
-              <a:t>kann aus einem XOR-, AND- und OR-Gate bestehen</a:t>
-            </a:r>
-          </a:p>
-          <a:p>
-            <a:r>
-              <a:rPr lang="de-DE" dirty="0"/>
-              <a:t>Ereignisgesteuerte: bei bestimmten Event</a:t>
-            </a:r>
-          </a:p>
-          <a:p>
-            <a:endParaRPr lang="de-DE" dirty="0"/>
-          </a:p>
-        </p:txBody>
-      </p:sp>
-      <p:pic>
-        <p:nvPicPr>
-          <p:cNvPr id="7" name="Grafik 6">
-            <a:extLst>
-              <a:ext uri="{FF2B5EF4-FFF2-40B4-BE49-F238E27FC236}">
-                <a16:creationId xmlns:a16="http://schemas.microsoft.com/office/drawing/2014/main" id="{2FD79F63-DF10-4DE3-909D-3E2A0C984CB1}"/>
-              </a:ext>
-            </a:extLst>
-          </p:cNvPr>
-          <p:cNvPicPr>
-            <a:picLocks noChangeAspect="1"/>
-          </p:cNvPicPr>
-          <p:nvPr/>
-        </p:nvPicPr>
-        <p:blipFill>
-          <a:blip r:embed="rId2"/>
-          <a:stretch>
-            <a:fillRect/>
-          </a:stretch>
-        </p:blipFill>
-        <p:spPr>
-          <a:xfrm>
-            <a:off x="2541691" y="5048082"/>
-            <a:ext cx="4867954" cy="1200318"/>
-          </a:xfrm>
-          <a:prstGeom prst="rect">
-            <a:avLst/>
-          </a:prstGeom>
-        </p:spPr>
-      </p:pic>
-    </p:spTree>
-    <p:extLst>
-      <p:ext uri="{BB962C8B-B14F-4D97-AF65-F5344CB8AC3E}">
-        <p14:creationId xmlns:p14="http://schemas.microsoft.com/office/powerpoint/2010/main" val="2218362454"/>
-      </p:ext>
-    </p:extLst>
-  </p:cSld>
-  <p:clrMapOvr>
-    <a:masterClrMapping/>
-  </p:clrMapOvr>
-</p:sld>
-</file>
-
-<file path=ppt/slides/slide11.xml><?xml version="1.0" encoding="utf-8"?>
-<p:sld xmlns:a="http://schemas.openxmlformats.org/drawingml/2006/main" xmlns:r="http://schemas.openxmlformats.org/officeDocument/2006/relationships" xmlns:p="http://schemas.openxmlformats.org/presentationml/2006/main">
-  <p:cSld>
-    <p:spTree>
-      <p:nvGrpSpPr>
-        <p:cNvPr id="1" name=""/>
-        <p:cNvGrpSpPr/>
-        <p:nvPr/>
-      </p:nvGrpSpPr>
-      <p:grpSpPr>
-        <a:xfrm>
-          <a:off x="0" y="0"/>
-          <a:ext cx="0" cy="0"/>
-          <a:chOff x="0" y="0"/>
-          <a:chExt cx="0" cy="0"/>
-        </a:xfrm>
-      </p:grpSpPr>
-      <p:sp>
-        <p:nvSpPr>
-          <p:cNvPr id="2" name="Titel 1">
-            <a:extLst>
-              <a:ext uri="{FF2B5EF4-FFF2-40B4-BE49-F238E27FC236}">
                 <a16:creationId xmlns:a16="http://schemas.microsoft.com/office/drawing/2014/main" id="{90D199F6-9F5E-462F-9B2E-756A10A544F2}"/>
               </a:ext>
             </a:extLst>
@@ -6238,7 +6084,7 @@
 </p:sld>
 </file>
 
-<file path=ppt/slides/slide12.xml><?xml version="1.0" encoding="utf-8"?>
+<file path=ppt/slides/slide11.xml><?xml version="1.0" encoding="utf-8"?>
 <p:sld xmlns:a="http://schemas.openxmlformats.org/drawingml/2006/main" xmlns:r="http://schemas.openxmlformats.org/officeDocument/2006/relationships" xmlns:p="http://schemas.openxmlformats.org/presentationml/2006/main">
   <p:cSld>
     <p:spTree>
@@ -6301,7 +6147,7 @@
 </p:sld>
 </file>
 
-<file path=ppt/slides/slide13.xml><?xml version="1.0" encoding="utf-8"?>
+<file path=ppt/slides/slide12.xml><?xml version="1.0" encoding="utf-8"?>
 <p:sld xmlns:a="http://schemas.openxmlformats.org/drawingml/2006/main" xmlns:r="http://schemas.openxmlformats.org/officeDocument/2006/relationships" xmlns:p="http://schemas.openxmlformats.org/presentationml/2006/main">
   <p:cSld>
     <p:spTree>
@@ -6467,7 +6313,7 @@
 </p:sld>
 </file>
 
-<file path=ppt/slides/slide14.xml><?xml version="1.0" encoding="utf-8"?>
+<file path=ppt/slides/slide13.xml><?xml version="1.0" encoding="utf-8"?>
 <p:sld xmlns:a="http://schemas.openxmlformats.org/drawingml/2006/main" xmlns:r="http://schemas.openxmlformats.org/officeDocument/2006/relationships" xmlns:p="http://schemas.openxmlformats.org/presentationml/2006/main">
   <p:cSld>
     <p:spTree>
@@ -6661,7 +6507,7 @@
 </p:sld>
 </file>
 
-<file path=ppt/slides/slide15.xml><?xml version="1.0" encoding="utf-8"?>
+<file path=ppt/slides/slide14.xml><?xml version="1.0" encoding="utf-8"?>
 <p:sld xmlns:a="http://schemas.openxmlformats.org/drawingml/2006/main" xmlns:r="http://schemas.openxmlformats.org/officeDocument/2006/relationships" xmlns:p="http://schemas.openxmlformats.org/presentationml/2006/main">
   <p:cSld>
     <p:spTree>
@@ -6794,6 +6640,167 @@
 </p:sld>
 </file>
 
+<file path=ppt/slides/slide15.xml><?xml version="1.0" encoding="utf-8"?>
+<p:sld xmlns:a="http://schemas.openxmlformats.org/drawingml/2006/main" xmlns:r="http://schemas.openxmlformats.org/officeDocument/2006/relationships" xmlns:p="http://schemas.openxmlformats.org/presentationml/2006/main">
+  <p:cSld>
+    <p:spTree>
+      <p:nvGrpSpPr>
+        <p:cNvPr id="1" name=""/>
+        <p:cNvGrpSpPr/>
+        <p:nvPr/>
+      </p:nvGrpSpPr>
+      <p:grpSpPr>
+        <a:xfrm>
+          <a:off x="0" y="0"/>
+          <a:ext cx="0" cy="0"/>
+          <a:chOff x="0" y="0"/>
+          <a:chExt cx="0" cy="0"/>
+        </a:xfrm>
+      </p:grpSpPr>
+      <p:sp>
+        <p:nvSpPr>
+          <p:cNvPr id="2" name="Titel 1">
+            <a:extLst>
+              <a:ext uri="{FF2B5EF4-FFF2-40B4-BE49-F238E27FC236}">
+                <a16:creationId xmlns:a16="http://schemas.microsoft.com/office/drawing/2014/main" id="{BB108D30-2268-4498-AACF-212F06E8B219}"/>
+              </a:ext>
+            </a:extLst>
+          </p:cNvPr>
+          <p:cNvSpPr>
+            <a:spLocks noGrp="1"/>
+          </p:cNvSpPr>
+          <p:nvPr>
+            <p:ph type="title"/>
+          </p:nvPr>
+        </p:nvSpPr>
+        <p:spPr/>
+        <p:txBody>
+          <a:bodyPr/>
+          <a:lstStyle/>
+          <a:p>
+            <a:r>
+              <a:rPr lang="de-DE" dirty="0" err="1"/>
+              <a:t>Artifacts</a:t>
+            </a:r>
+            <a:endParaRPr lang="de-AT" dirty="0"/>
+          </a:p>
+        </p:txBody>
+      </p:sp>
+      <p:sp>
+        <p:nvSpPr>
+          <p:cNvPr id="3" name="Inhaltsplatzhalter 2">
+            <a:extLst>
+              <a:ext uri="{FF2B5EF4-FFF2-40B4-BE49-F238E27FC236}">
+                <a16:creationId xmlns:a16="http://schemas.microsoft.com/office/drawing/2014/main" id="{9BF504D1-1591-4B5F-B5A4-58E453D36608}"/>
+              </a:ext>
+            </a:extLst>
+          </p:cNvPr>
+          <p:cNvSpPr>
+            <a:spLocks noGrp="1"/>
+          </p:cNvSpPr>
+          <p:nvPr>
+            <p:ph idx="1"/>
+          </p:nvPr>
+        </p:nvSpPr>
+        <p:spPr/>
+        <p:txBody>
+          <a:bodyPr/>
+          <a:lstStyle/>
+          <a:p>
+            <a:r>
+              <a:rPr lang="de-DE" dirty="0"/>
+              <a:t>Annotation: Kommentar welches Elementen zugeteilt werden kann</a:t>
+            </a:r>
+          </a:p>
+          <a:p>
+            <a:r>
+              <a:rPr lang="de-DE" dirty="0"/>
+              <a:t>Data </a:t>
+            </a:r>
+            <a:r>
+              <a:rPr lang="de-DE" dirty="0" err="1"/>
+              <a:t>Object</a:t>
+            </a:r>
+            <a:r>
+              <a:rPr lang="de-DE" dirty="0"/>
+              <a:t>: Darstellung von Objekten und Dokumente</a:t>
+            </a:r>
+          </a:p>
+          <a:p>
+            <a:r>
+              <a:rPr lang="de-DE" dirty="0"/>
+              <a:t>Group: Hilfsmittel zur Zusammenfassung von Elementen</a:t>
+            </a:r>
+          </a:p>
+          <a:p>
+            <a:r>
+              <a:rPr lang="de-DE" dirty="0"/>
+              <a:t>Assoziation: Verbindung zwischen Objekt und Element</a:t>
+            </a:r>
+            <a:endParaRPr lang="de-AT" dirty="0"/>
+          </a:p>
+        </p:txBody>
+      </p:sp>
+      <p:pic>
+        <p:nvPicPr>
+          <p:cNvPr id="1026" name="Picture 2">
+            <a:extLst>
+              <a:ext uri="{FF2B5EF4-FFF2-40B4-BE49-F238E27FC236}">
+                <a16:creationId xmlns:a16="http://schemas.microsoft.com/office/drawing/2014/main" id="{A0A90868-5417-486A-87A2-7A30A8E4BD0E}"/>
+              </a:ext>
+            </a:extLst>
+          </p:cNvPr>
+          <p:cNvPicPr>
+            <a:picLocks noChangeAspect="1" noChangeArrowheads="1"/>
+          </p:cNvPicPr>
+          <p:nvPr/>
+        </p:nvPicPr>
+        <p:blipFill>
+          <a:blip r:embed="rId2">
+            <a:extLst>
+              <a:ext uri="{28A0092B-C50C-407E-A947-70E740481C1C}">
+                <a14:useLocalDpi xmlns:a14="http://schemas.microsoft.com/office/drawing/2010/main" val="0"/>
+              </a:ext>
+            </a:extLst>
+          </a:blip>
+          <a:srcRect/>
+          <a:stretch>
+            <a:fillRect/>
+          </a:stretch>
+        </p:blipFill>
+        <p:spPr bwMode="auto">
+          <a:xfrm>
+            <a:off x="2716193" y="3781887"/>
+            <a:ext cx="4518950" cy="2259475"/>
+          </a:xfrm>
+          <a:prstGeom prst="rect">
+            <a:avLst/>
+          </a:prstGeom>
+          <a:noFill/>
+          <a:extLst>
+            <a:ext uri="{909E8E84-426E-40DD-AFC4-6F175D3DCCD1}">
+              <a14:hiddenFill xmlns:a14="http://schemas.microsoft.com/office/drawing/2010/main">
+                <a:solidFill>
+                  <a:srgbClr val="FFFFFF"/>
+                </a:solidFill>
+              </a14:hiddenFill>
+            </a:ext>
+          </a:extLst>
+        </p:spPr>
+      </p:pic>
+    </p:spTree>
+    <p:extLst>
+      <p:ext uri="{BB962C8B-B14F-4D97-AF65-F5344CB8AC3E}">
+        <p14:creationId xmlns:p14="http://schemas.microsoft.com/office/powerpoint/2010/main" val="4193987599"/>
+      </p:ext>
+    </p:extLst>
+  </p:cSld>
+  <p:clrMapOvr>
+    <a:masterClrMapping/>
+  </p:clrMapOvr>
+</p:sld>
+</file>
+
 <file path=ppt/slides/slide16.xml><?xml version="1.0" encoding="utf-8"?>
 <p:sld xmlns:a="http://schemas.openxmlformats.org/drawingml/2006/main" xmlns:r="http://schemas.openxmlformats.org/officeDocument/2006/relationships" xmlns:p="http://schemas.openxmlformats.org/presentationml/2006/main">
   <p:cSld>
@@ -6816,7 +6823,7 @@
           <p:cNvPr id="2" name="Titel 1">
             <a:extLst>
               <a:ext uri="{FF2B5EF4-FFF2-40B4-BE49-F238E27FC236}">
-                <a16:creationId xmlns:a16="http://schemas.microsoft.com/office/drawing/2014/main" id="{BB108D30-2268-4498-AACF-212F06E8B219}"/>
+                <a16:creationId xmlns:a16="http://schemas.microsoft.com/office/drawing/2014/main" id="{D3AD8B56-46EC-4DB7-8CC7-F506E0AB63EE}"/>
               </a:ext>
             </a:extLst>
           </p:cNvPr>
@@ -6833,8 +6840,8 @@
           <a:lstStyle/>
           <a:p>
             <a:r>
-              <a:rPr lang="de-DE" dirty="0" err="1"/>
-              <a:t>Artifacts</a:t>
+              <a:rPr lang="de-DE" dirty="0"/>
+              <a:t>Neuerungen in V2</a:t>
             </a:r>
             <a:endParaRPr lang="de-AT" dirty="0"/>
           </a:p>
@@ -6845,7 +6852,7 @@
           <p:cNvPr id="3" name="Inhaltsplatzhalter 2">
             <a:extLst>
               <a:ext uri="{FF2B5EF4-FFF2-40B4-BE49-F238E27FC236}">
-                <a16:creationId xmlns:a16="http://schemas.microsoft.com/office/drawing/2014/main" id="{9BF504D1-1591-4B5F-B5A4-58E453D36608}"/>
+                <a16:creationId xmlns:a16="http://schemas.microsoft.com/office/drawing/2014/main" id="{E49F2BEE-F448-45A1-BBE2-52E33896DC5B}"/>
               </a:ext>
             </a:extLst>
           </p:cNvPr>
@@ -6861,14 +6868,56 @@
           <a:bodyPr/>
           <a:lstStyle/>
           <a:p>
-            <a:endParaRPr lang="de-AT"/>
+            <a:r>
+              <a:rPr lang="de-DE" dirty="0"/>
+              <a:t>XML-basiertes Format</a:t>
+            </a:r>
+          </a:p>
+          <a:p>
+            <a:pPr lvl="1"/>
+            <a:r>
+              <a:rPr lang="de-DE" dirty="0"/>
+              <a:t>für den Austausch versch. Werkzeuge</a:t>
+            </a:r>
+            <a:br>
+              <a:rPr lang="de-AT" dirty="0"/>
+            </a:br>
+            <a:r>
+              <a:rPr lang="de-AT" dirty="0"/>
+              <a:t>(Modellierung, Simulation, Ausführung)</a:t>
+            </a:r>
+          </a:p>
+          <a:p>
+            <a:r>
+              <a:rPr lang="de-AT" dirty="0"/>
+              <a:t>Erweiterbar</a:t>
+            </a:r>
+          </a:p>
+          <a:p>
+            <a:r>
+              <a:rPr lang="de-DE" dirty="0"/>
+              <a:t>Zusätzliches Modell für die Choreografie</a:t>
+            </a:r>
+          </a:p>
+          <a:p>
+            <a:r>
+              <a:rPr lang="de-DE" dirty="0"/>
+              <a:t>Möglichkeit für die gesamte Darstellung</a:t>
+            </a:r>
+            <a:br>
+              <a:rPr lang="de-DE" dirty="0"/>
+            </a:br>
+            <a:r>
+              <a:rPr lang="de-DE" dirty="0"/>
+              <a:t>einer Prozesslandschaft</a:t>
+            </a:r>
           </a:p>
         </p:txBody>
       </p:sp>
     </p:spTree>
     <p:extLst>
       <p:ext uri="{BB962C8B-B14F-4D97-AF65-F5344CB8AC3E}">
-        <p14:creationId xmlns:p14="http://schemas.microsoft.com/office/powerpoint/2010/main" val="4193987599"/>
+        <p14:creationId xmlns:p14="http://schemas.microsoft.com/office/powerpoint/2010/main" val="3041083776"/>
       </p:ext>
     </p:extLst>
   </p:cSld>
@@ -6900,132 +6949,6 @@
           <p:cNvPr id="2" name="Titel 1">
             <a:extLst>
               <a:ext uri="{FF2B5EF4-FFF2-40B4-BE49-F238E27FC236}">
-                <a16:creationId xmlns:a16="http://schemas.microsoft.com/office/drawing/2014/main" id="{D3AD8B56-46EC-4DB7-8CC7-F506E0AB63EE}"/>
-              </a:ext>
-            </a:extLst>
-          </p:cNvPr>
-          <p:cNvSpPr>
-            <a:spLocks noGrp="1"/>
-          </p:cNvSpPr>
-          <p:nvPr>
-            <p:ph type="title"/>
-          </p:nvPr>
-        </p:nvSpPr>
-        <p:spPr/>
-        <p:txBody>
-          <a:bodyPr/>
-          <a:lstStyle/>
-          <a:p>
-            <a:r>
-              <a:rPr lang="de-DE" dirty="0"/>
-              <a:t>Neuerungen in V2</a:t>
-            </a:r>
-            <a:endParaRPr lang="de-AT" dirty="0"/>
-          </a:p>
-        </p:txBody>
-      </p:sp>
-      <p:sp>
-        <p:nvSpPr>
-          <p:cNvPr id="3" name="Inhaltsplatzhalter 2">
-            <a:extLst>
-              <a:ext uri="{FF2B5EF4-FFF2-40B4-BE49-F238E27FC236}">
-                <a16:creationId xmlns:a16="http://schemas.microsoft.com/office/drawing/2014/main" id="{E49F2BEE-F448-45A1-BBE2-52E33896DC5B}"/>
-              </a:ext>
-            </a:extLst>
-          </p:cNvPr>
-          <p:cNvSpPr>
-            <a:spLocks noGrp="1"/>
-          </p:cNvSpPr>
-          <p:nvPr>
-            <p:ph idx="1"/>
-          </p:nvPr>
-        </p:nvSpPr>
-        <p:spPr/>
-        <p:txBody>
-          <a:bodyPr/>
-          <a:lstStyle/>
-          <a:p>
-            <a:r>
-              <a:rPr lang="de-DE" dirty="0"/>
-              <a:t>XML-basiertes Format</a:t>
-            </a:r>
-          </a:p>
-          <a:p>
-            <a:pPr lvl="1"/>
-            <a:r>
-              <a:rPr lang="de-DE" dirty="0"/>
-              <a:t>für den Austausch versch. Werkzeuge</a:t>
-            </a:r>
-            <a:br>
-              <a:rPr lang="de-AT" dirty="0"/>
-            </a:br>
-            <a:r>
-              <a:rPr lang="de-AT" dirty="0"/>
-              <a:t>(Modellierung, Simulation, Ausführung)</a:t>
-            </a:r>
-          </a:p>
-          <a:p>
-            <a:r>
-              <a:rPr lang="de-AT" dirty="0"/>
-              <a:t>Erweiterbar</a:t>
-            </a:r>
-          </a:p>
-          <a:p>
-            <a:r>
-              <a:rPr lang="de-DE" dirty="0"/>
-              <a:t>Zusätzliches Modell für die Choreografie</a:t>
-            </a:r>
-          </a:p>
-          <a:p>
-            <a:r>
-              <a:rPr lang="de-DE" dirty="0"/>
-              <a:t>Möglichkeit für die gesamte Darstellung</a:t>
-            </a:r>
-            <a:br>
-              <a:rPr lang="de-DE" dirty="0"/>
-            </a:br>
-            <a:r>
-              <a:rPr lang="de-DE" dirty="0"/>
-              <a:t>einer Prozesslandschaft</a:t>
-            </a:r>
-          </a:p>
-        </p:txBody>
-      </p:sp>
-    </p:spTree>
-    <p:extLst>
-      <p:ext uri="{BB962C8B-B14F-4D97-AF65-F5344CB8AC3E}">
-        <p14:creationId xmlns:p14="http://schemas.microsoft.com/office/powerpoint/2010/main" val="3041083776"/>
-      </p:ext>
-    </p:extLst>
-  </p:cSld>
-  <p:clrMapOvr>
-    <a:masterClrMapping/>
-  </p:clrMapOvr>
-</p:sld>
-</file>
-
-<file path=ppt/slides/slide18.xml><?xml version="1.0" encoding="utf-8"?>
-<p:sld xmlns:a="http://schemas.openxmlformats.org/drawingml/2006/main" xmlns:r="http://schemas.openxmlformats.org/officeDocument/2006/relationships" xmlns:p="http://schemas.openxmlformats.org/presentationml/2006/main">
-  <p:cSld>
-    <p:spTree>
-      <p:nvGrpSpPr>
-        <p:cNvPr id="1" name=""/>
-        <p:cNvGrpSpPr/>
-        <p:nvPr/>
-      </p:nvGrpSpPr>
-      <p:grpSpPr>
-        <a:xfrm>
-          <a:off x="0" y="0"/>
-          <a:ext cx="0" cy="0"/>
-          <a:chOff x="0" y="0"/>
-          <a:chExt cx="0" cy="0"/>
-        </a:xfrm>
-      </p:grpSpPr>
-      <p:sp>
-        <p:nvSpPr>
-          <p:cNvPr id="2" name="Titel 1">
-            <a:extLst>
-              <a:ext uri="{FF2B5EF4-FFF2-40B4-BE49-F238E27FC236}">
                 <a16:creationId xmlns:a16="http://schemas.microsoft.com/office/drawing/2014/main" id="{795A7E6A-3CD7-4D2A-9FB8-486D8F5DE624}"/>
               </a:ext>
             </a:extLst>
@@ -7076,6 +6999,15 @@
                 <a:hlinkClick r:id="rId2"/>
               </a:rPr>
               <a:t>https://de.wikipedia.org/wiki/Business_Process_Model_and_Notation</a:t>
+            </a:r>
+            <a:endParaRPr lang="de-AT" dirty="0"/>
+          </a:p>
+          <a:p>
+            <a:r>
+              <a:rPr lang="de-AT" dirty="0">
+                <a:hlinkClick r:id="rId3"/>
+              </a:rPr>
+              <a:t>https://www.signavio.com/de/bpmn-einfuehrung/#Assoziationen</a:t>
             </a:r>
             <a:endParaRPr lang="de-AT" dirty="0"/>
           </a:p>
@@ -7172,31 +7104,37 @@
           <a:p>
             <a:r>
               <a:rPr lang="de-DE" dirty="0"/>
-              <a:t>Bestandteile</a:t>
+              <a:t>Beziehungen</a:t>
+            </a:r>
+          </a:p>
+          <a:p>
+            <a:r>
+              <a:rPr lang="de-DE" dirty="0"/>
+              <a:t>Ausführung</a:t>
+            </a:r>
+          </a:p>
+          <a:p>
+            <a:r>
+              <a:rPr lang="de-AT" dirty="0"/>
+              <a:t>Notationen</a:t>
+            </a:r>
+          </a:p>
+          <a:p>
+            <a:r>
+              <a:rPr lang="de-AT" dirty="0"/>
+              <a:t>Flow Objects</a:t>
+            </a:r>
+          </a:p>
+          <a:p>
+            <a:r>
+              <a:rPr lang="de-AT" dirty="0"/>
+              <a:t>Connection Objects</a:t>
             </a:r>
           </a:p>
           <a:p>
             <a:r>
               <a:rPr lang="de-DE" dirty="0"/>
               <a:t>Neuerungen in V2</a:t>
-            </a:r>
-          </a:p>
-          <a:p>
-            <a:r>
-              <a:rPr lang="de-DE" dirty="0"/>
-              <a:t>Beziehungen</a:t>
-            </a:r>
-          </a:p>
-          <a:p>
-            <a:r>
-              <a:rPr lang="de-DE" dirty="0"/>
-              <a:t>Ausführung</a:t>
-            </a:r>
-          </a:p>
-          <a:p>
-            <a:r>
-              <a:rPr lang="de-AT" dirty="0"/>
-              <a:t>Notationen</a:t>
             </a:r>
           </a:p>
         </p:txBody>
@@ -7350,7 +7288,7 @@
           <p:cNvPr id="2" name="Titel 1">
             <a:extLst>
               <a:ext uri="{FF2B5EF4-FFF2-40B4-BE49-F238E27FC236}">
-                <a16:creationId xmlns:a16="http://schemas.microsoft.com/office/drawing/2014/main" id="{5AF802C2-33C9-4B49-B58C-EDF10409037C}"/>
+                <a16:creationId xmlns:a16="http://schemas.microsoft.com/office/drawing/2014/main" id="{F3B24308-1D9E-43FF-90A1-AB725CD4D178}"/>
               </a:ext>
             </a:extLst>
           </p:cNvPr>
@@ -7368,7 +7306,7 @@
           <a:p>
             <a:r>
               <a:rPr lang="de-DE" dirty="0"/>
-              <a:t>Bestandteile</a:t>
+              <a:t>Beziehung zu anderen Modellierungssprachen</a:t>
             </a:r>
             <a:endParaRPr lang="de-AT" dirty="0"/>
           </a:p>
@@ -7379,7 +7317,7 @@
           <p:cNvPr id="3" name="Inhaltsplatzhalter 2">
             <a:extLst>
               <a:ext uri="{FF2B5EF4-FFF2-40B4-BE49-F238E27FC236}">
-                <a16:creationId xmlns:a16="http://schemas.microsoft.com/office/drawing/2014/main" id="{7C84D5F9-1977-419B-97E4-6D7C7CB106A5}"/>
+                <a16:creationId xmlns:a16="http://schemas.microsoft.com/office/drawing/2014/main" id="{16208700-FBAB-4E37-AE7D-A4E4034CCFBB}"/>
               </a:ext>
             </a:extLst>
           </p:cNvPr>
@@ -7395,14 +7333,33 @@
           <a:bodyPr/>
           <a:lstStyle/>
           <a:p>
-            <a:endParaRPr lang="de-AT"/>
+            <a:r>
+              <a:rPr lang="de-DE" dirty="0"/>
+              <a:t>Eine Form von Ablaufdiagramm</a:t>
+            </a:r>
+          </a:p>
+          <a:p>
+            <a:r>
+              <a:rPr lang="de-DE" dirty="0"/>
+              <a:t>Verwandt mit anderen Sprachen zur</a:t>
+            </a:r>
+            <a:br>
+              <a:rPr lang="de-DE" dirty="0"/>
+            </a:br>
+            <a:r>
+              <a:rPr lang="de-DE" dirty="0"/>
+              <a:t> Modellierung best. Geschäftsprozesse</a:t>
+            </a:r>
+          </a:p>
+          <a:p>
+            <a:endParaRPr lang="de-AT" dirty="0"/>
           </a:p>
         </p:txBody>
       </p:sp>
     </p:spTree>
     <p:extLst>
       <p:ext uri="{BB962C8B-B14F-4D97-AF65-F5344CB8AC3E}">
-        <p14:creationId xmlns:p14="http://schemas.microsoft.com/office/powerpoint/2010/main" val="519945452"/>
+        <p14:creationId xmlns:p14="http://schemas.microsoft.com/office/powerpoint/2010/main" val="2608318073"/>
       </p:ext>
     </p:extLst>
   </p:cSld>
@@ -7434,7 +7391,7 @@
           <p:cNvPr id="2" name="Titel 1">
             <a:extLst>
               <a:ext uri="{FF2B5EF4-FFF2-40B4-BE49-F238E27FC236}">
-                <a16:creationId xmlns:a16="http://schemas.microsoft.com/office/drawing/2014/main" id="{F3B24308-1D9E-43FF-90A1-AB725CD4D178}"/>
+                <a16:creationId xmlns:a16="http://schemas.microsoft.com/office/drawing/2014/main" id="{79356816-9E55-4FB8-84F9-EEAE03ADACE0}"/>
               </a:ext>
             </a:extLst>
           </p:cNvPr>
@@ -7452,7 +7409,7 @@
           <a:p>
             <a:r>
               <a:rPr lang="de-DE" dirty="0"/>
-              <a:t>Beziehung zu anderen Modellierungssprachen</a:t>
+              <a:t>Ausführung</a:t>
             </a:r>
             <a:endParaRPr lang="de-AT" dirty="0"/>
           </a:p>
@@ -7463,7 +7420,7 @@
           <p:cNvPr id="3" name="Inhaltsplatzhalter 2">
             <a:extLst>
               <a:ext uri="{FF2B5EF4-FFF2-40B4-BE49-F238E27FC236}">
-                <a16:creationId xmlns:a16="http://schemas.microsoft.com/office/drawing/2014/main" id="{16208700-FBAB-4E37-AE7D-A4E4034CCFBB}"/>
+                <a16:creationId xmlns:a16="http://schemas.microsoft.com/office/drawing/2014/main" id="{229942D9-3837-4DF1-83C9-EF9890CD5C92}"/>
               </a:ext>
             </a:extLst>
           </p:cNvPr>
@@ -7481,31 +7438,28 @@
           <a:p>
             <a:r>
               <a:rPr lang="de-DE" dirty="0"/>
-              <a:t>Eine Form von Ablaufdiagramm</a:t>
+              <a:t>BPEL und XPDL</a:t>
             </a:r>
           </a:p>
           <a:p>
             <a:r>
               <a:rPr lang="de-DE" dirty="0"/>
-              <a:t>Verwandt mit anderen Sprachen zur</a:t>
-            </a:r>
-            <a:br>
+              <a:t>Beide XML-basiert</a:t>
+            </a:r>
+            <a:endParaRPr lang="de-AT" dirty="0"/>
+          </a:p>
+          <a:p>
+            <a:r>
               <a:rPr lang="de-DE" dirty="0"/>
-            </a:br>
-            <a:r>
-              <a:rPr lang="de-DE" dirty="0"/>
-              <a:t> Modellierung best. Geschäftsprozesse</a:t>
-            </a:r>
-          </a:p>
-          <a:p>
-            <a:endParaRPr lang="de-AT" dirty="0"/>
+              <a:t>Vorteile von Beide werden eingesetzt</a:t>
+            </a:r>
           </a:p>
         </p:txBody>
       </p:sp>
     </p:spTree>
     <p:extLst>
       <p:ext uri="{BB962C8B-B14F-4D97-AF65-F5344CB8AC3E}">
-        <p14:creationId xmlns:p14="http://schemas.microsoft.com/office/powerpoint/2010/main" val="2608318073"/>
+        <p14:creationId xmlns:p14="http://schemas.microsoft.com/office/powerpoint/2010/main" val="4026244753"/>
       </p:ext>
     </p:extLst>
   </p:cSld>
@@ -7537,7 +7491,7 @@
           <p:cNvPr id="2" name="Titel 1">
             <a:extLst>
               <a:ext uri="{FF2B5EF4-FFF2-40B4-BE49-F238E27FC236}">
-                <a16:creationId xmlns:a16="http://schemas.microsoft.com/office/drawing/2014/main" id="{79356816-9E55-4FB8-84F9-EEAE03ADACE0}"/>
+                <a16:creationId xmlns:a16="http://schemas.microsoft.com/office/drawing/2014/main" id="{5A9DFE2C-1DFE-4570-97E0-5B9FB66D3B65}"/>
               </a:ext>
             </a:extLst>
           </p:cNvPr>
@@ -7555,7 +7509,7 @@
           <a:p>
             <a:r>
               <a:rPr lang="de-DE" dirty="0"/>
-              <a:t>Ausführung</a:t>
+              <a:t>Notationen</a:t>
             </a:r>
             <a:endParaRPr lang="de-AT" dirty="0"/>
           </a:p>
@@ -7566,7 +7520,7 @@
           <p:cNvPr id="3" name="Inhaltsplatzhalter 2">
             <a:extLst>
               <a:ext uri="{FF2B5EF4-FFF2-40B4-BE49-F238E27FC236}">
-                <a16:creationId xmlns:a16="http://schemas.microsoft.com/office/drawing/2014/main" id="{229942D9-3837-4DF1-83C9-EF9890CD5C92}"/>
+                <a16:creationId xmlns:a16="http://schemas.microsoft.com/office/drawing/2014/main" id="{E0715CE8-D1B8-48FF-B0F3-B050D0508DBE}"/>
               </a:ext>
             </a:extLst>
           </p:cNvPr>
@@ -7582,14 +7536,51 @@
           <a:bodyPr/>
           <a:lstStyle/>
           <a:p>
-            <a:endParaRPr lang="de-AT" dirty="0"/>
+            <a:r>
+              <a:rPr lang="de-DE" dirty="0"/>
+              <a:t>Grafische Elemente</a:t>
+            </a:r>
+          </a:p>
+          <a:p>
+            <a:r>
+              <a:rPr lang="de-DE" dirty="0"/>
+              <a:t>Flow Objects</a:t>
+            </a:r>
+          </a:p>
+          <a:p>
+            <a:r>
+              <a:rPr lang="de-DE" dirty="0" err="1"/>
+              <a:t>Connecting</a:t>
+            </a:r>
+            <a:r>
+              <a:rPr lang="de-DE" dirty="0"/>
+              <a:t> Objects</a:t>
+            </a:r>
+          </a:p>
+          <a:p>
+            <a:r>
+              <a:rPr lang="de-DE" dirty="0"/>
+              <a:t>Pools und </a:t>
+            </a:r>
+            <a:r>
+              <a:rPr lang="de-DE" dirty="0" err="1"/>
+              <a:t>Swimlanes</a:t>
+            </a:r>
+            <a:endParaRPr lang="de-DE" dirty="0"/>
+          </a:p>
+          <a:p>
+            <a:r>
+              <a:rPr lang="de-DE" dirty="0" err="1"/>
+              <a:t>Artifacts</a:t>
+            </a:r>
+            <a:endParaRPr lang="de-DE" dirty="0"/>
           </a:p>
         </p:txBody>
       </p:sp>
     </p:spTree>
     <p:extLst>
       <p:ext uri="{BB962C8B-B14F-4D97-AF65-F5344CB8AC3E}">
-        <p14:creationId xmlns:p14="http://schemas.microsoft.com/office/powerpoint/2010/main" val="4026244753"/>
+        <p14:creationId xmlns:p14="http://schemas.microsoft.com/office/powerpoint/2010/main" val="1802424358"/>
       </p:ext>
     </p:extLst>
   </p:cSld>
@@ -7621,7 +7612,7 @@
           <p:cNvPr id="2" name="Titel 1">
             <a:extLst>
               <a:ext uri="{FF2B5EF4-FFF2-40B4-BE49-F238E27FC236}">
-                <a16:creationId xmlns:a16="http://schemas.microsoft.com/office/drawing/2014/main" id="{5A9DFE2C-1DFE-4570-97E0-5B9FB66D3B65}"/>
+                <a16:creationId xmlns:a16="http://schemas.microsoft.com/office/drawing/2014/main" id="{D2A591BF-EE36-4B48-85F6-1DE320674563}"/>
               </a:ext>
             </a:extLst>
           </p:cNvPr>
@@ -7639,78 +7630,16 @@
           <a:p>
             <a:r>
               <a:rPr lang="de-DE" dirty="0"/>
-              <a:t>Notationen</a:t>
+              <a:t>Flow Objects</a:t>
             </a:r>
             <a:endParaRPr lang="de-AT" dirty="0"/>
-          </a:p>
-        </p:txBody>
-      </p:sp>
-      <p:sp>
-        <p:nvSpPr>
-          <p:cNvPr id="3" name="Inhaltsplatzhalter 2">
-            <a:extLst>
-              <a:ext uri="{FF2B5EF4-FFF2-40B4-BE49-F238E27FC236}">
-                <a16:creationId xmlns:a16="http://schemas.microsoft.com/office/drawing/2014/main" id="{E0715CE8-D1B8-48FF-B0F3-B050D0508DBE}"/>
-              </a:ext>
-            </a:extLst>
-          </p:cNvPr>
-          <p:cNvSpPr>
-            <a:spLocks noGrp="1"/>
-          </p:cNvSpPr>
-          <p:nvPr>
-            <p:ph idx="1"/>
-          </p:nvPr>
-        </p:nvSpPr>
-        <p:spPr/>
-        <p:txBody>
-          <a:bodyPr/>
-          <a:lstStyle/>
-          <a:p>
-            <a:r>
-              <a:rPr lang="de-DE" dirty="0"/>
-              <a:t>Grafische Elemente</a:t>
-            </a:r>
-          </a:p>
-          <a:p>
-            <a:r>
-              <a:rPr lang="de-DE" dirty="0"/>
-              <a:t>Flow Objects</a:t>
-            </a:r>
-          </a:p>
-          <a:p>
-            <a:r>
-              <a:rPr lang="de-DE" dirty="0" err="1"/>
-              <a:t>Connecting</a:t>
-            </a:r>
-            <a:r>
-              <a:rPr lang="de-DE" dirty="0"/>
-              <a:t> Objects</a:t>
-            </a:r>
-          </a:p>
-          <a:p>
-            <a:r>
-              <a:rPr lang="de-DE" dirty="0"/>
-              <a:t>Pools und </a:t>
-            </a:r>
-            <a:r>
-              <a:rPr lang="de-DE" dirty="0" err="1"/>
-              <a:t>Swimlanes</a:t>
-            </a:r>
-            <a:endParaRPr lang="de-DE" dirty="0"/>
-          </a:p>
-          <a:p>
-            <a:r>
-              <a:rPr lang="de-DE" dirty="0" err="1"/>
-              <a:t>Artifacts</a:t>
-            </a:r>
-            <a:endParaRPr lang="de-DE" dirty="0"/>
           </a:p>
         </p:txBody>
       </p:sp>
     </p:spTree>
     <p:extLst>
       <p:ext uri="{BB962C8B-B14F-4D97-AF65-F5344CB8AC3E}">
-        <p14:creationId xmlns:p14="http://schemas.microsoft.com/office/powerpoint/2010/main" val="1802424358"/>
+        <p14:creationId xmlns:p14="http://schemas.microsoft.com/office/powerpoint/2010/main" val="3169920075"/>
       </p:ext>
     </p:extLst>
   </p:cSld>
@@ -7739,10 +7668,10 @@
       </p:grpSpPr>
       <p:sp>
         <p:nvSpPr>
-          <p:cNvPr id="2" name="Titel 1">
+          <p:cNvPr id="4" name="Titel 3">
             <a:extLst>
               <a:ext uri="{FF2B5EF4-FFF2-40B4-BE49-F238E27FC236}">
-                <a16:creationId xmlns:a16="http://schemas.microsoft.com/office/drawing/2014/main" id="{D2A591BF-EE36-4B48-85F6-1DE320674563}"/>
+                <a16:creationId xmlns:a16="http://schemas.microsoft.com/office/drawing/2014/main" id="{9EB9BBC8-9933-45AD-B404-3BA8E31B2534}"/>
               </a:ext>
             </a:extLst>
           </p:cNvPr>
@@ -7759,17 +7688,92 @@
           <a:lstStyle/>
           <a:p>
             <a:r>
+              <a:rPr lang="de-DE" dirty="0" err="1"/>
+              <a:t>Activity</a:t>
+            </a:r>
+            <a:endParaRPr lang="de-AT" dirty="0"/>
+          </a:p>
+        </p:txBody>
+      </p:sp>
+      <p:sp>
+        <p:nvSpPr>
+          <p:cNvPr id="5" name="Inhaltsplatzhalter 4">
+            <a:extLst>
+              <a:ext uri="{FF2B5EF4-FFF2-40B4-BE49-F238E27FC236}">
+                <a16:creationId xmlns:a16="http://schemas.microsoft.com/office/drawing/2014/main" id="{FD2B5BBC-BE08-4A45-A921-A7193F452443}"/>
+              </a:ext>
+            </a:extLst>
+          </p:cNvPr>
+          <p:cNvSpPr>
+            <a:spLocks noGrp="1"/>
+          </p:cNvSpPr>
+          <p:nvPr>
+            <p:ph idx="1"/>
+          </p:nvPr>
+        </p:nvSpPr>
+        <p:spPr/>
+        <p:txBody>
+          <a:bodyPr/>
+          <a:lstStyle/>
+          <a:p>
+            <a:r>
               <a:rPr lang="de-DE" dirty="0"/>
-              <a:t>Flow Objects</a:t>
+              <a:t>Beschreibt eine Aufgabe</a:t>
+            </a:r>
+            <a:r>
+              <a:rPr lang="de-AT" dirty="0"/>
+              <a:t> die zu erledigen ist</a:t>
+            </a:r>
+          </a:p>
+          <a:p>
+            <a:r>
+              <a:rPr lang="de-AT" dirty="0"/>
+              <a:t>Einfache </a:t>
+            </a:r>
+            <a:r>
+              <a:rPr lang="de-AT" dirty="0" err="1"/>
+              <a:t>Activities</a:t>
+            </a:r>
+            <a:r>
+              <a:rPr lang="de-AT" dirty="0"/>
+              <a:t>: Task</a:t>
+            </a:r>
+          </a:p>
+          <a:p>
+            <a:r>
+              <a:rPr lang="de-AT" dirty="0"/>
+              <a:t>Komplexe </a:t>
+            </a:r>
+            <a:r>
+              <a:rPr lang="de-AT" dirty="0" err="1"/>
+              <a:t>Activities</a:t>
+            </a:r>
+            <a:r>
+              <a:rPr lang="de-AT" dirty="0"/>
+              <a:t>: </a:t>
+            </a:r>
+            <a:r>
+              <a:rPr lang="de-AT" dirty="0" err="1"/>
+              <a:t>Subprocess</a:t>
             </a:r>
             <a:endParaRPr lang="de-AT" dirty="0"/>
+          </a:p>
+          <a:p>
+            <a:pPr lvl="1"/>
+            <a:r>
+              <a:rPr lang="de-AT" dirty="0"/>
+              <a:t>Unterscheidung zwischen kollabiert und expandiert</a:t>
+            </a:r>
+          </a:p>
+          <a:p>
+            <a:endParaRPr lang="de-DE" dirty="0"/>
           </a:p>
         </p:txBody>
       </p:sp>
     </p:spTree>
     <p:extLst>
       <p:ext uri="{BB962C8B-B14F-4D97-AF65-F5344CB8AC3E}">
-        <p14:creationId xmlns:p14="http://schemas.microsoft.com/office/powerpoint/2010/main" val="3169920075"/>
+        <p14:creationId xmlns:p14="http://schemas.microsoft.com/office/powerpoint/2010/main" val="205241884"/>
       </p:ext>
     </p:extLst>
   </p:cSld>
@@ -7798,10 +7802,10 @@
       </p:grpSpPr>
       <p:sp>
         <p:nvSpPr>
-          <p:cNvPr id="4" name="Titel 3">
+          <p:cNvPr id="2" name="Titel 1">
             <a:extLst>
               <a:ext uri="{FF2B5EF4-FFF2-40B4-BE49-F238E27FC236}">
-                <a16:creationId xmlns:a16="http://schemas.microsoft.com/office/drawing/2014/main" id="{9EB9BBC8-9933-45AD-B404-3BA8E31B2534}"/>
+                <a16:creationId xmlns:a16="http://schemas.microsoft.com/office/drawing/2014/main" id="{BCC63F3D-16E0-49F5-AB26-5FDDB3A3DAA7}"/>
               </a:ext>
             </a:extLst>
           </p:cNvPr>
@@ -7818,8 +7822,8 @@
           <a:lstStyle/>
           <a:p>
             <a:r>
-              <a:rPr lang="de-DE" dirty="0" err="1"/>
-              <a:t>Activity</a:t>
+              <a:rPr lang="de-DE" dirty="0"/>
+              <a:t>Gateway</a:t>
             </a:r>
             <a:endParaRPr lang="de-AT" dirty="0"/>
           </a:p>
@@ -7827,10 +7831,10 @@
       </p:sp>
       <p:sp>
         <p:nvSpPr>
-          <p:cNvPr id="5" name="Inhaltsplatzhalter 4">
+          <p:cNvPr id="3" name="Inhaltsplatzhalter 2">
             <a:extLst>
               <a:ext uri="{FF2B5EF4-FFF2-40B4-BE49-F238E27FC236}">
-                <a16:creationId xmlns:a16="http://schemas.microsoft.com/office/drawing/2014/main" id="{FD2B5BBC-BE08-4A45-A921-A7193F452443}"/>
+                <a16:creationId xmlns:a16="http://schemas.microsoft.com/office/drawing/2014/main" id="{6CD7E7E8-2AAF-4AE8-92BC-B139758F28FD}"/>
               </a:ext>
             </a:extLst>
           </p:cNvPr>
@@ -7848,62 +7852,81 @@
           <a:p>
             <a:r>
               <a:rPr lang="de-DE" dirty="0"/>
-              <a:t>Beschreibt eine Aufgabe</a:t>
-            </a:r>
-            <a:r>
-              <a:rPr lang="de-AT" dirty="0"/>
-              <a:t> die zu erledigen ist</a:t>
-            </a:r>
-          </a:p>
-          <a:p>
-            <a:r>
-              <a:rPr lang="de-AT" dirty="0"/>
-              <a:t>Einfache </a:t>
-            </a:r>
-            <a:r>
-              <a:rPr lang="de-AT" dirty="0" err="1"/>
-              <a:t>Activities</a:t>
-            </a:r>
-            <a:r>
-              <a:rPr lang="de-AT" dirty="0"/>
-              <a:t>: Task</a:t>
-            </a:r>
-          </a:p>
-          <a:p>
-            <a:r>
-              <a:rPr lang="de-AT" dirty="0"/>
-              <a:t>Komplexe </a:t>
-            </a:r>
-            <a:r>
-              <a:rPr lang="de-AT" dirty="0" err="1"/>
-              <a:t>Activities</a:t>
-            </a:r>
-            <a:r>
-              <a:rPr lang="de-AT" dirty="0"/>
-              <a:t>: </a:t>
-            </a:r>
-            <a:r>
-              <a:rPr lang="de-AT" dirty="0" err="1"/>
-              <a:t>Subprocess</a:t>
-            </a:r>
-            <a:endParaRPr lang="de-AT" dirty="0"/>
+              <a:t>Split</a:t>
+            </a:r>
           </a:p>
           <a:p>
             <a:pPr lvl="1"/>
             <a:r>
-              <a:rPr lang="de-AT" dirty="0"/>
-              <a:t>Unterscheidung zwischen kollabiert und expandiert</a:t>
-            </a:r>
-          </a:p>
-          <a:p>
+              <a:rPr lang="de-DE" dirty="0"/>
+              <a:t>Teilt in mehrere Kontrollflüsse auf</a:t>
+            </a:r>
+          </a:p>
+          <a:p>
+            <a:r>
+              <a:rPr lang="de-DE" dirty="0" err="1"/>
+              <a:t>Merge</a:t>
+            </a:r>
             <a:endParaRPr lang="de-DE" dirty="0"/>
           </a:p>
-        </p:txBody>
-      </p:sp>
+          <a:p>
+            <a:pPr lvl="1"/>
+            <a:r>
+              <a:rPr lang="de-DE" dirty="0"/>
+              <a:t>Fügt mehrere Kontrollflüsse zusammen</a:t>
+            </a:r>
+          </a:p>
+          <a:p>
+            <a:r>
+              <a:rPr lang="de-DE" dirty="0"/>
+              <a:t>kann aus einem XOR-, AND- und OR-Gate bestehen</a:t>
+            </a:r>
+          </a:p>
+          <a:p>
+            <a:r>
+              <a:rPr lang="de-DE" dirty="0"/>
+              <a:t>Ereignisgesteuerte: bei bestimmten Event</a:t>
+            </a:r>
+          </a:p>
+          <a:p>
+            <a:endParaRPr lang="de-DE" dirty="0"/>
+          </a:p>
+        </p:txBody>
+      </p:sp>
+      <p:pic>
+        <p:nvPicPr>
+          <p:cNvPr id="7" name="Grafik 6">
+            <a:extLst>
+              <a:ext uri="{FF2B5EF4-FFF2-40B4-BE49-F238E27FC236}">
+                <a16:creationId xmlns:a16="http://schemas.microsoft.com/office/drawing/2014/main" id="{2FD79F63-DF10-4DE3-909D-3E2A0C984CB1}"/>
+              </a:ext>
+            </a:extLst>
+          </p:cNvPr>
+          <p:cNvPicPr>
+            <a:picLocks noChangeAspect="1"/>
+          </p:cNvPicPr>
+          <p:nvPr/>
+        </p:nvPicPr>
+        <p:blipFill>
+          <a:blip r:embed="rId2"/>
+          <a:stretch>
+            <a:fillRect/>
+          </a:stretch>
+        </p:blipFill>
+        <p:spPr>
+          <a:xfrm>
+            <a:off x="2541691" y="5048082"/>
+            <a:ext cx="4867954" cy="1200318"/>
+          </a:xfrm>
+          <a:prstGeom prst="rect">
+            <a:avLst/>
+          </a:prstGeom>
+        </p:spPr>
+      </p:pic>
     </p:spTree>
     <p:extLst>
       <p:ext uri="{BB962C8B-B14F-4D97-AF65-F5344CB8AC3E}">
-        <p14:creationId xmlns:p14="http://schemas.microsoft.com/office/powerpoint/2010/main" val="205241884"/>
+        <p14:creationId xmlns:p14="http://schemas.microsoft.com/office/powerpoint/2010/main" val="2218362454"/>
       </p:ext>
     </p:extLst>
   </p:cSld>
